--- a/trunk/slides/KeyStone ARM A15 CorePac.pptx
+++ b/trunk/slides/KeyStone ARM A15 CorePac.pptx
@@ -327,7 +327,7 @@
               <a:pPr>
                 <a:defRPr/>
               </a:pPr>
-              <a:t>3/11/2013</a:t>
+              <a:t>5/28/2013</a:t>
             </a:fld>
             <a:endParaRPr lang="en-US" dirty="0"/>
           </a:p>
@@ -3877,7 +3877,7 @@
             <a:fld id="{1B8179A2-2F23-44AB-AC94-6CE8F5D0AE56}" type="datetimeFigureOut">
               <a:rPr lang="en-US" smtClean="0"/>
               <a:pPr/>
-              <a:t>3/11/2013</a:t>
+              <a:t>5/28/2013</a:t>
             </a:fld>
             <a:endParaRPr lang="en-US" dirty="0"/>
           </a:p>
@@ -4956,27 +4956,8 @@
                   </a:schemeClr>
                 </a:solidFill>
               </a:rPr>
-              <a:t>Multicore </a:t>
-            </a:r>
-            <a:r>
-              <a:rPr lang="en-US" sz="2800" dirty="0" smtClean="0">
-                <a:solidFill>
-                  <a:schemeClr val="tx1">
-                    <a:lumMod val="75000"/>
-                    <a:lumOff val="25000"/>
-                  </a:schemeClr>
-                </a:solidFill>
-              </a:rPr>
-              <a:t>Applications</a:t>
-            </a:r>
-            <a:endParaRPr lang="en-US" sz="2800" dirty="0" smtClean="0">
-              <a:solidFill>
-                <a:schemeClr val="tx1">
-                  <a:lumMod val="75000"/>
-                  <a:lumOff val="25000"/>
-                </a:schemeClr>
-              </a:solidFill>
-            </a:endParaRPr>
+              <a:t>Multicore Applications</a:t>
+            </a:r>
           </a:p>
         </p:txBody>
       </p:sp>
@@ -5039,15 +5020,7 @@
           <a:p>
             <a:r>
               <a:rPr lang="en-US" sz="4000" dirty="0" smtClean="0"/>
-              <a:t>Cortex A-15 </a:t>
-            </a:r>
-            <a:r>
-              <a:rPr lang="en-US" sz="4000" dirty="0" smtClean="0"/>
-              <a:t>Features: </a:t>
-            </a:r>
-            <a:r>
-              <a:rPr lang="en-US" sz="4000" dirty="0" smtClean="0"/>
-              <a:t>Fetch &amp; Memory</a:t>
+              <a:t>Cortex A-15 Features: Fetch &amp; Memory</a:t>
             </a:r>
             <a:endParaRPr lang="en-US" sz="4000" dirty="0"/>
           </a:p>
@@ -5089,13 +5062,8 @@
           <a:p>
             <a:r>
               <a:rPr lang="en-US" sz="2400" dirty="0" smtClean="0"/>
-              <a:t>L1D and </a:t>
-            </a:r>
-            <a:r>
-              <a:rPr lang="en-US" sz="2400" dirty="0" smtClean="0"/>
-              <a:t>L1P:</a:t>
-            </a:r>
-            <a:endParaRPr lang="en-US" sz="2400" dirty="0" smtClean="0"/>
+              <a:t>L1D and L1P:</a:t>
+            </a:r>
           </a:p>
           <a:p>
             <a:pPr lvl="1"/>
@@ -5490,27 +5458,7 @@
             </a:pPr>
             <a:r>
               <a:rPr lang="en-US" sz="2800" dirty="0" smtClean="0"/>
-              <a:t>NEON registers load </a:t>
-            </a:r>
-            <a:r>
-              <a:rPr lang="en-US" sz="2800" dirty="0" smtClean="0"/>
-              <a:t>and store data into 64-bit registers from memory with </a:t>
-            </a:r>
-            <a:r>
-              <a:rPr lang="en-US" sz="2800" dirty="0" smtClean="0"/>
-              <a:t>on-the-fly </a:t>
-            </a:r>
-            <a:r>
-              <a:rPr lang="en-US" sz="2800" dirty="0" smtClean="0"/>
-              <a:t>interleave, as shown in this diagram </a:t>
-            </a:r>
-            <a:r>
-              <a:rPr lang="en-US" sz="2800" dirty="0" smtClean="0"/>
-              <a:t>(Source: ARM </a:t>
-            </a:r>
-            <a:r>
-              <a:rPr lang="en-US" sz="2800" dirty="0" smtClean="0"/>
-              <a:t>Compiler </a:t>
+              <a:t>NEON registers load and store data into 64-bit registers from memory with on-the-fly interleave, as shown in this diagram (Source: ARM Compiler </a:t>
             </a:r>
             <a:r>
               <a:rPr lang="en-US" sz="2800" dirty="0" err="1" smtClean="0"/>
@@ -5518,21 +5466,8 @@
             </a:r>
             <a:r>
               <a:rPr lang="en-US" sz="2800" dirty="0" smtClean="0"/>
-              <a:t> </a:t>
-            </a:r>
-            <a:r>
-              <a:rPr lang="en-US" sz="2800" dirty="0" smtClean="0"/>
-              <a:t>Assembler </a:t>
-            </a:r>
-            <a:r>
-              <a:rPr lang="en-US" sz="2800" dirty="0" smtClean="0"/>
-              <a:t>Reference</a:t>
-            </a:r>
-            <a:r>
-              <a:rPr lang="en-US" sz="2800" dirty="0" smtClean="0"/>
-              <a:t>; DUI0489C).</a:t>
-            </a:r>
-            <a:endParaRPr lang="en-US" sz="2800" dirty="0" smtClean="0"/>
+              <a:t> Assembler Reference; DUI0489C).</a:t>
+            </a:r>
           </a:p>
         </p:txBody>
       </p:sp>
@@ -5804,21 +5739,8 @@
           <a:p>
             <a:r>
               <a:rPr lang="en-US" sz="2800" dirty="0" smtClean="0"/>
-              <a:t>Native (hardware) support for all IEEE-defined floating-point operations and rounding modes; </a:t>
-            </a:r>
-            <a:r>
-              <a:rPr lang="en-US" sz="2800" dirty="0" smtClean="0"/>
-              <a:t>Single- </a:t>
-            </a:r>
-            <a:r>
-              <a:rPr lang="en-US" sz="2800" dirty="0" smtClean="0"/>
-              <a:t>and </a:t>
-            </a:r>
-            <a:r>
-              <a:rPr lang="en-US" sz="2800" dirty="0" smtClean="0"/>
-              <a:t>double-precision</a:t>
-            </a:r>
-            <a:endParaRPr lang="en-US" sz="2800" dirty="0" smtClean="0"/>
+              <a:t>Native (hardware) support for all IEEE-defined floating-point operations and rounding modes; Single- and double-precision</a:t>
+            </a:r>
           </a:p>
           <a:p>
             <a:r>
@@ -6094,15 +6016,7 @@
           <a:p>
             <a:r>
               <a:rPr lang="en-US" sz="2800" dirty="0" smtClean="0"/>
-              <a:t>Large physical </a:t>
-            </a:r>
-            <a:r>
-              <a:rPr lang="en-US" sz="2800" dirty="0" smtClean="0"/>
-              <a:t>addressing; </a:t>
-            </a:r>
-            <a:r>
-              <a:rPr lang="en-US" sz="2800" dirty="0" smtClean="0"/>
-              <a:t>40-bit (1TB)</a:t>
+              <a:t>Large physical addressing; 40-bit (1TB)</a:t>
             </a:r>
           </a:p>
           <a:p>
@@ -6122,41 +6036,21 @@
             <a:pPr lvl="1"/>
             <a:r>
               <a:rPr lang="en-US" sz="2400" dirty="0" smtClean="0"/>
-              <a:t>Translation Lookaside Buffers (TLB) cache one page of address translations per entry to speed up </a:t>
-            </a:r>
-            <a:r>
-              <a:rPr lang="en-US" sz="2400" dirty="0" smtClean="0"/>
-              <a:t>the translation process:</a:t>
+              <a:t>Translation Lookaside Buffers (TLB) cache one page of address translations per entry to speed up the translation process:</a:t>
             </a:r>
           </a:p>
           <a:p>
             <a:pPr lvl="2"/>
             <a:r>
               <a:rPr lang="en-US" dirty="0" smtClean="0"/>
-              <a:t>L1 </a:t>
-            </a:r>
+              <a:t>L1 instruction access</a:t>
+            </a:r>
+          </a:p>
+          <a:p>
+            <a:pPr lvl="2"/>
             <a:r>
               <a:rPr lang="en-US" dirty="0" smtClean="0"/>
-              <a:t>instruction </a:t>
-            </a:r>
-            <a:r>
-              <a:rPr lang="en-US" dirty="0" smtClean="0"/>
-              <a:t>access</a:t>
-            </a:r>
-          </a:p>
-          <a:p>
-            <a:pPr lvl="2"/>
-            <a:r>
-              <a:rPr lang="en-US" dirty="0" smtClean="0"/>
-              <a:t>L1 </a:t>
-            </a:r>
-            <a:r>
-              <a:rPr lang="en-US" dirty="0" smtClean="0"/>
-              <a:t>data </a:t>
-            </a:r>
-            <a:r>
-              <a:rPr lang="en-US" dirty="0" smtClean="0"/>
-              <a:t>access</a:t>
+              <a:t>L1 data access</a:t>
             </a:r>
           </a:p>
           <a:p>
@@ -6165,7 +6059,6 @@
               <a:rPr lang="en-US" dirty="0" smtClean="0"/>
               <a:t>L2 TLB</a:t>
             </a:r>
-            <a:endParaRPr lang="en-US" dirty="0" smtClean="0"/>
           </a:p>
           <a:p>
             <a:pPr>
@@ -7677,11 +7570,7 @@
           <a:p>
             <a:r>
               <a:rPr lang="en-US" sz="4000" dirty="0" smtClean="0"/>
-              <a:t>Two-Stage MMU: </a:t>
-            </a:r>
-            <a:r>
-              <a:rPr lang="en-US" sz="4000" dirty="0" smtClean="0"/>
-              <a:t>Guest to Supervisor </a:t>
+              <a:t>Two-Stage MMU: Guest to Supervisor </a:t>
             </a:r>
             <a:endParaRPr lang="en-US" sz="4000" dirty="0"/>
           </a:p>
@@ -7725,7 +7614,7 @@
 </file>
 
 <file path=ppt/slides/slide21.xml><?xml version="1.0" encoding="utf-8"?>
-<p:sld xmlns:a="http://schemas.openxmlformats.org/drawingml/2006/main" xmlns:r="http://schemas.openxmlformats.org/officeDocument/2006/relationships" xmlns:p="http://schemas.openxmlformats.org/presentationml/2006/main">
+<p:sld xmlns:a="http://schemas.openxmlformats.org/drawingml/2006/main" xmlns:r="http://schemas.openxmlformats.org/officeDocument/2006/relationships" xmlns:p="http://schemas.openxmlformats.org/presentationml/2006/main" show="0">
   <p:cSld>
     <p:spTree>
       <p:nvGrpSpPr>
@@ -7765,15 +7654,7 @@
           <a:p>
             <a:r>
               <a:rPr lang="en-US" sz="3600" dirty="0" smtClean="0"/>
-              <a:t>Two-Stage </a:t>
-            </a:r>
-            <a:r>
-              <a:rPr lang="en-US" sz="3600" dirty="0" smtClean="0"/>
-              <a:t>MMU:</a:t>
-            </a:r>
-            <a:r>
-              <a:rPr lang="en-US" sz="3600" dirty="0" smtClean="0"/>
-              <a:t/>
+              <a:t>Two-Stage MMU:</a:t>
             </a:r>
             <a:br>
               <a:rPr lang="en-US" sz="3600" dirty="0" smtClean="0"/>
@@ -7800,7 +7681,7 @@
         </p:xfrm>
         <a:graphic>
           <a:graphicData uri="http://schemas.openxmlformats.org/presentationml/2006/ole">
-            <p:oleObj spid="_x0000_s72705" name="Visio" r:id="rId3" imgW="9173985" imgH="6813955" progId="">
+            <p:oleObj spid="_x0000_s72705" name="Visio" r:id="rId3" imgW="9173985" imgH="6813955" progId="Visio.Drawing.11">
               <p:embed/>
             </p:oleObj>
           </a:graphicData>
@@ -8031,11 +7912,7 @@
           <a:p>
             <a:r>
               <a:rPr lang="en-US" sz="3200" dirty="0" smtClean="0"/>
-              <a:t>Two-Stage MMU: Stage </a:t>
-            </a:r>
-            <a:r>
-              <a:rPr lang="en-US" sz="3200" dirty="0" smtClean="0"/>
-              <a:t>Two</a:t>
+              <a:t>Two-Stage MMU: Stage Two</a:t>
             </a:r>
             <a:endParaRPr lang="en-US" sz="3200" dirty="0"/>
           </a:p>
@@ -8106,13 +7983,7 @@
               <a:rPr lang="en-US" sz="2800" dirty="0" smtClean="0">
                 <a:hlinkClick r:id="rId3"/>
               </a:rPr>
-              <a:t>Virtualization </a:t>
-            </a:r>
-            <a:r>
-              <a:rPr lang="en-US" sz="2800" dirty="0" smtClean="0">
-                <a:hlinkClick r:id="rId3"/>
-              </a:rPr>
-              <a:t>is Coming to a Platform Near You</a:t>
+              <a:t>Virtualization is Coming to a Platform Near You</a:t>
             </a:r>
             <a:endParaRPr lang="en-US" sz="2400" dirty="0" smtClean="0"/>
           </a:p>
@@ -8590,7 +8461,7 @@
         </p:xfrm>
         <a:graphic>
           <a:graphicData uri="http://schemas.openxmlformats.org/presentationml/2006/ole">
-            <p:oleObj spid="_x0000_s100354" name="Visio" r:id="rId3" imgW="6549693" imgH="5635473" progId="">
+            <p:oleObj spid="_x0000_s100354" name="Visio" r:id="rId3" imgW="6549693" imgH="5635473" progId="Visio.Drawing.11">
               <p:embed/>
             </p:oleObj>
           </a:graphicData>
@@ -14226,7 +14097,7 @@
 </file>
 
 <file path=ppt/slides/slide38.xml><?xml version="1.0" encoding="utf-8"?>
-<p:sld xmlns:a="http://schemas.openxmlformats.org/drawingml/2006/main" xmlns:r="http://schemas.openxmlformats.org/officeDocument/2006/relationships" xmlns:p="http://schemas.openxmlformats.org/presentationml/2006/main">
+<p:sld xmlns:a="http://schemas.openxmlformats.org/drawingml/2006/main" xmlns:r="http://schemas.openxmlformats.org/officeDocument/2006/relationships" xmlns:p="http://schemas.openxmlformats.org/presentationml/2006/main" show="0">
   <p:cSld>
     <p:spTree>
       <p:nvGrpSpPr>
@@ -14336,6 +14207,7 @@
   <p:clrMapOvr>
     <a:masterClrMapping/>
   </p:clrMapOvr>
+  <p:transition/>
   <p:timing>
     <p:tnLst>
       <p:par>
@@ -14443,64 +14315,32 @@
             <a:pPr lvl="1"/>
             <a:r>
               <a:rPr lang="en-US" sz="2200" dirty="0" smtClean="0"/>
-              <a:t>1 bit error </a:t>
-            </a:r>
+              <a:t>1 bit error correct</a:t>
+            </a:r>
+          </a:p>
+          <a:p>
+            <a:pPr lvl="1"/>
             <a:r>
               <a:rPr lang="en-US" sz="2200" dirty="0" smtClean="0"/>
-              <a:t>correct</a:t>
-            </a:r>
-          </a:p>
-          <a:p>
-            <a:pPr lvl="1"/>
+              <a:t>2 bits error detect</a:t>
+            </a:r>
+          </a:p>
+          <a:p>
             <a:r>
               <a:rPr lang="en-US" sz="2200" dirty="0" smtClean="0"/>
-              <a:t>2 </a:t>
-            </a:r>
+              <a:t>L1 hit: 4 cycles latency (4 stage load pipeline, can be hidden)</a:t>
+            </a:r>
+          </a:p>
+          <a:p>
             <a:r>
               <a:rPr lang="en-US" sz="2200" dirty="0" smtClean="0"/>
-              <a:t>bits error detect</a:t>
+              <a:t>L1 miss, L2 hit: 20 cycles (4MB) or less (16 cycles 1MB)</a:t>
             </a:r>
           </a:p>
           <a:p>
             <a:r>
               <a:rPr lang="en-US" sz="2200" dirty="0" smtClean="0"/>
-              <a:t>L1 </a:t>
-            </a:r>
-            <a:r>
-              <a:rPr lang="en-US" sz="2200" dirty="0" smtClean="0"/>
-              <a:t>hit: 4 </a:t>
-            </a:r>
-            <a:r>
-              <a:rPr lang="en-US" sz="2200" dirty="0" smtClean="0"/>
-              <a:t>cycles latency (4 stage load pipeline, can be hidden)</a:t>
-            </a:r>
-          </a:p>
-          <a:p>
-            <a:r>
-              <a:rPr lang="en-US" sz="2200" dirty="0" smtClean="0"/>
-              <a:t>L1 miss, L2 </a:t>
-            </a:r>
-            <a:r>
-              <a:rPr lang="en-US" sz="2200" dirty="0" smtClean="0"/>
-              <a:t>hit: </a:t>
-            </a:r>
-            <a:r>
-              <a:rPr lang="en-US" sz="2200" dirty="0" smtClean="0"/>
-              <a:t>20 cycles (4MB) or less (16 cycles 1MB)</a:t>
-            </a:r>
-          </a:p>
-          <a:p>
-            <a:r>
-              <a:rPr lang="en-US" sz="2200" dirty="0" smtClean="0"/>
-              <a:t>L2 miss MSMC </a:t>
-            </a:r>
-            <a:r>
-              <a:rPr lang="en-US" sz="2200" dirty="0" smtClean="0"/>
-              <a:t>SRAM </a:t>
-            </a:r>
-            <a:r>
-              <a:rPr lang="en-US" sz="2200" dirty="0" smtClean="0"/>
-              <a:t>~50 cycles</a:t>
+              <a:t>L2 miss MSMC SRAM ~50 cycles</a:t>
             </a:r>
           </a:p>
           <a:p>
@@ -14689,11 +14529,7 @@
             </a:pPr>
             <a:r>
               <a:rPr lang="en-US" sz="2000" dirty="0" smtClean="0"/>
-              <a:t>64-byte </a:t>
-            </a:r>
-            <a:r>
-              <a:rPr lang="en-US" sz="2000" dirty="0" smtClean="0"/>
-              <a:t>L1 D cache line (up to 6 outstanding requests)</a:t>
+              <a:t>64-byte L1 D cache line (up to 6 outstanding requests)</a:t>
             </a:r>
           </a:p>
           <a:p>
@@ -14712,22 +14548,11 @@
                 <a:ea typeface="+mn-ea"/>
                 <a:cs typeface="+mn-cs"/>
               </a:rPr>
-              <a:t>L2 Memory</a:t>
-            </a:r>
-            <a:r>
-              <a:rPr lang="en-US" sz="2000" dirty="0" smtClean="0">
-                <a:ea typeface="+mn-ea"/>
-                <a:cs typeface="+mn-cs"/>
-              </a:rPr>
-              <a:t>: </a:t>
+              <a:t>L2 Memory: </a:t>
             </a:r>
             <a:r>
               <a:rPr lang="en-US" sz="2000" dirty="0" smtClean="0"/>
-              <a:t>4 MB L2 Cache is shared between the 1 to 4 ARM A-15 </a:t>
-            </a:r>
-            <a:r>
-              <a:rPr lang="en-US" sz="2000" dirty="0" smtClean="0"/>
-              <a:t>core(s)</a:t>
+              <a:t>4 MB L2 Cache is shared between the 1 to 4 ARM A-15 core(s)</a:t>
             </a:r>
           </a:p>
           <a:p>
@@ -14741,15 +14566,7 @@
             </a:pPr>
             <a:r>
               <a:rPr lang="en-US" sz="1600" dirty="0" smtClean="0"/>
-              <a:t>4 </a:t>
-            </a:r>
-            <a:r>
-              <a:rPr lang="en-US" sz="1600" dirty="0" smtClean="0"/>
-              <a:t>tag </a:t>
-            </a:r>
-            <a:r>
-              <a:rPr lang="en-US" sz="1600" dirty="0" smtClean="0"/>
-              <a:t>banks</a:t>
+              <a:t>4 tag banks</a:t>
             </a:r>
           </a:p>
           <a:p>
@@ -14763,17 +14580,8 @@
             </a:pPr>
             <a:r>
               <a:rPr lang="en-US" sz="1600" dirty="0" smtClean="0"/>
-              <a:t>4 </a:t>
-            </a:r>
-            <a:r>
-              <a:rPr lang="en-US" sz="1600" dirty="0" smtClean="0"/>
-              <a:t>data </a:t>
-            </a:r>
-            <a:r>
-              <a:rPr lang="en-US" sz="1600" dirty="0" smtClean="0"/>
-              <a:t>banks</a:t>
-            </a:r>
-            <a:endParaRPr lang="en-US" sz="1600" dirty="0" smtClean="0"/>
+              <a:t>4 data banks</a:t>
+            </a:r>
           </a:p>
           <a:p>
             <a:pPr marL="227013" indent="-227013" eaLnBrk="1" hangingPunct="1">
@@ -14786,11 +14594,7 @@
             </a:pPr>
             <a:r>
               <a:rPr lang="en-US" sz="2000" dirty="0" smtClean="0"/>
-              <a:t>64-byte </a:t>
-            </a:r>
-            <a:r>
-              <a:rPr lang="en-US" sz="2000" dirty="0" smtClean="0"/>
-              <a:t>cache line</a:t>
+              <a:t>64-byte cache line</a:t>
             </a:r>
           </a:p>
         </p:txBody>
@@ -14829,7 +14633,7 @@
     </p:custDataLst>
     <p:extLst>
       <p:ext uri="{BB962C8B-B14F-4D97-AF65-F5344CB8AC3E}">
-        <p14:creationId xmlns="" xmlns:p14="http://schemas.microsoft.com/office/powerpoint/2010/main" val="3469200570"/>
+        <p14:creationId xmlns:p14="http://schemas.microsoft.com/office/powerpoint/2010/main" xmlns="" val="3469200570"/>
       </p:ext>
     </p:extLst>
   </p:cSld>
@@ -14847,7 +14651,7 @@
 </file>
 
 <file path=ppt/slides/slide40.xml><?xml version="1.0" encoding="utf-8"?>
-<p:sld xmlns:a="http://schemas.openxmlformats.org/drawingml/2006/main" xmlns:r="http://schemas.openxmlformats.org/officeDocument/2006/relationships" xmlns:p="http://schemas.openxmlformats.org/presentationml/2006/main">
+<p:sld xmlns:a="http://schemas.openxmlformats.org/drawingml/2006/main" xmlns:r="http://schemas.openxmlformats.org/officeDocument/2006/relationships" xmlns:p="http://schemas.openxmlformats.org/presentationml/2006/main" show="0">
   <p:cSld>
     <p:spTree>
       <p:nvGrpSpPr>
@@ -14945,6 +14749,7 @@
   <p:clrMapOvr>
     <a:masterClrMapping/>
   </p:clrMapOvr>
+  <p:transition/>
   <p:timing>
     <p:tnLst>
       <p:par>
@@ -15256,7 +15061,6 @@
               <a:rPr lang="en-US" dirty="0" smtClean="0"/>
               <a:t>Memory Bandwidth Benchmarks</a:t>
             </a:r>
-            <a:endParaRPr lang="en-US" dirty="0" smtClean="0"/>
           </a:p>
         </p:txBody>
       </p:sp>
@@ -15270,7 +15074,7 @@
             <p:ph idx="1"/>
             <p:extLst>
               <p:ext uri="{D42A27DB-BD31-4B8C-83A1-F6EECF244321}">
-                <p14:modId xmlns:p14="http://schemas.microsoft.com/office/powerpoint/2010/main" xmlns="" val="1659503329"/>
+                <p14:modId xmlns="" xmlns:p14="http://schemas.microsoft.com/office/powerpoint/2010/main" val="1659503329"/>
               </p:ext>
             </p:extLst>
           </p:nvPr>
@@ -15866,15 +15670,7 @@
             </a:r>
             <a:r>
               <a:rPr lang="en-US" sz="1800" dirty="0" smtClean="0"/>
-              <a:t> industry standard benchmark for </a:t>
-            </a:r>
-            <a:r>
-              <a:rPr lang="en-US" sz="1800" dirty="0" smtClean="0"/>
-              <a:t>measurements </a:t>
-            </a:r>
-            <a:r>
-              <a:rPr lang="en-US" sz="1800" dirty="0" smtClean="0"/>
-              <a:t>of computer memory bandwidth.</a:t>
+              <a:t> industry standard benchmark for measurements of computer memory bandwidth.</a:t>
             </a:r>
           </a:p>
           <a:p>
@@ -16298,19 +16094,7 @@
               <a:rPr lang="en-US" altLang="ko-KR" sz="2000" kern="1200" dirty="0" smtClean="0">
                 <a:latin typeface="Arial" pitchFamily="34" charset="0"/>
               </a:rPr>
-              <a:t>Software generated (</a:t>
-            </a:r>
-            <a:r>
-              <a:rPr lang="en-US" altLang="ko-KR" sz="2000" kern="1200" dirty="0" smtClean="0">
-                <a:latin typeface="Arial" pitchFamily="34" charset="0"/>
-              </a:rPr>
-              <a:t>SGI) </a:t>
-            </a:r>
-            <a:r>
-              <a:rPr lang="en-US" altLang="ko-KR" sz="2000" kern="1200" dirty="0" smtClean="0">
-                <a:latin typeface="Arial" pitchFamily="34" charset="0"/>
-              </a:rPr>
-              <a:t>by ARM core</a:t>
+              <a:t>Software generated (SGI) by ARM core</a:t>
             </a:r>
           </a:p>
           <a:p>
@@ -16415,11 +16199,7 @@
             </a:br>
             <a:r>
               <a:rPr lang="en-US" altLang="ko-KR" sz="3600" dirty="0" smtClean="0"/>
-              <a:t>Distributor </a:t>
-            </a:r>
-            <a:r>
-              <a:rPr lang="en-US" altLang="ko-KR" sz="3600" dirty="0" smtClean="0"/>
-              <a:t>Side</a:t>
+              <a:t>Distributor Side</a:t>
             </a:r>
           </a:p>
         </p:txBody>
@@ -16518,7 +16298,7 @@
 </file>
 
 <file path=ppt/slides/slide48.xml><?xml version="1.0" encoding="utf-8"?>
-<p:sld xmlns:a="http://schemas.openxmlformats.org/drawingml/2006/main" xmlns:r="http://schemas.openxmlformats.org/officeDocument/2006/relationships" xmlns:p="http://schemas.openxmlformats.org/presentationml/2006/main" show="0">
+<p:sld xmlns:a="http://schemas.openxmlformats.org/drawingml/2006/main" xmlns:r="http://schemas.openxmlformats.org/officeDocument/2006/relationships" xmlns:p="http://schemas.openxmlformats.org/presentationml/2006/main">
   <p:cSld>
     <p:spTree>
       <p:nvGrpSpPr>
@@ -16742,7 +16522,7 @@
         </p:xfrm>
         <a:graphic>
           <a:graphicData uri="http://schemas.openxmlformats.org/presentationml/2006/ole">
-            <p:oleObj spid="_x0000_s52226" name="Visio" r:id="rId3" imgW="4384167" imgH="3355467" progId="">
+            <p:oleObj spid="_x0000_s52226" name="Visio" r:id="rId3" imgW="4384167" imgH="3355467" progId="Visio.Drawing.11">
               <p:embed/>
             </p:oleObj>
           </a:graphicData>
@@ -16927,23 +16707,7 @@
             </a:pPr>
             <a:r>
               <a:rPr lang="en-US" sz="2000" dirty="0" smtClean="0"/>
-              <a:t>Configured </a:t>
-            </a:r>
-            <a:r>
-              <a:rPr lang="en-US" sz="2000" dirty="0" smtClean="0"/>
-              <a:t>64/128-bit </a:t>
-            </a:r>
-            <a:r>
-              <a:rPr lang="en-US" sz="2000" dirty="0" smtClean="0"/>
-              <a:t>AMBA interface and </a:t>
-            </a:r>
-            <a:r>
-              <a:rPr lang="en-US" sz="2000" dirty="0" smtClean="0"/>
-              <a:t>64/128-bit Accelerator Coherency Support </a:t>
-            </a:r>
-            <a:r>
-              <a:rPr lang="en-US" sz="2000" dirty="0" smtClean="0"/>
-              <a:t>(ACP)</a:t>
+              <a:t>Configured 64/128-bit AMBA interface and 64/128-bit Accelerator Coherency Support (ACP)</a:t>
             </a:r>
           </a:p>
           <a:p>
@@ -17007,7 +16771,7 @@
     </p:custDataLst>
     <p:extLst>
       <p:ext uri="{BB962C8B-B14F-4D97-AF65-F5344CB8AC3E}">
-        <p14:creationId xmlns="" xmlns:p14="http://schemas.microsoft.com/office/powerpoint/2010/main" val="3469200570"/>
+        <p14:creationId xmlns:p14="http://schemas.microsoft.com/office/powerpoint/2010/main" xmlns="" val="3469200570"/>
       </p:ext>
     </p:extLst>
   </p:cSld>
@@ -17565,117 +17329,58 @@
           <a:p>
             <a:r>
               <a:rPr lang="en-US" sz="2400" dirty="0" smtClean="0"/>
-              <a:t>PMU (Performance </a:t>
-            </a:r>
+              <a:t>PMU (Performance Monitoring Unit) is a set of counters that can gathers statistics various processor and memory events.</a:t>
+            </a:r>
+          </a:p>
+          <a:p>
             <a:r>
               <a:rPr lang="en-US" sz="2400" dirty="0" smtClean="0"/>
-              <a:t>Monitoring </a:t>
+              <a:t>System Trace </a:t>
+            </a:r>
+            <a:r>
+              <a:rPr lang="en-US" sz="2400" dirty="0" err="1" smtClean="0"/>
+              <a:t>Macrocell</a:t>
             </a:r>
             <a:r>
               <a:rPr lang="en-US" sz="2400" dirty="0" smtClean="0"/>
-              <a:t>Unit) is a set of counters </a:t>
-            </a:r>
+              <a:t> (STM) provides:</a:t>
+            </a:r>
+          </a:p>
+          <a:p>
+            <a:pPr lvl="1"/>
             <a:r>
               <a:rPr lang="en-US" sz="2400" dirty="0" smtClean="0"/>
-              <a:t>that can </a:t>
-            </a:r>
+              <a:t>Logic to control the trace</a:t>
+            </a:r>
+          </a:p>
+          <a:p>
+            <a:pPr lvl="1"/>
             <a:r>
               <a:rPr lang="en-US" sz="2400" dirty="0" smtClean="0"/>
-              <a:t>gathers statistics</a:t>
+              <a:t>Path to move the trace data outside</a:t>
+            </a:r>
+          </a:p>
+          <a:p>
+            <a:r>
+              <a:rPr lang="en-US" sz="2400" dirty="0" smtClean="0"/>
+              <a:t>Embedded Cross Trigger (ECT) unit enables an event from one </a:t>
+            </a:r>
+            <a:r>
+              <a:rPr lang="en-US" sz="2400" dirty="0" err="1" smtClean="0"/>
+              <a:t>CorePac</a:t>
+            </a:r>
+            <a:r>
+              <a:rPr lang="en-US" sz="2400" dirty="0" smtClean="0"/>
+              <a:t> to trigger a trace at another </a:t>
+            </a:r>
+            <a:r>
+              <a:rPr lang="en-US" sz="2400" dirty="0" err="1" smtClean="0"/>
+              <a:t>CorePac</a:t>
             </a:r>
             <a:r>
               <a:rPr lang="en-US" sz="2400" dirty="0" smtClean="0"/>
               <a:t> </a:t>
             </a:r>
-            <a:r>
-              <a:rPr lang="en-US" sz="2400" dirty="0" smtClean="0"/>
-              <a:t>various </a:t>
-            </a:r>
-            <a:r>
-              <a:rPr lang="en-US" sz="2400" dirty="0" smtClean="0"/>
-              <a:t>processor and memory events.</a:t>
-            </a:r>
-            <a:endParaRPr lang="en-US" sz="2400" dirty="0" smtClean="0"/>
-          </a:p>
-          <a:p>
-            <a:r>
-              <a:rPr lang="en-US" sz="2400" dirty="0" smtClean="0"/>
-              <a:t>System Trace </a:t>
-            </a:r>
-            <a:r>
-              <a:rPr lang="en-US" sz="2400" dirty="0" err="1" smtClean="0"/>
-              <a:t>Macrocell</a:t>
-            </a:r>
-            <a:r>
-              <a:rPr lang="en-US" sz="2400" dirty="0" smtClean="0"/>
-              <a:t> </a:t>
-            </a:r>
-            <a:r>
-              <a:rPr lang="en-US" sz="2400" dirty="0" smtClean="0"/>
-              <a:t>(STM) provides:</a:t>
-            </a:r>
-            <a:endParaRPr lang="en-US" sz="2400" dirty="0" smtClean="0"/>
-          </a:p>
-          <a:p>
-            <a:pPr lvl="1"/>
-            <a:r>
-              <a:rPr lang="en-US" sz="2400" dirty="0" smtClean="0"/>
-              <a:t>Logic to control the trace</a:t>
-            </a:r>
-          </a:p>
-          <a:p>
-            <a:pPr lvl="1"/>
-            <a:r>
-              <a:rPr lang="en-US" sz="2400" dirty="0" smtClean="0"/>
-              <a:t>Path to move the trace data outside</a:t>
-            </a:r>
-          </a:p>
-          <a:p>
-            <a:r>
-              <a:rPr lang="en-US" sz="2400" dirty="0" smtClean="0"/>
-              <a:t>Embedded Cross </a:t>
-            </a:r>
-            <a:r>
-              <a:rPr lang="en-US" sz="2400" dirty="0" smtClean="0"/>
-              <a:t>T</a:t>
-            </a:r>
-            <a:r>
-              <a:rPr lang="en-US" sz="2400" dirty="0" smtClean="0"/>
-              <a:t>rigger (ECT) unit enables an event </a:t>
-            </a:r>
-            <a:r>
-              <a:rPr lang="en-US" sz="2400" dirty="0" smtClean="0"/>
-              <a:t>from one </a:t>
-            </a:r>
-            <a:r>
-              <a:rPr lang="en-US" sz="2400" dirty="0" err="1" smtClean="0"/>
-              <a:t>CorePac</a:t>
-            </a:r>
-            <a:r>
-              <a:rPr lang="en-US" sz="2400" dirty="0" smtClean="0"/>
-              <a:t> </a:t>
-            </a:r>
-            <a:r>
-              <a:rPr lang="en-US" sz="2400" dirty="0" smtClean="0"/>
-              <a:t>to trigger </a:t>
-            </a:r>
-            <a:r>
-              <a:rPr lang="en-US" sz="2400" dirty="0" smtClean="0"/>
-              <a:t>a trace </a:t>
-            </a:r>
-            <a:r>
-              <a:rPr lang="en-US" sz="2400" dirty="0" smtClean="0"/>
-              <a:t>at another </a:t>
-            </a:r>
-            <a:r>
-              <a:rPr lang="en-US" sz="2400" dirty="0" err="1" smtClean="0"/>
-              <a:t>CorePac</a:t>
-            </a:r>
-            <a:r>
-              <a:rPr lang="en-US" sz="2400" dirty="0" smtClean="0"/>
-              <a:t> </a:t>
-            </a:r>
-            <a:endParaRPr lang="en-US" sz="2400" dirty="0" smtClean="0"/>
           </a:p>
         </p:txBody>
       </p:sp>
@@ -17779,11 +17484,7 @@
           <a:p>
             <a:r>
               <a:rPr lang="en-US" sz="2800" dirty="0" smtClean="0"/>
-              <a:t>ARM hardware debug registers facilitate </a:t>
-            </a:r>
-            <a:r>
-              <a:rPr lang="en-US" sz="2800" dirty="0" smtClean="0"/>
-              <a:t>debugging.</a:t>
+              <a:t>ARM hardware debug registers facilitate debugging.</a:t>
             </a:r>
             <a:endParaRPr lang="en-US" sz="2800" dirty="0"/>
           </a:p>
@@ -17808,7 +17509,7 @@
 </file>
 
 <file path=ppt/slides/slide56.xml><?xml version="1.0" encoding="utf-8"?>
-<p:sld xmlns:a="http://schemas.openxmlformats.org/drawingml/2006/main" xmlns:r="http://schemas.openxmlformats.org/officeDocument/2006/relationships" xmlns:p="http://schemas.openxmlformats.org/presentationml/2006/main">
+<p:sld xmlns:a="http://schemas.openxmlformats.org/drawingml/2006/main" xmlns:r="http://schemas.openxmlformats.org/officeDocument/2006/relationships" xmlns:p="http://schemas.openxmlformats.org/presentationml/2006/main" show="0">
   <p:cSld>
     <p:spTree>
       <p:nvGrpSpPr>
@@ -17884,6 +17585,7 @@
   <p:clrMapOvr>
     <a:masterClrMapping/>
   </p:clrMapOvr>
+  <p:transition/>
 </p:sld>
 </file>
 
@@ -17965,15 +17667,7 @@
           <a:p>
             <a:r>
               <a:rPr lang="en-US" sz="2800" dirty="0" smtClean="0"/>
-              <a:t>Coresight is a set of hardware and software architecture specification  documents that </a:t>
-            </a:r>
-            <a:r>
-              <a:rPr lang="en-US" sz="2800" dirty="0" smtClean="0"/>
-              <a:t>enable </a:t>
-            </a:r>
-            <a:r>
-              <a:rPr lang="en-US" sz="2800" dirty="0" smtClean="0"/>
-              <a:t>easy development of on-chip trace and debug.</a:t>
+              <a:t>Coresight is a set of hardware and software architecture specification  documents that enable easy development of on-chip trace and debug.</a:t>
             </a:r>
             <a:endParaRPr lang="en-US" sz="2000" dirty="0" smtClean="0"/>
           </a:p>
@@ -18436,22 +18130,14 @@
             </a:r>
             <a:r>
               <a:rPr lang="en-US" dirty="0" smtClean="0"/>
-              <a:t> </a:t>
-            </a:r>
-            <a:r>
-              <a:rPr lang="en-US" dirty="0" smtClean="0"/>
-              <a:t>components include:</a:t>
+              <a:t> components include:</a:t>
             </a:r>
           </a:p>
           <a:p>
             <a:pPr lvl="1"/>
             <a:r>
               <a:rPr lang="en-US" sz="2400" dirty="0" smtClean="0"/>
-              <a:t>PFT </a:t>
-            </a:r>
-            <a:r>
-              <a:rPr lang="en-US" sz="2400" dirty="0" smtClean="0"/>
-              <a:t>(Program Flow Trace)</a:t>
+              <a:t>PFT (Program Flow Trace)</a:t>
             </a:r>
           </a:p>
           <a:p>
@@ -18490,19 +18176,7 @@
             </a:r>
             <a:r>
               <a:rPr lang="en-US" sz="2400" dirty="0" smtClean="0"/>
-              <a:t> Trace </a:t>
-            </a:r>
-            <a:r>
-              <a:rPr lang="en-US" sz="2400" dirty="0" smtClean="0"/>
-              <a:t>Funnel </a:t>
-            </a:r>
-            <a:r>
-              <a:rPr lang="en-US" sz="2400" dirty="0" smtClean="0"/>
-              <a:t>(CTF) combines </a:t>
-            </a:r>
-            <a:r>
-              <a:rPr lang="en-US" sz="2400" dirty="0" smtClean="0"/>
-              <a:t>multiple trace streams</a:t>
+              <a:t> Trace Funnel (CTF) combines multiple trace streams</a:t>
             </a:r>
           </a:p>
         </p:txBody>
@@ -18586,11 +18260,7 @@
           <a:p>
             <a:r>
               <a:rPr lang="en-US" sz="2800" dirty="0" smtClean="0"/>
-              <a:t>Cross Trigger Interface (CTI) </a:t>
-            </a:r>
-            <a:r>
-              <a:rPr lang="en-US" sz="2800" dirty="0" smtClean="0"/>
-              <a:t>controls the trigger interface for each </a:t>
+              <a:t>Cross Trigger Interface (CTI) controls the trigger interface for each </a:t>
             </a:r>
             <a:r>
               <a:rPr lang="en-US" sz="2800" dirty="0" err="1" smtClean="0"/>
@@ -18600,7 +18270,6 @@
               <a:rPr lang="en-US" sz="2800" dirty="0" smtClean="0"/>
               <a:t>.</a:t>
             </a:r>
-            <a:endParaRPr lang="en-US" sz="2800" dirty="0" smtClean="0"/>
           </a:p>
           <a:p>
             <a:pPr lvl="1"/>
@@ -18613,11 +18282,7 @@
             <a:pPr lvl="1"/>
             <a:r>
               <a:rPr lang="en-US" sz="2400" dirty="0" smtClean="0"/>
-              <a:t>Enables the debug logic, </a:t>
-            </a:r>
-            <a:r>
-              <a:rPr lang="en-US" sz="2400" dirty="0" smtClean="0"/>
-              <a:t>PTM (Program Trace </a:t>
+              <a:t>Enables the debug logic, PTM (Program Trace </a:t>
             </a:r>
             <a:r>
               <a:rPr lang="en-US" sz="2400" dirty="0" err="1" smtClean="0"/>
@@ -18625,19 +18290,7 @@
             </a:r>
             <a:r>
               <a:rPr lang="en-US" sz="2400" dirty="0" smtClean="0"/>
-              <a:t>), </a:t>
-            </a:r>
-            <a:r>
-              <a:rPr lang="en-US" sz="2400" dirty="0" smtClean="0"/>
-              <a:t>and PMU </a:t>
-            </a:r>
-            <a:r>
-              <a:rPr lang="en-US" sz="2400" dirty="0" smtClean="0"/>
-              <a:t>(Performance Monitoring Unit) to </a:t>
-            </a:r>
-            <a:r>
-              <a:rPr lang="en-US" sz="2400" dirty="0" smtClean="0"/>
-              <a:t>interact with each other and with other </a:t>
+              <a:t>), and PMU (Performance Monitoring Unit) to interact with each other and with other </a:t>
             </a:r>
             <a:r>
               <a:rPr lang="en-US" sz="2400" dirty="0" err="1" smtClean="0"/>
@@ -18645,22 +18298,13 @@
             </a:r>
             <a:r>
               <a:rPr lang="en-US" sz="2400" dirty="0" smtClean="0"/>
-              <a:t> </a:t>
-            </a:r>
-            <a:r>
-              <a:rPr lang="en-US" sz="2400" dirty="0" smtClean="0"/>
-              <a:t>components</a:t>
-            </a:r>
-            <a:endParaRPr lang="en-US" sz="2400" dirty="0" smtClean="0"/>
+              <a:t> components</a:t>
+            </a:r>
           </a:p>
           <a:p>
             <a:r>
               <a:rPr lang="en-US" sz="2800" dirty="0" smtClean="0"/>
-              <a:t>Cross Trigger Matrix (CTM) </a:t>
-            </a:r>
-            <a:r>
-              <a:rPr lang="en-US" sz="2800" dirty="0" smtClean="0"/>
-              <a:t>controls the distribution of events across </a:t>
+              <a:t>Cross Trigger Matrix (CTM) controls the distribution of events across </a:t>
             </a:r>
             <a:r>
               <a:rPr lang="en-US" sz="2800" dirty="0" err="1" smtClean="0"/>
@@ -18668,39 +18312,14 @@
             </a:r>
             <a:r>
               <a:rPr lang="en-US" sz="2800" dirty="0" smtClean="0"/>
-              <a:t> </a:t>
-            </a:r>
-            <a:r>
-              <a:rPr lang="en-US" sz="2800" dirty="0" smtClean="0"/>
-              <a:t>and from external </a:t>
-            </a:r>
-            <a:r>
-              <a:rPr lang="en-US" sz="2800" dirty="0" smtClean="0"/>
-              <a:t>modules.</a:t>
-            </a:r>
-            <a:endParaRPr lang="en-US" sz="2800" dirty="0" smtClean="0"/>
+              <a:t> and from external modules.</a:t>
+            </a:r>
           </a:p>
           <a:p>
             <a:pPr lvl="1"/>
             <a:r>
               <a:rPr lang="en-US" sz="2400" dirty="0" smtClean="0"/>
-              <a:t>Matrix </a:t>
-            </a:r>
-            <a:r>
-              <a:rPr lang="en-US" sz="2400" dirty="0" smtClean="0"/>
-              <a:t>connections refers to the number </a:t>
-            </a:r>
-            <a:r>
-              <a:rPr lang="en-US" sz="2400" dirty="0" smtClean="0"/>
-              <a:t>of trigger inputs and trigger outputs </a:t>
-            </a:r>
-            <a:r>
-              <a:rPr lang="en-US" sz="2400" dirty="0" smtClean="0"/>
-              <a:t>that are </a:t>
-            </a:r>
-            <a:r>
-              <a:rPr lang="en-US" sz="2400" dirty="0" smtClean="0"/>
-              <a:t>connected between debug components in the </a:t>
+              <a:t>Matrix connections refers to the number of trigger inputs and trigger outputs that are connected between debug components in the </a:t>
             </a:r>
             <a:r>
               <a:rPr lang="en-US" sz="2400" smtClean="0"/>
@@ -18708,11 +18327,7 @@
             </a:r>
             <a:r>
               <a:rPr lang="en-US" sz="2400" dirty="0" smtClean="0"/>
-              <a:t> </a:t>
-            </a:r>
-            <a:r>
-              <a:rPr lang="en-US" sz="2400" dirty="0" smtClean="0"/>
-              <a:t>and CTIs.</a:t>
+              <a:t> and CTIs.</a:t>
             </a:r>
           </a:p>
         </p:txBody>
@@ -18736,7 +18351,7 @@
 </file>
 
 <file path=ppt/slides/slide62.xml><?xml version="1.0" encoding="utf-8"?>
-<p:sld xmlns:a="http://schemas.openxmlformats.org/drawingml/2006/main" xmlns:r="http://schemas.openxmlformats.org/officeDocument/2006/relationships" xmlns:p="http://schemas.openxmlformats.org/presentationml/2006/main" show="0">
+<p:sld xmlns:a="http://schemas.openxmlformats.org/drawingml/2006/main" xmlns:r="http://schemas.openxmlformats.org/officeDocument/2006/relationships" xmlns:p="http://schemas.openxmlformats.org/presentationml/2006/main">
   <p:cSld>
     <p:spTree>
       <p:nvGrpSpPr>
@@ -18831,7 +18446,7 @@
 </file>
 
 <file path=ppt/slides/slide63.xml><?xml version="1.0" encoding="utf-8"?>
-<p:sld xmlns:a="http://schemas.openxmlformats.org/drawingml/2006/main" xmlns:r="http://schemas.openxmlformats.org/officeDocument/2006/relationships" xmlns:p="http://schemas.openxmlformats.org/presentationml/2006/main" show="0">
+<p:sld xmlns:a="http://schemas.openxmlformats.org/drawingml/2006/main" xmlns:r="http://schemas.openxmlformats.org/officeDocument/2006/relationships" xmlns:p="http://schemas.openxmlformats.org/presentationml/2006/main">
   <p:cSld>
     <p:spTree>
       <p:nvGrpSpPr>
@@ -18866,11 +18481,7 @@
           <a:p>
             <a:r>
               <a:rPr lang="en-US" sz="3600" dirty="0" smtClean="0"/>
-              <a:t>CTI and CTM </a:t>
-            </a:r>
-            <a:r>
-              <a:rPr lang="en-US" sz="3600" dirty="0" smtClean="0"/>
-              <a:t>Signals</a:t>
+              <a:t>CTI and CTM Signals</a:t>
             </a:r>
             <a:endParaRPr lang="en-US" sz="3600" dirty="0"/>
           </a:p>
@@ -18996,11 +18607,7 @@
           <a:p>
             <a:r>
               <a:rPr lang="en-US" sz="4000" dirty="0" smtClean="0"/>
-              <a:t>Summary: </a:t>
-            </a:r>
-            <a:r>
-              <a:rPr lang="en-US" sz="4000" dirty="0" smtClean="0"/>
-              <a:t>Quad Cortex-A15</a:t>
+              <a:t>Summary: Quad Cortex-A15</a:t>
             </a:r>
           </a:p>
         </p:txBody>
@@ -19540,15 +19147,7 @@
           <a:p>
             <a:r>
               <a:rPr lang="en-US" sz="4000" dirty="0" smtClean="0"/>
-              <a:t>Cortex A-15 </a:t>
-            </a:r>
-            <a:r>
-              <a:rPr lang="en-US" sz="4000" dirty="0" smtClean="0"/>
-              <a:t>Features: The </a:t>
-            </a:r>
-            <a:r>
-              <a:rPr lang="en-US" sz="4000" dirty="0" smtClean="0"/>
-              <a:t>Core (1/2)</a:t>
+              <a:t>Cortex A-15 Features: The Core (1/2)</a:t>
             </a:r>
           </a:p>
         </p:txBody>
@@ -19572,13 +19171,8 @@
           <a:p>
             <a:r>
               <a:rPr lang="en-US" sz="2800" dirty="0" smtClean="0"/>
-              <a:t>Superscalar </a:t>
-            </a:r>
-            <a:r>
-              <a:rPr lang="en-US" sz="2800" dirty="0" smtClean="0"/>
-              <a:t>architecture:</a:t>
-            </a:r>
-            <a:endParaRPr lang="en-US" sz="2800" dirty="0" smtClean="0"/>
+              <a:t>Superscalar architecture:</a:t>
+            </a:r>
           </a:p>
           <a:p>
             <a:pPr lvl="1"/>
@@ -19597,13 +19191,8 @@
           <a:p>
             <a:r>
               <a:rPr lang="en-US" sz="2800" dirty="0" smtClean="0"/>
-              <a:t>Full implementation of ARMv7-A architecture instruction </a:t>
-            </a:r>
-            <a:r>
-              <a:rPr lang="en-US" sz="2800" dirty="0" smtClean="0"/>
-              <a:t>set:</a:t>
-            </a:r>
-            <a:endParaRPr lang="en-US" sz="2800" dirty="0" smtClean="0"/>
+              <a:t>Full implementation of ARMv7-A architecture instruction set:</a:t>
+            </a:r>
           </a:p>
           <a:p>
             <a:pPr lvl="1"/>
@@ -19629,27 +19218,14 @@
           <a:p>
             <a:r>
               <a:rPr lang="en-US" sz="2800" dirty="0" smtClean="0"/>
-              <a:t>Pipeline </a:t>
-            </a:r>
-            <a:r>
-              <a:rPr lang="en-US" sz="2800" dirty="0" smtClean="0"/>
-              <a:t>optimization:</a:t>
-            </a:r>
-            <a:endParaRPr lang="en-US" sz="2800" dirty="0" smtClean="0"/>
+              <a:t>Pipeline optimization:</a:t>
+            </a:r>
           </a:p>
           <a:p>
             <a:pPr lvl="1"/>
             <a:r>
               <a:rPr lang="en-US" sz="2400" dirty="0" smtClean="0"/>
-              <a:t>Deeper </a:t>
-            </a:r>
-            <a:r>
-              <a:rPr lang="en-US" sz="2400" dirty="0" smtClean="0"/>
-              <a:t>pipeline, </a:t>
-            </a:r>
-            <a:r>
-              <a:rPr lang="en-US" sz="2400" dirty="0" smtClean="0"/>
-              <a:t>13 stages to issue (2 integer, 4 multiply and load, more for NEON and FPU(2-10))</a:t>
+              <a:t>Deeper pipeline, 13 stages to issue (2 integer, 4 multiply and load, more for NEON and FPU(2-10))</a:t>
             </a:r>
           </a:p>
           <a:p>
@@ -19719,15 +19295,7 @@
           <a:p>
             <a:r>
               <a:rPr lang="en-US" sz="4000" dirty="0" smtClean="0"/>
-              <a:t>Cortex A-15 </a:t>
-            </a:r>
-            <a:r>
-              <a:rPr lang="en-US" sz="4000" dirty="0" smtClean="0"/>
-              <a:t>Features: The </a:t>
-            </a:r>
-            <a:r>
-              <a:rPr lang="en-US" sz="4000" dirty="0" smtClean="0"/>
-              <a:t>Core (2/2)</a:t>
+              <a:t>Cortex A-15 Features: The Core (2/2)</a:t>
             </a:r>
             <a:endParaRPr lang="en-US" sz="4000" dirty="0"/>
           </a:p>
@@ -21085,10 +20653,6 @@
 </file>
 
 <file path=customXml/item1.xml><?xml version="1.0" encoding="utf-8"?>
-<LongProperties xmlns="http://schemas.microsoft.com/office/2006/metadata/longProperties"/>
-</file>
-
-<file path=customXml/item2.xml><?xml version="1.0" encoding="utf-8"?>
 <ct:contentTypeSchema xmlns:ct="http://schemas.microsoft.com/office/2006/metadata/contentType" xmlns:ma="http://schemas.microsoft.com/office/2006/metadata/properties/metaAttributes" ct:_="" ma:_="" ma:contentTypeName="Document" ma:contentTypeID="0x0101006BF34EDD2AB14F49969AD5B68D65D28C" ma:contentTypeVersion="1" ma:contentTypeDescription="Create a new document." ma:contentTypeScope="" ma:versionID="aec3fda75a9471671297bbb4606d1d91">
   <xsd:schema xmlns:xsd="http://www.w3.org/2001/XMLSchema" xmlns:p="http://schemas.microsoft.com/office/2006/metadata/properties" xmlns:ns2="99c847d8-566e-43ce-87b7-3c417d164c47" targetNamespace="http://schemas.microsoft.com/office/2006/metadata/properties" ma:root="true" ma:fieldsID="6b49c4b1e87cfd71c9528e3cb8636bc2" ns2:_="">
     <xsd:import namespace="99c847d8-566e-43ce-87b7-3c417d164c47"/>
@@ -21150,6 +20714,14 @@
 </ct:contentTypeSchema>
 </file>
 
+<file path=customXml/item2.xml><?xml version="1.0" encoding="utf-8"?>
+<p:properties xmlns:p="http://schemas.microsoft.com/office/2006/metadata/properties" xmlns:xsi="http://www.w3.org/2001/XMLSchema-instance">
+  <documentManagement>
+    <Content_x0020_Owner xmlns="99c847d8-566e-43ce-87b7-3c417d164c47">Ramroop, Saffie</Content_x0020_Owner>
+  </documentManagement>
+</p:properties>
+</file>
+
 <file path=customXml/item3.xml><?xml version="1.0" encoding="utf-8"?>
 <?mso-contentType ?>
 <FormTemplates xmlns="http://schemas.microsoft.com/sharepoint/v3/contenttype/forms">
@@ -21160,22 +20732,10 @@
 </file>
 
 <file path=customXml/item4.xml><?xml version="1.0" encoding="utf-8"?>
-<p:properties xmlns:p="http://schemas.microsoft.com/office/2006/metadata/properties" xmlns:xsi="http://www.w3.org/2001/XMLSchema-instance">
-  <documentManagement>
-    <Content_x0020_Owner xmlns="99c847d8-566e-43ce-87b7-3c417d164c47">Ramroop, Saffie</Content_x0020_Owner>
-  </documentManagement>
-</p:properties>
+<LongProperties xmlns="http://schemas.microsoft.com/office/2006/metadata/longProperties"/>
 </file>
 
 <file path=customXml/itemProps1.xml><?xml version="1.0" encoding="utf-8"?>
-<ds:datastoreItem xmlns:ds="http://schemas.openxmlformats.org/officeDocument/2006/customXml" ds:itemID="{08087394-933C-48A1-8AD9-030539CA3EF7}">
-  <ds:schemaRefs>
-    <ds:schemaRef ds:uri="http://schemas.microsoft.com/office/2006/metadata/longProperties"/>
-  </ds:schemaRefs>
-</ds:datastoreItem>
-</file>
-
-<file path=customXml/itemProps2.xml><?xml version="1.0" encoding="utf-8"?>
 <ds:datastoreItem xmlns:ds="http://schemas.openxmlformats.org/officeDocument/2006/customXml" ds:itemID="{83529300-F1B4-4E63-A67B-9E50D1598C67}">
   <ds:schemaRefs>
     <ds:schemaRef ds:uri="http://schemas.microsoft.com/office/2006/metadata/contentType"/>
@@ -21192,6 +20752,15 @@
 </ds:datastoreItem>
 </file>
 
+<file path=customXml/itemProps2.xml><?xml version="1.0" encoding="utf-8"?>
+<ds:datastoreItem xmlns:ds="http://schemas.openxmlformats.org/officeDocument/2006/customXml" ds:itemID="{7CBBC1DF-22C6-4C0C-A1CC-096D390C1463}">
+  <ds:schemaRefs>
+    <ds:schemaRef ds:uri="http://schemas.microsoft.com/office/2006/metadata/properties"/>
+    <ds:schemaRef ds:uri="99c847d8-566e-43ce-87b7-3c417d164c47"/>
+  </ds:schemaRefs>
+</ds:datastoreItem>
+</file>
+
 <file path=customXml/itemProps3.xml><?xml version="1.0" encoding="utf-8"?>
 <ds:datastoreItem xmlns:ds="http://schemas.openxmlformats.org/officeDocument/2006/customXml" ds:itemID="{9247FEFF-82D0-4BBE-AA2E-6E8C28F7BBE5}">
   <ds:schemaRefs>
@@ -21201,10 +20770,9 @@
 </file>
 
 <file path=customXml/itemProps4.xml><?xml version="1.0" encoding="utf-8"?>
-<ds:datastoreItem xmlns:ds="http://schemas.openxmlformats.org/officeDocument/2006/customXml" ds:itemID="{7CBBC1DF-22C6-4C0C-A1CC-096D390C1463}">
+<ds:datastoreItem xmlns:ds="http://schemas.openxmlformats.org/officeDocument/2006/customXml" ds:itemID="{08087394-933C-48A1-8AD9-030539CA3EF7}">
   <ds:schemaRefs>
-    <ds:schemaRef ds:uri="http://schemas.microsoft.com/office/2006/metadata/properties"/>
-    <ds:schemaRef ds:uri="99c847d8-566e-43ce-87b7-3c417d164c47"/>
+    <ds:schemaRef ds:uri="http://schemas.microsoft.com/office/2006/metadata/longProperties"/>
   </ds:schemaRefs>
 </ds:datastoreItem>
 </file>
--- a/trunk/slides/KeyStone ARM A15 CorePac.pptx
+++ b/trunk/slides/KeyStone ARM A15 CorePac.pptx
@@ -11,22 +11,22 @@
     <p:handoutMasterId r:id="rId72"/>
   </p:handoutMasterIdLst>
   <p:sldIdLst>
-    <p:sldId id="868" r:id="rId6"/>
+    <p:sldId id="940" r:id="rId6"/>
     <p:sldId id="869" r:id="rId7"/>
-    <p:sldId id="909" r:id="rId8"/>
+    <p:sldId id="941" r:id="rId8"/>
     <p:sldId id="870" r:id="rId9"/>
     <p:sldId id="919" r:id="rId10"/>
     <p:sldId id="871" r:id="rId11"/>
-    <p:sldId id="872" r:id="rId12"/>
+    <p:sldId id="942" r:id="rId12"/>
     <p:sldId id="873" r:id="rId13"/>
     <p:sldId id="874" r:id="rId14"/>
     <p:sldId id="875" r:id="rId15"/>
-    <p:sldId id="910" r:id="rId16"/>
+    <p:sldId id="943" r:id="rId16"/>
     <p:sldId id="876" r:id="rId17"/>
     <p:sldId id="877" r:id="rId18"/>
-    <p:sldId id="911" r:id="rId19"/>
+    <p:sldId id="944" r:id="rId19"/>
     <p:sldId id="878" r:id="rId20"/>
-    <p:sldId id="912" r:id="rId21"/>
+    <p:sldId id="945" r:id="rId21"/>
     <p:sldId id="879" r:id="rId22"/>
     <p:sldId id="934" r:id="rId23"/>
     <p:sldId id="914" r:id="rId24"/>
@@ -34,7 +34,7 @@
     <p:sldId id="881" r:id="rId26"/>
     <p:sldId id="917" r:id="rId27"/>
     <p:sldId id="918" r:id="rId28"/>
-    <p:sldId id="882" r:id="rId29"/>
+    <p:sldId id="946" r:id="rId29"/>
     <p:sldId id="883" r:id="rId30"/>
     <p:sldId id="884" r:id="rId31"/>
     <p:sldId id="915" r:id="rId32"/>
@@ -51,19 +51,19 @@
     <p:sldId id="886" r:id="rId43"/>
     <p:sldId id="887" r:id="rId44"/>
     <p:sldId id="888" r:id="rId45"/>
-    <p:sldId id="889" r:id="rId46"/>
+    <p:sldId id="947" r:id="rId46"/>
     <p:sldId id="890" r:id="rId47"/>
     <p:sldId id="939" r:id="rId48"/>
-    <p:sldId id="892" r:id="rId49"/>
+    <p:sldId id="948" r:id="rId49"/>
     <p:sldId id="920" r:id="rId50"/>
     <p:sldId id="916" r:id="rId51"/>
     <p:sldId id="921" r:id="rId52"/>
     <p:sldId id="922" r:id="rId53"/>
     <p:sldId id="894" r:id="rId54"/>
-    <p:sldId id="895" r:id="rId55"/>
+    <p:sldId id="949" r:id="rId55"/>
     <p:sldId id="896" r:id="rId56"/>
     <p:sldId id="897" r:id="rId57"/>
-    <p:sldId id="898" r:id="rId58"/>
+    <p:sldId id="950" r:id="rId58"/>
     <p:sldId id="899" r:id="rId59"/>
     <p:sldId id="900" r:id="rId60"/>
     <p:sldId id="923" r:id="rId61"/>
@@ -327,7 +327,7 @@
               <a:pPr>
                 <a:defRPr/>
               </a:pPr>
-              <a:t>5/28/2013</a:t>
+              <a:t>9/25/2013</a:t>
             </a:fld>
             <a:endParaRPr lang="en-US" dirty="0"/>
           </a:p>
@@ -1114,6 +1114,26 @@
           </a:bodyPr>
           <a:lstStyle/>
           <a:p>
+            <a:r>
+              <a:rPr lang="en-US" dirty="0" smtClean="0"/>
+              <a:t>Dhrystone score of 3.5DMIPS/MHz requires right</a:t>
+            </a:r>
+            <a:r>
+              <a:rPr lang="en-US" baseline="0" dirty="0" smtClean="0"/>
+              <a:t> version of compiler (ARM RVCT or GCC 4.8.0) that uses NEON SIMD instructions for loads and stores, measures core and L1D only. Benchmark confirms the 3-issue performance.</a:t>
+            </a:r>
+          </a:p>
+          <a:p>
+            <a:r>
+              <a:rPr lang="en-US" baseline="0" dirty="0" smtClean="0"/>
+              <a:t>Floating point is 4 operations per cycle. An operation is add, multiply, multiply and accumulate, etc. In a typical application loads and stores will reduce the sustained operations to 50% or less.</a:t>
+            </a:r>
+          </a:p>
+          <a:p>
+            <a:r>
+              <a:rPr lang="en-US" baseline="0" dirty="0" smtClean="0"/>
+              <a:t>19600 = 1.4 * 3.5 * 4 (cores)</a:t>
+            </a:r>
             <a:endParaRPr lang="en-US" dirty="0"/>
           </a:p>
         </p:txBody>
@@ -1141,7 +1161,7 @@
               <a:pPr>
                 <a:defRPr/>
               </a:pPr>
-              <a:t>40</a:t>
+              <a:t>42</a:t>
             </a:fld>
             <a:endParaRPr lang="en-US" dirty="0"/>
           </a:p>
@@ -1203,23 +1223,7 @@
           <a:p>
             <a:r>
               <a:rPr lang="en-US" dirty="0" smtClean="0"/>
-              <a:t>Dhrystone score of 3.5DMIPS/MHz requires right</a:t>
-            </a:r>
-            <a:r>
-              <a:rPr lang="en-US" baseline="0" dirty="0" smtClean="0"/>
-              <a:t> version of compiler (ARM RVCT or GCC 4.8.0) that uses NEON SIMD instructions for loads and stores, measures core and L1D only. Benchmark confirms the 3-issue performance.</a:t>
-            </a:r>
-          </a:p>
-          <a:p>
-            <a:r>
-              <a:rPr lang="en-US" baseline="0" dirty="0" smtClean="0"/>
-              <a:t>Floating point is 4 operations per cycle. An operation is add, multiply, multiply and accumulate, etc. In a typical application loads and stores will reduce the sustained operations to 50% or less.</a:t>
-            </a:r>
-          </a:p>
-          <a:p>
-            <a:r>
-              <a:rPr lang="en-US" baseline="0" dirty="0" smtClean="0"/>
-              <a:t>19600 = 1.4 * 3.5 * 4 (cores)</a:t>
+              <a:t>Wh</a:t>
             </a:r>
             <a:endParaRPr lang="en-US" dirty="0"/>
           </a:p>
@@ -1248,7 +1252,7 @@
               <a:pPr>
                 <a:defRPr/>
               </a:pPr>
-              <a:t>42</a:t>
+              <a:t>45</a:t>
             </a:fld>
             <a:endParaRPr lang="en-US" dirty="0"/>
           </a:p>
@@ -1310,7 +1314,7 @@
           <a:p>
             <a:r>
               <a:rPr lang="en-US" dirty="0" smtClean="0"/>
-              <a:t>Wh</a:t>
+              <a:t>Distribution and CPU interface</a:t>
             </a:r>
             <a:endParaRPr lang="en-US" dirty="0"/>
           </a:p>
@@ -1339,7 +1343,7 @@
               <a:pPr>
                 <a:defRPr/>
               </a:pPr>
-              <a:t>45</a:t>
+              <a:t>46</a:t>
             </a:fld>
             <a:endParaRPr lang="en-US" dirty="0"/>
           </a:p>
@@ -1399,10 +1403,6 @@
           </a:bodyPr>
           <a:lstStyle/>
           <a:p>
-            <a:r>
-              <a:rPr lang="en-US" dirty="0" smtClean="0"/>
-              <a:t>Distribution and CPU interface</a:t>
-            </a:r>
             <a:endParaRPr lang="en-US" dirty="0"/>
           </a:p>
         </p:txBody>
@@ -1430,7 +1430,7 @@
               <a:pPr>
                 <a:defRPr/>
               </a:pPr>
-              <a:t>46</a:t>
+              <a:t>47</a:t>
             </a:fld>
             <a:endParaRPr lang="en-US" dirty="0"/>
           </a:p>
@@ -1517,7 +1517,7 @@
               <a:pPr>
                 <a:defRPr/>
               </a:pPr>
-              <a:t>47</a:t>
+              <a:t>48</a:t>
             </a:fld>
             <a:endParaRPr lang="en-US" dirty="0"/>
           </a:p>
@@ -1596,15 +1596,10 @@
           <a:bodyPr/>
           <a:lstStyle/>
           <a:p>
-            <a:pPr>
-              <a:defRPr/>
-            </a:pPr>
-            <a:fld id="{9AF68C97-DBEA-40B2-91B6-F690EAC6BBD6}" type="slidenum">
+            <a:fld id="{9295E5E2-942B-4086-8EFE-9DF4A2A8CF3E}" type="slidenum">
               <a:rPr lang="en-US" smtClean="0"/>
-              <a:pPr>
-                <a:defRPr/>
-              </a:pPr>
-              <a:t>48</a:t>
+              <a:pPr/>
+              <a:t>51</a:t>
             </a:fld>
             <a:endParaRPr lang="en-US" dirty="0"/>
           </a:p>
@@ -1664,6 +1659,14 @@
           </a:bodyPr>
           <a:lstStyle/>
           <a:p>
+            <a:r>
+              <a:rPr lang="en-US" dirty="0" smtClean="0"/>
+              <a:t>Depending on the transistor</a:t>
+            </a:r>
+            <a:r>
+              <a:rPr lang="en-US" baseline="0" dirty="0" smtClean="0"/>
+              <a:t> temperature, static power (leakage) is ½ to 2/3 of total power. Dynamic power scales with clock speed, static does not.</a:t>
+            </a:r>
             <a:endParaRPr lang="en-US" dirty="0"/>
           </a:p>
         </p:txBody>
@@ -1686,7 +1689,7 @@
             <a:fld id="{9295E5E2-942B-4086-8EFE-9DF4A2A8CF3E}" type="slidenum">
               <a:rPr lang="en-US" smtClean="0"/>
               <a:pPr/>
-              <a:t>51</a:t>
+              <a:t>52</a:t>
             </a:fld>
             <a:endParaRPr lang="en-US" dirty="0"/>
           </a:p>
@@ -1746,14 +1749,6 @@
           </a:bodyPr>
           <a:lstStyle/>
           <a:p>
-            <a:r>
-              <a:rPr lang="en-US" dirty="0" smtClean="0"/>
-              <a:t>Depending on the transistor</a:t>
-            </a:r>
-            <a:r>
-              <a:rPr lang="en-US" baseline="0" dirty="0" smtClean="0"/>
-              <a:t> temperature, static power (leakage) is ½ to 2/3 of total power. Dynamic power scales with clock speed, static does not.</a:t>
-            </a:r>
             <a:endParaRPr lang="en-US" dirty="0"/>
           </a:p>
         </p:txBody>
@@ -1776,7 +1771,7 @@
             <a:fld id="{9295E5E2-942B-4086-8EFE-9DF4A2A8CF3E}" type="slidenum">
               <a:rPr lang="en-US" smtClean="0"/>
               <a:pPr/>
-              <a:t>52</a:t>
+              <a:t>54</a:t>
             </a:fld>
             <a:endParaRPr lang="en-US" dirty="0"/>
           </a:p>
@@ -1855,10 +1850,10 @@
           <a:bodyPr/>
           <a:lstStyle/>
           <a:p>
-            <a:fld id="{5A66AFF2-6912-47BF-8417-4BCCFAB39D19}" type="slidenum">
+            <a:fld id="{9295E5E2-942B-4086-8EFE-9DF4A2A8CF3E}" type="slidenum">
               <a:rPr lang="en-US" smtClean="0"/>
               <a:pPr/>
-              <a:t>53</a:t>
+              <a:t>55</a:t>
             </a:fld>
             <a:endParaRPr lang="en-US" dirty="0"/>
           </a:p>
@@ -1940,7 +1935,7 @@
             <a:fld id="{9295E5E2-942B-4086-8EFE-9DF4A2A8CF3E}" type="slidenum">
               <a:rPr lang="en-US" smtClean="0"/>
               <a:pPr/>
-              <a:t>54</a:t>
+              <a:t>57</a:t>
             </a:fld>
             <a:endParaRPr lang="en-US" dirty="0"/>
           </a:p>
@@ -2203,7 +2198,7 @@
             <a:fld id="{9295E5E2-942B-4086-8EFE-9DF4A2A8CF3E}" type="slidenum">
               <a:rPr lang="en-US" smtClean="0"/>
               <a:pPr/>
-              <a:t>55</a:t>
+              <a:t>58</a:t>
             </a:fld>
             <a:endParaRPr lang="en-US" dirty="0"/>
           </a:p>
@@ -2285,7 +2280,7 @@
             <a:fld id="{9295E5E2-942B-4086-8EFE-9DF4A2A8CF3E}" type="slidenum">
               <a:rPr lang="en-US" smtClean="0"/>
               <a:pPr/>
-              <a:t>57</a:t>
+              <a:t>60</a:t>
             </a:fld>
             <a:endParaRPr lang="en-US" dirty="0"/>
           </a:p>
@@ -2345,6 +2340,10 @@
           </a:bodyPr>
           <a:lstStyle/>
           <a:p>
+            <a:r>
+              <a:rPr lang="en-US" dirty="0" smtClean="0"/>
+              <a:t>ECT   - Embedded Cross Triggering</a:t>
+            </a:r>
             <a:endParaRPr lang="en-US" dirty="0"/>
           </a:p>
         </p:txBody>
@@ -2367,7 +2366,7 @@
             <a:fld id="{9295E5E2-942B-4086-8EFE-9DF4A2A8CF3E}" type="slidenum">
               <a:rPr lang="en-US" smtClean="0"/>
               <a:pPr/>
-              <a:t>58</a:t>
+              <a:t>61</a:t>
             </a:fld>
             <a:endParaRPr lang="en-US" dirty="0"/>
           </a:p>
@@ -2449,7 +2448,7 @@
             <a:fld id="{9295E5E2-942B-4086-8EFE-9DF4A2A8CF3E}" type="slidenum">
               <a:rPr lang="en-US" smtClean="0"/>
               <a:pPr/>
-              <a:t>60</a:t>
+              <a:t>62</a:t>
             </a:fld>
             <a:endParaRPr lang="en-US" dirty="0"/>
           </a:p>
@@ -2509,10 +2508,6 @@
           </a:bodyPr>
           <a:lstStyle/>
           <a:p>
-            <a:r>
-              <a:rPr lang="en-US" dirty="0" smtClean="0"/>
-              <a:t>ECT   - Embedded Cross Triggering</a:t>
-            </a:r>
             <a:endParaRPr lang="en-US" dirty="0"/>
           </a:p>
         </p:txBody>
@@ -2535,7 +2530,7 @@
             <a:fld id="{9295E5E2-942B-4086-8EFE-9DF4A2A8CF3E}" type="slidenum">
               <a:rPr lang="en-US" smtClean="0"/>
               <a:pPr/>
-              <a:t>61</a:t>
+              <a:t>63</a:t>
             </a:fld>
             <a:endParaRPr lang="en-US" dirty="0"/>
           </a:p>
@@ -2595,6 +2590,37 @@
           </a:bodyPr>
           <a:lstStyle/>
           <a:p>
+            <a:r>
+              <a:rPr lang="en-US" dirty="0" smtClean="0"/>
+              <a:t>Yellow area is the standard quad A15 MPCore with 4MB of shared coherent cache, each core is</a:t>
+            </a:r>
+            <a:r>
+              <a:rPr lang="en-US" baseline="0" dirty="0" smtClean="0"/>
+              <a:t> in its own power switched domain and the MPCore with L2 cache is in a further power switched domain</a:t>
+            </a:r>
+            <a:endParaRPr lang="en-US" dirty="0" smtClean="0"/>
+          </a:p>
+          <a:p>
+            <a:r>
+              <a:rPr lang="en-US" dirty="0" smtClean="0"/>
+              <a:t>GIC-400 is the standard interrupt controller from ARM</a:t>
+            </a:r>
+          </a:p>
+          <a:p>
+            <a:r>
+              <a:rPr lang="en-US" dirty="0" smtClean="0"/>
+              <a:t>The</a:t>
+            </a:r>
+            <a:r>
+              <a:rPr lang="en-US" baseline="0" dirty="0" smtClean="0"/>
+              <a:t> path the cores and caches do memory reads and writes goes through Eagles Nest to MSMC. Snooping by MSMC use this path as well</a:t>
+            </a:r>
+          </a:p>
+          <a:p>
+            <a:r>
+              <a:rPr lang="en-US" baseline="0" dirty="0" smtClean="0"/>
+              <a:t>The rest of the interfaces are related to clocking, debugging, tracing, and production testing.</a:t>
+            </a:r>
             <a:endParaRPr lang="en-US" dirty="0"/>
           </a:p>
         </p:txBody>
@@ -2617,7 +2643,7 @@
             <a:fld id="{9295E5E2-942B-4086-8EFE-9DF4A2A8CF3E}" type="slidenum">
               <a:rPr lang="en-US" smtClean="0"/>
               <a:pPr/>
-              <a:t>62</a:t>
+              <a:t>64</a:t>
             </a:fld>
             <a:endParaRPr lang="en-US" dirty="0"/>
           </a:p>
@@ -2696,201 +2722,6 @@
           <a:bodyPr/>
           <a:lstStyle/>
           <a:p>
-            <a:fld id="{9295E5E2-942B-4086-8EFE-9DF4A2A8CF3E}" type="slidenum">
-              <a:rPr lang="en-US" smtClean="0"/>
-              <a:pPr/>
-              <a:t>63</a:t>
-            </a:fld>
-            <a:endParaRPr lang="en-US" dirty="0"/>
-          </a:p>
-        </p:txBody>
-      </p:sp>
-    </p:spTree>
-  </p:cSld>
-  <p:clrMapOvr>
-    <a:masterClrMapping/>
-  </p:clrMapOvr>
-</p:notes>
-</file>
-
-<file path=ppt/notesSlides/notesSlide27.xml><?xml version="1.0" encoding="utf-8"?>
-<p:notes xmlns:a="http://schemas.openxmlformats.org/drawingml/2006/main" xmlns:r="http://schemas.openxmlformats.org/officeDocument/2006/relationships" xmlns:p="http://schemas.openxmlformats.org/presentationml/2006/main">
-  <p:cSld>
-    <p:spTree>
-      <p:nvGrpSpPr>
-        <p:cNvPr id="1" name=""/>
-        <p:cNvGrpSpPr/>
-        <p:nvPr/>
-      </p:nvGrpSpPr>
-      <p:grpSpPr>
-        <a:xfrm>
-          <a:off x="0" y="0"/>
-          <a:ext cx="0" cy="0"/>
-          <a:chOff x="0" y="0"/>
-          <a:chExt cx="0" cy="0"/>
-        </a:xfrm>
-      </p:grpSpPr>
-      <p:sp>
-        <p:nvSpPr>
-          <p:cNvPr id="2" name="Slide Image Placeholder 1"/>
-          <p:cNvSpPr>
-            <a:spLocks noGrp="1" noRot="1" noChangeAspect="1"/>
-          </p:cNvSpPr>
-          <p:nvPr>
-            <p:ph type="sldImg"/>
-          </p:nvPr>
-        </p:nvSpPr>
-        <p:spPr/>
-      </p:sp>
-      <p:sp>
-        <p:nvSpPr>
-          <p:cNvPr id="3" name="Notes Placeholder 2"/>
-          <p:cNvSpPr>
-            <a:spLocks noGrp="1"/>
-          </p:cNvSpPr>
-          <p:nvPr>
-            <p:ph type="body" idx="1"/>
-          </p:nvPr>
-        </p:nvSpPr>
-        <p:spPr/>
-        <p:txBody>
-          <a:bodyPr>
-            <a:normAutofit/>
-          </a:bodyPr>
-          <a:lstStyle/>
-          <a:p>
-            <a:r>
-              <a:rPr lang="en-US" dirty="0" smtClean="0"/>
-              <a:t>Yellow area is the standard quad A15 MPCore with 4MB of shared coherent cache, each core is</a:t>
-            </a:r>
-            <a:r>
-              <a:rPr lang="en-US" baseline="0" dirty="0" smtClean="0"/>
-              <a:t> in its own power switched domain and the MPCore with L2 cache is in a further power switched domain</a:t>
-            </a:r>
-            <a:endParaRPr lang="en-US" dirty="0" smtClean="0"/>
-          </a:p>
-          <a:p>
-            <a:r>
-              <a:rPr lang="en-US" dirty="0" smtClean="0"/>
-              <a:t>GIC-400 is the standard interrupt controller from ARM</a:t>
-            </a:r>
-          </a:p>
-          <a:p>
-            <a:r>
-              <a:rPr lang="en-US" dirty="0" smtClean="0"/>
-              <a:t>The</a:t>
-            </a:r>
-            <a:r>
-              <a:rPr lang="en-US" baseline="0" dirty="0" smtClean="0"/>
-              <a:t> path the cores and caches do memory reads and writes goes through Eagles Nest to MSMC. Snooping by MSMC use this path as well</a:t>
-            </a:r>
-          </a:p>
-          <a:p>
-            <a:r>
-              <a:rPr lang="en-US" baseline="0" dirty="0" smtClean="0"/>
-              <a:t>The rest of the interfaces are related to clocking, debugging, tracing, and production testing.</a:t>
-            </a:r>
-            <a:endParaRPr lang="en-US" dirty="0"/>
-          </a:p>
-        </p:txBody>
-      </p:sp>
-      <p:sp>
-        <p:nvSpPr>
-          <p:cNvPr id="4" name="Slide Number Placeholder 3"/>
-          <p:cNvSpPr>
-            <a:spLocks noGrp="1"/>
-          </p:cNvSpPr>
-          <p:nvPr>
-            <p:ph type="sldNum" sz="quarter" idx="10"/>
-          </p:nvPr>
-        </p:nvSpPr>
-        <p:spPr/>
-        <p:txBody>
-          <a:bodyPr/>
-          <a:lstStyle/>
-          <a:p>
-            <a:fld id="{9295E5E2-942B-4086-8EFE-9DF4A2A8CF3E}" type="slidenum">
-              <a:rPr lang="en-US" smtClean="0"/>
-              <a:pPr/>
-              <a:t>64</a:t>
-            </a:fld>
-            <a:endParaRPr lang="en-US" dirty="0"/>
-          </a:p>
-        </p:txBody>
-      </p:sp>
-    </p:spTree>
-  </p:cSld>
-  <p:clrMapOvr>
-    <a:masterClrMapping/>
-  </p:clrMapOvr>
-</p:notes>
-</file>
-
-<file path=ppt/notesSlides/notesSlide28.xml><?xml version="1.0" encoding="utf-8"?>
-<p:notes xmlns:a="http://schemas.openxmlformats.org/drawingml/2006/main" xmlns:r="http://schemas.openxmlformats.org/officeDocument/2006/relationships" xmlns:p="http://schemas.openxmlformats.org/presentationml/2006/main">
-  <p:cSld>
-    <p:spTree>
-      <p:nvGrpSpPr>
-        <p:cNvPr id="1" name=""/>
-        <p:cNvGrpSpPr/>
-        <p:nvPr/>
-      </p:nvGrpSpPr>
-      <p:grpSpPr>
-        <a:xfrm>
-          <a:off x="0" y="0"/>
-          <a:ext cx="0" cy="0"/>
-          <a:chOff x="0" y="0"/>
-          <a:chExt cx="0" cy="0"/>
-        </a:xfrm>
-      </p:grpSpPr>
-      <p:sp>
-        <p:nvSpPr>
-          <p:cNvPr id="2" name="Slide Image Placeholder 1"/>
-          <p:cNvSpPr>
-            <a:spLocks noGrp="1" noRot="1" noChangeAspect="1"/>
-          </p:cNvSpPr>
-          <p:nvPr>
-            <p:ph type="sldImg"/>
-          </p:nvPr>
-        </p:nvSpPr>
-        <p:spPr/>
-      </p:sp>
-      <p:sp>
-        <p:nvSpPr>
-          <p:cNvPr id="3" name="Notes Placeholder 2"/>
-          <p:cNvSpPr>
-            <a:spLocks noGrp="1"/>
-          </p:cNvSpPr>
-          <p:nvPr>
-            <p:ph type="body" idx="1"/>
-          </p:nvPr>
-        </p:nvSpPr>
-        <p:spPr/>
-        <p:txBody>
-          <a:bodyPr>
-            <a:normAutofit/>
-          </a:bodyPr>
-          <a:lstStyle/>
-          <a:p>
-            <a:endParaRPr lang="en-US" dirty="0"/>
-          </a:p>
-        </p:txBody>
-      </p:sp>
-      <p:sp>
-        <p:nvSpPr>
-          <p:cNvPr id="4" name="Slide Number Placeholder 3"/>
-          <p:cNvSpPr>
-            <a:spLocks noGrp="1"/>
-          </p:cNvSpPr>
-          <p:nvPr>
-            <p:ph type="sldNum" sz="quarter" idx="10"/>
-          </p:nvPr>
-        </p:nvSpPr>
-        <p:spPr/>
-        <p:txBody>
-          <a:bodyPr/>
-          <a:lstStyle/>
-          <a:p>
             <a:pPr>
               <a:defRPr/>
             </a:pPr>
@@ -3300,6 +3131,23 @@
           </a:bodyPr>
           <a:lstStyle/>
           <a:p>
+            <a:r>
+              <a:rPr lang="en-US" dirty="0" smtClean="0"/>
+              <a:t>One</a:t>
+            </a:r>
+            <a:r>
+              <a:rPr lang="en-US" baseline="0" dirty="0" smtClean="0"/>
+              <a:t> still needs to do ensure consistency, with load and store exclusive instructions and data barriers (DMB); SIMPLIFY?</a:t>
+            </a:r>
+          </a:p>
+          <a:p>
+            <a:endParaRPr lang="en-US" baseline="0" dirty="0" smtClean="0"/>
+          </a:p>
+          <a:p>
+            <a:r>
+              <a:rPr lang="en-US" baseline="0" dirty="0" smtClean="0"/>
+              <a:t>I think that the reason why there are two snoops is because there are two ways to get into the MSMC and from the MSMC to the memories, but the DSP to MSMC - </a:t>
+            </a:r>
             <a:endParaRPr lang="en-US" dirty="0"/>
           </a:p>
         </p:txBody>
@@ -3319,10 +3167,10 @@
           <a:bodyPr/>
           <a:lstStyle/>
           <a:p>
-            <a:fld id="{5A66AFF2-6912-47BF-8417-4BCCFAB39D19}" type="slidenum">
+            <a:fld id="{9295E5E2-942B-4086-8EFE-9DF4A2A8CF3E}" type="slidenum">
               <a:rPr lang="en-US" smtClean="0"/>
               <a:pPr/>
-              <a:t>24</a:t>
+              <a:t>37</a:t>
             </a:fld>
             <a:endParaRPr lang="en-US" dirty="0"/>
           </a:p>
@@ -3384,20 +3232,7 @@
           <a:p>
             <a:r>
               <a:rPr lang="en-US" dirty="0" smtClean="0"/>
-              <a:t>One</a:t>
-            </a:r>
-            <a:r>
-              <a:rPr lang="en-US" baseline="0" dirty="0" smtClean="0"/>
-              <a:t> still needs to do ensure consistency, with load and store exclusive instructions and data barriers (DMB); SIMPLIFY?</a:t>
-            </a:r>
-          </a:p>
-          <a:p>
-            <a:endParaRPr lang="en-US" baseline="0" dirty="0" smtClean="0"/>
-          </a:p>
-          <a:p>
-            <a:r>
-              <a:rPr lang="en-US" baseline="0" dirty="0" smtClean="0"/>
-              <a:t>I think that the reason why there are two snoops is because there are two ways to get into the MSMC and from the MSMC to the memories, but the DSP to MSMC - </a:t>
+              <a:t>Include memory portion of KII diagram</a:t>
             </a:r>
             <a:endParaRPr lang="en-US" dirty="0"/>
           </a:p>
@@ -3418,10 +3253,15 @@
           <a:bodyPr/>
           <a:lstStyle/>
           <a:p>
-            <a:fld id="{9295E5E2-942B-4086-8EFE-9DF4A2A8CF3E}" type="slidenum">
+            <a:pPr>
+              <a:defRPr/>
+            </a:pPr>
+            <a:fld id="{9AF68C97-DBEA-40B2-91B6-F690EAC6BBD6}" type="slidenum">
               <a:rPr lang="en-US" smtClean="0"/>
-              <a:pPr/>
-              <a:t>37</a:t>
+              <a:pPr>
+                <a:defRPr/>
+              </a:pPr>
+              <a:t>38</a:t>
             </a:fld>
             <a:endParaRPr lang="en-US" dirty="0"/>
           </a:p>
@@ -3481,10 +3321,6 @@
           </a:bodyPr>
           <a:lstStyle/>
           <a:p>
-            <a:r>
-              <a:rPr lang="en-US" dirty="0" smtClean="0"/>
-              <a:t>Include memory portion of KII diagram</a:t>
-            </a:r>
             <a:endParaRPr lang="en-US" dirty="0"/>
           </a:p>
         </p:txBody>
@@ -3512,7 +3348,7 @@
               <a:pPr>
                 <a:defRPr/>
               </a:pPr>
-              <a:t>38</a:t>
+              <a:t>39</a:t>
             </a:fld>
             <a:endParaRPr lang="en-US" dirty="0"/>
           </a:p>
@@ -3599,7 +3435,7 @@
               <a:pPr>
                 <a:defRPr/>
               </a:pPr>
-              <a:t>39</a:t>
+              <a:t>40</a:t>
             </a:fld>
             <a:endParaRPr lang="en-US" dirty="0"/>
           </a:p>
@@ -3630,6 +3466,125 @@
           <a:chExt cx="0" cy="0"/>
         </a:xfrm>
       </p:grpSpPr>
+      <p:sp>
+        <p:nvSpPr>
+          <p:cNvPr id="2" name="Rectangle 1"/>
+          <p:cNvSpPr/>
+          <p:nvPr userDrawn="1"/>
+        </p:nvSpPr>
+        <p:spPr>
+          <a:xfrm>
+            <a:off x="0" y="6321425"/>
+            <a:ext cx="8810625" cy="466344"/>
+          </a:xfrm>
+          <a:prstGeom prst="rect">
+            <a:avLst/>
+          </a:prstGeom>
+          <a:solidFill>
+            <a:schemeClr val="bg1"/>
+          </a:solidFill>
+          <a:ln w="9525">
+            <a:solidFill>
+              <a:srgbClr val="AAAAAA"/>
+            </a:solidFill>
+          </a:ln>
+        </p:spPr>
+        <p:style>
+          <a:lnRef idx="2">
+            <a:schemeClr val="accent1">
+              <a:shade val="50000"/>
+            </a:schemeClr>
+          </a:lnRef>
+          <a:fillRef idx="1">
+            <a:schemeClr val="accent1"/>
+          </a:fillRef>
+          <a:effectRef idx="0">
+            <a:schemeClr val="accent1"/>
+          </a:effectRef>
+          <a:fontRef idx="minor">
+            <a:schemeClr val="lt1"/>
+          </a:fontRef>
+        </p:style>
+        <p:txBody>
+          <a:bodyPr rtlCol="0" anchor="ctr"/>
+          <a:lstStyle/>
+          <a:p>
+            <a:pPr algn="ctr"/>
+            <a:endParaRPr lang="en-US"/>
+          </a:p>
+        </p:txBody>
+      </p:sp>
+      <p:pic>
+        <p:nvPicPr>
+          <p:cNvPr id="3" name="Picture 8" descr="ti_logo_powerpoint_1_line.png"/>
+          <p:cNvPicPr>
+            <a:picLocks noChangeAspect="1"/>
+          </p:cNvPicPr>
+          <p:nvPr userDrawn="1"/>
+        </p:nvPicPr>
+        <p:blipFill>
+          <a:blip r:embed="rId2" cstate="print"/>
+          <a:srcRect/>
+          <a:stretch>
+            <a:fillRect/>
+          </a:stretch>
+        </p:blipFill>
+        <p:spPr bwMode="auto">
+          <a:xfrm>
+            <a:off x="6675438" y="6440488"/>
+            <a:ext cx="1874837" cy="231775"/>
+          </a:xfrm>
+          <a:prstGeom prst="rect">
+            <a:avLst/>
+          </a:prstGeom>
+          <a:noFill/>
+          <a:ln w="9525">
+            <a:noFill/>
+            <a:miter lim="800000"/>
+            <a:headEnd/>
+            <a:tailEnd/>
+          </a:ln>
+        </p:spPr>
+      </p:pic>
+      <p:sp>
+        <p:nvSpPr>
+          <p:cNvPr id="4" name="Rectangle 24"/>
+          <p:cNvSpPr>
+            <a:spLocks noGrp="1" noChangeArrowheads="1"/>
+          </p:cNvSpPr>
+          <p:nvPr>
+            <p:ph type="sldNum" sz="quarter" idx="4"/>
+          </p:nvPr>
+        </p:nvSpPr>
+        <p:spPr>
+          <a:xfrm>
+            <a:off x="6642100" y="6038850"/>
+            <a:ext cx="2133600" cy="206375"/>
+          </a:xfrm>
+          <a:prstGeom prst="rect">
+            <a:avLst/>
+          </a:prstGeom>
+        </p:spPr>
+        <p:txBody>
+          <a:bodyPr/>
+          <a:lstStyle>
+            <a:lvl1pPr>
+              <a:defRPr sz="800">
+                <a:latin typeface="Calibri" pitchFamily="34" charset="0"/>
+                <a:cs typeface="Calibri" pitchFamily="34" charset="0"/>
+              </a:defRPr>
+            </a:lvl1pPr>
+          </a:lstStyle>
+          <a:p>
+            <a:fld id="{F2394529-A9B3-4A54-83EC-E61379E8334E}" type="slidenum">
+              <a:rPr lang="en-US" smtClean="0"/>
+              <a:pPr/>
+              <a:t>‹#›</a:t>
+            </a:fld>
+            <a:endParaRPr lang="en-US" dirty="0"/>
+          </a:p>
+        </p:txBody>
+      </p:sp>
     </p:spTree>
   </p:cSld>
   <p:clrMapOvr>
@@ -3639,7 +3594,7 @@
 </file>
 
 <file path=ppt/slideLayouts/slideLayout2.xml><?xml version="1.0" encoding="utf-8"?>
-<p:sldLayout xmlns:a="http://schemas.openxmlformats.org/drawingml/2006/main" xmlns:r="http://schemas.openxmlformats.org/officeDocument/2006/relationships" xmlns:p="http://schemas.openxmlformats.org/presentationml/2006/main" type="title">
+<p:sldLayout xmlns:a="http://schemas.openxmlformats.org/drawingml/2006/main" xmlns:r="http://schemas.openxmlformats.org/officeDocument/2006/relationships" xmlns:p="http://schemas.openxmlformats.org/presentationml/2006/main" userDrawn="1">
   <p:cSld name="Title Slide">
     <p:spTree>
       <p:nvGrpSpPr>
@@ -3655,9 +3610,41 @@
           <a:chExt cx="0" cy="0"/>
         </a:xfrm>
       </p:grpSpPr>
-      <p:sp>
-        <p:nvSpPr>
-          <p:cNvPr id="2" name="Title 1"/>
+      <p:pic>
+        <p:nvPicPr>
+          <p:cNvPr id="7" name="Picture 6" descr="selected_powerpoint_bg_1.jpg"/>
+          <p:cNvPicPr>
+            <a:picLocks noChangeAspect="1"/>
+          </p:cNvPicPr>
+          <p:nvPr userDrawn="1"/>
+        </p:nvPicPr>
+        <p:blipFill>
+          <a:blip r:embed="rId2" cstate="print"/>
+          <a:srcRect/>
+          <a:stretch>
+            <a:fillRect/>
+          </a:stretch>
+        </p:blipFill>
+        <p:spPr bwMode="auto">
+          <a:xfrm>
+            <a:off x="0" y="0"/>
+            <a:ext cx="9144000" cy="6858000"/>
+          </a:xfrm>
+          <a:prstGeom prst="rect">
+            <a:avLst/>
+          </a:prstGeom>
+          <a:noFill/>
+          <a:ln w="9525">
+            <a:noFill/>
+            <a:miter lim="800000"/>
+            <a:headEnd/>
+            <a:tailEnd/>
+          </a:ln>
+        </p:spPr>
+      </p:pic>
+      <p:sp>
+        <p:nvSpPr>
+          <p:cNvPr id="8" name="Title 1"/>
           <p:cNvSpPr>
             <a:spLocks noGrp="1"/>
           </p:cNvSpPr>
@@ -3667,25 +3654,33 @@
         </p:nvSpPr>
         <p:spPr>
           <a:xfrm>
-            <a:off x="685800" y="2130425"/>
-            <a:ext cx="7772400" cy="1470025"/>
+            <a:off x="283535" y="2130425"/>
+            <a:ext cx="8562753" cy="1470025"/>
           </a:xfrm>
         </p:spPr>
         <p:txBody>
           <a:bodyPr/>
-          <a:lstStyle/>
-          <a:p>
-            <a:r>
-              <a:rPr lang="en-US" smtClean="0"/>
+          <a:lstStyle>
+            <a:lvl1pPr algn="l">
+              <a:defRPr b="1">
+                <a:solidFill>
+                  <a:srgbClr val="C00000"/>
+                </a:solidFill>
+              </a:defRPr>
+            </a:lvl1pPr>
+          </a:lstStyle>
+          <a:p>
+            <a:r>
+              <a:rPr lang="en-US" dirty="0" smtClean="0"/>
               <a:t>Click to edit Master title style</a:t>
             </a:r>
-            <a:endParaRPr lang="en-US"/>
-          </a:p>
-        </p:txBody>
-      </p:sp>
-      <p:sp>
-        <p:nvSpPr>
-          <p:cNvPr id="3" name="Subtitle 2"/>
+            <a:endParaRPr lang="en-US" dirty="0"/>
+          </a:p>
+        </p:txBody>
+      </p:sp>
+      <p:sp>
+        <p:nvSpPr>
+          <p:cNvPr id="9" name="Subtitle 2"/>
           <p:cNvSpPr>
             <a:spLocks noGrp="1"/>
           </p:cNvSpPr>
@@ -3695,16 +3690,16 @@
         </p:nvSpPr>
         <p:spPr>
           <a:xfrm>
-            <a:off x="1371600" y="3886200"/>
-            <a:ext cx="6400800" cy="1752600"/>
+            <a:off x="311888" y="3886200"/>
+            <a:ext cx="8527312" cy="1752600"/>
           </a:xfrm>
         </p:spPr>
         <p:txBody>
           <a:bodyPr/>
           <a:lstStyle>
-            <a:lvl1pPr marL="0" indent="0" algn="ctr">
+            <a:lvl1pPr marL="0" indent="0" algn="l">
               <a:buNone/>
-              <a:defRPr/>
+              <a:defRPr sz="2000" b="1" i="0" baseline="0"/>
             </a:lvl1pPr>
             <a:lvl2pPr marL="457200" indent="0" algn="ctr">
               <a:buNone/>
@@ -3741,13 +3736,93 @@
           </a:lstStyle>
           <a:p>
             <a:r>
-              <a:rPr lang="en-US" smtClean="0"/>
+              <a:rPr lang="en-US" dirty="0" smtClean="0"/>
               <a:t>Click to edit Master subtitle style</a:t>
             </a:r>
+            <a:endParaRPr lang="en-US" dirty="0"/>
+          </a:p>
+        </p:txBody>
+      </p:sp>
+      <p:sp>
+        <p:nvSpPr>
+          <p:cNvPr id="10" name="Rectangle 9"/>
+          <p:cNvSpPr/>
+          <p:nvPr userDrawn="1"/>
+        </p:nvSpPr>
+        <p:spPr>
+          <a:xfrm>
+            <a:off x="0" y="6321425"/>
+            <a:ext cx="8810625" cy="466344"/>
+          </a:xfrm>
+          <a:prstGeom prst="rect">
+            <a:avLst/>
+          </a:prstGeom>
+          <a:solidFill>
+            <a:schemeClr val="bg1"/>
+          </a:solidFill>
+          <a:ln w="9525">
+            <a:solidFill>
+              <a:srgbClr val="AAAAAA"/>
+            </a:solidFill>
+          </a:ln>
+        </p:spPr>
+        <p:style>
+          <a:lnRef idx="2">
+            <a:schemeClr val="accent1">
+              <a:shade val="50000"/>
+            </a:schemeClr>
+          </a:lnRef>
+          <a:fillRef idx="1">
+            <a:schemeClr val="accent1"/>
+          </a:fillRef>
+          <a:effectRef idx="0">
+            <a:schemeClr val="accent1"/>
+          </a:effectRef>
+          <a:fontRef idx="minor">
+            <a:schemeClr val="lt1"/>
+          </a:fontRef>
+        </p:style>
+        <p:txBody>
+          <a:bodyPr rtlCol="0" anchor="ctr"/>
+          <a:lstStyle/>
+          <a:p>
+            <a:pPr algn="ctr"/>
             <a:endParaRPr lang="en-US"/>
           </a:p>
         </p:txBody>
       </p:sp>
+      <p:pic>
+        <p:nvPicPr>
+          <p:cNvPr id="11" name="Picture 8" descr="ti_logo_powerpoint_1_line.png"/>
+          <p:cNvPicPr>
+            <a:picLocks noChangeAspect="1"/>
+          </p:cNvPicPr>
+          <p:nvPr userDrawn="1"/>
+        </p:nvPicPr>
+        <p:blipFill>
+          <a:blip r:embed="rId3" cstate="print"/>
+          <a:srcRect/>
+          <a:stretch>
+            <a:fillRect/>
+          </a:stretch>
+        </p:blipFill>
+        <p:spPr bwMode="auto">
+          <a:xfrm>
+            <a:off x="6675438" y="6440488"/>
+            <a:ext cx="1874837" cy="231775"/>
+          </a:xfrm>
+          <a:prstGeom prst="rect">
+            <a:avLst/>
+          </a:prstGeom>
+          <a:noFill/>
+          <a:ln w="9525">
+            <a:noFill/>
+            <a:miter lim="800000"/>
+            <a:headEnd/>
+            <a:tailEnd/>
+          </a:ln>
+        </p:spPr>
+      </p:pic>
     </p:spTree>
   </p:cSld>
   <p:clrMapOvr>
@@ -3760,6 +3835,247 @@
 </file>
 
 <file path=ppt/slideLayouts/slideLayout3.xml><?xml version="1.0" encoding="utf-8"?>
+<p:sldLayout xmlns:a="http://schemas.openxmlformats.org/drawingml/2006/main" xmlns:r="http://schemas.openxmlformats.org/officeDocument/2006/relationships" xmlns:p="http://schemas.openxmlformats.org/presentationml/2006/main" preserve="1" userDrawn="1">
+  <p:cSld name="1_Title Slide">
+    <p:spTree>
+      <p:nvGrpSpPr>
+        <p:cNvPr id="1" name=""/>
+        <p:cNvGrpSpPr/>
+        <p:nvPr/>
+      </p:nvGrpSpPr>
+      <p:grpSpPr>
+        <a:xfrm>
+          <a:off x="0" y="0"/>
+          <a:ext cx="0" cy="0"/>
+          <a:chOff x="0" y="0"/>
+          <a:chExt cx="0" cy="0"/>
+        </a:xfrm>
+      </p:grpSpPr>
+      <p:pic>
+        <p:nvPicPr>
+          <p:cNvPr id="12" name="Picture 11" descr="selected_powerpoint_bg_1_grey.jpg"/>
+          <p:cNvPicPr>
+            <a:picLocks noChangeAspect="1"/>
+          </p:cNvPicPr>
+          <p:nvPr userDrawn="1"/>
+        </p:nvPicPr>
+        <p:blipFill>
+          <a:blip r:embed="rId2" cstate="print"/>
+          <a:srcRect/>
+          <a:stretch>
+            <a:fillRect/>
+          </a:stretch>
+        </p:blipFill>
+        <p:spPr bwMode="auto">
+          <a:xfrm>
+            <a:off x="0" y="0"/>
+            <a:ext cx="9144000" cy="6858000"/>
+          </a:xfrm>
+          <a:prstGeom prst="rect">
+            <a:avLst/>
+          </a:prstGeom>
+          <a:noFill/>
+          <a:ln w="9525">
+            <a:noFill/>
+            <a:miter lim="800000"/>
+            <a:headEnd/>
+            <a:tailEnd/>
+          </a:ln>
+        </p:spPr>
+      </p:pic>
+      <p:sp>
+        <p:nvSpPr>
+          <p:cNvPr id="8" name="Title 1"/>
+          <p:cNvSpPr>
+            <a:spLocks noGrp="1"/>
+          </p:cNvSpPr>
+          <p:nvPr>
+            <p:ph type="ctrTitle" hasCustomPrompt="1"/>
+          </p:nvPr>
+        </p:nvSpPr>
+        <p:spPr>
+          <a:xfrm>
+            <a:off x="283535" y="2130425"/>
+            <a:ext cx="8562753" cy="1470025"/>
+          </a:xfrm>
+        </p:spPr>
+        <p:txBody>
+          <a:bodyPr/>
+          <a:lstStyle>
+            <a:lvl1pPr algn="l">
+              <a:defRPr b="1">
+                <a:solidFill>
+                  <a:srgbClr val="C00000"/>
+                </a:solidFill>
+              </a:defRPr>
+            </a:lvl1pPr>
+          </a:lstStyle>
+          <a:p>
+            <a:r>
+              <a:rPr lang="en-US" dirty="0" smtClean="0"/>
+              <a:t>Click to edit Master section style</a:t>
+            </a:r>
+            <a:endParaRPr lang="en-US" dirty="0"/>
+          </a:p>
+        </p:txBody>
+      </p:sp>
+      <p:sp>
+        <p:nvSpPr>
+          <p:cNvPr id="9" name="Subtitle 2"/>
+          <p:cNvSpPr>
+            <a:spLocks noGrp="1"/>
+          </p:cNvSpPr>
+          <p:nvPr>
+            <p:ph type="subTitle" idx="1"/>
+          </p:nvPr>
+        </p:nvSpPr>
+        <p:spPr>
+          <a:xfrm>
+            <a:off x="311888" y="3886200"/>
+            <a:ext cx="8527312" cy="1752600"/>
+          </a:xfrm>
+        </p:spPr>
+        <p:txBody>
+          <a:bodyPr/>
+          <a:lstStyle>
+            <a:lvl1pPr marL="0" indent="0" algn="l">
+              <a:buNone/>
+              <a:defRPr sz="2000" b="1" i="0" baseline="0"/>
+            </a:lvl1pPr>
+            <a:lvl2pPr marL="457200" indent="0" algn="ctr">
+              <a:buNone/>
+              <a:defRPr/>
+            </a:lvl2pPr>
+            <a:lvl3pPr marL="914400" indent="0" algn="ctr">
+              <a:buNone/>
+              <a:defRPr/>
+            </a:lvl3pPr>
+            <a:lvl4pPr marL="1371600" indent="0" algn="ctr">
+              <a:buNone/>
+              <a:defRPr/>
+            </a:lvl4pPr>
+            <a:lvl5pPr marL="1828800" indent="0" algn="ctr">
+              <a:buNone/>
+              <a:defRPr/>
+            </a:lvl5pPr>
+            <a:lvl6pPr marL="2286000" indent="0" algn="ctr">
+              <a:buNone/>
+              <a:defRPr/>
+            </a:lvl6pPr>
+            <a:lvl7pPr marL="2743200" indent="0" algn="ctr">
+              <a:buNone/>
+              <a:defRPr/>
+            </a:lvl7pPr>
+            <a:lvl8pPr marL="3200400" indent="0" algn="ctr">
+              <a:buNone/>
+              <a:defRPr/>
+            </a:lvl8pPr>
+            <a:lvl9pPr marL="3657600" indent="0" algn="ctr">
+              <a:buNone/>
+              <a:defRPr/>
+            </a:lvl9pPr>
+          </a:lstStyle>
+          <a:p>
+            <a:r>
+              <a:rPr lang="en-US" dirty="0" smtClean="0"/>
+              <a:t>Click to edit Master subtitle style</a:t>
+            </a:r>
+            <a:endParaRPr lang="en-US" dirty="0"/>
+          </a:p>
+        </p:txBody>
+      </p:sp>
+      <p:sp>
+        <p:nvSpPr>
+          <p:cNvPr id="10" name="Rectangle 9"/>
+          <p:cNvSpPr/>
+          <p:nvPr userDrawn="1"/>
+        </p:nvSpPr>
+        <p:spPr>
+          <a:xfrm>
+            <a:off x="0" y="6321425"/>
+            <a:ext cx="8810625" cy="466344"/>
+          </a:xfrm>
+          <a:prstGeom prst="rect">
+            <a:avLst/>
+          </a:prstGeom>
+          <a:solidFill>
+            <a:schemeClr val="bg1"/>
+          </a:solidFill>
+          <a:ln w="9525">
+            <a:solidFill>
+              <a:srgbClr val="AAAAAA"/>
+            </a:solidFill>
+          </a:ln>
+        </p:spPr>
+        <p:style>
+          <a:lnRef idx="2">
+            <a:schemeClr val="accent1">
+              <a:shade val="50000"/>
+            </a:schemeClr>
+          </a:lnRef>
+          <a:fillRef idx="1">
+            <a:schemeClr val="accent1"/>
+          </a:fillRef>
+          <a:effectRef idx="0">
+            <a:schemeClr val="accent1"/>
+          </a:effectRef>
+          <a:fontRef idx="minor">
+            <a:schemeClr val="lt1"/>
+          </a:fontRef>
+        </p:style>
+        <p:txBody>
+          <a:bodyPr rtlCol="0" anchor="ctr"/>
+          <a:lstStyle/>
+          <a:p>
+            <a:pPr algn="ctr"/>
+            <a:endParaRPr lang="en-US"/>
+          </a:p>
+        </p:txBody>
+      </p:sp>
+      <p:pic>
+        <p:nvPicPr>
+          <p:cNvPr id="11" name="Picture 8" descr="ti_logo_powerpoint_1_line.png"/>
+          <p:cNvPicPr>
+            <a:picLocks noChangeAspect="1"/>
+          </p:cNvPicPr>
+          <p:nvPr userDrawn="1"/>
+        </p:nvPicPr>
+        <p:blipFill>
+          <a:blip r:embed="rId3" cstate="print"/>
+          <a:srcRect/>
+          <a:stretch>
+            <a:fillRect/>
+          </a:stretch>
+        </p:blipFill>
+        <p:spPr bwMode="auto">
+          <a:xfrm>
+            <a:off x="6675438" y="6440488"/>
+            <a:ext cx="1874837" cy="231775"/>
+          </a:xfrm>
+          <a:prstGeom prst="rect">
+            <a:avLst/>
+          </a:prstGeom>
+          <a:noFill/>
+          <a:ln w="9525">
+            <a:noFill/>
+            <a:miter lim="800000"/>
+            <a:headEnd/>
+            <a:tailEnd/>
+          </a:ln>
+        </p:spPr>
+      </p:pic>
+    </p:spTree>
+  </p:cSld>
+  <p:clrMapOvr>
+    <a:masterClrMapping/>
+  </p:clrMapOvr>
+  <p:transition spd="med">
+    <p:fade/>
+  </p:transition>
+</p:sldLayout>
+</file>
+
+<file path=ppt/slideLayouts/slideLayout4.xml><?xml version="1.0" encoding="utf-8"?>
 <p:sldLayout xmlns:a="http://schemas.openxmlformats.org/drawingml/2006/main" xmlns:r="http://schemas.openxmlformats.org/officeDocument/2006/relationships" xmlns:p="http://schemas.openxmlformats.org/presentationml/2006/main" type="obj">
   <p:cSld name="Title and Content">
     <p:spTree>
@@ -3789,13 +4105,21 @@
         <p:spPr/>
         <p:txBody>
           <a:bodyPr/>
-          <a:lstStyle/>
-          <a:p>
-            <a:r>
-              <a:rPr lang="en-US" smtClean="0"/>
+          <a:lstStyle>
+            <a:lvl1pPr>
+              <a:defRPr>
+                <a:solidFill>
+                  <a:srgbClr val="DE0000"/>
+                </a:solidFill>
+              </a:defRPr>
+            </a:lvl1pPr>
+          </a:lstStyle>
+          <a:p>
+            <a:r>
+              <a:rPr lang="en-US" dirty="0" smtClean="0"/>
               <a:t>Click to edit Master title style</a:t>
             </a:r>
-            <a:endParaRPr lang="en-US"/>
+            <a:endParaRPr lang="en-US" dirty="0"/>
           </a:p>
         </p:txBody>
       </p:sp>
@@ -3816,55 +4140,135 @@
           <a:p>
             <a:pPr lvl="0"/>
             <a:r>
-              <a:rPr lang="en-US" smtClean="0"/>
+              <a:rPr lang="en-US" dirty="0" smtClean="0"/>
               <a:t>Click to edit Master text styles</a:t>
             </a:r>
           </a:p>
           <a:p>
             <a:pPr lvl="1"/>
             <a:r>
-              <a:rPr lang="en-US" smtClean="0"/>
+              <a:rPr lang="en-US" dirty="0" smtClean="0"/>
               <a:t>Second level</a:t>
             </a:r>
           </a:p>
           <a:p>
             <a:pPr lvl="2"/>
             <a:r>
-              <a:rPr lang="en-US" smtClean="0"/>
+              <a:rPr lang="en-US" dirty="0" smtClean="0"/>
               <a:t>Third level</a:t>
             </a:r>
           </a:p>
           <a:p>
             <a:pPr lvl="3"/>
             <a:r>
-              <a:rPr lang="en-US" smtClean="0"/>
+              <a:rPr lang="en-US" dirty="0" smtClean="0"/>
               <a:t>Fourth level</a:t>
             </a:r>
           </a:p>
           <a:p>
             <a:pPr lvl="4"/>
             <a:r>
-              <a:rPr lang="en-US" smtClean="0"/>
+              <a:rPr lang="en-US" dirty="0" smtClean="0"/>
               <a:t>Fifth level</a:t>
             </a:r>
-            <a:endParaRPr lang="en-US"/>
-          </a:p>
-        </p:txBody>
-      </p:sp>
-      <p:sp>
-        <p:nvSpPr>
-          <p:cNvPr id="4" name="Date Placeholder 3"/>
-          <p:cNvSpPr>
-            <a:spLocks noGrp="1"/>
-          </p:cNvSpPr>
-          <p:nvPr>
-            <p:ph type="dt" sz="half" idx="10"/>
-          </p:nvPr>
+            <a:endParaRPr lang="en-US" dirty="0"/>
+          </a:p>
+        </p:txBody>
+      </p:sp>
+      <p:sp>
+        <p:nvSpPr>
+          <p:cNvPr id="9" name="Rectangle 8"/>
+          <p:cNvSpPr/>
+          <p:nvPr userDrawn="1"/>
         </p:nvSpPr>
         <p:spPr>
           <a:xfrm>
-            <a:off x="457200" y="6356350"/>
-            <a:ext cx="2133600" cy="365125"/>
+            <a:off x="0" y="6321425"/>
+            <a:ext cx="8810625" cy="466344"/>
+          </a:xfrm>
+          <a:prstGeom prst="rect">
+            <a:avLst/>
+          </a:prstGeom>
+          <a:solidFill>
+            <a:schemeClr val="bg1"/>
+          </a:solidFill>
+          <a:ln w="9525">
+            <a:solidFill>
+              <a:srgbClr val="AAAAAA"/>
+            </a:solidFill>
+          </a:ln>
+        </p:spPr>
+        <p:style>
+          <a:lnRef idx="2">
+            <a:schemeClr val="accent1">
+              <a:shade val="50000"/>
+            </a:schemeClr>
+          </a:lnRef>
+          <a:fillRef idx="1">
+            <a:schemeClr val="accent1"/>
+          </a:fillRef>
+          <a:effectRef idx="0">
+            <a:schemeClr val="accent1"/>
+          </a:effectRef>
+          <a:fontRef idx="minor">
+            <a:schemeClr val="lt1"/>
+          </a:fontRef>
+        </p:style>
+        <p:txBody>
+          <a:bodyPr rtlCol="0" anchor="ctr"/>
+          <a:lstStyle/>
+          <a:p>
+            <a:pPr algn="ctr"/>
+            <a:endParaRPr lang="en-US"/>
+          </a:p>
+        </p:txBody>
+      </p:sp>
+      <p:pic>
+        <p:nvPicPr>
+          <p:cNvPr id="10" name="Picture 27" descr="ti_logo_powerpoint_1_line.png"/>
+          <p:cNvPicPr>
+            <a:picLocks noChangeAspect="1"/>
+          </p:cNvPicPr>
+          <p:nvPr userDrawn="1"/>
+        </p:nvPicPr>
+        <p:blipFill>
+          <a:blip r:embed="rId2" cstate="print"/>
+          <a:srcRect/>
+          <a:stretch>
+            <a:fillRect/>
+          </a:stretch>
+        </p:blipFill>
+        <p:spPr bwMode="auto">
+          <a:xfrm>
+            <a:off x="6675438" y="6440488"/>
+            <a:ext cx="1874837" cy="231775"/>
+          </a:xfrm>
+          <a:prstGeom prst="rect">
+            <a:avLst/>
+          </a:prstGeom>
+          <a:noFill/>
+          <a:ln w="9525">
+            <a:noFill/>
+            <a:miter lim="800000"/>
+            <a:headEnd/>
+            <a:tailEnd/>
+          </a:ln>
+        </p:spPr>
+      </p:pic>
+      <p:sp>
+        <p:nvSpPr>
+          <p:cNvPr id="11" name="Rectangle 24"/>
+          <p:cNvSpPr>
+            <a:spLocks noGrp="1" noChangeArrowheads="1"/>
+          </p:cNvSpPr>
+          <p:nvPr>
+            <p:ph type="sldNum" sz="quarter" idx="10"/>
+          </p:nvPr>
+        </p:nvSpPr>
+        <p:spPr>
+          <a:xfrm>
+            <a:off x="6642100" y="6038850"/>
+            <a:ext cx="2133600" cy="206375"/>
           </a:xfrm>
           <a:prstGeom prst="rect">
             <a:avLst/>
@@ -3872,68 +4276,16 @@
         </p:spPr>
         <p:txBody>
           <a:bodyPr/>
-          <a:lstStyle/>
-          <a:p>
-            <a:fld id="{1B8179A2-2F23-44AB-AC94-6CE8F5D0AE56}" type="datetimeFigureOut">
-              <a:rPr lang="en-US" smtClean="0"/>
-              <a:pPr/>
-              <a:t>5/28/2013</a:t>
-            </a:fld>
-            <a:endParaRPr lang="en-US" dirty="0"/>
-          </a:p>
-        </p:txBody>
-      </p:sp>
-      <p:sp>
-        <p:nvSpPr>
-          <p:cNvPr id="5" name="Footer Placeholder 4"/>
-          <p:cNvSpPr>
-            <a:spLocks noGrp="1"/>
-          </p:cNvSpPr>
-          <p:nvPr>
-            <p:ph type="ftr" sz="quarter" idx="11"/>
-          </p:nvPr>
-        </p:nvSpPr>
-        <p:spPr>
-          <a:xfrm>
-            <a:off x="3124200" y="6356350"/>
-            <a:ext cx="2895600" cy="365125"/>
-          </a:xfrm>
-          <a:prstGeom prst="rect">
-            <a:avLst/>
-          </a:prstGeom>
-        </p:spPr>
-        <p:txBody>
-          <a:bodyPr/>
-          <a:lstStyle/>
-          <a:p>
-            <a:endParaRPr lang="en-US" dirty="0"/>
-          </a:p>
-        </p:txBody>
-      </p:sp>
-      <p:sp>
-        <p:nvSpPr>
-          <p:cNvPr id="6" name="Slide Number Placeholder 5"/>
-          <p:cNvSpPr>
-            <a:spLocks noGrp="1"/>
-          </p:cNvSpPr>
-          <p:nvPr>
-            <p:ph type="sldNum" sz="quarter" idx="12"/>
-          </p:nvPr>
-        </p:nvSpPr>
-        <p:spPr>
-          <a:xfrm>
-            <a:off x="6553200" y="6356350"/>
-            <a:ext cx="2133600" cy="365125"/>
-          </a:xfrm>
-          <a:prstGeom prst="rect">
-            <a:avLst/>
-          </a:prstGeom>
-        </p:spPr>
-        <p:txBody>
-          <a:bodyPr/>
-          <a:lstStyle/>
-          <a:p>
-            <a:fld id="{345C3017-80B4-47FA-8894-2564B5E949FF}" type="slidenum">
+          <a:lstStyle>
+            <a:lvl1pPr>
+              <a:defRPr sz="800">
+                <a:latin typeface="Calibri" pitchFamily="34" charset="0"/>
+                <a:cs typeface="Calibri" pitchFamily="34" charset="0"/>
+              </a:defRPr>
+            </a:lvl1pPr>
+          </a:lstStyle>
+          <a:p>
+            <a:fld id="{F2394529-A9B3-4A54-83EC-E61379E8334E}" type="slidenum">
               <a:rPr lang="en-US" smtClean="0"/>
               <a:pPr/>
               <a:t>‹#›</a:t>
@@ -3950,7 +4302,7 @@
 </p:sldLayout>
 </file>
 
-<file path=ppt/slideLayouts/slideLayout4.xml><?xml version="1.0" encoding="utf-8"?>
+<file path=ppt/slideLayouts/slideLayout5.xml><?xml version="1.0" encoding="utf-8"?>
 <p:sldLayout xmlns:a="http://schemas.openxmlformats.org/drawingml/2006/main" xmlns:r="http://schemas.openxmlformats.org/officeDocument/2006/relationships" xmlns:p="http://schemas.openxmlformats.org/presentationml/2006/main" type="objOnly">
   <p:cSld name="Content">
     <p:spTree>
@@ -4025,18 +4377,66 @@
       </p:sp>
       <p:sp>
         <p:nvSpPr>
-          <p:cNvPr id="3" name="Date Placeholder 2"/>
-          <p:cNvSpPr>
-            <a:spLocks noGrp="1"/>
-          </p:cNvSpPr>
-          <p:nvPr>
-            <p:ph type="dt" sz="half" idx="10"/>
-          </p:nvPr>
+          <p:cNvPr id="7" name="Rectangle 6"/>
+          <p:cNvSpPr/>
+          <p:nvPr userDrawn="1"/>
         </p:nvSpPr>
         <p:spPr>
           <a:xfrm>
-            <a:off x="457200" y="6356350"/>
-            <a:ext cx="2133600" cy="365125"/>
+            <a:off x="0" y="6321425"/>
+            <a:ext cx="8810625" cy="466344"/>
+          </a:xfrm>
+          <a:prstGeom prst="rect">
+            <a:avLst/>
+          </a:prstGeom>
+          <a:solidFill>
+            <a:schemeClr val="bg1"/>
+          </a:solidFill>
+          <a:ln w="9525">
+            <a:solidFill>
+              <a:srgbClr val="AAAAAA"/>
+            </a:solidFill>
+          </a:ln>
+        </p:spPr>
+        <p:style>
+          <a:lnRef idx="2">
+            <a:schemeClr val="accent1">
+              <a:shade val="50000"/>
+            </a:schemeClr>
+          </a:lnRef>
+          <a:fillRef idx="1">
+            <a:schemeClr val="accent1"/>
+          </a:fillRef>
+          <a:effectRef idx="0">
+            <a:schemeClr val="accent1"/>
+          </a:effectRef>
+          <a:fontRef idx="minor">
+            <a:schemeClr val="lt1"/>
+          </a:fontRef>
+        </p:style>
+        <p:txBody>
+          <a:bodyPr rtlCol="0" anchor="ctr"/>
+          <a:lstStyle/>
+          <a:p>
+            <a:pPr algn="ctr"/>
+            <a:endParaRPr lang="en-US"/>
+          </a:p>
+        </p:txBody>
+      </p:sp>
+      <p:sp>
+        <p:nvSpPr>
+          <p:cNvPr id="8" name="Rectangle 24"/>
+          <p:cNvSpPr>
+            <a:spLocks noGrp="1" noChangeArrowheads="1"/>
+          </p:cNvSpPr>
+          <p:nvPr>
+            <p:ph type="sldNum" sz="quarter" idx="10"/>
+          </p:nvPr>
+        </p:nvSpPr>
+        <p:spPr>
+          <a:xfrm>
+            <a:off x="6642100" y="6038850"/>
+            <a:ext cx="2133600" cy="206375"/>
           </a:xfrm>
           <a:prstGeom prst="rect">
             <a:avLst/>
@@ -4046,129 +4446,54 @@
           <a:bodyPr/>
           <a:lstStyle>
             <a:lvl1pPr>
-              <a:defRPr/>
+              <a:defRPr sz="800">
+                <a:latin typeface="Calibri" pitchFamily="34" charset="0"/>
+                <a:cs typeface="Calibri" pitchFamily="34" charset="0"/>
+              </a:defRPr>
             </a:lvl1pPr>
           </a:lstStyle>
           <a:p>
-            <a:pPr>
-              <a:defRPr/>
-            </a:pPr>
-            <a:endParaRPr lang="ko-KR" altLang="en-US"/>
-          </a:p>
-        </p:txBody>
-      </p:sp>
-      <p:sp>
-        <p:nvSpPr>
-          <p:cNvPr id="4" name="Date Placeholder 3"/>
-          <p:cNvSpPr>
-            <a:spLocks noGrp="1"/>
-          </p:cNvSpPr>
-          <p:nvPr>
-            <p:ph type="dt" sz="half" idx="11"/>
-          </p:nvPr>
-        </p:nvSpPr>
-        <p:spPr>
+            <a:fld id="{F2394529-A9B3-4A54-83EC-E61379E8334E}" type="slidenum">
+              <a:rPr lang="en-US" smtClean="0"/>
+              <a:pPr/>
+              <a:t>‹#›</a:t>
+            </a:fld>
+            <a:endParaRPr lang="en-US" dirty="0"/>
+          </a:p>
+        </p:txBody>
+      </p:sp>
+      <p:pic>
+        <p:nvPicPr>
+          <p:cNvPr id="9" name="Picture 27" descr="ti_logo_powerpoint_1_line.png"/>
+          <p:cNvPicPr>
+            <a:picLocks noChangeAspect="1"/>
+          </p:cNvPicPr>
+          <p:nvPr userDrawn="1"/>
+        </p:nvPicPr>
+        <p:blipFill>
+          <a:blip r:embed="rId2" cstate="print"/>
+          <a:srcRect/>
+          <a:stretch>
+            <a:fillRect/>
+          </a:stretch>
+        </p:blipFill>
+        <p:spPr bwMode="auto">
           <a:xfrm>
-            <a:off x="457200" y="6356350"/>
-            <a:ext cx="2133600" cy="365125"/>
+            <a:off x="6675438" y="6440488"/>
+            <a:ext cx="1874837" cy="231775"/>
           </a:xfrm>
           <a:prstGeom prst="rect">
             <a:avLst/>
           </a:prstGeom>
+          <a:noFill/>
+          <a:ln w="9525">
+            <a:noFill/>
+            <a:miter lim="800000"/>
+            <a:headEnd/>
+            <a:tailEnd/>
+          </a:ln>
         </p:spPr>
-        <p:txBody>
-          <a:bodyPr/>
-          <a:lstStyle>
-            <a:lvl1pPr>
-              <a:defRPr/>
-            </a:lvl1pPr>
-          </a:lstStyle>
-          <a:p>
-            <a:pPr>
-              <a:defRPr/>
-            </a:pPr>
-            <a:endParaRPr lang="ko-KR" altLang="en-US"/>
-          </a:p>
-        </p:txBody>
-      </p:sp>
-      <p:sp>
-        <p:nvSpPr>
-          <p:cNvPr id="5" name="Footer Placeholder 4"/>
-          <p:cNvSpPr>
-            <a:spLocks noGrp="1"/>
-          </p:cNvSpPr>
-          <p:nvPr>
-            <p:ph type="ftr" sz="quarter" idx="12"/>
-          </p:nvPr>
-        </p:nvSpPr>
-        <p:spPr>
-          <a:xfrm>
-            <a:off x="3124200" y="6356350"/>
-            <a:ext cx="2895600" cy="365125"/>
-          </a:xfrm>
-          <a:prstGeom prst="rect">
-            <a:avLst/>
-          </a:prstGeom>
-        </p:spPr>
-        <p:txBody>
-          <a:bodyPr/>
-          <a:lstStyle>
-            <a:lvl1pPr>
-              <a:defRPr/>
-            </a:lvl1pPr>
-          </a:lstStyle>
-          <a:p>
-            <a:pPr>
-              <a:defRPr/>
-            </a:pPr>
-            <a:r>
-              <a:rPr lang="en-US" dirty="0"/>
-              <a:t>Preliminary Information under NDA - subject to change</a:t>
-            </a:r>
-          </a:p>
-        </p:txBody>
-      </p:sp>
-      <p:sp>
-        <p:nvSpPr>
-          <p:cNvPr id="6" name="Slide Number Placeholder 5"/>
-          <p:cNvSpPr>
-            <a:spLocks noGrp="1"/>
-          </p:cNvSpPr>
-          <p:nvPr>
-            <p:ph type="sldNum" sz="quarter" idx="13"/>
-          </p:nvPr>
-        </p:nvSpPr>
-        <p:spPr>
-          <a:xfrm>
-            <a:off x="6553200" y="6356350"/>
-            <a:ext cx="2133600" cy="365125"/>
-          </a:xfrm>
-          <a:prstGeom prst="rect">
-            <a:avLst/>
-          </a:prstGeom>
-        </p:spPr>
-        <p:txBody>
-          <a:bodyPr/>
-          <a:lstStyle>
-            <a:lvl1pPr>
-              <a:defRPr/>
-            </a:lvl1pPr>
-          </a:lstStyle>
-          <a:p>
-            <a:pPr>
-              <a:defRPr/>
-            </a:pPr>
-            <a:fld id="{67C57A60-89F7-4F11-8A9C-EE2331D26E1F}" type="slidenum">
-              <a:rPr lang="ko-KR" altLang="en-US"/>
-              <a:pPr>
-                <a:defRPr/>
-              </a:pPr>
-              <a:t>‹#›</a:t>
-            </a:fld>
-            <a:endParaRPr lang="en-US" altLang="ko-KR" dirty="0"/>
-          </a:p>
-        </p:txBody>
-      </p:sp>
+      </p:pic>
     </p:spTree>
   </p:cSld>
   <p:clrMapOvr>
@@ -4316,67 +4641,62 @@
       </p:sp>
       <p:sp>
         <p:nvSpPr>
-          <p:cNvPr id="8" name="Rectangle 25"/>
-          <p:cNvSpPr>
-            <a:spLocks noChangeArrowheads="1"/>
-          </p:cNvSpPr>
-          <p:nvPr/>
-        </p:nvSpPr>
-        <p:spPr bwMode="auto">
+          <p:cNvPr id="11" name="Rectangle 10"/>
+          <p:cNvSpPr/>
+          <p:nvPr userDrawn="1"/>
+        </p:nvSpPr>
+        <p:spPr>
           <a:xfrm>
-            <a:off x="338138" y="6477000"/>
-            <a:ext cx="8462962" cy="315913"/>
+            <a:off x="0" y="6321425"/>
+            <a:ext cx="8810625" cy="466344"/>
           </a:xfrm>
           <a:prstGeom prst="rect">
             <a:avLst/>
           </a:prstGeom>
-          <a:noFill/>
+          <a:solidFill>
+            <a:schemeClr val="bg1"/>
+          </a:solidFill>
           <a:ln w="9525">
             <a:solidFill>
-              <a:schemeClr val="tx1"/>
+              <a:srgbClr val="AAAAAA"/>
             </a:solidFill>
-            <a:miter lim="800000"/>
-            <a:headEnd/>
-            <a:tailEnd/>
           </a:ln>
-          <a:effectLst/>
         </p:spPr>
-        <p:txBody>
-          <a:bodyPr wrap="none" anchor="ctr"/>
-          <a:lstStyle/>
-          <a:p>
-            <a:pPr algn="l" fontAlgn="auto">
-              <a:spcBef>
-                <a:spcPts val="0"/>
-              </a:spcBef>
-              <a:spcAft>
-                <a:spcPts val="0"/>
-              </a:spcAft>
-              <a:defRPr/>
-            </a:pPr>
-            <a:endParaRPr lang="en-US" sz="1800" dirty="0">
-              <a:solidFill>
-                <a:srgbClr val="000000"/>
-              </a:solidFill>
-              <a:latin typeface="Calibri"/>
-            </a:endParaRPr>
+        <p:style>
+          <a:lnRef idx="2">
+            <a:schemeClr val="accent1">
+              <a:shade val="50000"/>
+            </a:schemeClr>
+          </a:lnRef>
+          <a:fillRef idx="1">
+            <a:schemeClr val="accent1"/>
+          </a:fillRef>
+          <a:effectRef idx="0">
+            <a:schemeClr val="accent1"/>
+          </a:effectRef>
+          <a:fontRef idx="minor">
+            <a:schemeClr val="lt1"/>
+          </a:fontRef>
+        </p:style>
+        <p:txBody>
+          <a:bodyPr rtlCol="0" anchor="ctr"/>
+          <a:lstStyle/>
+          <a:p>
+            <a:pPr algn="ctr"/>
+            <a:endParaRPr lang="en-US"/>
           </a:p>
         </p:txBody>
       </p:sp>
       <p:pic>
         <p:nvPicPr>
-          <p:cNvPr id="10245" name="Picture 8" descr="ti_hz_1c_pos_rgb_jpg.jpg"/>
+          <p:cNvPr id="12" name="Picture 27" descr="ti_logo_powerpoint_1_line.png"/>
           <p:cNvPicPr>
             <a:picLocks noChangeAspect="1"/>
           </p:cNvPicPr>
-          <p:nvPr>
-            <p:custDataLst>
-              <p:tags r:id="rId6"/>
-            </p:custDataLst>
-          </p:nvPr>
+          <p:nvPr userDrawn="1"/>
         </p:nvPicPr>
         <p:blipFill>
-          <a:blip r:embed="rId8" cstate="print"/>
+          <a:blip r:embed="rId7" cstate="print"/>
           <a:srcRect/>
           <a:stretch>
             <a:fillRect/>
@@ -4384,8 +4704,8 @@
         </p:blipFill>
         <p:spPr bwMode="auto">
           <a:xfrm>
-            <a:off x="361950" y="6503988"/>
-            <a:ext cx="1131888" cy="260350"/>
+            <a:off x="6675438" y="6440488"/>
+            <a:ext cx="1874837" cy="231775"/>
           </a:xfrm>
           <a:prstGeom prst="rect">
             <a:avLst/>
@@ -4401,79 +4721,40 @@
       </p:pic>
       <p:sp>
         <p:nvSpPr>
-          <p:cNvPr id="10" name="Rectangle 9"/>
-          <p:cNvSpPr/>
-          <p:nvPr userDrawn="1">
-            <p:custDataLst>
-              <p:tags r:id="rId7"/>
-            </p:custDataLst>
+          <p:cNvPr id="13" name="Rectangle 24"/>
+          <p:cNvSpPr>
+            <a:spLocks noGrp="1" noChangeArrowheads="1"/>
+          </p:cNvSpPr>
+          <p:nvPr>
+            <p:ph type="sldNum" sz="quarter" idx="4"/>
           </p:nvPr>
         </p:nvSpPr>
         <p:spPr>
           <a:xfrm>
-            <a:off x="7428848" y="6498264"/>
-            <a:ext cx="1357103" cy="276999"/>
+            <a:off x="6642100" y="6038850"/>
+            <a:ext cx="2133600" cy="206375"/>
           </a:xfrm>
           <a:prstGeom prst="rect">
             <a:avLst/>
           </a:prstGeom>
-          <a:solidFill>
-            <a:schemeClr val="bg1"/>
-          </a:solidFill>
         </p:spPr>
         <p:txBody>
-          <a:bodyPr wrap="none">
-            <a:spAutoFit/>
-          </a:bodyPr>
-          <a:lstStyle/>
-          <a:p>
-            <a:pPr algn="ctr" fontAlgn="auto">
-              <a:spcBef>
-                <a:spcPts val="0"/>
-              </a:spcBef>
-              <a:spcAft>
-                <a:spcPts val="0"/>
-              </a:spcAft>
-              <a:defRPr/>
-            </a:pPr>
-            <a:r>
-              <a:rPr lang="en-US" sz="1200" b="1" dirty="0" smtClean="0">
-                <a:ln w="10541" cmpd="sng">
-                  <a:solidFill>
-                    <a:srgbClr val="7D7D7D">
-                      <a:tint val="100000"/>
-                      <a:shade val="100000"/>
-                      <a:satMod val="110000"/>
-                    </a:srgbClr>
-                  </a:solidFill>
-                  <a:prstDash val="solid"/>
-                </a:ln>
-                <a:solidFill>
-                  <a:srgbClr val="000000"/>
-                </a:solidFill>
-                <a:latin typeface="Calibri"/>
-              </a:rPr>
-              <a:t>Multicore </a:t>
-            </a:r>
-            <a:r>
-              <a:rPr lang="en-US" sz="1200" b="1" dirty="0">
-                <a:ln w="10541" cmpd="sng">
-                  <a:solidFill>
-                    <a:srgbClr val="7D7D7D">
-                      <a:tint val="100000"/>
-                      <a:shade val="100000"/>
-                      <a:satMod val="110000"/>
-                    </a:srgbClr>
-                  </a:solidFill>
-                  <a:prstDash val="solid"/>
-                </a:ln>
-                <a:solidFill>
-                  <a:srgbClr val="000000"/>
-                </a:solidFill>
-                <a:latin typeface="Calibri"/>
-              </a:rPr>
-              <a:t>Training</a:t>
-            </a:r>
+          <a:bodyPr/>
+          <a:lstStyle>
+            <a:lvl1pPr>
+              <a:defRPr sz="800">
+                <a:latin typeface="Calibri" pitchFamily="34" charset="0"/>
+                <a:cs typeface="Calibri" pitchFamily="34" charset="0"/>
+              </a:defRPr>
+            </a:lvl1pPr>
+          </a:lstStyle>
+          <a:p>
+            <a:fld id="{F2394529-A9B3-4A54-83EC-E61379E8334E}" type="slidenum">
+              <a:rPr lang="en-US" smtClean="0"/>
+              <a:pPr/>
+              <a:t>‹#›</a:t>
+            </a:fld>
+            <a:endParaRPr lang="en-US" dirty="0"/>
           </a:p>
         </p:txBody>
       </p:sp>
@@ -4483,9 +4764,11 @@
   <p:sldLayoutIdLst>
     <p:sldLayoutId id="2147485971" r:id="rId1"/>
     <p:sldLayoutId id="2147485972" r:id="rId2"/>
-    <p:sldLayoutId id="2147485974" r:id="rId3"/>
-    <p:sldLayoutId id="2147485975" r:id="rId4"/>
+    <p:sldLayoutId id="2147485976" r:id="rId3"/>
+    <p:sldLayoutId id="2147485974" r:id="rId4"/>
+    <p:sldLayoutId id="2147485975" r:id="rId5"/>
   </p:sldLayoutIdLst>
+  <p:hf hdr="0" ftr="0" dt="0"/>
   <p:txStyles>
     <p:titleStyle>
       <a:lvl1pPr algn="ctr" rtl="0" eaLnBrk="0" fontAlgn="base" hangingPunct="0">
@@ -4883,7 +5166,7 @@
       </p:grpSpPr>
       <p:sp>
         <p:nvSpPr>
-          <p:cNvPr id="4" name="Title 3"/>
+          <p:cNvPr id="2" name="Title 1"/>
           <p:cNvSpPr>
             <a:spLocks noGrp="1"/>
           </p:cNvSpPr>
@@ -4891,48 +5174,29 @@
             <p:ph type="ctrTitle"/>
           </p:nvPr>
         </p:nvSpPr>
-        <p:spPr>
-          <a:xfrm>
-            <a:off x="609600" y="609600"/>
-            <a:ext cx="7772400" cy="3154680"/>
-          </a:xfrm>
-        </p:spPr>
-        <p:txBody>
-          <a:bodyPr>
-            <a:noAutofit/>
-          </a:bodyPr>
-          <a:lstStyle/>
-          <a:p>
-            <a:pPr>
-              <a:lnSpc>
-                <a:spcPct val="105000"/>
-              </a:lnSpc>
-            </a:pPr>
-            <a:r>
-              <a:rPr lang="en-US" sz="5400" b="0" dirty="0" smtClean="0"/>
-              <a:t>KeyStone II</a:t>
+        <p:spPr/>
+        <p:txBody>
+          <a:bodyPr/>
+          <a:lstStyle/>
+          <a:p>
+            <a:r>
+              <a:rPr lang="en-US" dirty="0" smtClean="0"/>
+              <a:t>KeyStone</a:t>
             </a:r>
             <a:br>
-              <a:rPr lang="en-US" sz="5400" b="0" dirty="0" smtClean="0"/>
+              <a:rPr lang="en-US" dirty="0" smtClean="0"/>
             </a:br>
             <a:r>
-              <a:rPr lang="en-US" sz="5400" b="0" dirty="0" smtClean="0"/>
-              <a:t>ARM Cortex A-15</a:t>
-            </a:r>
-            <a:br>
-              <a:rPr lang="en-US" sz="5400" b="0" dirty="0" smtClean="0"/>
-            </a:br>
-            <a:r>
-              <a:rPr lang="en-US" sz="5400" b="0" dirty="0" smtClean="0"/>
-              <a:t>CorePac Overview</a:t>
-            </a:r>
-            <a:endParaRPr lang="en-US" sz="5400" b="0" dirty="0"/>
-          </a:p>
-        </p:txBody>
-      </p:sp>
-      <p:sp>
-        <p:nvSpPr>
-          <p:cNvPr id="5" name="Subtitle 4"/>
+              <a:rPr lang="en-US" dirty="0" smtClean="0"/>
+              <a:t>ARM Cortex A-15 CorePac Overview</a:t>
+            </a:r>
+            <a:endParaRPr lang="en-US" dirty="0"/>
+          </a:p>
+        </p:txBody>
+      </p:sp>
+      <p:sp>
+        <p:nvSpPr>
+          <p:cNvPr id="3" name="Subtitle 2"/>
           <p:cNvSpPr>
             <a:spLocks noGrp="1"/>
           </p:cNvSpPr>
@@ -4942,21 +5206,24 @@
         </p:nvSpPr>
         <p:spPr/>
         <p:txBody>
-          <a:bodyPr>
-            <a:normAutofit/>
-          </a:bodyPr>
-          <a:lstStyle/>
-          <a:p>
-            <a:r>
-              <a:rPr lang="en-US" sz="2800" dirty="0" smtClean="0">
-                <a:solidFill>
-                  <a:schemeClr val="tx1">
-                    <a:lumMod val="75000"/>
-                    <a:lumOff val="25000"/>
-                  </a:schemeClr>
-                </a:solidFill>
-              </a:rPr>
+          <a:bodyPr/>
+          <a:lstStyle/>
+          <a:p>
+            <a:r>
+              <a:rPr lang="en-US" dirty="0" smtClean="0"/>
+              <a:t>KeyStone Training</a:t>
+            </a:r>
+          </a:p>
+          <a:p>
+            <a:r>
+              <a:rPr lang="en-US" dirty="0" smtClean="0"/>
               <a:t>Multicore Applications</a:t>
+            </a:r>
+          </a:p>
+          <a:p>
+            <a:r>
+              <a:rPr lang="en-US" dirty="0" smtClean="0"/>
+              <a:t>Literature Number: SPRP804</a:t>
             </a:r>
           </a:p>
         </p:txBody>
@@ -4969,13 +5236,6 @@
   <p:transition spd="med">
     <p:fade/>
   </p:transition>
-  <p:timing>
-    <p:tnLst>
-      <p:par>
-        <p:cTn id="1" dur="indefinite" restart="never" nodeType="tmRoot"/>
-      </p:par>
-    </p:tnLst>
-  </p:timing>
 </p:sld>
 </file>
 
@@ -5098,6 +5358,30 @@
               <a:rPr lang="en-US" sz="2400" dirty="0" smtClean="0"/>
               <a:t>Configured as cache</a:t>
             </a:r>
+          </a:p>
+        </p:txBody>
+      </p:sp>
+      <p:sp>
+        <p:nvSpPr>
+          <p:cNvPr id="4" name="Slide Number Placeholder 3"/>
+          <p:cNvSpPr>
+            <a:spLocks noGrp="1"/>
+          </p:cNvSpPr>
+          <p:nvPr>
+            <p:ph type="sldNum" sz="quarter" idx="10"/>
+          </p:nvPr>
+        </p:nvSpPr>
+        <p:spPr/>
+        <p:txBody>
+          <a:bodyPr/>
+          <a:lstStyle/>
+          <a:p>
+            <a:fld id="{F2394529-A9B3-4A54-83EC-E61379E8334E}" type="slidenum">
+              <a:rPr lang="en-US" smtClean="0"/>
+              <a:pPr/>
+              <a:t>10</a:t>
+            </a:fld>
+            <a:endParaRPr lang="en-US" dirty="0"/>
           </a:p>
         </p:txBody>
       </p:sp>
@@ -5133,112 +5417,47 @@
             <a:spLocks noGrp="1"/>
           </p:cNvSpPr>
           <p:nvPr>
-            <p:ph type="title"/>
+            <p:ph type="ctrTitle"/>
           </p:nvPr>
         </p:nvSpPr>
         <p:spPr/>
         <p:txBody>
-          <a:bodyPr>
-            <a:normAutofit/>
-          </a:bodyPr>
-          <a:lstStyle/>
-          <a:p>
-            <a:r>
-              <a:rPr lang="en-US" sz="4000" dirty="0" smtClean="0"/>
-              <a:t>ARM Cortex A-15 Features: NEON</a:t>
-            </a:r>
-          </a:p>
-        </p:txBody>
-      </p:sp>
-      <p:sp>
-        <p:nvSpPr>
-          <p:cNvPr id="3" name="Content Placeholder 2"/>
+          <a:bodyPr/>
+          <a:lstStyle/>
+          <a:p>
+            <a:r>
+              <a:rPr lang="en-US" dirty="0" smtClean="0"/>
+              <a:t>ARM Cortex A-15 Features:</a:t>
+            </a:r>
+            <a:br>
+              <a:rPr lang="en-US" dirty="0" smtClean="0"/>
+            </a:br>
+            <a:r>
+              <a:rPr lang="en-US" dirty="0" smtClean="0"/>
+              <a:t>NEON</a:t>
+            </a:r>
+            <a:endParaRPr lang="en-US" dirty="0"/>
+          </a:p>
+        </p:txBody>
+      </p:sp>
+      <p:sp>
+        <p:nvSpPr>
+          <p:cNvPr id="3" name="Subtitle 2"/>
           <p:cNvSpPr>
             <a:spLocks noGrp="1"/>
           </p:cNvSpPr>
           <p:nvPr>
-            <p:ph idx="1"/>
-          </p:nvPr>
-        </p:nvSpPr>
-        <p:spPr>
-          <a:xfrm>
-            <a:off x="457200" y="883920"/>
-            <a:ext cx="8229600" cy="5585460"/>
-          </a:xfrm>
-        </p:spPr>
-        <p:txBody>
-          <a:bodyPr>
-            <a:normAutofit fontScale="92500" lnSpcReduction="10000"/>
-          </a:bodyPr>
+            <p:ph type="subTitle" idx="1"/>
+          </p:nvPr>
+        </p:nvSpPr>
+        <p:spPr/>
+        <p:txBody>
+          <a:bodyPr/>
           <a:lstStyle/>
           <a:p>
             <a:r>
               <a:rPr lang="en-US" dirty="0" smtClean="0"/>
-              <a:t>ARM CorePac in KeyStone II</a:t>
-            </a:r>
-          </a:p>
-          <a:p>
-            <a:r>
-              <a:rPr lang="en-US" b="1" dirty="0" smtClean="0"/>
-              <a:t>ARM Cortex A-15 Features</a:t>
-            </a:r>
-          </a:p>
-          <a:p>
-            <a:pPr lvl="1"/>
-            <a:r>
-              <a:rPr lang="en-US" dirty="0" smtClean="0"/>
-              <a:t>ARM Core</a:t>
-            </a:r>
-          </a:p>
-          <a:p>
-            <a:pPr lvl="1"/>
-            <a:r>
-              <a:rPr lang="en-US" b="1" dirty="0" smtClean="0"/>
-              <a:t>NEON</a:t>
-            </a:r>
-          </a:p>
-          <a:p>
-            <a:pPr lvl="1"/>
-            <a:r>
-              <a:rPr lang="en-US" dirty="0" smtClean="0"/>
-              <a:t>VFP</a:t>
-            </a:r>
-          </a:p>
-          <a:p>
-            <a:pPr lvl="1"/>
-            <a:r>
-              <a:rPr lang="en-US" dirty="0" smtClean="0"/>
-              <a:t>MMU</a:t>
-            </a:r>
-          </a:p>
-          <a:p>
-            <a:r>
-              <a:rPr lang="en-US" dirty="0" smtClean="0"/>
-              <a:t>Interface to the SOC and Coherency Issues</a:t>
-            </a:r>
-          </a:p>
-          <a:p>
-            <a:r>
-              <a:rPr lang="en-US" dirty="0" smtClean="0"/>
-              <a:t>Benchmarks</a:t>
-            </a:r>
-          </a:p>
-          <a:p>
-            <a:r>
-              <a:rPr lang="en-US" dirty="0" smtClean="0"/>
-              <a:t>Interrupt Controller</a:t>
-            </a:r>
-          </a:p>
-          <a:p>
-            <a:r>
-              <a:rPr lang="en-US" dirty="0" smtClean="0"/>
-              <a:t>Power Management</a:t>
-            </a:r>
-          </a:p>
-          <a:p>
-            <a:r>
-              <a:rPr lang="en-US" dirty="0" smtClean="0"/>
-              <a:t>Debug and Trace</a:t>
+              <a:t>ARM Cortex A-15 CorePac Overview</a:t>
             </a:r>
           </a:p>
           <a:p>
@@ -5251,6 +5470,9 @@
   <p:clrMapOvr>
     <a:masterClrMapping/>
   </p:clrMapOvr>
+  <p:transition spd="med">
+    <p:fade/>
+  </p:transition>
 </p:sld>
 </file>
 
@@ -5373,6 +5595,30 @@
               <a:rPr lang="en-US" sz="2400" dirty="0" smtClean="0"/>
               <a:t>Long </a:t>
             </a:r>
+          </a:p>
+        </p:txBody>
+      </p:sp>
+      <p:sp>
+        <p:nvSpPr>
+          <p:cNvPr id="4" name="Slide Number Placeholder 3"/>
+          <p:cNvSpPr>
+            <a:spLocks noGrp="1"/>
+          </p:cNvSpPr>
+          <p:nvPr>
+            <p:ph type="sldNum" sz="quarter" idx="10"/>
+          </p:nvPr>
+        </p:nvSpPr>
+        <p:spPr/>
+        <p:txBody>
+          <a:bodyPr/>
+          <a:lstStyle/>
+          <a:p>
+            <a:fld id="{F2394529-A9B3-4A54-83EC-E61379E8334E}" type="slidenum">
+              <a:rPr lang="en-US" smtClean="0"/>
+              <a:pPr/>
+              <a:t>12</a:t>
+            </a:fld>
+            <a:endParaRPr lang="en-US" dirty="0"/>
           </a:p>
         </p:txBody>
       </p:sp>
@@ -5443,31 +5689,148 @@
         </p:nvSpPr>
         <p:spPr>
           <a:xfrm>
-            <a:off x="65328" y="861060"/>
-            <a:ext cx="8576254" cy="1460109"/>
+            <a:off x="65327" y="861060"/>
+            <a:ext cx="8953311" cy="5407005"/>
           </a:xfrm>
         </p:spPr>
         <p:txBody>
           <a:bodyPr>
-            <a:normAutofit fontScale="92500" lnSpcReduction="20000"/>
+            <a:noAutofit/>
           </a:bodyPr>
           <a:lstStyle/>
+          <a:p>
+            <a:pPr marL="0" indent="0">
+              <a:buNone/>
+            </a:pPr>
+            <a:r>
+              <a:rPr lang="en-US" sz="2400" dirty="0" smtClean="0"/>
+              <a:t>NEON registers load and store data into 64-bit registers from memory with on-the-fly interleave, as shown in this diagram.</a:t>
+            </a:r>
+          </a:p>
+          <a:p>
+            <a:pPr marL="0" indent="0">
+              <a:buNone/>
+            </a:pPr>
+            <a:endParaRPr lang="en-US" sz="2400" dirty="0" smtClean="0"/>
+          </a:p>
+          <a:p>
+            <a:pPr marL="0" indent="0">
+              <a:buNone/>
+            </a:pPr>
+            <a:endParaRPr lang="en-US" sz="2400" dirty="0" smtClean="0"/>
+          </a:p>
+          <a:p>
+            <a:pPr marL="0" indent="0">
+              <a:buNone/>
+            </a:pPr>
+            <a:endParaRPr lang="en-US" sz="2400" dirty="0" smtClean="0"/>
+          </a:p>
+          <a:p>
+            <a:pPr marL="0" indent="0">
+              <a:buNone/>
+            </a:pPr>
+            <a:endParaRPr lang="en-US" sz="2400" dirty="0" smtClean="0"/>
+          </a:p>
+          <a:p>
+            <a:pPr marL="0" indent="0">
+              <a:buNone/>
+            </a:pPr>
+            <a:endParaRPr lang="en-US" sz="2400" dirty="0" smtClean="0"/>
+          </a:p>
+          <a:p>
+            <a:pPr marL="0" indent="0">
+              <a:buNone/>
+            </a:pPr>
+            <a:endParaRPr lang="en-US" sz="2400" dirty="0" smtClean="0"/>
+          </a:p>
+          <a:p>
+            <a:pPr marL="0" indent="0">
+              <a:buNone/>
+            </a:pPr>
+            <a:endParaRPr lang="en-US" sz="2400" dirty="0" smtClean="0"/>
+          </a:p>
+          <a:p>
+            <a:pPr marL="0" indent="0">
+              <a:buNone/>
+            </a:pPr>
+            <a:endParaRPr lang="en-US" sz="2400" dirty="0" smtClean="0"/>
+          </a:p>
+          <a:p>
+            <a:pPr marL="0" indent="0">
+              <a:buNone/>
+            </a:pPr>
+            <a:endParaRPr lang="en-US" sz="3600" dirty="0" smtClean="0"/>
+          </a:p>
+          <a:p>
+            <a:pPr marL="0" indent="0">
+              <a:buNone/>
+            </a:pPr>
+            <a:r>
+              <a:rPr lang="en-US" sz="2400" dirty="0" smtClean="0"/>
+              <a:t>Source: ARM Compiler </a:t>
+            </a:r>
+            <a:r>
+              <a:rPr lang="en-US" sz="2400" dirty="0" err="1" smtClean="0"/>
+              <a:t>Toolchain</a:t>
+            </a:r>
+            <a:r>
+              <a:rPr lang="en-US" sz="2400" dirty="0" smtClean="0"/>
+              <a:t> Assembler Reference; DUI0489C</a:t>
+            </a:r>
+          </a:p>
           <a:p>
             <a:pPr indent="0">
               <a:buNone/>
             </a:pPr>
-            <a:r>
-              <a:rPr lang="en-US" sz="2800" dirty="0" smtClean="0"/>
-              <a:t>NEON registers load and store data into 64-bit registers from memory with on-the-fly interleave, as shown in this diagram (Source: ARM Compiler </a:t>
-            </a:r>
-            <a:r>
-              <a:rPr lang="en-US" sz="2800" dirty="0" err="1" smtClean="0"/>
-              <a:t>Toolchain</a:t>
-            </a:r>
-            <a:r>
-              <a:rPr lang="en-US" sz="2800" dirty="0" smtClean="0"/>
-              <a:t> Assembler Reference; DUI0489C).</a:t>
-            </a:r>
+            <a:endParaRPr lang="en-US" sz="2400" dirty="0" smtClean="0"/>
+          </a:p>
+          <a:p>
+            <a:pPr indent="0">
+              <a:buNone/>
+            </a:pPr>
+            <a:endParaRPr lang="en-US" sz="2400" dirty="0" smtClean="0"/>
+          </a:p>
+          <a:p>
+            <a:pPr indent="0">
+              <a:buNone/>
+            </a:pPr>
+            <a:endParaRPr lang="en-US" sz="2400" dirty="0" smtClean="0"/>
+          </a:p>
+          <a:p>
+            <a:pPr indent="0">
+              <a:buNone/>
+            </a:pPr>
+            <a:endParaRPr lang="en-US" sz="2400" dirty="0" smtClean="0"/>
+          </a:p>
+          <a:p>
+            <a:pPr indent="0">
+              <a:buNone/>
+            </a:pPr>
+            <a:endParaRPr lang="en-US" sz="2400" dirty="0" smtClean="0"/>
+          </a:p>
+          <a:p>
+            <a:pPr indent="0">
+              <a:buNone/>
+            </a:pPr>
+            <a:endParaRPr lang="en-US" sz="2400" dirty="0" smtClean="0"/>
+          </a:p>
+          <a:p>
+            <a:pPr indent="0">
+              <a:buNone/>
+            </a:pPr>
+            <a:endParaRPr lang="en-US" sz="2400" dirty="0" smtClean="0"/>
+          </a:p>
+          <a:p>
+            <a:pPr indent="0">
+              <a:buNone/>
+            </a:pPr>
+            <a:endParaRPr lang="en-US" sz="2400" dirty="0" smtClean="0"/>
+          </a:p>
+          <a:p>
+            <a:pPr indent="0">
+              <a:buNone/>
+            </a:pPr>
+            <a:endParaRPr lang="en-US" sz="2400" dirty="0" smtClean="0"/>
           </a:p>
         </p:txBody>
       </p:sp>
@@ -5488,7 +5851,7 @@
         </p:blipFill>
         <p:spPr bwMode="auto">
           <a:xfrm>
-            <a:off x="446337" y="2299661"/>
+            <a:off x="446337" y="1680245"/>
             <a:ext cx="8254333" cy="4141332"/>
           </a:xfrm>
           <a:prstGeom prst="rect">
@@ -5503,6 +5866,30 @@
           </a:ln>
         </p:spPr>
       </p:pic>
+      <p:sp>
+        <p:nvSpPr>
+          <p:cNvPr id="5" name="Slide Number Placeholder 4"/>
+          <p:cNvSpPr>
+            <a:spLocks noGrp="1"/>
+          </p:cNvSpPr>
+          <p:nvPr>
+            <p:ph type="sldNum" sz="quarter" idx="10"/>
+          </p:nvPr>
+        </p:nvSpPr>
+        <p:spPr/>
+        <p:txBody>
+          <a:bodyPr/>
+          <a:lstStyle/>
+          <a:p>
+            <a:fld id="{F2394529-A9B3-4A54-83EC-E61379E8334E}" type="slidenum">
+              <a:rPr lang="en-US" smtClean="0"/>
+              <a:pPr/>
+              <a:t>13</a:t>
+            </a:fld>
+            <a:endParaRPr lang="en-US" dirty="0"/>
+          </a:p>
+        </p:txBody>
+      </p:sp>
     </p:spTree>
   </p:cSld>
   <p:clrMapOvr>
@@ -5535,112 +5922,47 @@
             <a:spLocks noGrp="1"/>
           </p:cNvSpPr>
           <p:nvPr>
-            <p:ph type="title"/>
+            <p:ph type="ctrTitle"/>
           </p:nvPr>
         </p:nvSpPr>
         <p:spPr/>
         <p:txBody>
-          <a:bodyPr>
-            <a:normAutofit/>
-          </a:bodyPr>
-          <a:lstStyle/>
-          <a:p>
-            <a:r>
-              <a:rPr lang="en-US" sz="4000" dirty="0" smtClean="0"/>
-              <a:t>ARM Cortex A-15 Features: VFP</a:t>
-            </a:r>
-          </a:p>
-        </p:txBody>
-      </p:sp>
-      <p:sp>
-        <p:nvSpPr>
-          <p:cNvPr id="3" name="Content Placeholder 2"/>
+          <a:bodyPr/>
+          <a:lstStyle/>
+          <a:p>
+            <a:r>
+              <a:rPr lang="en-US" dirty="0" smtClean="0"/>
+              <a:t>ARM Cortex A-15 Features:</a:t>
+            </a:r>
+            <a:br>
+              <a:rPr lang="en-US" dirty="0" smtClean="0"/>
+            </a:br>
+            <a:r>
+              <a:rPr lang="en-US" dirty="0" smtClean="0"/>
+              <a:t>Vector Floating Point (VFP)</a:t>
+            </a:r>
+            <a:endParaRPr lang="en-US" dirty="0"/>
+          </a:p>
+        </p:txBody>
+      </p:sp>
+      <p:sp>
+        <p:nvSpPr>
+          <p:cNvPr id="3" name="Subtitle 2"/>
           <p:cNvSpPr>
             <a:spLocks noGrp="1"/>
           </p:cNvSpPr>
           <p:nvPr>
-            <p:ph idx="1"/>
-          </p:nvPr>
-        </p:nvSpPr>
-        <p:spPr>
-          <a:xfrm>
-            <a:off x="457200" y="883920"/>
-            <a:ext cx="8229600" cy="5585460"/>
-          </a:xfrm>
-        </p:spPr>
-        <p:txBody>
-          <a:bodyPr>
-            <a:normAutofit fontScale="92500" lnSpcReduction="10000"/>
-          </a:bodyPr>
+            <p:ph type="subTitle" idx="1"/>
+          </p:nvPr>
+        </p:nvSpPr>
+        <p:spPr/>
+        <p:txBody>
+          <a:bodyPr/>
           <a:lstStyle/>
           <a:p>
             <a:r>
               <a:rPr lang="en-US" dirty="0" smtClean="0"/>
-              <a:t>ARM CorePac in KeyStone II</a:t>
-            </a:r>
-          </a:p>
-          <a:p>
-            <a:r>
-              <a:rPr lang="en-US" b="1" dirty="0" smtClean="0"/>
-              <a:t>ARM Cortex A-15 Features</a:t>
-            </a:r>
-          </a:p>
-          <a:p>
-            <a:pPr lvl="1"/>
-            <a:r>
-              <a:rPr lang="en-US" dirty="0" smtClean="0"/>
-              <a:t>ARM Core</a:t>
-            </a:r>
-          </a:p>
-          <a:p>
-            <a:pPr lvl="1"/>
-            <a:r>
-              <a:rPr lang="en-US" dirty="0" smtClean="0"/>
-              <a:t>NEON</a:t>
-            </a:r>
-          </a:p>
-          <a:p>
-            <a:pPr lvl="1"/>
-            <a:r>
-              <a:rPr lang="en-US" b="1" dirty="0" smtClean="0"/>
-              <a:t>VFP</a:t>
-            </a:r>
-          </a:p>
-          <a:p>
-            <a:pPr lvl="1"/>
-            <a:r>
-              <a:rPr lang="en-US" dirty="0" smtClean="0"/>
-              <a:t>MMU</a:t>
-            </a:r>
-          </a:p>
-          <a:p>
-            <a:r>
-              <a:rPr lang="en-US" dirty="0" smtClean="0"/>
-              <a:t>Interface to the SOC and Coherency Issues</a:t>
-            </a:r>
-          </a:p>
-          <a:p>
-            <a:r>
-              <a:rPr lang="en-US" dirty="0" smtClean="0"/>
-              <a:t>Benchmarks</a:t>
-            </a:r>
-          </a:p>
-          <a:p>
-            <a:r>
-              <a:rPr lang="en-US" dirty="0" smtClean="0"/>
-              <a:t>Interrupt Controller</a:t>
-            </a:r>
-          </a:p>
-          <a:p>
-            <a:r>
-              <a:rPr lang="en-US" dirty="0" smtClean="0"/>
-              <a:t>Power Management</a:t>
-            </a:r>
-          </a:p>
-          <a:p>
-            <a:r>
-              <a:rPr lang="en-US" dirty="0" smtClean="0"/>
-              <a:t>Debug and Trace</a:t>
+              <a:t>ARM Cortex A-15 CorePac Overview</a:t>
             </a:r>
           </a:p>
           <a:p>
@@ -5653,6 +5975,9 @@
   <p:clrMapOvr>
     <a:masterClrMapping/>
   </p:clrMapOvr>
+  <p:transition spd="med">
+    <p:fade/>
+  </p:transition>
 </p:sld>
 </file>
 
@@ -5769,6 +6094,30 @@
           </a:p>
           <a:p>
             <a:endParaRPr lang="en-US" sz="2800" dirty="0" smtClean="0"/>
+          </a:p>
+        </p:txBody>
+      </p:sp>
+      <p:sp>
+        <p:nvSpPr>
+          <p:cNvPr id="4" name="Slide Number Placeholder 3"/>
+          <p:cNvSpPr>
+            <a:spLocks noGrp="1"/>
+          </p:cNvSpPr>
+          <p:nvPr>
+            <p:ph type="sldNum" sz="quarter" idx="10"/>
+          </p:nvPr>
+        </p:nvSpPr>
+        <p:spPr/>
+        <p:txBody>
+          <a:bodyPr/>
+          <a:lstStyle/>
+          <a:p>
+            <a:fld id="{F2394529-A9B3-4A54-83EC-E61379E8334E}" type="slidenum">
+              <a:rPr lang="en-US" smtClean="0"/>
+              <a:pPr/>
+              <a:t>15</a:t>
+            </a:fld>
+            <a:endParaRPr lang="en-US" dirty="0"/>
           </a:p>
         </p:txBody>
       </p:sp>
@@ -5804,112 +6153,47 @@
             <a:spLocks noGrp="1"/>
           </p:cNvSpPr>
           <p:nvPr>
-            <p:ph type="title"/>
+            <p:ph type="ctrTitle"/>
           </p:nvPr>
         </p:nvSpPr>
         <p:spPr/>
         <p:txBody>
-          <a:bodyPr>
-            <a:normAutofit/>
-          </a:bodyPr>
-          <a:lstStyle/>
-          <a:p>
-            <a:r>
-              <a:rPr lang="en-US" sz="4000" dirty="0" smtClean="0"/>
-              <a:t>ARM Cortex A-15 Features: MMU</a:t>
-            </a:r>
-          </a:p>
-        </p:txBody>
-      </p:sp>
-      <p:sp>
-        <p:nvSpPr>
-          <p:cNvPr id="3" name="Content Placeholder 2"/>
+          <a:bodyPr/>
+          <a:lstStyle/>
+          <a:p>
+            <a:r>
+              <a:rPr lang="en-US" dirty="0" smtClean="0"/>
+              <a:t>ARM Cortex A-15 Features:</a:t>
+            </a:r>
+            <a:br>
+              <a:rPr lang="en-US" dirty="0" smtClean="0"/>
+            </a:br>
+            <a:r>
+              <a:rPr lang="en-US" dirty="0" smtClean="0"/>
+              <a:t>Memory Management Unit (MMU)</a:t>
+            </a:r>
+            <a:endParaRPr lang="en-US" dirty="0"/>
+          </a:p>
+        </p:txBody>
+      </p:sp>
+      <p:sp>
+        <p:nvSpPr>
+          <p:cNvPr id="3" name="Subtitle 2"/>
           <p:cNvSpPr>
             <a:spLocks noGrp="1"/>
           </p:cNvSpPr>
           <p:nvPr>
-            <p:ph idx="1"/>
-          </p:nvPr>
-        </p:nvSpPr>
-        <p:spPr>
-          <a:xfrm>
-            <a:off x="457200" y="883920"/>
-            <a:ext cx="8229600" cy="5585460"/>
-          </a:xfrm>
-        </p:spPr>
-        <p:txBody>
-          <a:bodyPr>
-            <a:normAutofit fontScale="92500" lnSpcReduction="10000"/>
-          </a:bodyPr>
+            <p:ph type="subTitle" idx="1"/>
+          </p:nvPr>
+        </p:nvSpPr>
+        <p:spPr/>
+        <p:txBody>
+          <a:bodyPr/>
           <a:lstStyle/>
           <a:p>
             <a:r>
               <a:rPr lang="en-US" dirty="0" smtClean="0"/>
-              <a:t>ARM CorePac in KeyStone II</a:t>
-            </a:r>
-          </a:p>
-          <a:p>
-            <a:r>
-              <a:rPr lang="en-US" b="1" dirty="0" smtClean="0"/>
-              <a:t>ARM Cortex A-15 Features</a:t>
-            </a:r>
-          </a:p>
-          <a:p>
-            <a:pPr lvl="1"/>
-            <a:r>
-              <a:rPr lang="en-US" dirty="0" smtClean="0"/>
-              <a:t>ARM Core</a:t>
-            </a:r>
-          </a:p>
-          <a:p>
-            <a:pPr lvl="1"/>
-            <a:r>
-              <a:rPr lang="en-US" dirty="0" smtClean="0"/>
-              <a:t>NEON</a:t>
-            </a:r>
-          </a:p>
-          <a:p>
-            <a:pPr lvl="1"/>
-            <a:r>
-              <a:rPr lang="en-US" dirty="0" smtClean="0"/>
-              <a:t>VFP</a:t>
-            </a:r>
-          </a:p>
-          <a:p>
-            <a:pPr lvl="1"/>
-            <a:r>
-              <a:rPr lang="en-US" b="1" dirty="0" smtClean="0"/>
-              <a:t>MMU</a:t>
-            </a:r>
-          </a:p>
-          <a:p>
-            <a:r>
-              <a:rPr lang="en-US" dirty="0" smtClean="0"/>
-              <a:t>Interface to the SOC and Coherency Issues</a:t>
-            </a:r>
-          </a:p>
-          <a:p>
-            <a:r>
-              <a:rPr lang="en-US" dirty="0" smtClean="0"/>
-              <a:t>Benchmarks</a:t>
-            </a:r>
-          </a:p>
-          <a:p>
-            <a:r>
-              <a:rPr lang="en-US" dirty="0" smtClean="0"/>
-              <a:t>Interrupt Controller</a:t>
-            </a:r>
-          </a:p>
-          <a:p>
-            <a:r>
-              <a:rPr lang="en-US" dirty="0" smtClean="0"/>
-              <a:t>Power Management</a:t>
-            </a:r>
-          </a:p>
-          <a:p>
-            <a:r>
-              <a:rPr lang="en-US" dirty="0" smtClean="0"/>
-              <a:t>Debug and Trace</a:t>
+              <a:t>ARM Cortex A-15 CorePac Overview</a:t>
             </a:r>
           </a:p>
           <a:p>
@@ -5922,6 +6206,9 @@
   <p:clrMapOvr>
     <a:masterClrMapping/>
   </p:clrMapOvr>
+  <p:transition spd="med">
+    <p:fade/>
+  </p:transition>
 </p:sld>
 </file>
 
@@ -6074,6 +6361,30 @@
           </a:p>
           <a:p>
             <a:endParaRPr lang="en-US" sz="2800" dirty="0" smtClean="0"/>
+          </a:p>
+        </p:txBody>
+      </p:sp>
+      <p:sp>
+        <p:nvSpPr>
+          <p:cNvPr id="4" name="Slide Number Placeholder 3"/>
+          <p:cNvSpPr>
+            <a:spLocks noGrp="1"/>
+          </p:cNvSpPr>
+          <p:nvPr>
+            <p:ph type="sldNum" sz="quarter" idx="10"/>
+          </p:nvPr>
+        </p:nvSpPr>
+        <p:spPr/>
+        <p:txBody>
+          <a:bodyPr/>
+          <a:lstStyle/>
+          <a:p>
+            <a:fld id="{F2394529-A9B3-4A54-83EC-E61379E8334E}" type="slidenum">
+              <a:rPr lang="en-US" smtClean="0"/>
+              <a:pPr/>
+              <a:t>17</a:t>
+            </a:fld>
+            <a:endParaRPr lang="en-US" dirty="0"/>
           </a:p>
         </p:txBody>
       </p:sp>
@@ -7240,6 +7551,30 @@
           </p:txBody>
         </p:sp>
       </p:grpSp>
+      <p:sp>
+        <p:nvSpPr>
+          <p:cNvPr id="19" name="Slide Number Placeholder 18"/>
+          <p:cNvSpPr>
+            <a:spLocks noGrp="1"/>
+          </p:cNvSpPr>
+          <p:nvPr>
+            <p:ph type="sldNum" sz="quarter" idx="10"/>
+          </p:nvPr>
+        </p:nvSpPr>
+        <p:spPr/>
+        <p:txBody>
+          <a:bodyPr/>
+          <a:lstStyle/>
+          <a:p>
+            <a:fld id="{F2394529-A9B3-4A54-83EC-E61379E8334E}" type="slidenum">
+              <a:rPr lang="en-US" smtClean="0"/>
+              <a:pPr/>
+              <a:t>18</a:t>
+            </a:fld>
+            <a:endParaRPr lang="en-US" dirty="0"/>
+          </a:p>
+        </p:txBody>
+      </p:sp>
     </p:spTree>
   </p:cSld>
   <p:clrMapOvr>
@@ -7404,6 +7739,30 @@
           </a:p>
         </p:txBody>
       </p:sp>
+      <p:sp>
+        <p:nvSpPr>
+          <p:cNvPr id="4" name="Slide Number Placeholder 3"/>
+          <p:cNvSpPr>
+            <a:spLocks noGrp="1"/>
+          </p:cNvSpPr>
+          <p:nvPr>
+            <p:ph type="sldNum" sz="quarter" idx="10"/>
+          </p:nvPr>
+        </p:nvSpPr>
+        <p:spPr/>
+        <p:txBody>
+          <a:bodyPr/>
+          <a:lstStyle/>
+          <a:p>
+            <a:fld id="{F2394529-A9B3-4A54-83EC-E61379E8334E}" type="slidenum">
+              <a:rPr lang="en-US" smtClean="0"/>
+              <a:pPr/>
+              <a:t>19</a:t>
+            </a:fld>
+            <a:endParaRPr lang="en-US" dirty="0"/>
+          </a:p>
+        </p:txBody>
+      </p:sp>
     </p:spTree>
   </p:cSld>
   <p:clrMapOvr>
@@ -7511,6 +7870,30 @@
               <a:rPr lang="en-US" dirty="0" smtClean="0"/>
               <a:t>Debug and Trace</a:t>
             </a:r>
+          </a:p>
+        </p:txBody>
+      </p:sp>
+      <p:sp>
+        <p:nvSpPr>
+          <p:cNvPr id="4" name="Slide Number Placeholder 3"/>
+          <p:cNvSpPr>
+            <a:spLocks noGrp="1"/>
+          </p:cNvSpPr>
+          <p:nvPr>
+            <p:ph type="sldNum" sz="quarter" idx="10"/>
+          </p:nvPr>
+        </p:nvSpPr>
+        <p:spPr/>
+        <p:txBody>
+          <a:bodyPr/>
+          <a:lstStyle/>
+          <a:p>
+            <a:fld id="{F2394529-A9B3-4A54-83EC-E61379E8334E}" type="slidenum">
+              <a:rPr lang="en-US" smtClean="0"/>
+              <a:pPr/>
+              <a:t>2</a:t>
+            </a:fld>
+            <a:endParaRPr lang="en-US" dirty="0"/>
           </a:p>
         </p:txBody>
       </p:sp>
@@ -7604,6 +7987,30 @@
           </a:prstGeom>
         </p:spPr>
       </p:pic>
+      <p:sp>
+        <p:nvSpPr>
+          <p:cNvPr id="4" name="Slide Number Placeholder 3"/>
+          <p:cNvSpPr>
+            <a:spLocks noGrp="1"/>
+          </p:cNvSpPr>
+          <p:nvPr>
+            <p:ph type="sldNum" sz="quarter" idx="10"/>
+          </p:nvPr>
+        </p:nvSpPr>
+        <p:spPr/>
+        <p:txBody>
+          <a:bodyPr/>
+          <a:lstStyle/>
+          <a:p>
+            <a:fld id="{F2394529-A9B3-4A54-83EC-E61379E8334E}" type="slidenum">
+              <a:rPr lang="en-US" smtClean="0"/>
+              <a:pPr/>
+              <a:t>20</a:t>
+            </a:fld>
+            <a:endParaRPr lang="en-US" dirty="0"/>
+          </a:p>
+        </p:txBody>
+      </p:sp>
     </p:spTree>
   </p:cSld>
   <p:clrMapOvr>
@@ -7687,6 +8094,30 @@
           </a:graphicData>
         </a:graphic>
       </p:graphicFrame>
+      <p:sp>
+        <p:nvSpPr>
+          <p:cNvPr id="4" name="Slide Number Placeholder 3"/>
+          <p:cNvSpPr>
+            <a:spLocks noGrp="1"/>
+          </p:cNvSpPr>
+          <p:nvPr>
+            <p:ph type="sldNum" sz="quarter" idx="10"/>
+          </p:nvPr>
+        </p:nvSpPr>
+        <p:spPr/>
+        <p:txBody>
+          <a:bodyPr/>
+          <a:lstStyle/>
+          <a:p>
+            <a:fld id="{F2394529-A9B3-4A54-83EC-E61379E8334E}" type="slidenum">
+              <a:rPr lang="en-US" smtClean="0"/>
+              <a:pPr/>
+              <a:t>21</a:t>
+            </a:fld>
+            <a:endParaRPr lang="en-US" dirty="0"/>
+          </a:p>
+        </p:txBody>
+      </p:sp>
     </p:spTree>
   </p:cSld>
   <p:clrMapOvr>
@@ -7870,6 +8301,30 @@
           </a:p>
         </p:txBody>
       </p:sp>
+      <p:sp>
+        <p:nvSpPr>
+          <p:cNvPr id="5" name="Slide Number Placeholder 4"/>
+          <p:cNvSpPr>
+            <a:spLocks noGrp="1"/>
+          </p:cNvSpPr>
+          <p:nvPr>
+            <p:ph type="sldNum" sz="quarter" idx="10"/>
+          </p:nvPr>
+        </p:nvSpPr>
+        <p:spPr/>
+        <p:txBody>
+          <a:bodyPr/>
+          <a:lstStyle/>
+          <a:p>
+            <a:fld id="{F2394529-A9B3-4A54-83EC-E61379E8334E}" type="slidenum">
+              <a:rPr lang="en-US" smtClean="0"/>
+              <a:pPr/>
+              <a:t>22</a:t>
+            </a:fld>
+            <a:endParaRPr lang="en-US" dirty="0"/>
+          </a:p>
+        </p:txBody>
+      </p:sp>
     </p:spTree>
   </p:cSld>
   <p:clrMapOvr>
@@ -7989,6 +8444,30 @@
           </a:p>
         </p:txBody>
       </p:sp>
+      <p:sp>
+        <p:nvSpPr>
+          <p:cNvPr id="5" name="Slide Number Placeholder 4"/>
+          <p:cNvSpPr>
+            <a:spLocks noGrp="1"/>
+          </p:cNvSpPr>
+          <p:nvPr>
+            <p:ph type="sldNum" sz="quarter" idx="10"/>
+          </p:nvPr>
+        </p:nvSpPr>
+        <p:spPr/>
+        <p:txBody>
+          <a:bodyPr/>
+          <a:lstStyle/>
+          <a:p>
+            <a:fld id="{F2394529-A9B3-4A54-83EC-E61379E8334E}" type="slidenum">
+              <a:rPr lang="en-US" smtClean="0"/>
+              <a:pPr/>
+              <a:t>23</a:t>
+            </a:fld>
+            <a:endParaRPr lang="en-US" dirty="0"/>
+          </a:p>
+        </p:txBody>
+      </p:sp>
     </p:spTree>
   </p:cSld>
   <p:clrMapOvr>
@@ -8021,80 +8500,50 @@
             <a:spLocks noGrp="1"/>
           </p:cNvSpPr>
           <p:nvPr>
-            <p:ph type="title"/>
+            <p:ph type="ctrTitle"/>
           </p:nvPr>
         </p:nvSpPr>
         <p:spPr/>
         <p:txBody>
-          <a:bodyPr>
-            <a:normAutofit fontScale="90000"/>
-          </a:bodyPr>
-          <a:lstStyle/>
-          <a:p>
-            <a:r>
-              <a:rPr lang="en-US" sz="4000" dirty="0" smtClean="0"/>
-              <a:t>Interface to the SOC and Coherency Issues</a:t>
-            </a:r>
-          </a:p>
-        </p:txBody>
-      </p:sp>
-      <p:sp>
-        <p:nvSpPr>
-          <p:cNvPr id="3" name="Content Placeholder 2"/>
+          <a:bodyPr/>
+          <a:lstStyle/>
+          <a:p>
+            <a:r>
+              <a:rPr lang="en-US" dirty="0" smtClean="0"/>
+              <a:t>Interface to the SOC and</a:t>
+            </a:r>
+            <a:br>
+              <a:rPr lang="en-US" dirty="0" smtClean="0"/>
+            </a:br>
+            <a:r>
+              <a:rPr lang="en-US" dirty="0" smtClean="0"/>
+              <a:t>Coherency Issues</a:t>
+            </a:r>
+            <a:endParaRPr lang="en-US" dirty="0"/>
+          </a:p>
+        </p:txBody>
+      </p:sp>
+      <p:sp>
+        <p:nvSpPr>
+          <p:cNvPr id="3" name="Subtitle 2"/>
           <p:cNvSpPr>
             <a:spLocks noGrp="1"/>
           </p:cNvSpPr>
           <p:nvPr>
-            <p:ph idx="1"/>
+            <p:ph type="subTitle" idx="1"/>
           </p:nvPr>
         </p:nvSpPr>
         <p:spPr/>
         <p:txBody>
-          <a:bodyPr>
-            <a:normAutofit/>
-          </a:bodyPr>
+          <a:bodyPr/>
           <a:lstStyle/>
           <a:p>
             <a:r>
               <a:rPr lang="en-US" dirty="0" smtClean="0"/>
-              <a:t>ARM CorePac in KeyStone II</a:t>
-            </a:r>
-          </a:p>
-          <a:p>
-            <a:r>
-              <a:rPr lang="en-US" dirty="0" smtClean="0"/>
-              <a:t>ARM Cortex A-15 Features</a:t>
-            </a:r>
-          </a:p>
-          <a:p>
-            <a:r>
-              <a:rPr lang="en-US" b="1" dirty="0" smtClean="0"/>
-              <a:t>Interface to the SOC and Coherency Issues</a:t>
-            </a:r>
-          </a:p>
-          <a:p>
-            <a:r>
-              <a:rPr lang="en-US" dirty="0" smtClean="0"/>
-              <a:t>Benchmarks</a:t>
-            </a:r>
-          </a:p>
-          <a:p>
-            <a:r>
-              <a:rPr lang="en-US" dirty="0" smtClean="0"/>
-              <a:t>Interrupt Controller</a:t>
-            </a:r>
-          </a:p>
-          <a:p>
-            <a:r>
-              <a:rPr lang="en-US" dirty="0" smtClean="0"/>
-              <a:t>Power Management</a:t>
-            </a:r>
-          </a:p>
-          <a:p>
-            <a:r>
-              <a:rPr lang="en-US" dirty="0" smtClean="0"/>
-              <a:t>Debug and Trace</a:t>
-            </a:r>
+              <a:t>ARM Cortex A-15 CorePac Overview</a:t>
+            </a:r>
+          </a:p>
+          <a:p>
             <a:endParaRPr lang="en-US" dirty="0"/>
           </a:p>
         </p:txBody>
@@ -8104,6 +8553,9 @@
   <p:clrMapOvr>
     <a:masterClrMapping/>
   </p:clrMapOvr>
+  <p:transition spd="med">
+    <p:fade/>
+  </p:transition>
 </p:sld>
 </file>
 
@@ -8215,6 +8667,30 @@
               <a:rPr lang="en-US" sz="2400" dirty="0" smtClean="0"/>
               <a:t>upports the trace features for the ARM cluster.</a:t>
             </a:r>
+          </a:p>
+        </p:txBody>
+      </p:sp>
+      <p:sp>
+        <p:nvSpPr>
+          <p:cNvPr id="4" name="Slide Number Placeholder 3"/>
+          <p:cNvSpPr>
+            <a:spLocks noGrp="1"/>
+          </p:cNvSpPr>
+          <p:nvPr>
+            <p:ph type="sldNum" sz="quarter" idx="10"/>
+          </p:nvPr>
+        </p:nvSpPr>
+        <p:spPr/>
+        <p:txBody>
+          <a:bodyPr/>
+          <a:lstStyle/>
+          <a:p>
+            <a:fld id="{F2394529-A9B3-4A54-83EC-E61379E8334E}" type="slidenum">
+              <a:rPr lang="en-US" smtClean="0"/>
+              <a:pPr/>
+              <a:t>25</a:t>
+            </a:fld>
+            <a:endParaRPr lang="en-US" dirty="0"/>
           </a:p>
         </p:txBody>
       </p:sp>
@@ -8305,6 +8781,30 @@
           </a:ln>
         </p:spPr>
       </p:pic>
+      <p:sp>
+        <p:nvSpPr>
+          <p:cNvPr id="4" name="Slide Number Placeholder 3"/>
+          <p:cNvSpPr>
+            <a:spLocks noGrp="1"/>
+          </p:cNvSpPr>
+          <p:nvPr>
+            <p:ph type="sldNum" sz="quarter" idx="10"/>
+          </p:nvPr>
+        </p:nvSpPr>
+        <p:spPr/>
+        <p:txBody>
+          <a:bodyPr/>
+          <a:lstStyle/>
+          <a:p>
+            <a:fld id="{F2394529-A9B3-4A54-83EC-E61379E8334E}" type="slidenum">
+              <a:rPr lang="en-US" smtClean="0"/>
+              <a:pPr/>
+              <a:t>26</a:t>
+            </a:fld>
+            <a:endParaRPr lang="en-US" dirty="0"/>
+          </a:p>
+        </p:txBody>
+      </p:sp>
     </p:spTree>
   </p:cSld>
   <p:clrMapOvr>
@@ -8456,7 +8956,7 @@
           <p:nvPr/>
         </p:nvGraphicFramePr>
         <p:xfrm>
-          <a:off x="3035710" y="1211580"/>
+          <a:off x="3035710" y="1064100"/>
           <a:ext cx="6020025" cy="5179172"/>
         </p:xfrm>
         <a:graphic>
@@ -8467,6 +8967,30 @@
           </a:graphicData>
         </a:graphic>
       </p:graphicFrame>
+      <p:sp>
+        <p:nvSpPr>
+          <p:cNvPr id="6" name="Slide Number Placeholder 5"/>
+          <p:cNvSpPr>
+            <a:spLocks noGrp="1"/>
+          </p:cNvSpPr>
+          <p:nvPr>
+            <p:ph type="sldNum" sz="quarter" idx="10"/>
+          </p:nvPr>
+        </p:nvSpPr>
+        <p:spPr/>
+        <p:txBody>
+          <a:bodyPr/>
+          <a:lstStyle/>
+          <a:p>
+            <a:fld id="{F2394529-A9B3-4A54-83EC-E61379E8334E}" type="slidenum">
+              <a:rPr lang="en-US" smtClean="0"/>
+              <a:pPr/>
+              <a:t>27</a:t>
+            </a:fld>
+            <a:endParaRPr lang="en-US" dirty="0"/>
+          </a:p>
+        </p:txBody>
+      </p:sp>
     </p:spTree>
   </p:cSld>
   <p:clrMapOvr>
@@ -8541,7 +9065,7 @@
         </p:nvGrpSpPr>
         <p:grpSpPr>
           <a:xfrm>
-            <a:off x="427056" y="1090310"/>
+            <a:off x="427056" y="1016570"/>
             <a:ext cx="8458200" cy="5303520"/>
             <a:chOff x="457200" y="1321414"/>
             <a:chExt cx="8458200" cy="5303520"/>
@@ -8775,6 +9299,30 @@
           </p:txBody>
         </p:sp>
       </p:grpSp>
+      <p:sp>
+        <p:nvSpPr>
+          <p:cNvPr id="10" name="Slide Number Placeholder 9"/>
+          <p:cNvSpPr>
+            <a:spLocks noGrp="1"/>
+          </p:cNvSpPr>
+          <p:nvPr>
+            <p:ph type="sldNum" sz="quarter" idx="10"/>
+          </p:nvPr>
+        </p:nvSpPr>
+        <p:spPr/>
+        <p:txBody>
+          <a:bodyPr/>
+          <a:lstStyle/>
+          <a:p>
+            <a:fld id="{F2394529-A9B3-4A54-83EC-E61379E8334E}" type="slidenum">
+              <a:rPr lang="en-US" smtClean="0"/>
+              <a:pPr/>
+              <a:t>28</a:t>
+            </a:fld>
+            <a:endParaRPr lang="en-US" dirty="0"/>
+          </a:p>
+        </p:txBody>
+      </p:sp>
     </p:spTree>
   </p:cSld>
   <p:clrMapOvr>
@@ -8847,433 +9395,472 @@
           </a:p>
         </p:txBody>
       </p:sp>
-      <p:pic>
-        <p:nvPicPr>
-          <p:cNvPr id="55303" name="Picture 7"/>
-          <p:cNvPicPr>
-            <a:picLocks noChangeArrowheads="1"/>
-          </p:cNvPicPr>
+      <p:grpSp>
+        <p:nvGrpSpPr>
+          <p:cNvPr id="12" name="Group 11"/>
+          <p:cNvGrpSpPr/>
           <p:nvPr/>
-        </p:nvPicPr>
-        <p:blipFill>
-          <a:blip r:embed="rId2" cstate="print"/>
-          <a:srcRect/>
-          <a:stretch>
-            <a:fillRect/>
-          </a:stretch>
-        </p:blipFill>
-        <p:spPr bwMode="auto">
+        </p:nvGrpSpPr>
+        <p:grpSpPr>
           <a:xfrm>
-            <a:off x="427056" y="1090310"/>
+            <a:off x="427056" y="1016570"/>
             <a:ext cx="8458200" cy="5303520"/>
+            <a:chOff x="427056" y="1090310"/>
+            <a:chExt cx="8458200" cy="5303520"/>
           </a:xfrm>
-          <a:prstGeom prst="rect">
-            <a:avLst/>
-          </a:prstGeom>
-          <a:noFill/>
-          <a:ln w="9525">
+        </p:grpSpPr>
+        <p:pic>
+          <p:nvPicPr>
+            <p:cNvPr id="55303" name="Picture 7"/>
+            <p:cNvPicPr>
+              <a:picLocks noChangeArrowheads="1"/>
+            </p:cNvPicPr>
+            <p:nvPr/>
+          </p:nvPicPr>
+          <p:blipFill>
+            <a:blip r:embed="rId2" cstate="print"/>
+            <a:srcRect/>
+            <a:stretch>
+              <a:fillRect/>
+            </a:stretch>
+          </p:blipFill>
+          <p:spPr bwMode="auto">
+            <a:xfrm>
+              <a:off x="427056" y="1090310"/>
+              <a:ext cx="8458200" cy="5303520"/>
+            </a:xfrm>
+            <a:prstGeom prst="rect">
+              <a:avLst/>
+            </a:prstGeom>
             <a:noFill/>
-            <a:miter lim="800000"/>
-            <a:headEnd/>
-            <a:tailEnd/>
-          </a:ln>
-        </p:spPr>
-      </p:pic>
-      <p:sp>
-        <p:nvSpPr>
-          <p:cNvPr id="14" name="Freeform 13"/>
-          <p:cNvSpPr/>
-          <p:nvPr/>
-        </p:nvSpPr>
-        <p:spPr>
-          <a:xfrm>
-            <a:off x="1626378" y="3775470"/>
-            <a:ext cx="4081669" cy="384313"/>
-          </a:xfrm>
-          <a:custGeom>
-            <a:avLst/>
-            <a:gdLst>
-              <a:gd name="connsiteX0" fmla="*/ 0 w 4081669"/>
-              <a:gd name="connsiteY0" fmla="*/ 379896 h 384313"/>
-              <a:gd name="connsiteX1" fmla="*/ 1868556 w 4081669"/>
-              <a:gd name="connsiteY1" fmla="*/ 326887 h 384313"/>
-              <a:gd name="connsiteX2" fmla="*/ 2981739 w 4081669"/>
-              <a:gd name="connsiteY2" fmla="*/ 35339 h 384313"/>
-              <a:gd name="connsiteX3" fmla="*/ 4081669 w 4081669"/>
-              <a:gd name="connsiteY3" fmla="*/ 114852 h 384313"/>
-            </a:gdLst>
-            <a:ahLst/>
-            <a:cxnLst>
-              <a:cxn ang="0">
-                <a:pos x="connsiteX0" y="connsiteY0"/>
-              </a:cxn>
-              <a:cxn ang="0">
-                <a:pos x="connsiteX1" y="connsiteY1"/>
-              </a:cxn>
-              <a:cxn ang="0">
-                <a:pos x="connsiteX2" y="connsiteY2"/>
-              </a:cxn>
-              <a:cxn ang="0">
-                <a:pos x="connsiteX3" y="connsiteY3"/>
-              </a:cxn>
-            </a:cxnLst>
-            <a:rect l="l" t="t" r="r" b="b"/>
-            <a:pathLst>
-              <a:path w="4081669" h="384313">
-                <a:moveTo>
-                  <a:pt x="0" y="379896"/>
-                </a:moveTo>
-                <a:cubicBezTo>
-                  <a:pt x="685800" y="382104"/>
-                  <a:pt x="1371600" y="384313"/>
-                  <a:pt x="1868556" y="326887"/>
-                </a:cubicBezTo>
-                <a:cubicBezTo>
-                  <a:pt x="2365513" y="269461"/>
-                  <a:pt x="2612887" y="70678"/>
-                  <a:pt x="2981739" y="35339"/>
-                </a:cubicBezTo>
-                <a:cubicBezTo>
-                  <a:pt x="3350591" y="0"/>
-                  <a:pt x="3716130" y="57426"/>
-                  <a:pt x="4081669" y="114852"/>
-                </a:cubicBezTo>
-              </a:path>
-            </a:pathLst>
-          </a:custGeom>
-          <a:ln w="25400">
+            <a:ln w="9525">
+              <a:noFill/>
+              <a:miter lim="800000"/>
+              <a:headEnd/>
+              <a:tailEnd/>
+            </a:ln>
+          </p:spPr>
+        </p:pic>
+        <p:sp>
+          <p:nvSpPr>
+            <p:cNvPr id="14" name="Freeform 13"/>
+            <p:cNvSpPr/>
+            <p:nvPr/>
+          </p:nvSpPr>
+          <p:spPr>
+            <a:xfrm>
+              <a:off x="1626378" y="3775470"/>
+              <a:ext cx="4081669" cy="384313"/>
+            </a:xfrm>
+            <a:custGeom>
+              <a:avLst/>
+              <a:gdLst>
+                <a:gd name="connsiteX0" fmla="*/ 0 w 4081669"/>
+                <a:gd name="connsiteY0" fmla="*/ 379896 h 384313"/>
+                <a:gd name="connsiteX1" fmla="*/ 1868556 w 4081669"/>
+                <a:gd name="connsiteY1" fmla="*/ 326887 h 384313"/>
+                <a:gd name="connsiteX2" fmla="*/ 2981739 w 4081669"/>
+                <a:gd name="connsiteY2" fmla="*/ 35339 h 384313"/>
+                <a:gd name="connsiteX3" fmla="*/ 4081669 w 4081669"/>
+                <a:gd name="connsiteY3" fmla="*/ 114852 h 384313"/>
+              </a:gdLst>
+              <a:ahLst/>
+              <a:cxnLst>
+                <a:cxn ang="0">
+                  <a:pos x="connsiteX0" y="connsiteY0"/>
+                </a:cxn>
+                <a:cxn ang="0">
+                  <a:pos x="connsiteX1" y="connsiteY1"/>
+                </a:cxn>
+                <a:cxn ang="0">
+                  <a:pos x="connsiteX2" y="connsiteY2"/>
+                </a:cxn>
+                <a:cxn ang="0">
+                  <a:pos x="connsiteX3" y="connsiteY3"/>
+                </a:cxn>
+              </a:cxnLst>
+              <a:rect l="l" t="t" r="r" b="b"/>
+              <a:pathLst>
+                <a:path w="4081669" h="384313">
+                  <a:moveTo>
+                    <a:pt x="0" y="379896"/>
+                  </a:moveTo>
+                  <a:cubicBezTo>
+                    <a:pt x="685800" y="382104"/>
+                    <a:pt x="1371600" y="384313"/>
+                    <a:pt x="1868556" y="326887"/>
+                  </a:cubicBezTo>
+                  <a:cubicBezTo>
+                    <a:pt x="2365513" y="269461"/>
+                    <a:pt x="2612887" y="70678"/>
+                    <a:pt x="2981739" y="35339"/>
+                  </a:cubicBezTo>
+                  <a:cubicBezTo>
+                    <a:pt x="3350591" y="0"/>
+                    <a:pt x="3716130" y="57426"/>
+                    <a:pt x="4081669" y="114852"/>
+                  </a:cubicBezTo>
+                </a:path>
+              </a:pathLst>
+            </a:custGeom>
+            <a:ln w="25400">
+              <a:solidFill>
+                <a:schemeClr val="tx1"/>
+              </a:solidFill>
+              <a:tailEnd type="triangle" w="lg" len="lg"/>
+            </a:ln>
+          </p:spPr>
+          <p:style>
+            <a:lnRef idx="1">
+              <a:schemeClr val="accent1"/>
+            </a:lnRef>
+            <a:fillRef idx="0">
+              <a:schemeClr val="accent1"/>
+            </a:fillRef>
+            <a:effectRef idx="0">
+              <a:schemeClr val="accent1"/>
+            </a:effectRef>
+            <a:fontRef idx="minor">
+              <a:schemeClr val="tx1"/>
+            </a:fontRef>
+          </p:style>
+          <p:txBody>
+            <a:bodyPr rtlCol="0" anchor="ctr"/>
+            <a:lstStyle/>
+            <a:p>
+              <a:pPr algn="ctr"/>
+              <a:endParaRPr lang="en-US"/>
+            </a:p>
+          </p:txBody>
+        </p:sp>
+        <p:sp>
+          <p:nvSpPr>
+            <p:cNvPr id="18" name="Oval 17"/>
+            <p:cNvSpPr/>
+            <p:nvPr/>
+          </p:nvSpPr>
+          <p:spPr>
+            <a:xfrm>
+              <a:off x="1722456" y="3731296"/>
+              <a:ext cx="457200" cy="381000"/>
+            </a:xfrm>
+            <a:prstGeom prst="ellipse">
+              <a:avLst/>
+            </a:prstGeom>
             <a:solidFill>
-              <a:schemeClr val="tx1"/>
+              <a:srgbClr val="FF0000"/>
             </a:solidFill>
-            <a:tailEnd type="triangle" w="lg" len="lg"/>
-          </a:ln>
-        </p:spPr>
-        <p:style>
-          <a:lnRef idx="1">
-            <a:schemeClr val="accent1"/>
-          </a:lnRef>
-          <a:fillRef idx="0">
-            <a:schemeClr val="accent1"/>
-          </a:fillRef>
-          <a:effectRef idx="0">
-            <a:schemeClr val="accent1"/>
-          </a:effectRef>
-          <a:fontRef idx="minor">
-            <a:schemeClr val="tx1"/>
-          </a:fontRef>
-        </p:style>
-        <p:txBody>
-          <a:bodyPr rtlCol="0" anchor="ctr"/>
-          <a:lstStyle/>
-          <a:p>
-            <a:pPr algn="ctr"/>
-            <a:endParaRPr lang="en-US"/>
-          </a:p>
-        </p:txBody>
-      </p:sp>
-      <p:sp>
-        <p:nvSpPr>
-          <p:cNvPr id="18" name="Oval 17"/>
-          <p:cNvSpPr/>
-          <p:nvPr/>
-        </p:nvSpPr>
-        <p:spPr>
-          <a:xfrm>
-            <a:off x="1722456" y="3731296"/>
-            <a:ext cx="457200" cy="381000"/>
-          </a:xfrm>
-          <a:prstGeom prst="ellipse">
-            <a:avLst/>
-          </a:prstGeom>
-          <a:solidFill>
-            <a:srgbClr val="FF0000"/>
-          </a:solidFill>
-        </p:spPr>
-        <p:style>
-          <a:lnRef idx="2">
-            <a:schemeClr val="accent1">
-              <a:shade val="50000"/>
-            </a:schemeClr>
-          </a:lnRef>
-          <a:fillRef idx="1">
-            <a:schemeClr val="accent1"/>
-          </a:fillRef>
-          <a:effectRef idx="0">
-            <a:schemeClr val="accent1"/>
-          </a:effectRef>
-          <a:fontRef idx="minor">
-            <a:schemeClr val="lt1"/>
-          </a:fontRef>
-        </p:style>
-        <p:txBody>
-          <a:bodyPr rtlCol="0" anchor="ctr"/>
-          <a:lstStyle/>
-          <a:p>
-            <a:pPr algn="ctr"/>
-            <a:r>
-              <a:rPr lang="en-US" b="1" dirty="0" smtClean="0">
+          </p:spPr>
+          <p:style>
+            <a:lnRef idx="2">
+              <a:schemeClr val="accent1">
+                <a:shade val="50000"/>
+              </a:schemeClr>
+            </a:lnRef>
+            <a:fillRef idx="1">
+              <a:schemeClr val="accent1"/>
+            </a:fillRef>
+            <a:effectRef idx="0">
+              <a:schemeClr val="accent1"/>
+            </a:effectRef>
+            <a:fontRef idx="minor">
+              <a:schemeClr val="lt1"/>
+            </a:fontRef>
+          </p:style>
+          <p:txBody>
+            <a:bodyPr rtlCol="0" anchor="ctr"/>
+            <a:lstStyle/>
+            <a:p>
+              <a:pPr algn="ctr"/>
+              <a:r>
+                <a:rPr lang="en-US" b="1" dirty="0" smtClean="0">
+                  <a:solidFill>
+                    <a:schemeClr val="bg1"/>
+                  </a:solidFill>
+                </a:rPr>
+                <a:t>1</a:t>
+              </a:r>
+              <a:endParaRPr lang="en-US" b="1" dirty="0">
                 <a:solidFill>
                   <a:schemeClr val="bg1"/>
                 </a:solidFill>
-              </a:rPr>
-              <a:t>1</a:t>
-            </a:r>
-            <a:endParaRPr lang="en-US" b="1" dirty="0">
+              </a:endParaRPr>
+            </a:p>
+          </p:txBody>
+        </p:sp>
+        <p:sp>
+          <p:nvSpPr>
+            <p:cNvPr id="9" name="Freeform 8"/>
+            <p:cNvSpPr/>
+            <p:nvPr/>
+          </p:nvSpPr>
+          <p:spPr>
+            <a:xfrm>
+              <a:off x="3170257" y="3134948"/>
+              <a:ext cx="2362200" cy="1510748"/>
+            </a:xfrm>
+            <a:custGeom>
+              <a:avLst/>
+              <a:gdLst>
+                <a:gd name="connsiteX0" fmla="*/ 1442279 w 1442279"/>
+                <a:gd name="connsiteY0" fmla="*/ 1431235 h 1444487"/>
+                <a:gd name="connsiteX1" fmla="*/ 408609 w 1442279"/>
+                <a:gd name="connsiteY1" fmla="*/ 1364974 h 1444487"/>
+                <a:gd name="connsiteX2" fmla="*/ 64052 w 1442279"/>
+                <a:gd name="connsiteY2" fmla="*/ 954157 h 1444487"/>
+                <a:gd name="connsiteX3" fmla="*/ 24296 w 1442279"/>
+                <a:gd name="connsiteY3" fmla="*/ 0 h 1444487"/>
+              </a:gdLst>
+              <a:ahLst/>
+              <a:cxnLst>
+                <a:cxn ang="0">
+                  <a:pos x="connsiteX0" y="connsiteY0"/>
+                </a:cxn>
+                <a:cxn ang="0">
+                  <a:pos x="connsiteX1" y="connsiteY1"/>
+                </a:cxn>
+                <a:cxn ang="0">
+                  <a:pos x="connsiteX2" y="connsiteY2"/>
+                </a:cxn>
+                <a:cxn ang="0">
+                  <a:pos x="connsiteX3" y="connsiteY3"/>
+                </a:cxn>
+              </a:cxnLst>
+              <a:rect l="l" t="t" r="r" b="b"/>
+              <a:pathLst>
+                <a:path w="1442279" h="1444487">
+                  <a:moveTo>
+                    <a:pt x="1442279" y="1431235"/>
+                  </a:moveTo>
+                  <a:cubicBezTo>
+                    <a:pt x="1040296" y="1437861"/>
+                    <a:pt x="638314" y="1444487"/>
+                    <a:pt x="408609" y="1364974"/>
+                  </a:cubicBezTo>
+                  <a:cubicBezTo>
+                    <a:pt x="178905" y="1285461"/>
+                    <a:pt x="128104" y="1181653"/>
+                    <a:pt x="64052" y="954157"/>
+                  </a:cubicBezTo>
+                  <a:cubicBezTo>
+                    <a:pt x="0" y="726661"/>
+                    <a:pt x="12148" y="363330"/>
+                    <a:pt x="24296" y="0"/>
+                  </a:cubicBezTo>
+                </a:path>
+              </a:pathLst>
+            </a:custGeom>
+            <a:ln w="25400">
               <a:solidFill>
-                <a:schemeClr val="bg1"/>
+                <a:schemeClr val="tx1"/>
               </a:solidFill>
-            </a:endParaRPr>
-          </a:p>
-        </p:txBody>
-      </p:sp>
-      <p:sp>
-        <p:nvSpPr>
-          <p:cNvPr id="9" name="Freeform 8"/>
-          <p:cNvSpPr/>
-          <p:nvPr/>
-        </p:nvSpPr>
-        <p:spPr>
-          <a:xfrm>
-            <a:off x="3170257" y="3134948"/>
-            <a:ext cx="2362200" cy="1510748"/>
-          </a:xfrm>
-          <a:custGeom>
-            <a:avLst/>
-            <a:gdLst>
-              <a:gd name="connsiteX0" fmla="*/ 1442279 w 1442279"/>
-              <a:gd name="connsiteY0" fmla="*/ 1431235 h 1444487"/>
-              <a:gd name="connsiteX1" fmla="*/ 408609 w 1442279"/>
-              <a:gd name="connsiteY1" fmla="*/ 1364974 h 1444487"/>
-              <a:gd name="connsiteX2" fmla="*/ 64052 w 1442279"/>
-              <a:gd name="connsiteY2" fmla="*/ 954157 h 1444487"/>
-              <a:gd name="connsiteX3" fmla="*/ 24296 w 1442279"/>
-              <a:gd name="connsiteY3" fmla="*/ 0 h 1444487"/>
-            </a:gdLst>
-            <a:ahLst/>
-            <a:cxnLst>
-              <a:cxn ang="0">
-                <a:pos x="connsiteX0" y="connsiteY0"/>
-              </a:cxn>
-              <a:cxn ang="0">
-                <a:pos x="connsiteX1" y="connsiteY1"/>
-              </a:cxn>
-              <a:cxn ang="0">
-                <a:pos x="connsiteX2" y="connsiteY2"/>
-              </a:cxn>
-              <a:cxn ang="0">
-                <a:pos x="connsiteX3" y="connsiteY3"/>
-              </a:cxn>
-            </a:cxnLst>
-            <a:rect l="l" t="t" r="r" b="b"/>
-            <a:pathLst>
-              <a:path w="1442279" h="1444487">
-                <a:moveTo>
-                  <a:pt x="1442279" y="1431235"/>
-                </a:moveTo>
-                <a:cubicBezTo>
-                  <a:pt x="1040296" y="1437861"/>
-                  <a:pt x="638314" y="1444487"/>
-                  <a:pt x="408609" y="1364974"/>
-                </a:cubicBezTo>
-                <a:cubicBezTo>
-                  <a:pt x="178905" y="1285461"/>
-                  <a:pt x="128104" y="1181653"/>
-                  <a:pt x="64052" y="954157"/>
-                </a:cubicBezTo>
-                <a:cubicBezTo>
-                  <a:pt x="0" y="726661"/>
-                  <a:pt x="12148" y="363330"/>
-                  <a:pt x="24296" y="0"/>
-                </a:cubicBezTo>
-              </a:path>
-            </a:pathLst>
-          </a:custGeom>
-          <a:ln w="25400">
+              <a:tailEnd type="triangle" w="lg" len="lg"/>
+            </a:ln>
+          </p:spPr>
+          <p:style>
+            <a:lnRef idx="1">
+              <a:schemeClr val="accent1"/>
+            </a:lnRef>
+            <a:fillRef idx="0">
+              <a:schemeClr val="accent1"/>
+            </a:fillRef>
+            <a:effectRef idx="0">
+              <a:schemeClr val="accent1"/>
+            </a:effectRef>
+            <a:fontRef idx="minor">
+              <a:schemeClr val="tx1"/>
+            </a:fontRef>
+          </p:style>
+          <p:txBody>
+            <a:bodyPr rtlCol="0" anchor="ctr"/>
+            <a:lstStyle/>
+            <a:p>
+              <a:pPr algn="ctr"/>
+              <a:endParaRPr lang="en-US"/>
+            </a:p>
+          </p:txBody>
+        </p:sp>
+        <p:sp>
+          <p:nvSpPr>
+            <p:cNvPr id="10" name="Oval 9"/>
+            <p:cNvSpPr/>
+            <p:nvPr/>
+          </p:nvSpPr>
+          <p:spPr>
+            <a:xfrm>
+              <a:off x="3246456" y="3426496"/>
+              <a:ext cx="457200" cy="381000"/>
+            </a:xfrm>
+            <a:prstGeom prst="ellipse">
+              <a:avLst/>
+            </a:prstGeom>
             <a:solidFill>
-              <a:schemeClr val="tx1"/>
+              <a:srgbClr val="FF0000"/>
             </a:solidFill>
-            <a:tailEnd type="triangle" w="lg" len="lg"/>
-          </a:ln>
-        </p:spPr>
-        <p:style>
-          <a:lnRef idx="1">
-            <a:schemeClr val="accent1"/>
-          </a:lnRef>
-          <a:fillRef idx="0">
-            <a:schemeClr val="accent1"/>
-          </a:fillRef>
-          <a:effectRef idx="0">
-            <a:schemeClr val="accent1"/>
-          </a:effectRef>
-          <a:fontRef idx="minor">
-            <a:schemeClr val="tx1"/>
-          </a:fontRef>
-        </p:style>
-        <p:txBody>
-          <a:bodyPr rtlCol="0" anchor="ctr"/>
-          <a:lstStyle/>
-          <a:p>
-            <a:pPr algn="ctr"/>
-            <a:endParaRPr lang="en-US"/>
-          </a:p>
-        </p:txBody>
-      </p:sp>
-      <p:sp>
-        <p:nvSpPr>
-          <p:cNvPr id="10" name="Oval 9"/>
-          <p:cNvSpPr/>
-          <p:nvPr/>
-        </p:nvSpPr>
-        <p:spPr>
-          <a:xfrm>
-            <a:off x="3246456" y="3426496"/>
-            <a:ext cx="457200" cy="381000"/>
-          </a:xfrm>
-          <a:prstGeom prst="ellipse">
-            <a:avLst/>
-          </a:prstGeom>
-          <a:solidFill>
-            <a:srgbClr val="FF0000"/>
-          </a:solidFill>
-        </p:spPr>
-        <p:style>
-          <a:lnRef idx="2">
-            <a:schemeClr val="accent1">
-              <a:shade val="50000"/>
-            </a:schemeClr>
-          </a:lnRef>
-          <a:fillRef idx="1">
-            <a:schemeClr val="accent1"/>
-          </a:fillRef>
-          <a:effectRef idx="0">
-            <a:schemeClr val="accent1"/>
-          </a:effectRef>
-          <a:fontRef idx="minor">
-            <a:schemeClr val="lt1"/>
-          </a:fontRef>
-        </p:style>
-        <p:txBody>
-          <a:bodyPr rtlCol="0" anchor="ctr"/>
-          <a:lstStyle/>
-          <a:p>
-            <a:pPr algn="ctr"/>
-            <a:r>
-              <a:rPr lang="en-US" b="1" dirty="0" smtClean="0">
+          </p:spPr>
+          <p:style>
+            <a:lnRef idx="2">
+              <a:schemeClr val="accent1">
+                <a:shade val="50000"/>
+              </a:schemeClr>
+            </a:lnRef>
+            <a:fillRef idx="1">
+              <a:schemeClr val="accent1"/>
+            </a:fillRef>
+            <a:effectRef idx="0">
+              <a:schemeClr val="accent1"/>
+            </a:effectRef>
+            <a:fontRef idx="minor">
+              <a:schemeClr val="lt1"/>
+            </a:fontRef>
+          </p:style>
+          <p:txBody>
+            <a:bodyPr rtlCol="0" anchor="ctr"/>
+            <a:lstStyle/>
+            <a:p>
+              <a:pPr algn="ctr"/>
+              <a:r>
+                <a:rPr lang="en-US" b="1" dirty="0" smtClean="0">
+                  <a:solidFill>
+                    <a:schemeClr val="bg1"/>
+                  </a:solidFill>
+                </a:rPr>
+                <a:t>2</a:t>
+              </a:r>
+              <a:endParaRPr lang="en-US" b="1" dirty="0">
                 <a:solidFill>
                   <a:schemeClr val="bg1"/>
                 </a:solidFill>
-              </a:rPr>
-              <a:t>2</a:t>
-            </a:r>
-            <a:endParaRPr lang="en-US" b="1" dirty="0">
-              <a:solidFill>
-                <a:schemeClr val="bg1"/>
-              </a:solidFill>
-            </a:endParaRPr>
-          </a:p>
-        </p:txBody>
-      </p:sp>
-      <p:sp>
-        <p:nvSpPr>
-          <p:cNvPr id="11" name="Rounded Rectangular Callout 10"/>
-          <p:cNvSpPr/>
-          <p:nvPr/>
-        </p:nvSpPr>
-        <p:spPr>
-          <a:xfrm>
-            <a:off x="427056" y="5255296"/>
-            <a:ext cx="1600200" cy="1066800"/>
-          </a:xfrm>
-          <a:prstGeom prst="wedgeRoundRectCallout">
-            <a:avLst>
-              <a:gd name="adj1" fmla="val 52045"/>
-              <a:gd name="adj2" fmla="val -151165"/>
-              <a:gd name="adj3" fmla="val 16667"/>
-            </a:avLst>
-          </a:prstGeom>
-        </p:spPr>
-        <p:style>
-          <a:lnRef idx="2">
-            <a:schemeClr val="accent1">
-              <a:shade val="50000"/>
-            </a:schemeClr>
-          </a:lnRef>
-          <a:fillRef idx="1">
-            <a:schemeClr val="accent1"/>
-          </a:fillRef>
-          <a:effectRef idx="0">
-            <a:schemeClr val="accent1"/>
-          </a:effectRef>
-          <a:fontRef idx="minor">
-            <a:schemeClr val="lt1"/>
-          </a:fontRef>
-        </p:style>
-        <p:txBody>
-          <a:bodyPr lIns="0" tIns="0" rIns="0" bIns="0" rtlCol="0" anchor="ctr"/>
-          <a:lstStyle/>
-          <a:p>
-            <a:pPr algn="ctr"/>
-            <a:r>
-              <a:rPr lang="en-US" sz="2000" dirty="0" smtClean="0"/>
-              <a:t>EDMA issues write to shared SRAM.</a:t>
-            </a:r>
-            <a:endParaRPr lang="en-US" sz="2000" dirty="0"/>
-          </a:p>
-        </p:txBody>
-      </p:sp>
-      <p:sp>
-        <p:nvSpPr>
-          <p:cNvPr id="25" name="Rounded Rectangular Callout 24"/>
-          <p:cNvSpPr/>
-          <p:nvPr/>
-        </p:nvSpPr>
-        <p:spPr>
-          <a:xfrm>
-            <a:off x="701955" y="1319904"/>
-            <a:ext cx="1600200" cy="1545220"/>
-          </a:xfrm>
-          <a:prstGeom prst="wedgeRoundRectCallout">
-            <a:avLst>
-              <a:gd name="adj1" fmla="val 104219"/>
-              <a:gd name="adj2" fmla="val 101009"/>
-              <a:gd name="adj3" fmla="val 16667"/>
-            </a:avLst>
-          </a:prstGeom>
-        </p:spPr>
-        <p:style>
-          <a:lnRef idx="2">
-            <a:schemeClr val="accent1">
-              <a:shade val="50000"/>
-            </a:schemeClr>
-          </a:lnRef>
-          <a:fillRef idx="1">
-            <a:schemeClr val="accent1"/>
-          </a:fillRef>
-          <a:effectRef idx="0">
-            <a:schemeClr val="accent1"/>
-          </a:effectRef>
-          <a:fontRef idx="minor">
-            <a:schemeClr val="lt1"/>
-          </a:fontRef>
-        </p:style>
-        <p:txBody>
-          <a:bodyPr lIns="0" tIns="0" rIns="0" bIns="0" rtlCol="0" anchor="ctr"/>
-          <a:lstStyle/>
-          <a:p>
-            <a:pPr algn="ctr"/>
-            <a:r>
-              <a:rPr lang="en-US" sz="2000" dirty="0" smtClean="0"/>
-              <a:t>Coherence Controller issues </a:t>
-            </a:r>
-            <a:r>
-              <a:rPr lang="en-US" sz="2000" dirty="0" err="1" smtClean="0"/>
-              <a:t>WBInv</a:t>
-            </a:r>
-            <a:r>
-              <a:rPr lang="en-US" sz="2000" dirty="0" smtClean="0"/>
-              <a:t> snoops to ARM.</a:t>
-            </a:r>
-            <a:endParaRPr lang="en-US" sz="2000" dirty="0"/>
+              </a:endParaRPr>
+            </a:p>
+          </p:txBody>
+        </p:sp>
+        <p:sp>
+          <p:nvSpPr>
+            <p:cNvPr id="11" name="Rounded Rectangular Callout 10"/>
+            <p:cNvSpPr/>
+            <p:nvPr/>
+          </p:nvSpPr>
+          <p:spPr>
+            <a:xfrm>
+              <a:off x="427056" y="5255296"/>
+              <a:ext cx="1600200" cy="1066800"/>
+            </a:xfrm>
+            <a:prstGeom prst="wedgeRoundRectCallout">
+              <a:avLst>
+                <a:gd name="adj1" fmla="val 52045"/>
+                <a:gd name="adj2" fmla="val -151165"/>
+                <a:gd name="adj3" fmla="val 16667"/>
+              </a:avLst>
+            </a:prstGeom>
+          </p:spPr>
+          <p:style>
+            <a:lnRef idx="2">
+              <a:schemeClr val="accent1">
+                <a:shade val="50000"/>
+              </a:schemeClr>
+            </a:lnRef>
+            <a:fillRef idx="1">
+              <a:schemeClr val="accent1"/>
+            </a:fillRef>
+            <a:effectRef idx="0">
+              <a:schemeClr val="accent1"/>
+            </a:effectRef>
+            <a:fontRef idx="minor">
+              <a:schemeClr val="lt1"/>
+            </a:fontRef>
+          </p:style>
+          <p:txBody>
+            <a:bodyPr lIns="0" tIns="0" rIns="0" bIns="0" rtlCol="0" anchor="ctr"/>
+            <a:lstStyle/>
+            <a:p>
+              <a:pPr algn="ctr"/>
+              <a:r>
+                <a:rPr lang="en-US" sz="2000" dirty="0" smtClean="0"/>
+                <a:t>EDMA issues write to shared SRAM.</a:t>
+              </a:r>
+              <a:endParaRPr lang="en-US" sz="2000" dirty="0"/>
+            </a:p>
+          </p:txBody>
+        </p:sp>
+        <p:sp>
+          <p:nvSpPr>
+            <p:cNvPr id="25" name="Rounded Rectangular Callout 24"/>
+            <p:cNvSpPr/>
+            <p:nvPr/>
+          </p:nvSpPr>
+          <p:spPr>
+            <a:xfrm>
+              <a:off x="701955" y="1319904"/>
+              <a:ext cx="1600200" cy="1545220"/>
+            </a:xfrm>
+            <a:prstGeom prst="wedgeRoundRectCallout">
+              <a:avLst>
+                <a:gd name="adj1" fmla="val 104219"/>
+                <a:gd name="adj2" fmla="val 101009"/>
+                <a:gd name="adj3" fmla="val 16667"/>
+              </a:avLst>
+            </a:prstGeom>
+          </p:spPr>
+          <p:style>
+            <a:lnRef idx="2">
+              <a:schemeClr val="accent1">
+                <a:shade val="50000"/>
+              </a:schemeClr>
+            </a:lnRef>
+            <a:fillRef idx="1">
+              <a:schemeClr val="accent1"/>
+            </a:fillRef>
+            <a:effectRef idx="0">
+              <a:schemeClr val="accent1"/>
+            </a:effectRef>
+            <a:fontRef idx="minor">
+              <a:schemeClr val="lt1"/>
+            </a:fontRef>
+          </p:style>
+          <p:txBody>
+            <a:bodyPr lIns="0" tIns="0" rIns="0" bIns="0" rtlCol="0" anchor="ctr"/>
+            <a:lstStyle/>
+            <a:p>
+              <a:pPr algn="ctr"/>
+              <a:r>
+                <a:rPr lang="en-US" sz="2000" dirty="0" smtClean="0"/>
+                <a:t>Coherence Controller issues </a:t>
+              </a:r>
+              <a:r>
+                <a:rPr lang="en-US" sz="2000" dirty="0" err="1" smtClean="0"/>
+                <a:t>WBInv</a:t>
+              </a:r>
+              <a:r>
+                <a:rPr lang="en-US" sz="2000" dirty="0" smtClean="0"/>
+                <a:t> snoops to ARM.</a:t>
+              </a:r>
+              <a:endParaRPr lang="en-US" sz="2000" dirty="0"/>
+            </a:p>
+          </p:txBody>
+        </p:sp>
+      </p:grpSp>
+      <p:sp>
+        <p:nvSpPr>
+          <p:cNvPr id="13" name="Slide Number Placeholder 12"/>
+          <p:cNvSpPr>
+            <a:spLocks noGrp="1"/>
+          </p:cNvSpPr>
+          <p:nvPr>
+            <p:ph type="sldNum" sz="quarter" idx="10"/>
+          </p:nvPr>
+        </p:nvSpPr>
+        <p:spPr/>
+        <p:txBody>
+          <a:bodyPr/>
+          <a:lstStyle/>
+          <a:p>
+            <a:fld id="{F2394529-A9B3-4A54-83EC-E61379E8334E}" type="slidenum">
+              <a:rPr lang="en-US" smtClean="0"/>
+              <a:pPr/>
+              <a:t>29</a:t>
+            </a:fld>
+            <a:endParaRPr lang="en-US" dirty="0"/>
           </a:p>
         </p:txBody>
       </p:sp>
@@ -9316,80 +9903,42 @@
             <a:spLocks noGrp="1"/>
           </p:cNvSpPr>
           <p:nvPr>
-            <p:ph type="title"/>
+            <p:ph type="ctrTitle"/>
           </p:nvPr>
         </p:nvSpPr>
         <p:spPr/>
         <p:txBody>
-          <a:bodyPr>
-            <a:normAutofit/>
-          </a:bodyPr>
-          <a:lstStyle/>
-          <a:p>
-            <a:r>
-              <a:rPr lang="en-US" sz="4000" dirty="0" smtClean="0"/>
+          <a:bodyPr/>
+          <a:lstStyle/>
+          <a:p>
+            <a:r>
+              <a:rPr lang="en-US" dirty="0" smtClean="0"/>
               <a:t>ARM CorePac in KeyStone II</a:t>
             </a:r>
-          </a:p>
-        </p:txBody>
-      </p:sp>
-      <p:sp>
-        <p:nvSpPr>
-          <p:cNvPr id="3" name="Content Placeholder 2"/>
+            <a:endParaRPr lang="en-US" dirty="0"/>
+          </a:p>
+        </p:txBody>
+      </p:sp>
+      <p:sp>
+        <p:nvSpPr>
+          <p:cNvPr id="3" name="Subtitle 2"/>
           <p:cNvSpPr>
             <a:spLocks noGrp="1"/>
           </p:cNvSpPr>
           <p:nvPr>
-            <p:ph idx="1"/>
+            <p:ph type="subTitle" idx="1"/>
           </p:nvPr>
         </p:nvSpPr>
         <p:spPr/>
         <p:txBody>
-          <a:bodyPr>
-            <a:normAutofit/>
-          </a:bodyPr>
-          <a:lstStyle/>
-          <a:p>
-            <a:r>
-              <a:rPr lang="en-US" b="1" dirty="0" smtClean="0"/>
-              <a:t>ARM CorePac in KeyStone II</a:t>
-            </a:r>
-          </a:p>
+          <a:bodyPr/>
+          <a:lstStyle/>
           <a:p>
             <a:r>
               <a:rPr lang="en-US" dirty="0" smtClean="0"/>
-              <a:t>ARM Cortex A-15 Features</a:t>
-            </a:r>
-          </a:p>
-          <a:p>
-            <a:r>
-              <a:rPr lang="en-US" dirty="0" smtClean="0"/>
-              <a:t>Interface to the SOC and Coherency Issues</a:t>
-            </a:r>
-          </a:p>
-          <a:p>
-            <a:r>
-              <a:rPr lang="en-US" dirty="0" smtClean="0"/>
-              <a:t>Benchmarks</a:t>
-            </a:r>
-          </a:p>
-          <a:p>
-            <a:r>
-              <a:rPr lang="en-US" dirty="0" smtClean="0"/>
-              <a:t>Interrupt Controller</a:t>
-            </a:r>
-          </a:p>
-          <a:p>
-            <a:r>
-              <a:rPr lang="en-US" dirty="0" smtClean="0"/>
-              <a:t>Power Management</a:t>
-            </a:r>
-          </a:p>
-          <a:p>
-            <a:r>
-              <a:rPr lang="en-US" dirty="0" smtClean="0"/>
-              <a:t>Debug and Trace</a:t>
-            </a:r>
+              <a:t>ARM Cortex A-15 CorePac Overview</a:t>
+            </a:r>
+            <a:endParaRPr lang="en-US" dirty="0"/>
           </a:p>
         </p:txBody>
       </p:sp>
@@ -9398,13 +9947,9 @@
   <p:clrMapOvr>
     <a:masterClrMapping/>
   </p:clrMapOvr>
-  <p:timing>
-    <p:tnLst>
-      <p:par>
-        <p:cTn id="1" dur="indefinite" restart="never" nodeType="tmRoot"/>
-      </p:par>
-    </p:tnLst>
-  </p:timing>
+  <p:transition spd="med">
+    <p:fade/>
+  </p:transition>
 </p:sld>
 </file>
 
@@ -9473,7 +10018,7 @@
         </p:nvGrpSpPr>
         <p:grpSpPr>
           <a:xfrm>
-            <a:off x="427056" y="1090310"/>
+            <a:off x="427056" y="1016570"/>
             <a:ext cx="8458200" cy="5303520"/>
             <a:chOff x="457200" y="1321414"/>
             <a:chExt cx="8458200" cy="5303520"/>
@@ -10105,6 +10650,30 @@
           </p:txBody>
         </p:sp>
       </p:grpSp>
+      <p:sp>
+        <p:nvSpPr>
+          <p:cNvPr id="21" name="Slide Number Placeholder 20"/>
+          <p:cNvSpPr>
+            <a:spLocks noGrp="1"/>
+          </p:cNvSpPr>
+          <p:nvPr>
+            <p:ph type="sldNum" sz="quarter" idx="10"/>
+          </p:nvPr>
+        </p:nvSpPr>
+        <p:spPr/>
+        <p:txBody>
+          <a:bodyPr/>
+          <a:lstStyle/>
+          <a:p>
+            <a:fld id="{F2394529-A9B3-4A54-83EC-E61379E8334E}" type="slidenum">
+              <a:rPr lang="en-US" smtClean="0"/>
+              <a:pPr/>
+              <a:t>30</a:t>
+            </a:fld>
+            <a:endParaRPr lang="en-US" dirty="0"/>
+          </a:p>
+        </p:txBody>
+      </p:sp>
     </p:spTree>
   </p:cSld>
   <p:clrMapOvr>
@@ -10179,59 +10748,1071 @@
       </p:sp>
       <p:grpSp>
         <p:nvGrpSpPr>
-          <p:cNvPr id="2" name="Group 19"/>
+          <p:cNvPr id="23" name="Group 22"/>
           <p:cNvGrpSpPr/>
           <p:nvPr/>
         </p:nvGrpSpPr>
         <p:grpSpPr>
           <a:xfrm>
-            <a:off x="427056" y="1090310"/>
-            <a:ext cx="8458200" cy="5303520"/>
-            <a:chOff x="457200" y="1321414"/>
-            <a:chExt cx="8458200" cy="5303520"/>
+            <a:off x="427056" y="1016570"/>
+            <a:ext cx="8458200" cy="5312170"/>
+            <a:chOff x="427056" y="1090310"/>
+            <a:chExt cx="8458200" cy="5312170"/>
           </a:xfrm>
         </p:grpSpPr>
-        <p:pic>
-          <p:nvPicPr>
-            <p:cNvPr id="55303" name="Picture 7"/>
-            <p:cNvPicPr>
-              <a:picLocks noChangeArrowheads="1"/>
-            </p:cNvPicPr>
+        <p:grpSp>
+          <p:nvGrpSpPr>
+            <p:cNvPr id="2" name="Group 19"/>
+            <p:cNvGrpSpPr/>
             <p:nvPr/>
-          </p:nvPicPr>
-          <p:blipFill>
-            <a:blip r:embed="rId2" cstate="print"/>
-            <a:srcRect/>
-            <a:stretch>
-              <a:fillRect/>
-            </a:stretch>
-          </p:blipFill>
-          <p:spPr bwMode="auto">
+          </p:nvGrpSpPr>
+          <p:grpSpPr>
             <a:xfrm>
-              <a:off x="457200" y="1321414"/>
+              <a:off x="427056" y="1090310"/>
               <a:ext cx="8458200" cy="5303520"/>
+              <a:chOff x="457200" y="1321414"/>
+              <a:chExt cx="8458200" cy="5303520"/>
             </a:xfrm>
-            <a:prstGeom prst="rect">
-              <a:avLst/>
-            </a:prstGeom>
-            <a:noFill/>
-            <a:ln w="9525">
+          </p:grpSpPr>
+          <p:pic>
+            <p:nvPicPr>
+              <p:cNvPr id="55303" name="Picture 7"/>
+              <p:cNvPicPr>
+                <a:picLocks noChangeArrowheads="1"/>
+              </p:cNvPicPr>
+              <p:nvPr/>
+            </p:nvPicPr>
+            <p:blipFill>
+              <a:blip r:embed="rId2" cstate="print"/>
+              <a:srcRect/>
+              <a:stretch>
+                <a:fillRect/>
+              </a:stretch>
+            </p:blipFill>
+            <p:spPr bwMode="auto">
+              <a:xfrm>
+                <a:off x="457200" y="1321414"/>
+                <a:ext cx="8458200" cy="5303520"/>
+              </a:xfrm>
+              <a:prstGeom prst="rect">
+                <a:avLst/>
+              </a:prstGeom>
               <a:noFill/>
-              <a:miter lim="800000"/>
-              <a:headEnd/>
-              <a:tailEnd/>
-            </a:ln>
-          </p:spPr>
-        </p:pic>
+              <a:ln w="9525">
+                <a:noFill/>
+                <a:miter lim="800000"/>
+                <a:headEnd/>
+                <a:tailEnd/>
+              </a:ln>
+            </p:spPr>
+          </p:pic>
+          <p:sp>
+            <p:nvSpPr>
+              <p:cNvPr id="14" name="Freeform 13"/>
+              <p:cNvSpPr/>
+              <p:nvPr/>
+            </p:nvSpPr>
+            <p:spPr>
+              <a:xfrm>
+                <a:off x="1656522" y="4006574"/>
+                <a:ext cx="4081669" cy="384313"/>
+              </a:xfrm>
+              <a:custGeom>
+                <a:avLst/>
+                <a:gdLst>
+                  <a:gd name="connsiteX0" fmla="*/ 0 w 4081669"/>
+                  <a:gd name="connsiteY0" fmla="*/ 379896 h 384313"/>
+                  <a:gd name="connsiteX1" fmla="*/ 1868556 w 4081669"/>
+                  <a:gd name="connsiteY1" fmla="*/ 326887 h 384313"/>
+                  <a:gd name="connsiteX2" fmla="*/ 2981739 w 4081669"/>
+                  <a:gd name="connsiteY2" fmla="*/ 35339 h 384313"/>
+                  <a:gd name="connsiteX3" fmla="*/ 4081669 w 4081669"/>
+                  <a:gd name="connsiteY3" fmla="*/ 114852 h 384313"/>
+                </a:gdLst>
+                <a:ahLst/>
+                <a:cxnLst>
+                  <a:cxn ang="0">
+                    <a:pos x="connsiteX0" y="connsiteY0"/>
+                  </a:cxn>
+                  <a:cxn ang="0">
+                    <a:pos x="connsiteX1" y="connsiteY1"/>
+                  </a:cxn>
+                  <a:cxn ang="0">
+                    <a:pos x="connsiteX2" y="connsiteY2"/>
+                  </a:cxn>
+                  <a:cxn ang="0">
+                    <a:pos x="connsiteX3" y="connsiteY3"/>
+                  </a:cxn>
+                </a:cxnLst>
+                <a:rect l="l" t="t" r="r" b="b"/>
+                <a:pathLst>
+                  <a:path w="4081669" h="384313">
+                    <a:moveTo>
+                      <a:pt x="0" y="379896"/>
+                    </a:moveTo>
+                    <a:cubicBezTo>
+                      <a:pt x="685800" y="382104"/>
+                      <a:pt x="1371600" y="384313"/>
+                      <a:pt x="1868556" y="326887"/>
+                    </a:cubicBezTo>
+                    <a:cubicBezTo>
+                      <a:pt x="2365513" y="269461"/>
+                      <a:pt x="2612887" y="70678"/>
+                      <a:pt x="2981739" y="35339"/>
+                    </a:cubicBezTo>
+                    <a:cubicBezTo>
+                      <a:pt x="3350591" y="0"/>
+                      <a:pt x="3716130" y="57426"/>
+                      <a:pt x="4081669" y="114852"/>
+                    </a:cubicBezTo>
+                  </a:path>
+                </a:pathLst>
+              </a:custGeom>
+              <a:ln w="25400">
+                <a:solidFill>
+                  <a:schemeClr val="tx1"/>
+                </a:solidFill>
+                <a:tailEnd type="triangle" w="lg" len="lg"/>
+              </a:ln>
+            </p:spPr>
+            <p:style>
+              <a:lnRef idx="1">
+                <a:schemeClr val="accent1"/>
+              </a:lnRef>
+              <a:fillRef idx="0">
+                <a:schemeClr val="accent1"/>
+              </a:fillRef>
+              <a:effectRef idx="0">
+                <a:schemeClr val="accent1"/>
+              </a:effectRef>
+              <a:fontRef idx="minor">
+                <a:schemeClr val="tx1"/>
+              </a:fontRef>
+            </p:style>
+            <p:txBody>
+              <a:bodyPr rtlCol="0" anchor="ctr"/>
+              <a:lstStyle/>
+              <a:p>
+                <a:pPr algn="ctr"/>
+                <a:endParaRPr lang="en-US"/>
+              </a:p>
+            </p:txBody>
+          </p:sp>
+          <p:sp>
+            <p:nvSpPr>
+              <p:cNvPr id="18" name="Oval 17"/>
+              <p:cNvSpPr/>
+              <p:nvPr/>
+            </p:nvSpPr>
+            <p:spPr>
+              <a:xfrm>
+                <a:off x="1752600" y="3962400"/>
+                <a:ext cx="457200" cy="381000"/>
+              </a:xfrm>
+              <a:prstGeom prst="ellipse">
+                <a:avLst/>
+              </a:prstGeom>
+              <a:solidFill>
+                <a:srgbClr val="FF0000"/>
+              </a:solidFill>
+            </p:spPr>
+            <p:style>
+              <a:lnRef idx="2">
+                <a:schemeClr val="accent1">
+                  <a:shade val="50000"/>
+                </a:schemeClr>
+              </a:lnRef>
+              <a:fillRef idx="1">
+                <a:schemeClr val="accent1"/>
+              </a:fillRef>
+              <a:effectRef idx="0">
+                <a:schemeClr val="accent1"/>
+              </a:effectRef>
+              <a:fontRef idx="minor">
+                <a:schemeClr val="lt1"/>
+              </a:fontRef>
+            </p:style>
+            <p:txBody>
+              <a:bodyPr rtlCol="0" anchor="ctr"/>
+              <a:lstStyle/>
+              <a:p>
+                <a:pPr algn="ctr"/>
+                <a:r>
+                  <a:rPr lang="en-US" b="1" dirty="0" smtClean="0">
+                    <a:solidFill>
+                      <a:schemeClr val="bg1"/>
+                    </a:solidFill>
+                  </a:rPr>
+                  <a:t>1</a:t>
+                </a:r>
+                <a:endParaRPr lang="en-US" b="1" dirty="0">
+                  <a:solidFill>
+                    <a:schemeClr val="bg1"/>
+                  </a:solidFill>
+                </a:endParaRPr>
+              </a:p>
+            </p:txBody>
+          </p:sp>
+          <p:sp>
+            <p:nvSpPr>
+              <p:cNvPr id="9" name="Freeform 8"/>
+              <p:cNvSpPr/>
+              <p:nvPr/>
+            </p:nvSpPr>
+            <p:spPr>
+              <a:xfrm>
+                <a:off x="3200401" y="3366052"/>
+                <a:ext cx="2362200" cy="1510748"/>
+              </a:xfrm>
+              <a:custGeom>
+                <a:avLst/>
+                <a:gdLst>
+                  <a:gd name="connsiteX0" fmla="*/ 1442279 w 1442279"/>
+                  <a:gd name="connsiteY0" fmla="*/ 1431235 h 1444487"/>
+                  <a:gd name="connsiteX1" fmla="*/ 408609 w 1442279"/>
+                  <a:gd name="connsiteY1" fmla="*/ 1364974 h 1444487"/>
+                  <a:gd name="connsiteX2" fmla="*/ 64052 w 1442279"/>
+                  <a:gd name="connsiteY2" fmla="*/ 954157 h 1444487"/>
+                  <a:gd name="connsiteX3" fmla="*/ 24296 w 1442279"/>
+                  <a:gd name="connsiteY3" fmla="*/ 0 h 1444487"/>
+                </a:gdLst>
+                <a:ahLst/>
+                <a:cxnLst>
+                  <a:cxn ang="0">
+                    <a:pos x="connsiteX0" y="connsiteY0"/>
+                  </a:cxn>
+                  <a:cxn ang="0">
+                    <a:pos x="connsiteX1" y="connsiteY1"/>
+                  </a:cxn>
+                  <a:cxn ang="0">
+                    <a:pos x="connsiteX2" y="connsiteY2"/>
+                  </a:cxn>
+                  <a:cxn ang="0">
+                    <a:pos x="connsiteX3" y="connsiteY3"/>
+                  </a:cxn>
+                </a:cxnLst>
+                <a:rect l="l" t="t" r="r" b="b"/>
+                <a:pathLst>
+                  <a:path w="1442279" h="1444487">
+                    <a:moveTo>
+                      <a:pt x="1442279" y="1431235"/>
+                    </a:moveTo>
+                    <a:cubicBezTo>
+                      <a:pt x="1040296" y="1437861"/>
+                      <a:pt x="638314" y="1444487"/>
+                      <a:pt x="408609" y="1364974"/>
+                    </a:cubicBezTo>
+                    <a:cubicBezTo>
+                      <a:pt x="178905" y="1285461"/>
+                      <a:pt x="128104" y="1181653"/>
+                      <a:pt x="64052" y="954157"/>
+                    </a:cubicBezTo>
+                    <a:cubicBezTo>
+                      <a:pt x="0" y="726661"/>
+                      <a:pt x="12148" y="363330"/>
+                      <a:pt x="24296" y="0"/>
+                    </a:cubicBezTo>
+                  </a:path>
+                </a:pathLst>
+              </a:custGeom>
+              <a:ln w="25400">
+                <a:solidFill>
+                  <a:schemeClr val="tx1"/>
+                </a:solidFill>
+                <a:tailEnd type="triangle" w="lg" len="lg"/>
+              </a:ln>
+            </p:spPr>
+            <p:style>
+              <a:lnRef idx="1">
+                <a:schemeClr val="accent1"/>
+              </a:lnRef>
+              <a:fillRef idx="0">
+                <a:schemeClr val="accent1"/>
+              </a:fillRef>
+              <a:effectRef idx="0">
+                <a:schemeClr val="accent1"/>
+              </a:effectRef>
+              <a:fontRef idx="minor">
+                <a:schemeClr val="tx1"/>
+              </a:fontRef>
+            </p:style>
+            <p:txBody>
+              <a:bodyPr rtlCol="0" anchor="ctr"/>
+              <a:lstStyle/>
+              <a:p>
+                <a:pPr algn="ctr"/>
+                <a:endParaRPr lang="en-US"/>
+              </a:p>
+            </p:txBody>
+          </p:sp>
+          <p:sp>
+            <p:nvSpPr>
+              <p:cNvPr id="10" name="Oval 9"/>
+              <p:cNvSpPr/>
+              <p:nvPr/>
+            </p:nvSpPr>
+            <p:spPr>
+              <a:xfrm>
+                <a:off x="3276600" y="3657600"/>
+                <a:ext cx="457200" cy="381000"/>
+              </a:xfrm>
+              <a:prstGeom prst="ellipse">
+                <a:avLst/>
+              </a:prstGeom>
+              <a:solidFill>
+                <a:srgbClr val="FF0000"/>
+              </a:solidFill>
+            </p:spPr>
+            <p:style>
+              <a:lnRef idx="2">
+                <a:schemeClr val="accent1">
+                  <a:shade val="50000"/>
+                </a:schemeClr>
+              </a:lnRef>
+              <a:fillRef idx="1">
+                <a:schemeClr val="accent1"/>
+              </a:fillRef>
+              <a:effectRef idx="0">
+                <a:schemeClr val="accent1"/>
+              </a:effectRef>
+              <a:fontRef idx="minor">
+                <a:schemeClr val="lt1"/>
+              </a:fontRef>
+            </p:style>
+            <p:txBody>
+              <a:bodyPr rtlCol="0" anchor="ctr"/>
+              <a:lstStyle/>
+              <a:p>
+                <a:pPr algn="ctr"/>
+                <a:r>
+                  <a:rPr lang="en-US" b="1" dirty="0" smtClean="0">
+                    <a:solidFill>
+                      <a:schemeClr val="bg1"/>
+                    </a:solidFill>
+                  </a:rPr>
+                  <a:t>2</a:t>
+                </a:r>
+                <a:endParaRPr lang="en-US" b="1" dirty="0">
+                  <a:solidFill>
+                    <a:schemeClr val="bg1"/>
+                  </a:solidFill>
+                </a:endParaRPr>
+              </a:p>
+            </p:txBody>
+          </p:sp>
+          <p:sp>
+            <p:nvSpPr>
+              <p:cNvPr id="13" name="Freeform 12"/>
+              <p:cNvSpPr/>
+              <p:nvPr/>
+            </p:nvSpPr>
+            <p:spPr>
+              <a:xfrm>
+                <a:off x="4412974" y="3379304"/>
+                <a:ext cx="1325217" cy="1457739"/>
+              </a:xfrm>
+              <a:custGeom>
+                <a:avLst/>
+                <a:gdLst>
+                  <a:gd name="connsiteX0" fmla="*/ 0 w 1325217"/>
+                  <a:gd name="connsiteY0" fmla="*/ 0 h 1457739"/>
+                  <a:gd name="connsiteX1" fmla="*/ 265043 w 1325217"/>
+                  <a:gd name="connsiteY1" fmla="*/ 463826 h 1457739"/>
+                  <a:gd name="connsiteX2" fmla="*/ 1126435 w 1325217"/>
+                  <a:gd name="connsiteY2" fmla="*/ 914400 h 1457739"/>
+                  <a:gd name="connsiteX3" fmla="*/ 1325217 w 1325217"/>
+                  <a:gd name="connsiteY3" fmla="*/ 1457739 h 1457739"/>
+                </a:gdLst>
+                <a:ahLst/>
+                <a:cxnLst>
+                  <a:cxn ang="0">
+                    <a:pos x="connsiteX0" y="connsiteY0"/>
+                  </a:cxn>
+                  <a:cxn ang="0">
+                    <a:pos x="connsiteX1" y="connsiteY1"/>
+                  </a:cxn>
+                  <a:cxn ang="0">
+                    <a:pos x="connsiteX2" y="connsiteY2"/>
+                  </a:cxn>
+                  <a:cxn ang="0">
+                    <a:pos x="connsiteX3" y="connsiteY3"/>
+                  </a:cxn>
+                </a:cxnLst>
+                <a:rect l="l" t="t" r="r" b="b"/>
+                <a:pathLst>
+                  <a:path w="1325217" h="1457739">
+                    <a:moveTo>
+                      <a:pt x="0" y="0"/>
+                    </a:moveTo>
+                    <a:cubicBezTo>
+                      <a:pt x="38652" y="155713"/>
+                      <a:pt x="77304" y="311426"/>
+                      <a:pt x="265043" y="463826"/>
+                    </a:cubicBezTo>
+                    <a:cubicBezTo>
+                      <a:pt x="452782" y="616226"/>
+                      <a:pt x="949739" y="748748"/>
+                      <a:pt x="1126435" y="914400"/>
+                    </a:cubicBezTo>
+                    <a:cubicBezTo>
+                      <a:pt x="1303131" y="1080052"/>
+                      <a:pt x="1314174" y="1268895"/>
+                      <a:pt x="1325217" y="1457739"/>
+                    </a:cubicBezTo>
+                  </a:path>
+                </a:pathLst>
+              </a:custGeom>
+              <a:ln w="25400">
+                <a:solidFill>
+                  <a:schemeClr val="tx1"/>
+                </a:solidFill>
+                <a:tailEnd type="triangle" w="lg" len="lg"/>
+              </a:ln>
+            </p:spPr>
+            <p:style>
+              <a:lnRef idx="1">
+                <a:schemeClr val="accent1"/>
+              </a:lnRef>
+              <a:fillRef idx="0">
+                <a:schemeClr val="accent1"/>
+              </a:fillRef>
+              <a:effectRef idx="0">
+                <a:schemeClr val="accent1"/>
+              </a:effectRef>
+              <a:fontRef idx="minor">
+                <a:schemeClr val="tx1"/>
+              </a:fontRef>
+            </p:style>
+            <p:txBody>
+              <a:bodyPr rtlCol="0" anchor="ctr"/>
+              <a:lstStyle/>
+              <a:p>
+                <a:pPr algn="ctr"/>
+                <a:endParaRPr lang="en-US"/>
+              </a:p>
+            </p:txBody>
+          </p:sp>
+          <p:sp>
+            <p:nvSpPr>
+              <p:cNvPr id="15" name="Oval 14"/>
+              <p:cNvSpPr/>
+              <p:nvPr/>
+            </p:nvSpPr>
+            <p:spPr>
+              <a:xfrm>
+                <a:off x="4572000" y="3429000"/>
+                <a:ext cx="457200" cy="381000"/>
+              </a:xfrm>
+              <a:prstGeom prst="ellipse">
+                <a:avLst/>
+              </a:prstGeom>
+              <a:solidFill>
+                <a:srgbClr val="FF0000"/>
+              </a:solidFill>
+            </p:spPr>
+            <p:style>
+              <a:lnRef idx="2">
+                <a:schemeClr val="accent1">
+                  <a:shade val="50000"/>
+                </a:schemeClr>
+              </a:lnRef>
+              <a:fillRef idx="1">
+                <a:schemeClr val="accent1"/>
+              </a:fillRef>
+              <a:effectRef idx="0">
+                <a:schemeClr val="accent1"/>
+              </a:effectRef>
+              <a:fontRef idx="minor">
+                <a:schemeClr val="lt1"/>
+              </a:fontRef>
+            </p:style>
+            <p:txBody>
+              <a:bodyPr rtlCol="0" anchor="ctr"/>
+              <a:lstStyle/>
+              <a:p>
+                <a:pPr algn="ctr"/>
+                <a:r>
+                  <a:rPr lang="en-US" b="1" dirty="0" smtClean="0">
+                    <a:solidFill>
+                      <a:schemeClr val="bg1"/>
+                    </a:solidFill>
+                  </a:rPr>
+                  <a:t>3</a:t>
+                </a:r>
+                <a:endParaRPr lang="en-US" b="1" dirty="0">
+                  <a:solidFill>
+                    <a:schemeClr val="bg1"/>
+                  </a:solidFill>
+                </a:endParaRPr>
+              </a:p>
+            </p:txBody>
+          </p:sp>
+          <p:sp>
+            <p:nvSpPr>
+              <p:cNvPr id="16" name="Rounded Rectangular Callout 15"/>
+              <p:cNvSpPr/>
+              <p:nvPr/>
+            </p:nvSpPr>
+            <p:spPr>
+              <a:xfrm>
+                <a:off x="6629400" y="2090049"/>
+                <a:ext cx="1143000" cy="881751"/>
+              </a:xfrm>
+              <a:prstGeom prst="wedgeRoundRectCallout">
+                <a:avLst>
+                  <a:gd name="adj1" fmla="val -201969"/>
+                  <a:gd name="adj2" fmla="val 152708"/>
+                  <a:gd name="adj3" fmla="val 16667"/>
+                </a:avLst>
+              </a:prstGeom>
+            </p:spPr>
+            <p:style>
+              <a:lnRef idx="2">
+                <a:schemeClr val="accent1">
+                  <a:shade val="50000"/>
+                </a:schemeClr>
+              </a:lnRef>
+              <a:fillRef idx="1">
+                <a:schemeClr val="accent1"/>
+              </a:fillRef>
+              <a:effectRef idx="0">
+                <a:schemeClr val="accent1"/>
+              </a:effectRef>
+              <a:fontRef idx="minor">
+                <a:schemeClr val="lt1"/>
+              </a:fontRef>
+            </p:style>
+            <p:txBody>
+              <a:bodyPr lIns="0" tIns="0" rIns="0" bIns="0" rtlCol="0" anchor="ctr"/>
+              <a:lstStyle/>
+              <a:p>
+                <a:pPr algn="ctr"/>
+                <a:r>
+                  <a:rPr lang="en-US" sz="2000" dirty="0" smtClean="0"/>
+                  <a:t>ARM evicts the line.</a:t>
+                </a:r>
+                <a:endParaRPr lang="en-US" sz="2000" dirty="0"/>
+              </a:p>
+            </p:txBody>
+          </p:sp>
+          <p:sp>
+            <p:nvSpPr>
+              <p:cNvPr id="17" name="Rounded Rectangular Callout 16"/>
+              <p:cNvSpPr/>
+              <p:nvPr/>
+            </p:nvSpPr>
+            <p:spPr>
+              <a:xfrm>
+                <a:off x="732099" y="1551008"/>
+                <a:ext cx="1600200" cy="1545220"/>
+              </a:xfrm>
+              <a:prstGeom prst="wedgeRoundRectCallout">
+                <a:avLst>
+                  <a:gd name="adj1" fmla="val 104219"/>
+                  <a:gd name="adj2" fmla="val 101009"/>
+                  <a:gd name="adj3" fmla="val 16667"/>
+                </a:avLst>
+              </a:prstGeom>
+            </p:spPr>
+            <p:style>
+              <a:lnRef idx="2">
+                <a:schemeClr val="accent1">
+                  <a:shade val="50000"/>
+                </a:schemeClr>
+              </a:lnRef>
+              <a:fillRef idx="1">
+                <a:schemeClr val="accent1"/>
+              </a:fillRef>
+              <a:effectRef idx="0">
+                <a:schemeClr val="accent1"/>
+              </a:effectRef>
+              <a:fontRef idx="minor">
+                <a:schemeClr val="lt1"/>
+              </a:fontRef>
+            </p:style>
+            <p:txBody>
+              <a:bodyPr lIns="0" tIns="0" rIns="0" bIns="0" rtlCol="0" anchor="ctr"/>
+              <a:lstStyle/>
+              <a:p>
+                <a:pPr algn="ctr"/>
+                <a:r>
+                  <a:rPr lang="en-US" sz="2000" dirty="0" smtClean="0"/>
+                  <a:t>Coherence Controller issues </a:t>
+                </a:r>
+                <a:r>
+                  <a:rPr lang="en-US" sz="2000" dirty="0" err="1" smtClean="0"/>
+                  <a:t>WBInv</a:t>
+                </a:r>
+                <a:r>
+                  <a:rPr lang="en-US" sz="2000" dirty="0" smtClean="0"/>
+                  <a:t> snoops to ARM.</a:t>
+                </a:r>
+                <a:endParaRPr lang="en-US" sz="2000" dirty="0"/>
+              </a:p>
+            </p:txBody>
+          </p:sp>
+          <p:sp>
+            <p:nvSpPr>
+              <p:cNvPr id="19" name="Rounded Rectangular Callout 18"/>
+              <p:cNvSpPr/>
+              <p:nvPr/>
+            </p:nvSpPr>
+            <p:spPr>
+              <a:xfrm>
+                <a:off x="457200" y="5486400"/>
+                <a:ext cx="1600200" cy="1066800"/>
+              </a:xfrm>
+              <a:prstGeom prst="wedgeRoundRectCallout">
+                <a:avLst>
+                  <a:gd name="adj1" fmla="val 52045"/>
+                  <a:gd name="adj2" fmla="val -151165"/>
+                  <a:gd name="adj3" fmla="val 16667"/>
+                </a:avLst>
+              </a:prstGeom>
+            </p:spPr>
+            <p:style>
+              <a:lnRef idx="2">
+                <a:schemeClr val="accent1">
+                  <a:shade val="50000"/>
+                </a:schemeClr>
+              </a:lnRef>
+              <a:fillRef idx="1">
+                <a:schemeClr val="accent1"/>
+              </a:fillRef>
+              <a:effectRef idx="0">
+                <a:schemeClr val="accent1"/>
+              </a:effectRef>
+              <a:fontRef idx="minor">
+                <a:schemeClr val="lt1"/>
+              </a:fontRef>
+            </p:style>
+            <p:txBody>
+              <a:bodyPr lIns="0" tIns="0" rIns="0" bIns="0" rtlCol="0" anchor="ctr"/>
+              <a:lstStyle/>
+              <a:p>
+                <a:pPr algn="ctr"/>
+                <a:r>
+                  <a:rPr lang="en-US" sz="2000" dirty="0" smtClean="0"/>
+                  <a:t>EDMA issues write to shared SRAM.</a:t>
+                </a:r>
+                <a:endParaRPr lang="en-US" sz="2000" dirty="0"/>
+              </a:p>
+            </p:txBody>
+          </p:sp>
+        </p:grpSp>
         <p:sp>
           <p:nvSpPr>
-            <p:cNvPr id="14" name="Freeform 13"/>
+            <p:cNvPr id="20" name="Rounded Rectangular Callout 19"/>
             <p:cNvSpPr/>
             <p:nvPr/>
           </p:nvSpPr>
           <p:spPr>
             <a:xfrm>
-              <a:off x="1656522" y="4006574"/>
+              <a:off x="6340510" y="5411880"/>
+              <a:ext cx="2448451" cy="990600"/>
+            </a:xfrm>
+            <a:prstGeom prst="wedgeRoundRectCallout">
+              <a:avLst>
+                <a:gd name="adj1" fmla="val 2108"/>
+                <a:gd name="adj2" fmla="val -132589"/>
+                <a:gd name="adj3" fmla="val 16667"/>
+              </a:avLst>
+            </a:prstGeom>
+          </p:spPr>
+          <p:style>
+            <a:lnRef idx="2">
+              <a:schemeClr val="accent1">
+                <a:shade val="50000"/>
+              </a:schemeClr>
+            </a:lnRef>
+            <a:fillRef idx="1">
+              <a:schemeClr val="accent1"/>
+            </a:fillRef>
+            <a:effectRef idx="0">
+              <a:schemeClr val="accent1"/>
+            </a:effectRef>
+            <a:fontRef idx="minor">
+              <a:schemeClr val="lt1"/>
+            </a:fontRef>
+          </p:style>
+          <p:txBody>
+            <a:bodyPr lIns="0" tIns="0" rIns="0" bIns="0" rtlCol="0" anchor="ctr"/>
+            <a:lstStyle/>
+            <a:p>
+              <a:pPr algn="ctr"/>
+              <a:r>
+                <a:rPr lang="en-US" sz="1800" dirty="0" smtClean="0"/>
+                <a:t>Coherence controller merges EDMA write with victim &amp; writes to SRAM.</a:t>
+              </a:r>
+              <a:endParaRPr lang="en-US" sz="1800" dirty="0"/>
+            </a:p>
+          </p:txBody>
+        </p:sp>
+        <p:sp>
+          <p:nvSpPr>
+            <p:cNvPr id="21" name="Freeform 20"/>
+            <p:cNvSpPr/>
+            <p:nvPr/>
+          </p:nvSpPr>
+          <p:spPr>
+            <a:xfrm>
+              <a:off x="6642109" y="4341767"/>
+              <a:ext cx="1099930" cy="704574"/>
+            </a:xfrm>
+            <a:custGeom>
+              <a:avLst/>
+              <a:gdLst>
+                <a:gd name="connsiteX0" fmla="*/ 0 w 1099930"/>
+                <a:gd name="connsiteY0" fmla="*/ 649356 h 704574"/>
+                <a:gd name="connsiteX1" fmla="*/ 755374 w 1099930"/>
+                <a:gd name="connsiteY1" fmla="*/ 596348 h 704574"/>
+                <a:gd name="connsiteX2" fmla="*/ 1099930 w 1099930"/>
+                <a:gd name="connsiteY2" fmla="*/ 0 h 704574"/>
+              </a:gdLst>
+              <a:ahLst/>
+              <a:cxnLst>
+                <a:cxn ang="0">
+                  <a:pos x="connsiteX0" y="connsiteY0"/>
+                </a:cxn>
+                <a:cxn ang="0">
+                  <a:pos x="connsiteX1" y="connsiteY1"/>
+                </a:cxn>
+                <a:cxn ang="0">
+                  <a:pos x="connsiteX2" y="connsiteY2"/>
+                </a:cxn>
+              </a:cxnLst>
+              <a:rect l="l" t="t" r="r" b="b"/>
+              <a:pathLst>
+                <a:path w="1099930" h="704574">
+                  <a:moveTo>
+                    <a:pt x="0" y="649356"/>
+                  </a:moveTo>
+                  <a:cubicBezTo>
+                    <a:pt x="286026" y="676965"/>
+                    <a:pt x="572052" y="704574"/>
+                    <a:pt x="755374" y="596348"/>
+                  </a:cubicBezTo>
+                  <a:cubicBezTo>
+                    <a:pt x="938696" y="488122"/>
+                    <a:pt x="1019313" y="244061"/>
+                    <a:pt x="1099930" y="0"/>
+                  </a:cubicBezTo>
+                </a:path>
+              </a:pathLst>
+            </a:custGeom>
+            <a:ln w="25400">
+              <a:solidFill>
+                <a:schemeClr val="tx1"/>
+              </a:solidFill>
+              <a:tailEnd type="triangle" w="lg" len="lg"/>
+            </a:ln>
+          </p:spPr>
+          <p:style>
+            <a:lnRef idx="1">
+              <a:schemeClr val="accent1"/>
+            </a:lnRef>
+            <a:fillRef idx="0">
+              <a:schemeClr val="accent1"/>
+            </a:fillRef>
+            <a:effectRef idx="0">
+              <a:schemeClr val="accent1"/>
+            </a:effectRef>
+            <a:fontRef idx="minor">
+              <a:schemeClr val="tx1"/>
+            </a:fontRef>
+          </p:style>
+          <p:txBody>
+            <a:bodyPr rtlCol="0" anchor="ctr"/>
+            <a:lstStyle/>
+            <a:p>
+              <a:pPr algn="ctr"/>
+              <a:endParaRPr lang="en-US"/>
+            </a:p>
+          </p:txBody>
+        </p:sp>
+        <p:sp>
+          <p:nvSpPr>
+            <p:cNvPr id="22" name="Oval 21"/>
+            <p:cNvSpPr/>
+            <p:nvPr/>
+          </p:nvSpPr>
+          <p:spPr>
+            <a:xfrm>
+              <a:off x="7417361" y="4878480"/>
+              <a:ext cx="457200" cy="381000"/>
+            </a:xfrm>
+            <a:prstGeom prst="ellipse">
+              <a:avLst/>
+            </a:prstGeom>
+            <a:solidFill>
+              <a:srgbClr val="FF0000"/>
+            </a:solidFill>
+          </p:spPr>
+          <p:style>
+            <a:lnRef idx="2">
+              <a:schemeClr val="accent1">
+                <a:shade val="50000"/>
+              </a:schemeClr>
+            </a:lnRef>
+            <a:fillRef idx="1">
+              <a:schemeClr val="accent1"/>
+            </a:fillRef>
+            <a:effectRef idx="0">
+              <a:schemeClr val="accent1"/>
+            </a:effectRef>
+            <a:fontRef idx="minor">
+              <a:schemeClr val="lt1"/>
+            </a:fontRef>
+          </p:style>
+          <p:txBody>
+            <a:bodyPr rtlCol="0" anchor="ctr"/>
+            <a:lstStyle/>
+            <a:p>
+              <a:pPr algn="ctr"/>
+              <a:r>
+                <a:rPr lang="en-US" b="1" dirty="0" smtClean="0">
+                  <a:solidFill>
+                    <a:schemeClr val="bg1"/>
+                  </a:solidFill>
+                </a:rPr>
+                <a:t>4</a:t>
+              </a:r>
+              <a:endParaRPr lang="en-US" b="1" dirty="0">
+                <a:solidFill>
+                  <a:schemeClr val="bg1"/>
+                </a:solidFill>
+              </a:endParaRPr>
+            </a:p>
+          </p:txBody>
+        </p:sp>
+      </p:grpSp>
+    </p:spTree>
+  </p:cSld>
+  <p:clrMapOvr>
+    <a:masterClrMapping/>
+  </p:clrMapOvr>
+  <p:timing>
+    <p:tnLst>
+      <p:par>
+        <p:cTn id="1" dur="indefinite" restart="never" nodeType="tmRoot"/>
+      </p:par>
+    </p:tnLst>
+  </p:timing>
+</p:sld>
+</file>
+
+<file path=ppt/slides/slide32.xml><?xml version="1.0" encoding="utf-8"?>
+<p:sld xmlns:a="http://schemas.openxmlformats.org/drawingml/2006/main" xmlns:r="http://schemas.openxmlformats.org/officeDocument/2006/relationships" xmlns:p="http://schemas.openxmlformats.org/presentationml/2006/main">
+  <p:cSld>
+    <p:spTree>
+      <p:nvGrpSpPr>
+        <p:cNvPr id="1" name=""/>
+        <p:cNvGrpSpPr/>
+        <p:nvPr/>
+      </p:nvGrpSpPr>
+      <p:grpSpPr>
+        <a:xfrm>
+          <a:off x="0" y="0"/>
+          <a:ext cx="0" cy="0"/>
+          <a:chOff x="0" y="0"/>
+          <a:chExt cx="0" cy="0"/>
+        </a:xfrm>
+      </p:grpSpPr>
+      <p:sp>
+        <p:nvSpPr>
+          <p:cNvPr id="4" name="Title 3"/>
+          <p:cNvSpPr>
+            <a:spLocks noGrp="1"/>
+          </p:cNvSpPr>
+          <p:nvPr>
+            <p:ph type="title"/>
+          </p:nvPr>
+        </p:nvSpPr>
+        <p:spPr/>
+        <p:txBody>
+          <a:bodyPr>
+            <a:noAutofit/>
+          </a:bodyPr>
+          <a:lstStyle/>
+          <a:p>
+            <a:r>
+              <a:rPr lang="en-US" sz="3200" dirty="0" smtClean="0"/>
+              <a:t>Keystone </a:t>
+            </a:r>
+            <a:r>
+              <a:rPr lang="en-US" sz="3200" dirty="0" err="1" smtClean="0"/>
+              <a:t>ll</a:t>
+            </a:r>
+            <a:r>
+              <a:rPr lang="en-US" sz="3200" smtClean="0"/>
+              <a:t>: ARM - IO </a:t>
+            </a:r>
+            <a:r>
+              <a:rPr lang="en-US" sz="3200" dirty="0" smtClean="0"/>
+              <a:t>Coherency</a:t>
+            </a:r>
+            <a:br>
+              <a:rPr lang="en-US" sz="3200" dirty="0" smtClean="0"/>
+            </a:br>
+            <a:r>
+              <a:rPr lang="en-US" sz="3200" dirty="0" smtClean="0"/>
+              <a:t>External Read to Shared Memory (MSM/DDR)</a:t>
+            </a:r>
+            <a:endParaRPr lang="en-US" sz="3200" dirty="0"/>
+          </a:p>
+        </p:txBody>
+      </p:sp>
+      <p:pic>
+        <p:nvPicPr>
+          <p:cNvPr id="55303" name="Picture 7"/>
+          <p:cNvPicPr>
+            <a:picLocks noChangeArrowheads="1"/>
+          </p:cNvPicPr>
+          <p:nvPr/>
+        </p:nvPicPr>
+        <p:blipFill>
+          <a:blip r:embed="rId2" cstate="print"/>
+          <a:srcRect/>
+          <a:stretch>
+            <a:fillRect/>
+          </a:stretch>
+        </p:blipFill>
+        <p:spPr bwMode="auto">
+          <a:xfrm>
+            <a:off x="425800" y="1017826"/>
+            <a:ext cx="8458200" cy="5303520"/>
+          </a:xfrm>
+          <a:prstGeom prst="rect">
+            <a:avLst/>
+          </a:prstGeom>
+          <a:noFill/>
+          <a:ln w="9525">
+            <a:noFill/>
+            <a:miter lim="800000"/>
+            <a:headEnd/>
+            <a:tailEnd/>
+          </a:ln>
+        </p:spPr>
+      </p:pic>
+      <p:sp>
+        <p:nvSpPr>
+          <p:cNvPr id="5" name="Slide Number Placeholder 4"/>
+          <p:cNvSpPr>
+            <a:spLocks noGrp="1"/>
+          </p:cNvSpPr>
+          <p:nvPr>
+            <p:ph type="sldNum" sz="quarter" idx="10"/>
+          </p:nvPr>
+        </p:nvSpPr>
+        <p:spPr/>
+        <p:txBody>
+          <a:bodyPr/>
+          <a:lstStyle/>
+          <a:p>
+            <a:fld id="{F2394529-A9B3-4A54-83EC-E61379E8334E}" type="slidenum">
+              <a:rPr lang="en-US" smtClean="0"/>
+              <a:pPr/>
+              <a:t>32</a:t>
+            </a:fld>
+            <a:endParaRPr lang="en-US" dirty="0"/>
+          </a:p>
+        </p:txBody>
+      </p:sp>
+    </p:spTree>
+  </p:cSld>
+  <p:clrMapOvr>
+    <a:masterClrMapping/>
+  </p:clrMapOvr>
+  <p:timing>
+    <p:tnLst>
+      <p:par>
+        <p:cTn id="1" dur="indefinite" restart="never" nodeType="tmRoot"/>
+      </p:par>
+    </p:tnLst>
+  </p:timing>
+</p:sld>
+</file>
+
+<file path=ppt/slides/slide33.xml><?xml version="1.0" encoding="utf-8"?>
+<p:sld xmlns:a="http://schemas.openxmlformats.org/drawingml/2006/main" xmlns:r="http://schemas.openxmlformats.org/officeDocument/2006/relationships" xmlns:p="http://schemas.openxmlformats.org/presentationml/2006/main">
+  <p:cSld>
+    <p:spTree>
+      <p:nvGrpSpPr>
+        <p:cNvPr id="1" name=""/>
+        <p:cNvGrpSpPr/>
+        <p:nvPr/>
+      </p:nvGrpSpPr>
+      <p:grpSpPr>
+        <a:xfrm>
+          <a:off x="0" y="0"/>
+          <a:ext cx="0" cy="0"/>
+          <a:chOff x="0" y="0"/>
+          <a:chExt cx="0" cy="0"/>
+        </a:xfrm>
+      </p:grpSpPr>
+      <p:sp>
+        <p:nvSpPr>
+          <p:cNvPr id="4" name="Title 3"/>
+          <p:cNvSpPr>
+            <a:spLocks noGrp="1"/>
+          </p:cNvSpPr>
+          <p:nvPr>
+            <p:ph type="title"/>
+          </p:nvPr>
+        </p:nvSpPr>
+        <p:spPr/>
+        <p:txBody>
+          <a:bodyPr>
+            <a:noAutofit/>
+          </a:bodyPr>
+          <a:lstStyle/>
+          <a:p>
+            <a:r>
+              <a:rPr lang="en-US" sz="3200" dirty="0" smtClean="0"/>
+              <a:t>Keystone </a:t>
+            </a:r>
+            <a:r>
+              <a:rPr lang="en-US" sz="3200" dirty="0" err="1" smtClean="0"/>
+              <a:t>ll</a:t>
+            </a:r>
+            <a:r>
+              <a:rPr lang="en-US" sz="3200" dirty="0" smtClean="0"/>
+              <a:t>: ARM - IO Coherency</a:t>
+            </a:r>
+            <a:br>
+              <a:rPr lang="en-US" sz="3200" dirty="0" smtClean="0"/>
+            </a:br>
+            <a:r>
+              <a:rPr lang="en-US" sz="3200" dirty="0" smtClean="0"/>
+              <a:t>External Read to Shared Memory (MSM/DDR)</a:t>
+            </a:r>
+            <a:endParaRPr lang="en-US" sz="3200" dirty="0"/>
+          </a:p>
+        </p:txBody>
+      </p:sp>
+      <p:grpSp>
+        <p:nvGrpSpPr>
+          <p:cNvPr id="10" name="Group 9"/>
+          <p:cNvGrpSpPr/>
+          <p:nvPr/>
+        </p:nvGrpSpPr>
+        <p:grpSpPr>
+          <a:xfrm>
+            <a:off x="415752" y="1017826"/>
+            <a:ext cx="8468248" cy="5303520"/>
+            <a:chOff x="415752" y="1091566"/>
+            <a:chExt cx="8468248" cy="5303520"/>
+          </a:xfrm>
+        </p:grpSpPr>
+        <p:sp>
+          <p:nvSpPr>
+            <p:cNvPr id="5" name="Freeform 4"/>
+            <p:cNvSpPr/>
+            <p:nvPr/>
+          </p:nvSpPr>
+          <p:spPr>
+            <a:xfrm>
+              <a:off x="1535946" y="4006574"/>
               <a:ext cx="4081669" cy="384313"/>
             </a:xfrm>
             <a:custGeom>
@@ -10317,13 +11898,13 @@
         </p:sp>
         <p:sp>
           <p:nvSpPr>
-            <p:cNvPr id="18" name="Oval 17"/>
+            <p:cNvPr id="6" name="Oval 5"/>
             <p:cNvSpPr/>
             <p:nvPr/>
           </p:nvSpPr>
           <p:spPr>
             <a:xfrm>
-              <a:off x="1752600" y="3962400"/>
+              <a:off x="1632024" y="3962400"/>
               <a:ext cx="457200" cy="381000"/>
             </a:xfrm>
             <a:prstGeom prst="ellipse">
@@ -10370,1060 +11951,126 @@
             </a:p>
           </p:txBody>
         </p:sp>
-        <p:sp>
-          <p:nvSpPr>
-            <p:cNvPr id="9" name="Freeform 8"/>
-            <p:cNvSpPr/>
+        <p:grpSp>
+          <p:nvGrpSpPr>
+            <p:cNvPr id="9" name="Group 8"/>
+            <p:cNvGrpSpPr/>
             <p:nvPr/>
-          </p:nvSpPr>
-          <p:spPr>
+          </p:nvGrpSpPr>
+          <p:grpSpPr>
             <a:xfrm>
-              <a:off x="3200401" y="3366052"/>
-              <a:ext cx="2362200" cy="1510748"/>
+              <a:off x="415752" y="1091566"/>
+              <a:ext cx="8468248" cy="5303520"/>
+              <a:chOff x="336624" y="1170694"/>
+              <a:chExt cx="8468248" cy="5303520"/>
             </a:xfrm>
-            <a:custGeom>
-              <a:avLst/>
-              <a:gdLst>
-                <a:gd name="connsiteX0" fmla="*/ 1442279 w 1442279"/>
-                <a:gd name="connsiteY0" fmla="*/ 1431235 h 1444487"/>
-                <a:gd name="connsiteX1" fmla="*/ 408609 w 1442279"/>
-                <a:gd name="connsiteY1" fmla="*/ 1364974 h 1444487"/>
-                <a:gd name="connsiteX2" fmla="*/ 64052 w 1442279"/>
-                <a:gd name="connsiteY2" fmla="*/ 954157 h 1444487"/>
-                <a:gd name="connsiteX3" fmla="*/ 24296 w 1442279"/>
-                <a:gd name="connsiteY3" fmla="*/ 0 h 1444487"/>
-              </a:gdLst>
-              <a:ahLst/>
-              <a:cxnLst>
-                <a:cxn ang="0">
-                  <a:pos x="connsiteX0" y="connsiteY0"/>
-                </a:cxn>
-                <a:cxn ang="0">
-                  <a:pos x="connsiteX1" y="connsiteY1"/>
-                </a:cxn>
-                <a:cxn ang="0">
-                  <a:pos x="connsiteX2" y="connsiteY2"/>
-                </a:cxn>
-                <a:cxn ang="0">
-                  <a:pos x="connsiteX3" y="connsiteY3"/>
-                </a:cxn>
-              </a:cxnLst>
-              <a:rect l="l" t="t" r="r" b="b"/>
-              <a:pathLst>
-                <a:path w="1442279" h="1444487">
-                  <a:moveTo>
-                    <a:pt x="1442279" y="1431235"/>
-                  </a:moveTo>
-                  <a:cubicBezTo>
-                    <a:pt x="1040296" y="1437861"/>
-                    <a:pt x="638314" y="1444487"/>
-                    <a:pt x="408609" y="1364974"/>
-                  </a:cubicBezTo>
-                  <a:cubicBezTo>
-                    <a:pt x="178905" y="1285461"/>
-                    <a:pt x="128104" y="1181653"/>
-                    <a:pt x="64052" y="954157"/>
-                  </a:cubicBezTo>
-                  <a:cubicBezTo>
-                    <a:pt x="0" y="726661"/>
-                    <a:pt x="12148" y="363330"/>
-                    <a:pt x="24296" y="0"/>
-                  </a:cubicBezTo>
-                </a:path>
-              </a:pathLst>
-            </a:custGeom>
-            <a:ln w="25400">
-              <a:solidFill>
-                <a:schemeClr val="tx1"/>
-              </a:solidFill>
-              <a:tailEnd type="triangle" w="lg" len="lg"/>
-            </a:ln>
-          </p:spPr>
-          <p:style>
-            <a:lnRef idx="1">
-              <a:schemeClr val="accent1"/>
-            </a:lnRef>
-            <a:fillRef idx="0">
-              <a:schemeClr val="accent1"/>
-            </a:fillRef>
-            <a:effectRef idx="0">
-              <a:schemeClr val="accent1"/>
-            </a:effectRef>
-            <a:fontRef idx="minor">
-              <a:schemeClr val="tx1"/>
-            </a:fontRef>
-          </p:style>
-          <p:txBody>
-            <a:bodyPr rtlCol="0" anchor="ctr"/>
-            <a:lstStyle/>
-            <a:p>
-              <a:pPr algn="ctr"/>
-              <a:endParaRPr lang="en-US"/>
-            </a:p>
-          </p:txBody>
-        </p:sp>
-        <p:sp>
-          <p:nvSpPr>
-            <p:cNvPr id="10" name="Oval 9"/>
-            <p:cNvSpPr/>
-            <p:nvPr/>
-          </p:nvSpPr>
-          <p:spPr>
-            <a:xfrm>
-              <a:off x="3276600" y="3657600"/>
-              <a:ext cx="457200" cy="381000"/>
-            </a:xfrm>
-            <a:prstGeom prst="ellipse">
-              <a:avLst/>
-            </a:prstGeom>
-            <a:solidFill>
-              <a:srgbClr val="FF0000"/>
-            </a:solidFill>
-          </p:spPr>
-          <p:style>
-            <a:lnRef idx="2">
-              <a:schemeClr val="accent1">
-                <a:shade val="50000"/>
-              </a:schemeClr>
-            </a:lnRef>
-            <a:fillRef idx="1">
-              <a:schemeClr val="accent1"/>
-            </a:fillRef>
-            <a:effectRef idx="0">
-              <a:schemeClr val="accent1"/>
-            </a:effectRef>
-            <a:fontRef idx="minor">
-              <a:schemeClr val="lt1"/>
-            </a:fontRef>
-          </p:style>
-          <p:txBody>
-            <a:bodyPr rtlCol="0" anchor="ctr"/>
-            <a:lstStyle/>
-            <a:p>
-              <a:pPr algn="ctr"/>
-              <a:r>
-                <a:rPr lang="en-US" b="1" dirty="0" smtClean="0">
-                  <a:solidFill>
-                    <a:schemeClr val="bg1"/>
-                  </a:solidFill>
-                </a:rPr>
-                <a:t>2</a:t>
-              </a:r>
-              <a:endParaRPr lang="en-US" b="1" dirty="0">
-                <a:solidFill>
-                  <a:schemeClr val="bg1"/>
-                </a:solidFill>
-              </a:endParaRPr>
-            </a:p>
-          </p:txBody>
-        </p:sp>
-        <p:sp>
-          <p:nvSpPr>
-            <p:cNvPr id="13" name="Freeform 12"/>
-            <p:cNvSpPr/>
-            <p:nvPr/>
-          </p:nvSpPr>
-          <p:spPr>
-            <a:xfrm>
-              <a:off x="4412974" y="3379304"/>
-              <a:ext cx="1325217" cy="1457739"/>
-            </a:xfrm>
-            <a:custGeom>
-              <a:avLst/>
-              <a:gdLst>
-                <a:gd name="connsiteX0" fmla="*/ 0 w 1325217"/>
-                <a:gd name="connsiteY0" fmla="*/ 0 h 1457739"/>
-                <a:gd name="connsiteX1" fmla="*/ 265043 w 1325217"/>
-                <a:gd name="connsiteY1" fmla="*/ 463826 h 1457739"/>
-                <a:gd name="connsiteX2" fmla="*/ 1126435 w 1325217"/>
-                <a:gd name="connsiteY2" fmla="*/ 914400 h 1457739"/>
-                <a:gd name="connsiteX3" fmla="*/ 1325217 w 1325217"/>
-                <a:gd name="connsiteY3" fmla="*/ 1457739 h 1457739"/>
-              </a:gdLst>
-              <a:ahLst/>
-              <a:cxnLst>
-                <a:cxn ang="0">
-                  <a:pos x="connsiteX0" y="connsiteY0"/>
-                </a:cxn>
-                <a:cxn ang="0">
-                  <a:pos x="connsiteX1" y="connsiteY1"/>
-                </a:cxn>
-                <a:cxn ang="0">
-                  <a:pos x="connsiteX2" y="connsiteY2"/>
-                </a:cxn>
-                <a:cxn ang="0">
-                  <a:pos x="connsiteX3" y="connsiteY3"/>
-                </a:cxn>
-              </a:cxnLst>
-              <a:rect l="l" t="t" r="r" b="b"/>
-              <a:pathLst>
-                <a:path w="1325217" h="1457739">
-                  <a:moveTo>
-                    <a:pt x="0" y="0"/>
-                  </a:moveTo>
-                  <a:cubicBezTo>
-                    <a:pt x="38652" y="155713"/>
-                    <a:pt x="77304" y="311426"/>
-                    <a:pt x="265043" y="463826"/>
-                  </a:cubicBezTo>
-                  <a:cubicBezTo>
-                    <a:pt x="452782" y="616226"/>
-                    <a:pt x="949739" y="748748"/>
-                    <a:pt x="1126435" y="914400"/>
-                  </a:cubicBezTo>
-                  <a:cubicBezTo>
-                    <a:pt x="1303131" y="1080052"/>
-                    <a:pt x="1314174" y="1268895"/>
-                    <a:pt x="1325217" y="1457739"/>
-                  </a:cubicBezTo>
-                </a:path>
-              </a:pathLst>
-            </a:custGeom>
-            <a:ln w="25400">
-              <a:solidFill>
-                <a:schemeClr val="tx1"/>
-              </a:solidFill>
-              <a:tailEnd type="triangle" w="lg" len="lg"/>
-            </a:ln>
-          </p:spPr>
-          <p:style>
-            <a:lnRef idx="1">
-              <a:schemeClr val="accent1"/>
-            </a:lnRef>
-            <a:fillRef idx="0">
-              <a:schemeClr val="accent1"/>
-            </a:fillRef>
-            <a:effectRef idx="0">
-              <a:schemeClr val="accent1"/>
-            </a:effectRef>
-            <a:fontRef idx="minor">
-              <a:schemeClr val="tx1"/>
-            </a:fontRef>
-          </p:style>
-          <p:txBody>
-            <a:bodyPr rtlCol="0" anchor="ctr"/>
-            <a:lstStyle/>
-            <a:p>
-              <a:pPr algn="ctr"/>
-              <a:endParaRPr lang="en-US"/>
-            </a:p>
-          </p:txBody>
-        </p:sp>
-        <p:sp>
-          <p:nvSpPr>
-            <p:cNvPr id="15" name="Oval 14"/>
-            <p:cNvSpPr/>
-            <p:nvPr/>
-          </p:nvSpPr>
-          <p:spPr>
-            <a:xfrm>
-              <a:off x="4572000" y="3429000"/>
-              <a:ext cx="457200" cy="381000"/>
-            </a:xfrm>
-            <a:prstGeom prst="ellipse">
-              <a:avLst/>
-            </a:prstGeom>
-            <a:solidFill>
-              <a:srgbClr val="FF0000"/>
-            </a:solidFill>
-          </p:spPr>
-          <p:style>
-            <a:lnRef idx="2">
-              <a:schemeClr val="accent1">
-                <a:shade val="50000"/>
-              </a:schemeClr>
-            </a:lnRef>
-            <a:fillRef idx="1">
-              <a:schemeClr val="accent1"/>
-            </a:fillRef>
-            <a:effectRef idx="0">
-              <a:schemeClr val="accent1"/>
-            </a:effectRef>
-            <a:fontRef idx="minor">
-              <a:schemeClr val="lt1"/>
-            </a:fontRef>
-          </p:style>
-          <p:txBody>
-            <a:bodyPr rtlCol="0" anchor="ctr"/>
-            <a:lstStyle/>
-            <a:p>
-              <a:pPr algn="ctr"/>
-              <a:r>
-                <a:rPr lang="en-US" b="1" dirty="0" smtClean="0">
-                  <a:solidFill>
-                    <a:schemeClr val="bg1"/>
-                  </a:solidFill>
-                </a:rPr>
-                <a:t>3</a:t>
-              </a:r>
-              <a:endParaRPr lang="en-US" b="1" dirty="0">
-                <a:solidFill>
-                  <a:schemeClr val="bg1"/>
-                </a:solidFill>
-              </a:endParaRPr>
-            </a:p>
-          </p:txBody>
-        </p:sp>
-        <p:sp>
-          <p:nvSpPr>
-            <p:cNvPr id="16" name="Rounded Rectangular Callout 15"/>
-            <p:cNvSpPr/>
-            <p:nvPr/>
-          </p:nvSpPr>
-          <p:spPr>
-            <a:xfrm>
-              <a:off x="6629400" y="2090049"/>
-              <a:ext cx="1143000" cy="881751"/>
-            </a:xfrm>
-            <a:prstGeom prst="wedgeRoundRectCallout">
-              <a:avLst>
-                <a:gd name="adj1" fmla="val -201969"/>
-                <a:gd name="adj2" fmla="val 152708"/>
-                <a:gd name="adj3" fmla="val 16667"/>
-              </a:avLst>
-            </a:prstGeom>
-          </p:spPr>
-          <p:style>
-            <a:lnRef idx="2">
-              <a:schemeClr val="accent1">
-                <a:shade val="50000"/>
-              </a:schemeClr>
-            </a:lnRef>
-            <a:fillRef idx="1">
-              <a:schemeClr val="accent1"/>
-            </a:fillRef>
-            <a:effectRef idx="0">
-              <a:schemeClr val="accent1"/>
-            </a:effectRef>
-            <a:fontRef idx="minor">
-              <a:schemeClr val="lt1"/>
-            </a:fontRef>
-          </p:style>
-          <p:txBody>
-            <a:bodyPr lIns="0" tIns="0" rIns="0" bIns="0" rtlCol="0" anchor="ctr"/>
-            <a:lstStyle/>
-            <a:p>
-              <a:pPr algn="ctr"/>
-              <a:r>
-                <a:rPr lang="en-US" sz="2000" dirty="0" smtClean="0"/>
-                <a:t>ARM evicts the line.</a:t>
-              </a:r>
-              <a:endParaRPr lang="en-US" sz="2000" dirty="0"/>
-            </a:p>
-          </p:txBody>
-        </p:sp>
-        <p:sp>
-          <p:nvSpPr>
-            <p:cNvPr id="17" name="Rounded Rectangular Callout 16"/>
-            <p:cNvSpPr/>
-            <p:nvPr/>
-          </p:nvSpPr>
-          <p:spPr>
-            <a:xfrm>
-              <a:off x="732099" y="1551008"/>
-              <a:ext cx="1600200" cy="1545220"/>
-            </a:xfrm>
-            <a:prstGeom prst="wedgeRoundRectCallout">
-              <a:avLst>
-                <a:gd name="adj1" fmla="val 104219"/>
-                <a:gd name="adj2" fmla="val 101009"/>
-                <a:gd name="adj3" fmla="val 16667"/>
-              </a:avLst>
-            </a:prstGeom>
-          </p:spPr>
-          <p:style>
-            <a:lnRef idx="2">
-              <a:schemeClr val="accent1">
-                <a:shade val="50000"/>
-              </a:schemeClr>
-            </a:lnRef>
-            <a:fillRef idx="1">
-              <a:schemeClr val="accent1"/>
-            </a:fillRef>
-            <a:effectRef idx="0">
-              <a:schemeClr val="accent1"/>
-            </a:effectRef>
-            <a:fontRef idx="minor">
-              <a:schemeClr val="lt1"/>
-            </a:fontRef>
-          </p:style>
-          <p:txBody>
-            <a:bodyPr lIns="0" tIns="0" rIns="0" bIns="0" rtlCol="0" anchor="ctr"/>
-            <a:lstStyle/>
-            <a:p>
-              <a:pPr algn="ctr"/>
-              <a:r>
-                <a:rPr lang="en-US" sz="2000" dirty="0" smtClean="0"/>
-                <a:t>Coherence Controller issues </a:t>
-              </a:r>
-              <a:r>
-                <a:rPr lang="en-US" sz="2000" dirty="0" err="1" smtClean="0"/>
-                <a:t>WBInv</a:t>
-              </a:r>
-              <a:r>
-                <a:rPr lang="en-US" sz="2000" dirty="0" smtClean="0"/>
-                <a:t> snoops to ARM.</a:t>
-              </a:r>
-              <a:endParaRPr lang="en-US" sz="2000" dirty="0"/>
-            </a:p>
-          </p:txBody>
-        </p:sp>
-        <p:sp>
-          <p:nvSpPr>
-            <p:cNvPr id="19" name="Rounded Rectangular Callout 18"/>
-            <p:cNvSpPr/>
-            <p:nvPr/>
-          </p:nvSpPr>
-          <p:spPr>
-            <a:xfrm>
-              <a:off x="457200" y="5486400"/>
-              <a:ext cx="1600200" cy="1066800"/>
-            </a:xfrm>
-            <a:prstGeom prst="wedgeRoundRectCallout">
-              <a:avLst>
-                <a:gd name="adj1" fmla="val 52045"/>
-                <a:gd name="adj2" fmla="val -151165"/>
-                <a:gd name="adj3" fmla="val 16667"/>
-              </a:avLst>
-            </a:prstGeom>
-          </p:spPr>
-          <p:style>
-            <a:lnRef idx="2">
-              <a:schemeClr val="accent1">
-                <a:shade val="50000"/>
-              </a:schemeClr>
-            </a:lnRef>
-            <a:fillRef idx="1">
-              <a:schemeClr val="accent1"/>
-            </a:fillRef>
-            <a:effectRef idx="0">
-              <a:schemeClr val="accent1"/>
-            </a:effectRef>
-            <a:fontRef idx="minor">
-              <a:schemeClr val="lt1"/>
-            </a:fontRef>
-          </p:style>
-          <p:txBody>
-            <a:bodyPr lIns="0" tIns="0" rIns="0" bIns="0" rtlCol="0" anchor="ctr"/>
-            <a:lstStyle/>
-            <a:p>
-              <a:pPr algn="ctr"/>
-              <a:r>
-                <a:rPr lang="en-US" sz="2000" dirty="0" smtClean="0"/>
-                <a:t>EDMA issues write to shared SRAM.</a:t>
-              </a:r>
-              <a:endParaRPr lang="en-US" sz="2000" dirty="0"/>
-            </a:p>
-          </p:txBody>
-        </p:sp>
+          </p:grpSpPr>
+          <p:pic>
+            <p:nvPicPr>
+              <p:cNvPr id="7" name="Picture 7"/>
+              <p:cNvPicPr>
+                <a:picLocks noChangeArrowheads="1"/>
+              </p:cNvPicPr>
+              <p:nvPr/>
+            </p:nvPicPr>
+            <p:blipFill>
+              <a:blip r:embed="rId2" cstate="print"/>
+              <a:srcRect/>
+              <a:stretch>
+                <a:fillRect/>
+              </a:stretch>
+            </p:blipFill>
+            <p:spPr bwMode="auto">
+              <a:xfrm>
+                <a:off x="346672" y="1170694"/>
+                <a:ext cx="8458200" cy="5303520"/>
+              </a:xfrm>
+              <a:prstGeom prst="rect">
+                <a:avLst/>
+              </a:prstGeom>
+              <a:noFill/>
+              <a:ln w="9525">
+                <a:noFill/>
+                <a:miter lim="800000"/>
+                <a:headEnd/>
+                <a:tailEnd/>
+              </a:ln>
+            </p:spPr>
+          </p:pic>
+          <p:sp>
+            <p:nvSpPr>
+              <p:cNvPr id="8" name="Rounded Rectangular Callout 7"/>
+              <p:cNvSpPr/>
+              <p:nvPr/>
+            </p:nvSpPr>
+            <p:spPr>
+              <a:xfrm>
+                <a:off x="336624" y="5228454"/>
+                <a:ext cx="1600200" cy="1194122"/>
+              </a:xfrm>
+              <a:prstGeom prst="wedgeRoundRectCallout">
+                <a:avLst>
+                  <a:gd name="adj1" fmla="val 48905"/>
+                  <a:gd name="adj2" fmla="val -119149"/>
+                  <a:gd name="adj3" fmla="val 16667"/>
+                </a:avLst>
+              </a:prstGeom>
+            </p:spPr>
+            <p:style>
+              <a:lnRef idx="2">
+                <a:schemeClr val="accent1">
+                  <a:shade val="50000"/>
+                </a:schemeClr>
+              </a:lnRef>
+              <a:fillRef idx="1">
+                <a:schemeClr val="accent1"/>
+              </a:fillRef>
+              <a:effectRef idx="0">
+                <a:schemeClr val="accent1"/>
+              </a:effectRef>
+              <a:fontRef idx="minor">
+                <a:schemeClr val="lt1"/>
+              </a:fontRef>
+            </p:style>
+            <p:txBody>
+              <a:bodyPr lIns="0" tIns="0" rIns="0" bIns="0" rtlCol="0" anchor="ctr"/>
+              <a:lstStyle/>
+              <a:p>
+                <a:pPr algn="ctr"/>
+                <a:r>
+                  <a:rPr lang="en-US" sz="2000" dirty="0" smtClean="0"/>
+                  <a:t>EDMA issues read to shared SRAM.</a:t>
+                </a:r>
+                <a:endParaRPr lang="en-US" sz="2000" dirty="0"/>
+              </a:p>
+            </p:txBody>
+          </p:sp>
+        </p:grpSp>
       </p:grpSp>
       <p:sp>
         <p:nvSpPr>
-          <p:cNvPr id="20" name="Rounded Rectangular Callout 19"/>
-          <p:cNvSpPr/>
-          <p:nvPr/>
-        </p:nvSpPr>
-        <p:spPr>
-          <a:xfrm>
-            <a:off x="6340510" y="5411880"/>
-            <a:ext cx="2448451" cy="990600"/>
-          </a:xfrm>
-          <a:prstGeom prst="wedgeRoundRectCallout">
-            <a:avLst>
-              <a:gd name="adj1" fmla="val 2108"/>
-              <a:gd name="adj2" fmla="val -132589"/>
-              <a:gd name="adj3" fmla="val 16667"/>
-            </a:avLst>
-          </a:prstGeom>
-        </p:spPr>
-        <p:style>
-          <a:lnRef idx="2">
-            <a:schemeClr val="accent1">
-              <a:shade val="50000"/>
-            </a:schemeClr>
-          </a:lnRef>
-          <a:fillRef idx="1">
-            <a:schemeClr val="accent1"/>
-          </a:fillRef>
-          <a:effectRef idx="0">
-            <a:schemeClr val="accent1"/>
-          </a:effectRef>
-          <a:fontRef idx="minor">
-            <a:schemeClr val="lt1"/>
-          </a:fontRef>
-        </p:style>
-        <p:txBody>
-          <a:bodyPr lIns="0" tIns="0" rIns="0" bIns="0" rtlCol="0" anchor="ctr"/>
-          <a:lstStyle/>
-          <a:p>
-            <a:pPr algn="ctr"/>
-            <a:r>
-              <a:rPr lang="en-US" sz="1800" dirty="0" smtClean="0"/>
-              <a:t>Coherence controller merges EDMA write with victim &amp; writes to SRAM.</a:t>
-            </a:r>
-            <a:endParaRPr lang="en-US" sz="1800" dirty="0"/>
-          </a:p>
-        </p:txBody>
-      </p:sp>
-      <p:sp>
-        <p:nvSpPr>
-          <p:cNvPr id="21" name="Freeform 20"/>
-          <p:cNvSpPr/>
-          <p:nvPr/>
-        </p:nvSpPr>
-        <p:spPr>
-          <a:xfrm>
-            <a:off x="6642109" y="4341767"/>
-            <a:ext cx="1099930" cy="704574"/>
-          </a:xfrm>
-          <a:custGeom>
-            <a:avLst/>
-            <a:gdLst>
-              <a:gd name="connsiteX0" fmla="*/ 0 w 1099930"/>
-              <a:gd name="connsiteY0" fmla="*/ 649356 h 704574"/>
-              <a:gd name="connsiteX1" fmla="*/ 755374 w 1099930"/>
-              <a:gd name="connsiteY1" fmla="*/ 596348 h 704574"/>
-              <a:gd name="connsiteX2" fmla="*/ 1099930 w 1099930"/>
-              <a:gd name="connsiteY2" fmla="*/ 0 h 704574"/>
-            </a:gdLst>
-            <a:ahLst/>
-            <a:cxnLst>
-              <a:cxn ang="0">
-                <a:pos x="connsiteX0" y="connsiteY0"/>
-              </a:cxn>
-              <a:cxn ang="0">
-                <a:pos x="connsiteX1" y="connsiteY1"/>
-              </a:cxn>
-              <a:cxn ang="0">
-                <a:pos x="connsiteX2" y="connsiteY2"/>
-              </a:cxn>
-            </a:cxnLst>
-            <a:rect l="l" t="t" r="r" b="b"/>
-            <a:pathLst>
-              <a:path w="1099930" h="704574">
-                <a:moveTo>
-                  <a:pt x="0" y="649356"/>
-                </a:moveTo>
-                <a:cubicBezTo>
-                  <a:pt x="286026" y="676965"/>
-                  <a:pt x="572052" y="704574"/>
-                  <a:pt x="755374" y="596348"/>
-                </a:cubicBezTo>
-                <a:cubicBezTo>
-                  <a:pt x="938696" y="488122"/>
-                  <a:pt x="1019313" y="244061"/>
-                  <a:pt x="1099930" y="0"/>
-                </a:cubicBezTo>
-              </a:path>
-            </a:pathLst>
-          </a:custGeom>
-          <a:ln w="25400">
-            <a:solidFill>
-              <a:schemeClr val="tx1"/>
-            </a:solidFill>
-            <a:tailEnd type="triangle" w="lg" len="lg"/>
-          </a:ln>
-        </p:spPr>
-        <p:style>
-          <a:lnRef idx="1">
-            <a:schemeClr val="accent1"/>
-          </a:lnRef>
-          <a:fillRef idx="0">
-            <a:schemeClr val="accent1"/>
-          </a:fillRef>
-          <a:effectRef idx="0">
-            <a:schemeClr val="accent1"/>
-          </a:effectRef>
-          <a:fontRef idx="minor">
-            <a:schemeClr val="tx1"/>
-          </a:fontRef>
-        </p:style>
-        <p:txBody>
-          <a:bodyPr rtlCol="0" anchor="ctr"/>
-          <a:lstStyle/>
-          <a:p>
-            <a:pPr algn="ctr"/>
-            <a:endParaRPr lang="en-US"/>
-          </a:p>
-        </p:txBody>
-      </p:sp>
-      <p:sp>
-        <p:nvSpPr>
-          <p:cNvPr id="22" name="Oval 21"/>
-          <p:cNvSpPr/>
-          <p:nvPr/>
-        </p:nvSpPr>
-        <p:spPr>
-          <a:xfrm>
-            <a:off x="7417361" y="4878480"/>
-            <a:ext cx="457200" cy="381000"/>
-          </a:xfrm>
-          <a:prstGeom prst="ellipse">
-            <a:avLst/>
-          </a:prstGeom>
-          <a:solidFill>
-            <a:srgbClr val="FF0000"/>
-          </a:solidFill>
-        </p:spPr>
-        <p:style>
-          <a:lnRef idx="2">
-            <a:schemeClr val="accent1">
-              <a:shade val="50000"/>
-            </a:schemeClr>
-          </a:lnRef>
-          <a:fillRef idx="1">
-            <a:schemeClr val="accent1"/>
-          </a:fillRef>
-          <a:effectRef idx="0">
-            <a:schemeClr val="accent1"/>
-          </a:effectRef>
-          <a:fontRef idx="minor">
-            <a:schemeClr val="lt1"/>
-          </a:fontRef>
-        </p:style>
-        <p:txBody>
-          <a:bodyPr rtlCol="0" anchor="ctr"/>
-          <a:lstStyle/>
-          <a:p>
-            <a:pPr algn="ctr"/>
-            <a:r>
-              <a:rPr lang="en-US" b="1" dirty="0" smtClean="0">
-                <a:solidFill>
-                  <a:schemeClr val="bg1"/>
-                </a:solidFill>
-              </a:rPr>
-              <a:t>4</a:t>
-            </a:r>
-            <a:endParaRPr lang="en-US" b="1" dirty="0">
-              <a:solidFill>
-                <a:schemeClr val="bg1"/>
-              </a:solidFill>
-            </a:endParaRPr>
-          </a:p>
-        </p:txBody>
-      </p:sp>
-    </p:spTree>
-  </p:cSld>
-  <p:clrMapOvr>
-    <a:masterClrMapping/>
-  </p:clrMapOvr>
-  <p:timing>
-    <p:tnLst>
-      <p:par>
-        <p:cTn id="1" dur="indefinite" restart="never" nodeType="tmRoot"/>
-      </p:par>
-    </p:tnLst>
-  </p:timing>
-</p:sld>
-</file>
-
-<file path=ppt/slides/slide32.xml><?xml version="1.0" encoding="utf-8"?>
-<p:sld xmlns:a="http://schemas.openxmlformats.org/drawingml/2006/main" xmlns:r="http://schemas.openxmlformats.org/officeDocument/2006/relationships" xmlns:p="http://schemas.openxmlformats.org/presentationml/2006/main">
-  <p:cSld>
-    <p:spTree>
-      <p:nvGrpSpPr>
-        <p:cNvPr id="1" name=""/>
-        <p:cNvGrpSpPr/>
-        <p:nvPr/>
-      </p:nvGrpSpPr>
-      <p:grpSpPr>
-        <a:xfrm>
-          <a:off x="0" y="0"/>
-          <a:ext cx="0" cy="0"/>
-          <a:chOff x="0" y="0"/>
-          <a:chExt cx="0" cy="0"/>
-        </a:xfrm>
-      </p:grpSpPr>
-      <p:sp>
-        <p:nvSpPr>
-          <p:cNvPr id="4" name="Title 3"/>
+          <p:cNvPr id="11" name="Slide Number Placeholder 10"/>
           <p:cNvSpPr>
             <a:spLocks noGrp="1"/>
           </p:cNvSpPr>
           <p:nvPr>
-            <p:ph type="title"/>
+            <p:ph type="sldNum" sz="quarter" idx="10"/>
           </p:nvPr>
         </p:nvSpPr>
         <p:spPr/>
         <p:txBody>
-          <a:bodyPr>
-            <a:noAutofit/>
-          </a:bodyPr>
-          <a:lstStyle/>
-          <a:p>
-            <a:r>
-              <a:rPr lang="en-US" sz="3200" dirty="0" smtClean="0"/>
-              <a:t>Keystone </a:t>
-            </a:r>
-            <a:r>
-              <a:rPr lang="en-US" sz="3200" dirty="0" err="1" smtClean="0"/>
-              <a:t>ll</a:t>
-            </a:r>
-            <a:r>
-              <a:rPr lang="en-US" sz="3200" smtClean="0"/>
-              <a:t>: ARM - IO </a:t>
-            </a:r>
-            <a:r>
-              <a:rPr lang="en-US" sz="3200" dirty="0" smtClean="0"/>
-              <a:t>Coherency</a:t>
-            </a:r>
-            <a:br>
-              <a:rPr lang="en-US" sz="3200" dirty="0" smtClean="0"/>
-            </a:br>
-            <a:r>
-              <a:rPr lang="en-US" sz="3200" dirty="0" smtClean="0"/>
-              <a:t>External Read to Shared Memory (MSM/DDR)</a:t>
-            </a:r>
-            <a:endParaRPr lang="en-US" sz="3200" dirty="0"/>
-          </a:p>
-        </p:txBody>
-      </p:sp>
-      <p:pic>
-        <p:nvPicPr>
-          <p:cNvPr id="55303" name="Picture 7"/>
-          <p:cNvPicPr>
-            <a:picLocks noChangeArrowheads="1"/>
-          </p:cNvPicPr>
-          <p:nvPr/>
-        </p:nvPicPr>
-        <p:blipFill>
-          <a:blip r:embed="rId2" cstate="print"/>
-          <a:srcRect/>
-          <a:stretch>
-            <a:fillRect/>
-          </a:stretch>
-        </p:blipFill>
-        <p:spPr bwMode="auto">
-          <a:xfrm>
-            <a:off x="425800" y="1091566"/>
-            <a:ext cx="8458200" cy="5303520"/>
-          </a:xfrm>
-          <a:prstGeom prst="rect">
-            <a:avLst/>
-          </a:prstGeom>
-          <a:noFill/>
-          <a:ln w="9525">
-            <a:noFill/>
-            <a:miter lim="800000"/>
-            <a:headEnd/>
-            <a:tailEnd/>
-          </a:ln>
-        </p:spPr>
-      </p:pic>
-    </p:spTree>
-  </p:cSld>
-  <p:clrMapOvr>
-    <a:masterClrMapping/>
-  </p:clrMapOvr>
-  <p:timing>
-    <p:tnLst>
-      <p:par>
-        <p:cTn id="1" dur="indefinite" restart="never" nodeType="tmRoot"/>
-      </p:par>
-    </p:tnLst>
-  </p:timing>
-</p:sld>
-</file>
-
-<file path=ppt/slides/slide33.xml><?xml version="1.0" encoding="utf-8"?>
-<p:sld xmlns:a="http://schemas.openxmlformats.org/drawingml/2006/main" xmlns:r="http://schemas.openxmlformats.org/officeDocument/2006/relationships" xmlns:p="http://schemas.openxmlformats.org/presentationml/2006/main">
-  <p:cSld>
-    <p:spTree>
-      <p:nvGrpSpPr>
-        <p:cNvPr id="1" name=""/>
-        <p:cNvGrpSpPr/>
-        <p:nvPr/>
-      </p:nvGrpSpPr>
-      <p:grpSpPr>
-        <a:xfrm>
-          <a:off x="0" y="0"/>
-          <a:ext cx="0" cy="0"/>
-          <a:chOff x="0" y="0"/>
-          <a:chExt cx="0" cy="0"/>
-        </a:xfrm>
-      </p:grpSpPr>
-      <p:sp>
-        <p:nvSpPr>
-          <p:cNvPr id="4" name="Title 3"/>
-          <p:cNvSpPr>
-            <a:spLocks noGrp="1"/>
-          </p:cNvSpPr>
-          <p:nvPr>
-            <p:ph type="title"/>
-          </p:nvPr>
-        </p:nvSpPr>
-        <p:spPr/>
-        <p:txBody>
-          <a:bodyPr>
-            <a:noAutofit/>
-          </a:bodyPr>
-          <a:lstStyle/>
-          <a:p>
-            <a:r>
-              <a:rPr lang="en-US" sz="3200" dirty="0" smtClean="0"/>
-              <a:t>Keystone </a:t>
-            </a:r>
-            <a:r>
-              <a:rPr lang="en-US" sz="3200" dirty="0" err="1" smtClean="0"/>
-              <a:t>ll</a:t>
-            </a:r>
-            <a:r>
-              <a:rPr lang="en-US" sz="3200" dirty="0" smtClean="0"/>
-              <a:t>: ARM - IO Coherency</a:t>
-            </a:r>
-            <a:br>
-              <a:rPr lang="en-US" sz="3200" dirty="0" smtClean="0"/>
-            </a:br>
-            <a:r>
-              <a:rPr lang="en-US" sz="3200" dirty="0" smtClean="0"/>
-              <a:t>External Read to Shared Memory (MSM/DDR)</a:t>
-            </a:r>
-            <a:endParaRPr lang="en-US" sz="3200" dirty="0"/>
-          </a:p>
-        </p:txBody>
-      </p:sp>
-      <p:sp>
-        <p:nvSpPr>
-          <p:cNvPr id="5" name="Freeform 4"/>
-          <p:cNvSpPr/>
-          <p:nvPr/>
-        </p:nvSpPr>
-        <p:spPr>
-          <a:xfrm>
-            <a:off x="1535946" y="4006574"/>
-            <a:ext cx="4081669" cy="384313"/>
-          </a:xfrm>
-          <a:custGeom>
-            <a:avLst/>
-            <a:gdLst>
-              <a:gd name="connsiteX0" fmla="*/ 0 w 4081669"/>
-              <a:gd name="connsiteY0" fmla="*/ 379896 h 384313"/>
-              <a:gd name="connsiteX1" fmla="*/ 1868556 w 4081669"/>
-              <a:gd name="connsiteY1" fmla="*/ 326887 h 384313"/>
-              <a:gd name="connsiteX2" fmla="*/ 2981739 w 4081669"/>
-              <a:gd name="connsiteY2" fmla="*/ 35339 h 384313"/>
-              <a:gd name="connsiteX3" fmla="*/ 4081669 w 4081669"/>
-              <a:gd name="connsiteY3" fmla="*/ 114852 h 384313"/>
-            </a:gdLst>
-            <a:ahLst/>
-            <a:cxnLst>
-              <a:cxn ang="0">
-                <a:pos x="connsiteX0" y="connsiteY0"/>
-              </a:cxn>
-              <a:cxn ang="0">
-                <a:pos x="connsiteX1" y="connsiteY1"/>
-              </a:cxn>
-              <a:cxn ang="0">
-                <a:pos x="connsiteX2" y="connsiteY2"/>
-              </a:cxn>
-              <a:cxn ang="0">
-                <a:pos x="connsiteX3" y="connsiteY3"/>
-              </a:cxn>
-            </a:cxnLst>
-            <a:rect l="l" t="t" r="r" b="b"/>
-            <a:pathLst>
-              <a:path w="4081669" h="384313">
-                <a:moveTo>
-                  <a:pt x="0" y="379896"/>
-                </a:moveTo>
-                <a:cubicBezTo>
-                  <a:pt x="685800" y="382104"/>
-                  <a:pt x="1371600" y="384313"/>
-                  <a:pt x="1868556" y="326887"/>
-                </a:cubicBezTo>
-                <a:cubicBezTo>
-                  <a:pt x="2365513" y="269461"/>
-                  <a:pt x="2612887" y="70678"/>
-                  <a:pt x="2981739" y="35339"/>
-                </a:cubicBezTo>
-                <a:cubicBezTo>
-                  <a:pt x="3350591" y="0"/>
-                  <a:pt x="3716130" y="57426"/>
-                  <a:pt x="4081669" y="114852"/>
-                </a:cubicBezTo>
-              </a:path>
-            </a:pathLst>
-          </a:custGeom>
-          <a:ln w="25400">
-            <a:solidFill>
-              <a:schemeClr val="tx1"/>
-            </a:solidFill>
-            <a:tailEnd type="triangle" w="lg" len="lg"/>
-          </a:ln>
-        </p:spPr>
-        <p:style>
-          <a:lnRef idx="1">
-            <a:schemeClr val="accent1"/>
-          </a:lnRef>
-          <a:fillRef idx="0">
-            <a:schemeClr val="accent1"/>
-          </a:fillRef>
-          <a:effectRef idx="0">
-            <a:schemeClr val="accent1"/>
-          </a:effectRef>
-          <a:fontRef idx="minor">
-            <a:schemeClr val="tx1"/>
-          </a:fontRef>
-        </p:style>
-        <p:txBody>
-          <a:bodyPr rtlCol="0" anchor="ctr"/>
-          <a:lstStyle/>
-          <a:p>
-            <a:pPr algn="ctr"/>
-            <a:endParaRPr lang="en-US"/>
-          </a:p>
-        </p:txBody>
-      </p:sp>
-      <p:sp>
-        <p:nvSpPr>
-          <p:cNvPr id="6" name="Oval 5"/>
-          <p:cNvSpPr/>
-          <p:nvPr/>
-        </p:nvSpPr>
-        <p:spPr>
-          <a:xfrm>
-            <a:off x="1632024" y="3962400"/>
-            <a:ext cx="457200" cy="381000"/>
-          </a:xfrm>
-          <a:prstGeom prst="ellipse">
-            <a:avLst/>
-          </a:prstGeom>
-          <a:solidFill>
-            <a:srgbClr val="FF0000"/>
-          </a:solidFill>
-        </p:spPr>
-        <p:style>
-          <a:lnRef idx="2">
-            <a:schemeClr val="accent1">
-              <a:shade val="50000"/>
-            </a:schemeClr>
-          </a:lnRef>
-          <a:fillRef idx="1">
-            <a:schemeClr val="accent1"/>
-          </a:fillRef>
-          <a:effectRef idx="0">
-            <a:schemeClr val="accent1"/>
-          </a:effectRef>
-          <a:fontRef idx="minor">
-            <a:schemeClr val="lt1"/>
-          </a:fontRef>
-        </p:style>
-        <p:txBody>
-          <a:bodyPr rtlCol="0" anchor="ctr"/>
-          <a:lstStyle/>
-          <a:p>
-            <a:pPr algn="ctr"/>
-            <a:r>
-              <a:rPr lang="en-US" b="1" dirty="0" smtClean="0">
-                <a:solidFill>
-                  <a:schemeClr val="bg1"/>
-                </a:solidFill>
-              </a:rPr>
-              <a:t>1</a:t>
-            </a:r>
-            <a:endParaRPr lang="en-US" b="1" dirty="0">
-              <a:solidFill>
-                <a:schemeClr val="bg1"/>
-              </a:solidFill>
-            </a:endParaRPr>
-          </a:p>
-        </p:txBody>
-      </p:sp>
-      <p:grpSp>
-        <p:nvGrpSpPr>
-          <p:cNvPr id="9" name="Group 8"/>
-          <p:cNvGrpSpPr/>
-          <p:nvPr/>
-        </p:nvGrpSpPr>
-        <p:grpSpPr>
-          <a:xfrm>
-            <a:off x="415752" y="1091566"/>
-            <a:ext cx="8468248" cy="5303520"/>
-            <a:chOff x="336624" y="1170694"/>
-            <a:chExt cx="8468248" cy="5303520"/>
-          </a:xfrm>
-        </p:grpSpPr>
-        <p:pic>
-          <p:nvPicPr>
-            <p:cNvPr id="7" name="Picture 7"/>
-            <p:cNvPicPr>
-              <a:picLocks noChangeArrowheads="1"/>
-            </p:cNvPicPr>
-            <p:nvPr/>
-          </p:nvPicPr>
-          <p:blipFill>
-            <a:blip r:embed="rId2" cstate="print"/>
-            <a:srcRect/>
-            <a:stretch>
-              <a:fillRect/>
-            </a:stretch>
-          </p:blipFill>
-          <p:spPr bwMode="auto">
-            <a:xfrm>
-              <a:off x="346672" y="1170694"/>
-              <a:ext cx="8458200" cy="5303520"/>
-            </a:xfrm>
-            <a:prstGeom prst="rect">
-              <a:avLst/>
-            </a:prstGeom>
-            <a:noFill/>
-            <a:ln w="9525">
-              <a:noFill/>
-              <a:miter lim="800000"/>
-              <a:headEnd/>
-              <a:tailEnd/>
-            </a:ln>
-          </p:spPr>
-        </p:pic>
-        <p:sp>
-          <p:nvSpPr>
-            <p:cNvPr id="8" name="Rounded Rectangular Callout 7"/>
-            <p:cNvSpPr/>
-            <p:nvPr/>
-          </p:nvSpPr>
-          <p:spPr>
-            <a:xfrm>
-              <a:off x="336624" y="5228454"/>
-              <a:ext cx="1600200" cy="1194122"/>
-            </a:xfrm>
-            <a:prstGeom prst="wedgeRoundRectCallout">
-              <a:avLst>
-                <a:gd name="adj1" fmla="val 48905"/>
-                <a:gd name="adj2" fmla="val -119149"/>
-                <a:gd name="adj3" fmla="val 16667"/>
-              </a:avLst>
-            </a:prstGeom>
-          </p:spPr>
-          <p:style>
-            <a:lnRef idx="2">
-              <a:schemeClr val="accent1">
-                <a:shade val="50000"/>
-              </a:schemeClr>
-            </a:lnRef>
-            <a:fillRef idx="1">
-              <a:schemeClr val="accent1"/>
-            </a:fillRef>
-            <a:effectRef idx="0">
-              <a:schemeClr val="accent1"/>
-            </a:effectRef>
-            <a:fontRef idx="minor">
-              <a:schemeClr val="lt1"/>
-            </a:fontRef>
-          </p:style>
-          <p:txBody>
-            <a:bodyPr lIns="0" tIns="0" rIns="0" bIns="0" rtlCol="0" anchor="ctr"/>
-            <a:lstStyle/>
-            <a:p>
-              <a:pPr algn="ctr"/>
-              <a:r>
-                <a:rPr lang="en-US" sz="2000" dirty="0" smtClean="0"/>
-                <a:t>EDMA issues read to shared SRAM.</a:t>
-              </a:r>
-              <a:endParaRPr lang="en-US" sz="2000" dirty="0"/>
-            </a:p>
-          </p:txBody>
-        </p:sp>
-      </p:grpSp>
+          <a:bodyPr/>
+          <a:lstStyle/>
+          <a:p>
+            <a:fld id="{F2394529-A9B3-4A54-83EC-E61379E8334E}" type="slidenum">
+              <a:rPr lang="en-US" smtClean="0"/>
+              <a:pPr/>
+              <a:t>33</a:t>
+            </a:fld>
+            <a:endParaRPr lang="en-US" dirty="0"/>
+          </a:p>
+        </p:txBody>
+      </p:sp>
     </p:spTree>
   </p:cSld>
   <p:clrMapOvr>
@@ -11504,7 +12151,7 @@
         </p:nvGrpSpPr>
         <p:grpSpPr>
           <a:xfrm>
-            <a:off x="415752" y="1091566"/>
+            <a:off x="415752" y="1017826"/>
             <a:ext cx="8468248" cy="5303520"/>
             <a:chOff x="336624" y="1170694"/>
             <a:chExt cx="8468248" cy="5303520"/>
@@ -11948,6 +12595,30 @@
           </p:txBody>
         </p:sp>
       </p:grpSp>
+      <p:sp>
+        <p:nvSpPr>
+          <p:cNvPr id="14" name="Slide Number Placeholder 13"/>
+          <p:cNvSpPr>
+            <a:spLocks noGrp="1"/>
+          </p:cNvSpPr>
+          <p:nvPr>
+            <p:ph type="sldNum" sz="quarter" idx="10"/>
+          </p:nvPr>
+        </p:nvSpPr>
+        <p:spPr/>
+        <p:txBody>
+          <a:bodyPr/>
+          <a:lstStyle/>
+          <a:p>
+            <a:fld id="{F2394529-A9B3-4A54-83EC-E61379E8334E}" type="slidenum">
+              <a:rPr lang="en-US" smtClean="0"/>
+              <a:pPr/>
+              <a:t>34</a:t>
+            </a:fld>
+            <a:endParaRPr lang="en-US" dirty="0"/>
+          </a:p>
+        </p:txBody>
+      </p:sp>
     </p:spTree>
   </p:cSld>
   <p:clrMapOvr>
@@ -12028,7 +12699,7 @@
         </p:nvGrpSpPr>
         <p:grpSpPr>
           <a:xfrm>
-            <a:off x="415752" y="1091566"/>
+            <a:off x="415752" y="1017826"/>
             <a:ext cx="8468248" cy="5303520"/>
             <a:chOff x="336624" y="1170694"/>
             <a:chExt cx="8468248" cy="5303520"/>
@@ -12652,6 +13323,30 @@
           </p:txBody>
         </p:sp>
       </p:grpSp>
+      <p:sp>
+        <p:nvSpPr>
+          <p:cNvPr id="16" name="Slide Number Placeholder 15"/>
+          <p:cNvSpPr>
+            <a:spLocks noGrp="1"/>
+          </p:cNvSpPr>
+          <p:nvPr>
+            <p:ph type="sldNum" sz="quarter" idx="10"/>
+          </p:nvPr>
+        </p:nvSpPr>
+        <p:spPr/>
+        <p:txBody>
+          <a:bodyPr/>
+          <a:lstStyle/>
+          <a:p>
+            <a:fld id="{F2394529-A9B3-4A54-83EC-E61379E8334E}" type="slidenum">
+              <a:rPr lang="en-US" smtClean="0"/>
+              <a:pPr/>
+              <a:t>35</a:t>
+            </a:fld>
+            <a:endParaRPr lang="en-US" dirty="0"/>
+          </a:p>
+        </p:txBody>
+      </p:sp>
     </p:spTree>
   </p:cSld>
   <p:clrMapOvr>
@@ -12732,7 +13427,7 @@
         </p:nvGrpSpPr>
         <p:grpSpPr>
           <a:xfrm>
-            <a:off x="415752" y="1091566"/>
+            <a:off x="415752" y="1017826"/>
             <a:ext cx="8656649" cy="5303520"/>
             <a:chOff x="336624" y="1170694"/>
             <a:chExt cx="8656649" cy="5303520"/>
@@ -13809,6 +14504,8 @@
                   <a:solidFill>
                     <a:srgbClr val="FF0000"/>
                   </a:solidFill>
+                  <a:latin typeface="Calibri" pitchFamily="34" charset="0"/>
+                  <a:cs typeface="Calibri" pitchFamily="34" charset="0"/>
                 </a:rPr>
                 <a:t>Write-invalidate</a:t>
               </a:r>
@@ -13820,6 +14517,8 @@
                   <a:solidFill>
                     <a:srgbClr val="FF0000"/>
                   </a:solidFill>
+                  <a:latin typeface="Calibri" pitchFamily="34" charset="0"/>
+                  <a:cs typeface="Calibri" pitchFamily="34" charset="0"/>
                 </a:rPr>
                 <a:t>Read-snoop for</a:t>
               </a:r>
@@ -13831,6 +14530,8 @@
                   <a:solidFill>
                     <a:srgbClr val="FF0000"/>
                   </a:solidFill>
+                  <a:latin typeface="Calibri" pitchFamily="34" charset="0"/>
+                  <a:cs typeface="Calibri" pitchFamily="34" charset="0"/>
                 </a:rPr>
                 <a:t>DDR3A</a:t>
               </a:r>
@@ -13838,6 +14539,8 @@
                 <a:solidFill>
                   <a:srgbClr val="FF0000"/>
                 </a:solidFill>
+                <a:latin typeface="Calibri" pitchFamily="34" charset="0"/>
+                <a:cs typeface="Calibri" pitchFamily="34" charset="0"/>
               </a:endParaRPr>
             </a:p>
           </p:txBody>
@@ -13870,6 +14573,8 @@
                   <a:solidFill>
                     <a:srgbClr val="0070C0"/>
                   </a:solidFill>
+                  <a:latin typeface="Calibri" pitchFamily="34" charset="0"/>
+                  <a:cs typeface="Calibri" pitchFamily="34" charset="0"/>
                 </a:rPr>
                 <a:t>Write-invalidate</a:t>
               </a:r>
@@ -13881,6 +14586,8 @@
                   <a:solidFill>
                     <a:srgbClr val="0070C0"/>
                   </a:solidFill>
+                  <a:latin typeface="Calibri" pitchFamily="34" charset="0"/>
+                  <a:cs typeface="Calibri" pitchFamily="34" charset="0"/>
                 </a:rPr>
                 <a:t>Read-snoop for MSMC SRAM</a:t>
               </a:r>
@@ -13888,6 +14595,8 @@
                 <a:solidFill>
                   <a:srgbClr val="0070C0"/>
                 </a:solidFill>
+                <a:latin typeface="Calibri" pitchFamily="34" charset="0"/>
+                <a:cs typeface="Calibri" pitchFamily="34" charset="0"/>
               </a:endParaRPr>
             </a:p>
           </p:txBody>
@@ -14078,6 +14787,30 @@
           </p:spPr>
         </p:cxnSp>
       </p:grpSp>
+      <p:sp>
+        <p:nvSpPr>
+          <p:cNvPr id="19" name="Slide Number Placeholder 18"/>
+          <p:cNvSpPr>
+            <a:spLocks noGrp="1"/>
+          </p:cNvSpPr>
+          <p:nvPr>
+            <p:ph type="sldNum" sz="quarter" idx="10"/>
+          </p:nvPr>
+        </p:nvSpPr>
+        <p:spPr/>
+        <p:txBody>
+          <a:bodyPr/>
+          <a:lstStyle/>
+          <a:p>
+            <a:fld id="{F2394529-A9B3-4A54-83EC-E61379E8334E}" type="slidenum">
+              <a:rPr lang="en-US" smtClean="0"/>
+              <a:pPr/>
+              <a:t>37</a:t>
+            </a:fld>
+            <a:endParaRPr lang="en-US" dirty="0"/>
+          </a:p>
+        </p:txBody>
+      </p:sp>
     </p:spTree>
     <p:custDataLst>
       <p:tags r:id="rId1"/>
@@ -14196,6 +14929,30 @@
               <a:rPr lang="en-US" sz="2200" dirty="0" smtClean="0"/>
               <a:t>No IO or DDRB coherency supported by the hardware. </a:t>
             </a:r>
+          </a:p>
+        </p:txBody>
+      </p:sp>
+      <p:sp>
+        <p:nvSpPr>
+          <p:cNvPr id="4" name="Slide Number Placeholder 3"/>
+          <p:cNvSpPr>
+            <a:spLocks noGrp="1"/>
+          </p:cNvSpPr>
+          <p:nvPr>
+            <p:ph type="sldNum" sz="quarter" idx="10"/>
+          </p:nvPr>
+        </p:nvSpPr>
+        <p:spPr/>
+        <p:txBody>
+          <a:bodyPr/>
+          <a:lstStyle/>
+          <a:p>
+            <a:fld id="{F2394529-A9B3-4A54-83EC-E61379E8334E}" type="slidenum">
+              <a:rPr lang="en-US" smtClean="0"/>
+              <a:pPr/>
+              <a:t>38</a:t>
+            </a:fld>
+            <a:endParaRPr lang="en-US" dirty="0"/>
           </a:p>
         </p:txBody>
       </p:sp>
@@ -14352,6 +15109,30 @@
           </a:p>
         </p:txBody>
       </p:sp>
+      <p:sp>
+        <p:nvSpPr>
+          <p:cNvPr id="4" name="Slide Number Placeholder 3"/>
+          <p:cNvSpPr>
+            <a:spLocks noGrp="1"/>
+          </p:cNvSpPr>
+          <p:nvPr>
+            <p:ph type="sldNum" sz="quarter" idx="10"/>
+          </p:nvPr>
+        </p:nvSpPr>
+        <p:spPr/>
+        <p:txBody>
+          <a:bodyPr/>
+          <a:lstStyle/>
+          <a:p>
+            <a:fld id="{F2394529-A9B3-4A54-83EC-E61379E8334E}" type="slidenum">
+              <a:rPr lang="en-US" smtClean="0"/>
+              <a:pPr/>
+              <a:t>39</a:t>
+            </a:fld>
+            <a:endParaRPr lang="en-US" dirty="0"/>
+          </a:p>
+        </p:txBody>
+      </p:sp>
     </p:spTree>
     <p:custDataLst>
       <p:tags r:id="rId1"/>
@@ -14438,8 +15219,8 @@
         </p:nvSpPr>
         <p:spPr>
           <a:xfrm>
-            <a:off x="435784" y="76200"/>
-            <a:ext cx="8229600" cy="762000"/>
+            <a:off x="464574" y="76200"/>
+            <a:ext cx="8178688" cy="762000"/>
           </a:xfrm>
         </p:spPr>
         <p:txBody>
@@ -14451,8 +15232,12 @@
               <a:t> </a:t>
             </a:r>
             <a:r>
-              <a:rPr lang="en-US" sz="4000" dirty="0" smtClean="0"/>
-              <a:t>KeyStone II and ARM CorePac</a:t>
+              <a:rPr lang="en-US" sz="4000" dirty="0" smtClean="0">
+                <a:solidFill>
+                  <a:srgbClr val="DE0000"/>
+                </a:solidFill>
+              </a:rPr>
+              <a:t>KeyStone II and ARM CorePac (1/2)</a:t>
             </a:r>
           </a:p>
         </p:txBody>
@@ -14469,7 +15254,7 @@
         </p:nvSpPr>
         <p:spPr>
           <a:xfrm>
-            <a:off x="5400672" y="992147"/>
+            <a:off x="5400672" y="844667"/>
             <a:ext cx="3743328" cy="4862513"/>
           </a:xfrm>
         </p:spPr>
@@ -14619,7 +15404,7 @@
         </p:blipFill>
         <p:spPr>
           <a:xfrm>
-            <a:off x="0" y="1013614"/>
+            <a:off x="0" y="866134"/>
             <a:ext cx="5337059" cy="5446787"/>
           </a:xfrm>
           <a:prstGeom prst="rect">
@@ -14627,6 +15412,44 @@
           </a:prstGeom>
         </p:spPr>
       </p:pic>
+      <p:sp>
+        <p:nvSpPr>
+          <p:cNvPr id="6" name="Slide Number Placeholder 3"/>
+          <p:cNvSpPr>
+            <a:spLocks noGrp="1"/>
+          </p:cNvSpPr>
+          <p:nvPr>
+            <p:ph type="sldNum" sz="quarter" idx="4294967295"/>
+          </p:nvPr>
+        </p:nvSpPr>
+        <p:spPr>
+          <a:xfrm>
+            <a:off x="6642100" y="6038850"/>
+            <a:ext cx="2133600" cy="206375"/>
+          </a:xfrm>
+          <a:prstGeom prst="rect">
+            <a:avLst/>
+          </a:prstGeom>
+        </p:spPr>
+        <p:txBody>
+          <a:bodyPr/>
+          <a:lstStyle/>
+          <a:p>
+            <a:fld id="{F2394529-A9B3-4A54-83EC-E61379E8334E}" type="slidenum">
+              <a:rPr lang="en-US" sz="800" smtClean="0">
+                <a:latin typeface="Calibri" pitchFamily="34" charset="0"/>
+                <a:cs typeface="Calibri" pitchFamily="34" charset="0"/>
+              </a:rPr>
+              <a:pPr/>
+              <a:t>4</a:t>
+            </a:fld>
+            <a:endParaRPr lang="en-US" sz="800" dirty="0">
+              <a:latin typeface="Calibri" pitchFamily="34" charset="0"/>
+              <a:cs typeface="Calibri" pitchFamily="34" charset="0"/>
+            </a:endParaRPr>
+          </a:p>
+        </p:txBody>
+      </p:sp>
     </p:spTree>
     <p:custDataLst>
       <p:tags r:id="rId1"/>
@@ -14741,6 +15564,30 @@
           </a:p>
         </p:txBody>
       </p:sp>
+      <p:sp>
+        <p:nvSpPr>
+          <p:cNvPr id="4" name="Slide Number Placeholder 3"/>
+          <p:cNvSpPr>
+            <a:spLocks noGrp="1"/>
+          </p:cNvSpPr>
+          <p:nvPr>
+            <p:ph type="sldNum" sz="quarter" idx="10"/>
+          </p:nvPr>
+        </p:nvSpPr>
+        <p:spPr/>
+        <p:txBody>
+          <a:bodyPr/>
+          <a:lstStyle/>
+          <a:p>
+            <a:fld id="{F2394529-A9B3-4A54-83EC-E61379E8334E}" type="slidenum">
+              <a:rPr lang="en-US" smtClean="0"/>
+              <a:pPr/>
+              <a:t>40</a:t>
+            </a:fld>
+            <a:endParaRPr lang="en-US" dirty="0"/>
+          </a:p>
+        </p:txBody>
+      </p:sp>
     </p:spTree>
     <p:custDataLst>
       <p:tags r:id="rId1"/>
@@ -14784,80 +15631,40 @@
             <a:spLocks noGrp="1"/>
           </p:cNvSpPr>
           <p:nvPr>
-            <p:ph type="title"/>
+            <p:ph type="ctrTitle"/>
           </p:nvPr>
         </p:nvSpPr>
         <p:spPr/>
         <p:txBody>
-          <a:bodyPr>
-            <a:normAutofit/>
-          </a:bodyPr>
-          <a:lstStyle/>
-          <a:p>
-            <a:r>
-              <a:rPr lang="en-US" sz="4000" dirty="0" smtClean="0"/>
+          <a:bodyPr/>
+          <a:lstStyle/>
+          <a:p>
+            <a:r>
+              <a:rPr lang="en-US" dirty="0" smtClean="0"/>
               <a:t>Benchmarks</a:t>
             </a:r>
-            <a:endParaRPr lang="en-US" sz="4000" dirty="0"/>
-          </a:p>
-        </p:txBody>
-      </p:sp>
-      <p:sp>
-        <p:nvSpPr>
-          <p:cNvPr id="3" name="Content Placeholder 2"/>
+            <a:endParaRPr lang="en-US" dirty="0"/>
+          </a:p>
+        </p:txBody>
+      </p:sp>
+      <p:sp>
+        <p:nvSpPr>
+          <p:cNvPr id="3" name="Subtitle 2"/>
           <p:cNvSpPr>
             <a:spLocks noGrp="1"/>
           </p:cNvSpPr>
           <p:nvPr>
-            <p:ph idx="1"/>
+            <p:ph type="subTitle" idx="1"/>
           </p:nvPr>
         </p:nvSpPr>
         <p:spPr/>
         <p:txBody>
-          <a:bodyPr>
-            <a:normAutofit/>
-          </a:bodyPr>
+          <a:bodyPr/>
           <a:lstStyle/>
           <a:p>
             <a:r>
               <a:rPr lang="en-US" dirty="0" smtClean="0"/>
-              <a:t>ARM CorePac in KeyStone II</a:t>
-            </a:r>
-          </a:p>
-          <a:p>
-            <a:r>
-              <a:rPr lang="en-US" dirty="0" smtClean="0"/>
-              <a:t>ARM Cortex A-15 Features</a:t>
-            </a:r>
-          </a:p>
-          <a:p>
-            <a:r>
-              <a:rPr lang="en-US" dirty="0" smtClean="0"/>
-              <a:t>Interface to the SOC and Coherency Issues</a:t>
-            </a:r>
-          </a:p>
-          <a:p>
-            <a:r>
-              <a:rPr lang="en-US" b="1" dirty="0" smtClean="0"/>
-              <a:t>Benchmarks</a:t>
-            </a:r>
-          </a:p>
-          <a:p>
-            <a:r>
-              <a:rPr lang="en-US" dirty="0" smtClean="0"/>
-              <a:t>Interrupt Controller</a:t>
-            </a:r>
-          </a:p>
-          <a:p>
-            <a:r>
-              <a:rPr lang="en-US" dirty="0" smtClean="0"/>
-              <a:t>Power Management</a:t>
-            </a:r>
-          </a:p>
-          <a:p>
-            <a:r>
-              <a:rPr lang="en-US" dirty="0" smtClean="0"/>
-              <a:t>Debug and Trace</a:t>
+              <a:t>ARM Cortex A-15 CorePac Overview</a:t>
             </a:r>
           </a:p>
           <a:p>
@@ -14870,6 +15677,9 @@
   <p:clrMapOvr>
     <a:masterClrMapping/>
   </p:clrMapOvr>
+  <p:transition spd="med">
+    <p:fade/>
+  </p:transition>
 </p:sld>
 </file>
 
@@ -14976,6 +15786,30 @@
           </a:p>
           <a:p>
             <a:endParaRPr lang="en-US" sz="1800" dirty="0" smtClean="0"/>
+          </a:p>
+        </p:txBody>
+      </p:sp>
+      <p:sp>
+        <p:nvSpPr>
+          <p:cNvPr id="4" name="Slide Number Placeholder 3"/>
+          <p:cNvSpPr>
+            <a:spLocks noGrp="1"/>
+          </p:cNvSpPr>
+          <p:nvPr>
+            <p:ph type="sldNum" sz="quarter" idx="10"/>
+          </p:nvPr>
+        </p:nvSpPr>
+        <p:spPr/>
+        <p:txBody>
+          <a:bodyPr/>
+          <a:lstStyle/>
+          <a:p>
+            <a:fld id="{F2394529-A9B3-4A54-83EC-E61379E8334E}" type="slidenum">
+              <a:rPr lang="en-US" smtClean="0"/>
+              <a:pPr/>
+              <a:t>42</a:t>
+            </a:fld>
+            <a:endParaRPr lang="en-US" dirty="0"/>
           </a:p>
         </p:txBody>
       </p:sp>
@@ -15022,8 +15856,8 @@
         </p:nvSpPr>
         <p:spPr>
           <a:xfrm>
-            <a:off x="52752" y="6356834"/>
-            <a:ext cx="8976946" cy="461665"/>
+            <a:off x="0" y="6223820"/>
+            <a:ext cx="9029698" cy="594680"/>
           </a:xfrm>
           <a:prstGeom prst="rect">
             <a:avLst/>
@@ -15034,7 +15868,7 @@
         </p:spPr>
         <p:txBody>
           <a:bodyPr wrap="square" rtlCol="0">
-            <a:spAutoFit/>
+            <a:noAutofit/>
           </a:bodyPr>
           <a:lstStyle/>
           <a:p>
@@ -15639,8 +16473,8 @@
         </p:nvSpPr>
         <p:spPr>
           <a:xfrm>
-            <a:off x="5993388" y="807863"/>
-            <a:ext cx="3132499" cy="3924151"/>
+            <a:off x="5993388" y="955343"/>
+            <a:ext cx="3132499" cy="3647152"/>
           </a:xfrm>
           <a:prstGeom prst="rect">
             <a:avLst/>
@@ -15661,15 +16495,21 @@
               <a:buChar char="•"/>
             </a:pPr>
             <a:r>
-              <a:rPr lang="en-US" sz="1800" dirty="0" smtClean="0"/>
+              <a:rPr lang="en-US" sz="1800" dirty="0" smtClean="0">
+                <a:latin typeface="+mn-lt"/>
+              </a:rPr>
               <a:t>The STREAM benchmark is the </a:t>
             </a:r>
             <a:r>
-              <a:rPr lang="en-US" sz="1800" i="1" dirty="0" smtClean="0"/>
+              <a:rPr lang="en-US" sz="1800" i="1" dirty="0" smtClean="0">
+                <a:latin typeface="+mn-lt"/>
+              </a:rPr>
               <a:t>de facto</a:t>
             </a:r>
             <a:r>
-              <a:rPr lang="en-US" sz="1800" dirty="0" smtClean="0"/>
+              <a:rPr lang="en-US" sz="1800" dirty="0" smtClean="0">
+                <a:latin typeface="+mn-lt"/>
+              </a:rPr>
               <a:t> industry standard benchmark for measurements of computer memory bandwidth.</a:t>
             </a:r>
           </a:p>
@@ -15682,7 +16522,9 @@
               <a:buChar char="•"/>
             </a:pPr>
             <a:r>
-              <a:rPr lang="en-US" sz="1800" dirty="0" smtClean="0"/>
+              <a:rPr lang="en-US" sz="1800" dirty="0" smtClean="0">
+                <a:latin typeface="+mn-lt"/>
+              </a:rPr>
               <a:t>DDR3-1600 theoretical throughput is 12.8 GB/s</a:t>
             </a:r>
           </a:p>
@@ -15695,7 +16537,9 @@
               <a:buChar char="•"/>
             </a:pPr>
             <a:r>
-              <a:rPr lang="en-US" sz="1800" dirty="0" smtClean="0"/>
+              <a:rPr lang="en-US" sz="1800" dirty="0" smtClean="0">
+                <a:latin typeface="+mn-lt"/>
+              </a:rPr>
               <a:t>~30% to ~50% achieved</a:t>
             </a:r>
           </a:p>
@@ -15708,10 +16552,38 @@
               <a:buChar char="•"/>
             </a:pPr>
             <a:r>
-              <a:rPr lang="en-US" sz="1800" dirty="0" smtClean="0"/>
+              <a:rPr lang="en-US" sz="1800" dirty="0" smtClean="0">
+                <a:latin typeface="+mn-lt"/>
+              </a:rPr>
               <a:t>Physical placement of arrays is critical; Linux virtual memory with 4kB pages is good.</a:t>
             </a:r>
-            <a:endParaRPr lang="en-US" sz="1800" dirty="0"/>
+            <a:endParaRPr lang="en-US" sz="1800" dirty="0">
+              <a:latin typeface="+mn-lt"/>
+            </a:endParaRPr>
+          </a:p>
+        </p:txBody>
+      </p:sp>
+      <p:sp>
+        <p:nvSpPr>
+          <p:cNvPr id="8" name="Slide Number Placeholder 7"/>
+          <p:cNvSpPr>
+            <a:spLocks noGrp="1"/>
+          </p:cNvSpPr>
+          <p:nvPr>
+            <p:ph type="sldNum" sz="quarter" idx="10"/>
+          </p:nvPr>
+        </p:nvSpPr>
+        <p:spPr/>
+        <p:txBody>
+          <a:bodyPr/>
+          <a:lstStyle/>
+          <a:p>
+            <a:fld id="{F2394529-A9B3-4A54-83EC-E61379E8334E}" type="slidenum">
+              <a:rPr lang="en-US" smtClean="0"/>
+              <a:pPr/>
+              <a:t>43</a:t>
+            </a:fld>
+            <a:endParaRPr lang="en-US" dirty="0"/>
           </a:p>
         </p:txBody>
       </p:sp>
@@ -15754,81 +16626,43 @@
             <a:spLocks noGrp="1"/>
           </p:cNvSpPr>
           <p:nvPr>
-            <p:ph type="title"/>
+            <p:ph type="ctrTitle"/>
           </p:nvPr>
         </p:nvSpPr>
         <p:spPr/>
         <p:txBody>
-          <a:bodyPr>
-            <a:normAutofit/>
-          </a:bodyPr>
-          <a:lstStyle/>
-          <a:p>
-            <a:r>
-              <a:rPr lang="en-US" sz="4000" dirty="0" smtClean="0"/>
+          <a:bodyPr/>
+          <a:lstStyle/>
+          <a:p>
+            <a:r>
+              <a:rPr lang="en-US" dirty="0" smtClean="0"/>
               <a:t>Interrupt Controller</a:t>
             </a:r>
-            <a:endParaRPr lang="en-US" sz="4000" dirty="0"/>
-          </a:p>
-        </p:txBody>
-      </p:sp>
-      <p:sp>
-        <p:nvSpPr>
-          <p:cNvPr id="3" name="Content Placeholder 2"/>
+            <a:endParaRPr lang="en-US" dirty="0"/>
+          </a:p>
+        </p:txBody>
+      </p:sp>
+      <p:sp>
+        <p:nvSpPr>
+          <p:cNvPr id="3" name="Subtitle 2"/>
           <p:cNvSpPr>
             <a:spLocks noGrp="1"/>
           </p:cNvSpPr>
           <p:nvPr>
-            <p:ph idx="1"/>
+            <p:ph type="subTitle" idx="1"/>
           </p:nvPr>
         </p:nvSpPr>
         <p:spPr/>
         <p:txBody>
-          <a:bodyPr>
-            <a:normAutofit/>
-          </a:bodyPr>
+          <a:bodyPr/>
           <a:lstStyle/>
           <a:p>
             <a:r>
               <a:rPr lang="en-US" dirty="0" smtClean="0"/>
-              <a:t>ARM CorePac in KeyStone II</a:t>
-            </a:r>
-          </a:p>
-          <a:p>
-            <a:r>
-              <a:rPr lang="en-US" dirty="0" smtClean="0"/>
-              <a:t>ARM Cortex A-15 Features</a:t>
-            </a:r>
-          </a:p>
-          <a:p>
-            <a:r>
-              <a:rPr lang="en-US" dirty="0" smtClean="0"/>
-              <a:t>Interface to the SOC and Coherency Issues</a:t>
-            </a:r>
-          </a:p>
-          <a:p>
-            <a:r>
-              <a:rPr lang="en-US" dirty="0" smtClean="0"/>
-              <a:t>Benchmarks</a:t>
-            </a:r>
-          </a:p>
-          <a:p>
-            <a:r>
-              <a:rPr lang="en-US" b="1" dirty="0" smtClean="0"/>
-              <a:t>Interrupt Controller</a:t>
-            </a:r>
-          </a:p>
-          <a:p>
-            <a:r>
-              <a:rPr lang="en-US" dirty="0" smtClean="0"/>
-              <a:t>Power Management</a:t>
-            </a:r>
-          </a:p>
-          <a:p>
-            <a:r>
-              <a:rPr lang="en-US" dirty="0" smtClean="0"/>
-              <a:t>Debug and Trace</a:t>
-            </a:r>
+              <a:t>ARM Cortex A-15 CorePac Overview</a:t>
+            </a:r>
+          </a:p>
+          <a:p>
             <a:endParaRPr lang="en-US" dirty="0"/>
           </a:p>
         </p:txBody>
@@ -15838,6 +16672,9 @@
   <p:clrMapOvr>
     <a:masterClrMapping/>
   </p:clrMapOvr>
+  <p:transition spd="med">
+    <p:fade/>
+  </p:transition>
 </p:sld>
 </file>
 
@@ -15879,7 +16716,11 @@
           <a:lstStyle/>
           <a:p>
             <a:r>
-              <a:rPr lang="en-US" altLang="ko-KR" sz="3600" dirty="0" smtClean="0"/>
+              <a:rPr lang="en-US" altLang="ko-KR" sz="3600" dirty="0" smtClean="0">
+                <a:solidFill>
+                  <a:srgbClr val="DE0000"/>
+                </a:solidFill>
+              </a:rPr>
               <a:t>Purpose of Interrupt Controller</a:t>
             </a:r>
           </a:p>
@@ -15938,6 +16779,30 @@
               <a:rPr lang="en-US" altLang="ko-KR" sz="2800" dirty="0" smtClean="0"/>
               <a:t>Tracking the status of interrupt</a:t>
             </a:r>
+          </a:p>
+        </p:txBody>
+      </p:sp>
+      <p:sp>
+        <p:nvSpPr>
+          <p:cNvPr id="4" name="Slide Number Placeholder 3"/>
+          <p:cNvSpPr>
+            <a:spLocks noGrp="1"/>
+          </p:cNvSpPr>
+          <p:nvPr>
+            <p:ph type="sldNum" sz="quarter" idx="10"/>
+          </p:nvPr>
+        </p:nvSpPr>
+        <p:spPr/>
+        <p:txBody>
+          <a:bodyPr/>
+          <a:lstStyle/>
+          <a:p>
+            <a:fld id="{F2394529-A9B3-4A54-83EC-E61379E8334E}" type="slidenum">
+              <a:rPr lang="en-US" smtClean="0"/>
+              <a:pPr/>
+              <a:t>45</a:t>
+            </a:fld>
+            <a:endParaRPr lang="en-US" dirty="0"/>
           </a:p>
         </p:txBody>
       </p:sp>
@@ -16031,7 +16896,11 @@
           <a:lstStyle/>
           <a:p>
             <a:r>
-              <a:rPr lang="en-US" altLang="ko-KR" sz="3600" dirty="0" smtClean="0"/>
+              <a:rPr lang="en-US" altLang="ko-KR" sz="3600" dirty="0" smtClean="0">
+                <a:solidFill>
+                  <a:srgbClr val="DE0000"/>
+                </a:solidFill>
+              </a:rPr>
               <a:t>GIC-400 (ARM Generic Interrupt Controller)</a:t>
             </a:r>
           </a:p>
@@ -16065,9 +16934,7 @@
               </a:spcBef>
             </a:pPr>
             <a:r>
-              <a:rPr lang="en-US" altLang="ko-KR" sz="2000" kern="1200" dirty="0" smtClean="0">
-                <a:latin typeface="Arial" pitchFamily="34" charset="0"/>
-              </a:rPr>
+              <a:rPr lang="en-US" altLang="ko-KR" sz="2000" kern="1200" dirty="0" smtClean="0"/>
               <a:t>Event sources:</a:t>
             </a:r>
           </a:p>
@@ -16078,9 +16945,7 @@
               </a:spcBef>
             </a:pPr>
             <a:r>
-              <a:rPr lang="en-US" altLang="ko-KR" sz="2000" kern="1200" dirty="0" smtClean="0">
-                <a:latin typeface="Arial" pitchFamily="34" charset="0"/>
-              </a:rPr>
+              <a:rPr lang="en-US" altLang="ko-KR" sz="2000" kern="1200" dirty="0" smtClean="0"/>
               <a:t>Various IP and peripherals</a:t>
             </a:r>
           </a:p>
@@ -16091,9 +16956,7 @@
               </a:spcBef>
             </a:pPr>
             <a:r>
-              <a:rPr lang="en-US" altLang="ko-KR" sz="2000" kern="1200" dirty="0" smtClean="0">
-                <a:latin typeface="Arial" pitchFamily="34" charset="0"/>
-              </a:rPr>
+              <a:rPr lang="en-US" altLang="ko-KR" sz="2000" kern="1200" dirty="0" smtClean="0"/>
               <a:t>Software generated (SGI) by ARM core</a:t>
             </a:r>
           </a:p>
@@ -16104,9 +16967,7 @@
               </a:spcBef>
             </a:pPr>
             <a:r>
-              <a:rPr lang="en-US" altLang="ko-KR" sz="2000" kern="1200" dirty="0" smtClean="0">
-                <a:latin typeface="Arial" pitchFamily="34" charset="0"/>
-              </a:rPr>
+              <a:rPr lang="en-US" altLang="ko-KR" sz="2000" kern="1200" dirty="0" smtClean="0"/>
               <a:t>Signal over the AXI interface</a:t>
             </a:r>
           </a:p>
@@ -16117,9 +16978,7 @@
               </a:spcBef>
             </a:pPr>
             <a:r>
-              <a:rPr lang="en-US" altLang="ko-KR" sz="2000" kern="1200" dirty="0" smtClean="0">
-                <a:latin typeface="Arial" pitchFamily="34" charset="0"/>
-              </a:rPr>
+              <a:rPr lang="en-US" altLang="ko-KR" sz="2000" kern="1200" dirty="0" smtClean="0"/>
               <a:t>Virtual and physical interrupts</a:t>
             </a:r>
           </a:p>
@@ -16130,11 +16989,33 @@
               </a:spcBef>
             </a:pPr>
             <a:r>
-              <a:rPr lang="en-US" altLang="ko-KR" sz="2000" kern="1200" dirty="0" smtClean="0">
-                <a:latin typeface="Arial" pitchFamily="34" charset="0"/>
-              </a:rPr>
+              <a:rPr lang="en-US" altLang="ko-KR" sz="2000" kern="1200" dirty="0" smtClean="0"/>
               <a:t>Distribution and CPU interfaces</a:t>
             </a:r>
+          </a:p>
+        </p:txBody>
+      </p:sp>
+      <p:sp>
+        <p:nvSpPr>
+          <p:cNvPr id="6" name="Slide Number Placeholder 5"/>
+          <p:cNvSpPr>
+            <a:spLocks noGrp="1"/>
+          </p:cNvSpPr>
+          <p:nvPr>
+            <p:ph type="sldNum" sz="quarter" idx="10"/>
+          </p:nvPr>
+        </p:nvSpPr>
+        <p:spPr/>
+        <p:txBody>
+          <a:bodyPr/>
+          <a:lstStyle/>
+          <a:p>
+            <a:fld id="{F2394529-A9B3-4A54-83EC-E61379E8334E}" type="slidenum">
+              <a:rPr lang="en-US" smtClean="0"/>
+              <a:pPr/>
+              <a:t>46</a:t>
+            </a:fld>
+            <a:endParaRPr lang="en-US" dirty="0"/>
           </a:p>
         </p:txBody>
       </p:sp>
@@ -16191,14 +17072,26 @@
           <a:lstStyle/>
           <a:p>
             <a:r>
-              <a:rPr lang="en-US" altLang="ko-KR" sz="3600" dirty="0" smtClean="0"/>
+              <a:rPr lang="en-US" altLang="ko-KR" sz="3600" dirty="0" smtClean="0">
+                <a:solidFill>
+                  <a:srgbClr val="DE0000"/>
+                </a:solidFill>
+              </a:rPr>
               <a:t>GIC-400 Interrupt Controller</a:t>
             </a:r>
             <a:br>
-              <a:rPr lang="en-US" altLang="ko-KR" sz="3600" dirty="0" smtClean="0"/>
+              <a:rPr lang="en-US" altLang="ko-KR" sz="3600" dirty="0" smtClean="0">
+                <a:solidFill>
+                  <a:srgbClr val="DE0000"/>
+                </a:solidFill>
+              </a:rPr>
             </a:br>
             <a:r>
-              <a:rPr lang="en-US" altLang="ko-KR" sz="3600" dirty="0" smtClean="0"/>
+              <a:rPr lang="en-US" altLang="ko-KR" sz="3600" dirty="0" smtClean="0">
+                <a:solidFill>
+                  <a:srgbClr val="DE0000"/>
+                </a:solidFill>
+              </a:rPr>
               <a:t>Distributor Side</a:t>
             </a:r>
           </a:p>
@@ -16278,6 +17171,30 @@
               <a:rPr lang="en-US" altLang="ko-KR" sz="2200" dirty="0" smtClean="0"/>
               <a:t>Note – These are banked ID, meaning, same ID for different interrupts (for different CPU)</a:t>
             </a:r>
+          </a:p>
+        </p:txBody>
+      </p:sp>
+      <p:sp>
+        <p:nvSpPr>
+          <p:cNvPr id="4" name="Slide Number Placeholder 3"/>
+          <p:cNvSpPr>
+            <a:spLocks noGrp="1"/>
+          </p:cNvSpPr>
+          <p:nvPr>
+            <p:ph type="sldNum" sz="quarter" idx="10"/>
+          </p:nvPr>
+        </p:nvSpPr>
+        <p:spPr/>
+        <p:txBody>
+          <a:bodyPr/>
+          <a:lstStyle/>
+          <a:p>
+            <a:fld id="{F2394529-A9B3-4A54-83EC-E61379E8334E}" type="slidenum">
+              <a:rPr lang="en-US" smtClean="0"/>
+              <a:pPr/>
+              <a:t>47</a:t>
+            </a:fld>
+            <a:endParaRPr lang="en-US" dirty="0"/>
           </a:p>
         </p:txBody>
       </p:sp>
@@ -16335,14 +17252,26 @@
           <a:lstStyle/>
           <a:p>
             <a:r>
-              <a:rPr lang="en-US" altLang="ko-KR" sz="3600" dirty="0" smtClean="0"/>
+              <a:rPr lang="en-US" altLang="ko-KR" sz="3600" dirty="0" smtClean="0">
+                <a:solidFill>
+                  <a:srgbClr val="DE0000"/>
+                </a:solidFill>
+              </a:rPr>
               <a:t>GIC-400 Interrupt Controller</a:t>
             </a:r>
             <a:br>
-              <a:rPr lang="en-US" altLang="ko-KR" sz="3600" dirty="0" smtClean="0"/>
+              <a:rPr lang="en-US" altLang="ko-KR" sz="3600" dirty="0" smtClean="0">
+                <a:solidFill>
+                  <a:srgbClr val="DE0000"/>
+                </a:solidFill>
+              </a:rPr>
             </a:br>
             <a:r>
-              <a:rPr lang="en-US" altLang="ko-KR" sz="3600" dirty="0" smtClean="0"/>
+              <a:rPr lang="en-US" altLang="ko-KR" sz="3600" dirty="0" smtClean="0">
+                <a:solidFill>
+                  <a:srgbClr val="DE0000"/>
+                </a:solidFill>
+              </a:rPr>
               <a:t>CPU Interface</a:t>
             </a:r>
           </a:p>
@@ -16415,6 +17344,30 @@
               <a:rPr lang="en-US" altLang="ko-KR" sz="2400" dirty="0" smtClean="0"/>
               <a:t>Status of interrupt is changing from pending to active or active pending, enable other interrupts </a:t>
             </a:r>
+          </a:p>
+        </p:txBody>
+      </p:sp>
+      <p:sp>
+        <p:nvSpPr>
+          <p:cNvPr id="4" name="Slide Number Placeholder 3"/>
+          <p:cNvSpPr>
+            <a:spLocks noGrp="1"/>
+          </p:cNvSpPr>
+          <p:nvPr>
+            <p:ph type="sldNum" sz="quarter" idx="10"/>
+          </p:nvPr>
+        </p:nvSpPr>
+        <p:spPr/>
+        <p:txBody>
+          <a:bodyPr/>
+          <a:lstStyle/>
+          <a:p>
+            <a:fld id="{F2394529-A9B3-4A54-83EC-E61379E8334E}" type="slidenum">
+              <a:rPr lang="en-US" smtClean="0"/>
+              <a:pPr/>
+              <a:t>48</a:t>
+            </a:fld>
+            <a:endParaRPr lang="en-US" dirty="0"/>
           </a:p>
         </p:txBody>
       </p:sp>
@@ -16472,7 +17425,11 @@
           <a:lstStyle/>
           <a:p>
             <a:r>
-              <a:rPr lang="en-US" altLang="ko-KR" sz="3600" dirty="0" smtClean="0"/>
+              <a:rPr lang="en-US" altLang="ko-KR" sz="3600" dirty="0" smtClean="0">
+                <a:solidFill>
+                  <a:srgbClr val="DE0000"/>
+                </a:solidFill>
+              </a:rPr>
               <a:t>GIC400 in KeyStone II</a:t>
             </a:r>
           </a:p>
@@ -16528,6 +17485,30 @@
           </a:graphicData>
         </a:graphic>
       </p:graphicFrame>
+      <p:sp>
+        <p:nvSpPr>
+          <p:cNvPr id="5" name="Slide Number Placeholder 4"/>
+          <p:cNvSpPr>
+            <a:spLocks noGrp="1"/>
+          </p:cNvSpPr>
+          <p:nvPr>
+            <p:ph type="sldNum" sz="quarter" idx="10"/>
+          </p:nvPr>
+        </p:nvSpPr>
+        <p:spPr/>
+        <p:txBody>
+          <a:bodyPr/>
+          <a:lstStyle/>
+          <a:p>
+            <a:fld id="{F2394529-A9B3-4A54-83EC-E61379E8334E}" type="slidenum">
+              <a:rPr lang="en-US" smtClean="0"/>
+              <a:pPr/>
+              <a:t>49</a:t>
+            </a:fld>
+            <a:endParaRPr lang="en-US" dirty="0"/>
+          </a:p>
+        </p:txBody>
+      </p:sp>
     </p:spTree>
   </p:cSld>
   <p:clrMapOvr>
@@ -16547,6 +17528,14 @@
 <file path=ppt/slides/slide5.xml><?xml version="1.0" encoding="utf-8"?>
 <p:sld xmlns:a="http://schemas.openxmlformats.org/drawingml/2006/main" xmlns:r="http://schemas.openxmlformats.org/officeDocument/2006/relationships" xmlns:p="http://schemas.openxmlformats.org/presentationml/2006/main">
   <p:cSld>
+    <p:bg>
+      <p:bgPr>
+        <a:solidFill>
+          <a:schemeClr val="bg1"/>
+        </a:solidFill>
+        <a:effectLst/>
+      </p:bgPr>
+    </p:bg>
     <p:spTree>
       <p:nvGrpSpPr>
         <p:cNvPr id="1" name=""/>
@@ -16612,7 +17601,7 @@
         </p:nvSpPr>
         <p:spPr>
           <a:xfrm>
-            <a:off x="435784" y="76200"/>
+            <a:off x="457188" y="76200"/>
             <a:ext cx="8229600" cy="762000"/>
           </a:xfrm>
         </p:spPr>
@@ -16625,8 +17614,12 @@
               <a:t> </a:t>
             </a:r>
             <a:r>
-              <a:rPr lang="en-US" sz="4000" dirty="0" smtClean="0"/>
-              <a:t>KeyStone II and ARM CorePac (2)</a:t>
+              <a:rPr lang="en-US" sz="4000" dirty="0" smtClean="0">
+                <a:solidFill>
+                  <a:srgbClr val="DE0000"/>
+                </a:solidFill>
+              </a:rPr>
+              <a:t>KeyStone II and ARM CorePac (2/2)</a:t>
             </a:r>
           </a:p>
         </p:txBody>
@@ -16643,8 +17636,8 @@
         </p:nvSpPr>
         <p:spPr>
           <a:xfrm>
-            <a:off x="5400672" y="992147"/>
-            <a:ext cx="3743328" cy="4862513"/>
+            <a:off x="5400675" y="844550"/>
+            <a:ext cx="3743325" cy="4862513"/>
           </a:xfrm>
         </p:spPr>
         <p:txBody>
@@ -16745,19 +17738,19 @@
           </p:cNvPicPr>
           <p:nvPr>
             <p:custDataLst>
-              <p:tags r:id="rId2"/>
+              <p:tags r:id="rId3"/>
             </p:custDataLst>
           </p:nvPr>
         </p:nvPicPr>
         <p:blipFill>
-          <a:blip r:embed="rId5" cstate="print"/>
+          <a:blip r:embed="rId6" cstate="print"/>
           <a:stretch>
             <a:fillRect/>
           </a:stretch>
         </p:blipFill>
         <p:spPr>
           <a:xfrm>
-            <a:off x="0" y="1013614"/>
+            <a:off x="0" y="866134"/>
             <a:ext cx="5337059" cy="5446787"/>
           </a:xfrm>
           <a:prstGeom prst="rect">
@@ -16765,9 +17758,47 @@
           </a:prstGeom>
         </p:spPr>
       </p:pic>
+      <p:sp>
+        <p:nvSpPr>
+          <p:cNvPr id="6" name="Slide Number Placeholder 3"/>
+          <p:cNvSpPr>
+            <a:spLocks noGrp="1"/>
+          </p:cNvSpPr>
+          <p:nvPr>
+            <p:ph type="sldNum" sz="quarter" idx="4294967295"/>
+          </p:nvPr>
+        </p:nvSpPr>
+        <p:spPr>
+          <a:xfrm>
+            <a:off x="6642100" y="6038850"/>
+            <a:ext cx="2133600" cy="206375"/>
+          </a:xfrm>
+          <a:prstGeom prst="rect">
+            <a:avLst/>
+          </a:prstGeom>
+        </p:spPr>
+        <p:txBody>
+          <a:bodyPr/>
+          <a:lstStyle/>
+          <a:p>
+            <a:fld id="{F2394529-A9B3-4A54-83EC-E61379E8334E}" type="slidenum">
+              <a:rPr lang="en-US" sz="800" smtClean="0">
+                <a:latin typeface="Calibri" pitchFamily="34" charset="0"/>
+                <a:cs typeface="Calibri" pitchFamily="34" charset="0"/>
+              </a:rPr>
+              <a:pPr/>
+              <a:t>5</a:t>
+            </a:fld>
+            <a:endParaRPr lang="en-US" sz="800" dirty="0">
+              <a:latin typeface="Calibri" pitchFamily="34" charset="0"/>
+              <a:cs typeface="Calibri" pitchFamily="34" charset="0"/>
+            </a:endParaRPr>
+          </a:p>
+        </p:txBody>
+      </p:sp>
     </p:spTree>
     <p:custDataLst>
-      <p:tags r:id="rId1"/>
+      <p:tags r:id="rId2"/>
     </p:custDataLst>
     <p:extLst>
       <p:ext uri="{BB962C8B-B14F-4D97-AF65-F5344CB8AC3E}">
@@ -16776,7 +17807,7 @@
     </p:extLst>
   </p:cSld>
   <p:clrMapOvr>
-    <a:masterClrMapping/>
+    <a:overrideClrMapping bg1="lt1" tx1="dk1" bg2="lt2" tx2="dk2" accent1="accent1" accent2="accent2" accent3="accent3" accent4="accent4" accent5="accent5" accent6="accent6" hlink="hlink" folHlink="folHlink"/>
   </p:clrMapOvr>
   <p:timing>
     <p:tnLst>
@@ -16812,81 +17843,44 @@
             <a:spLocks noGrp="1"/>
           </p:cNvSpPr>
           <p:nvPr>
-            <p:ph type="title"/>
+            <p:ph type="ctrTitle"/>
           </p:nvPr>
         </p:nvSpPr>
         <p:spPr/>
         <p:txBody>
-          <a:bodyPr>
-            <a:normAutofit/>
-          </a:bodyPr>
-          <a:lstStyle/>
-          <a:p>
-            <a:r>
-              <a:rPr lang="en-US" sz="4000" dirty="0" smtClean="0"/>
+          <a:bodyPr/>
+          <a:lstStyle/>
+          <a:p>
+            <a:r>
+              <a:rPr lang="en-US" dirty="0" smtClean="0"/>
               <a:t>Power Management</a:t>
             </a:r>
-            <a:endParaRPr lang="en-US" sz="4000" dirty="0"/>
-          </a:p>
-        </p:txBody>
-      </p:sp>
-      <p:sp>
-        <p:nvSpPr>
-          <p:cNvPr id="3" name="Content Placeholder 2"/>
+            <a:endParaRPr lang="en-US" dirty="0"/>
+          </a:p>
+        </p:txBody>
+      </p:sp>
+      <p:sp>
+        <p:nvSpPr>
+          <p:cNvPr id="3" name="Subtitle 2"/>
           <p:cNvSpPr>
             <a:spLocks noGrp="1"/>
           </p:cNvSpPr>
           <p:nvPr>
-            <p:ph idx="1"/>
+            <p:ph type="subTitle" idx="1"/>
           </p:nvPr>
         </p:nvSpPr>
         <p:spPr/>
         <p:txBody>
-          <a:bodyPr>
-            <a:normAutofit/>
-          </a:bodyPr>
+          <a:bodyPr/>
           <a:lstStyle/>
           <a:p>
             <a:r>
               <a:rPr lang="en-US" dirty="0" smtClean="0"/>
-              <a:t>ARM CorePac in KeyStone II</a:t>
-            </a:r>
-          </a:p>
-          <a:p>
-            <a:r>
-              <a:rPr lang="en-US" dirty="0" smtClean="0"/>
-              <a:t>ARM Cortex A-15 Features</a:t>
-            </a:r>
-          </a:p>
-          <a:p>
-            <a:r>
-              <a:rPr lang="en-US" dirty="0" smtClean="0"/>
-              <a:t>Interface to the SOC and Coherency Issues</a:t>
-            </a:r>
-          </a:p>
-          <a:p>
-            <a:r>
-              <a:rPr lang="en-US" dirty="0" smtClean="0"/>
-              <a:t>Benchmarks</a:t>
-            </a:r>
-          </a:p>
-          <a:p>
-            <a:r>
-              <a:rPr lang="en-US" dirty="0" smtClean="0"/>
-              <a:t>Interrupt Controller</a:t>
-            </a:r>
-          </a:p>
-          <a:p>
-            <a:r>
-              <a:rPr lang="en-US" b="1" dirty="0" smtClean="0"/>
-              <a:t>Power Management</a:t>
-            </a:r>
-          </a:p>
-          <a:p>
-            <a:r>
-              <a:rPr lang="en-US" dirty="0" smtClean="0"/>
-              <a:t>Debug and Trace</a:t>
-            </a:r>
+              <a:t>ARM Cortex A-15 CorePac Overview</a:t>
+            </a:r>
+          </a:p>
+          <a:p>
+            <a:endParaRPr lang="en-US" dirty="0"/>
           </a:p>
         </p:txBody>
       </p:sp>
@@ -16895,6 +17889,9 @@
   <p:clrMapOvr>
     <a:masterClrMapping/>
   </p:clrMapOvr>
+  <p:transition spd="med">
+    <p:fade/>
+  </p:transition>
 </p:sld>
 </file>
 
@@ -16994,6 +17991,30 @@
               <a:rPr lang="en-US" sz="2800" dirty="0" smtClean="0"/>
               <a:t>Fine-grain pipeline shutdown using 32-entry loop buffer disables fetch and some decode pipeline stages.</a:t>
             </a:r>
+          </a:p>
+        </p:txBody>
+      </p:sp>
+      <p:sp>
+        <p:nvSpPr>
+          <p:cNvPr id="4" name="Slide Number Placeholder 3"/>
+          <p:cNvSpPr>
+            <a:spLocks noGrp="1"/>
+          </p:cNvSpPr>
+          <p:nvPr>
+            <p:ph type="sldNum" sz="quarter" idx="10"/>
+          </p:nvPr>
+        </p:nvSpPr>
+        <p:spPr/>
+        <p:txBody>
+          <a:bodyPr/>
+          <a:lstStyle/>
+          <a:p>
+            <a:fld id="{F2394529-A9B3-4A54-83EC-E61379E8334E}" type="slidenum">
+              <a:rPr lang="en-US" smtClean="0"/>
+              <a:pPr/>
+              <a:t>51</a:t>
+            </a:fld>
+            <a:endParaRPr lang="en-US" dirty="0"/>
           </a:p>
         </p:txBody>
       </p:sp>
@@ -17126,6 +18147,30 @@
           </a:p>
         </p:txBody>
       </p:sp>
+      <p:sp>
+        <p:nvSpPr>
+          <p:cNvPr id="4" name="Slide Number Placeholder 3"/>
+          <p:cNvSpPr>
+            <a:spLocks noGrp="1"/>
+          </p:cNvSpPr>
+          <p:nvPr>
+            <p:ph type="sldNum" sz="quarter" idx="10"/>
+          </p:nvPr>
+        </p:nvSpPr>
+        <p:spPr/>
+        <p:txBody>
+          <a:bodyPr/>
+          <a:lstStyle/>
+          <a:p>
+            <a:fld id="{F2394529-A9B3-4A54-83EC-E61379E8334E}" type="slidenum">
+              <a:rPr lang="en-US" smtClean="0"/>
+              <a:pPr/>
+              <a:t>52</a:t>
+            </a:fld>
+            <a:endParaRPr lang="en-US" dirty="0"/>
+          </a:p>
+        </p:txBody>
+      </p:sp>
     </p:spTree>
     <p:custDataLst>
       <p:tags r:id="rId1"/>
@@ -17168,80 +18213,40 @@
             <a:spLocks noGrp="1"/>
           </p:cNvSpPr>
           <p:nvPr>
-            <p:ph type="title"/>
+            <p:ph type="ctrTitle"/>
           </p:nvPr>
         </p:nvSpPr>
         <p:spPr/>
         <p:txBody>
-          <a:bodyPr>
-            <a:normAutofit/>
-          </a:bodyPr>
-          <a:lstStyle/>
-          <a:p>
-            <a:r>
-              <a:rPr lang="en-US" sz="4000" dirty="0" smtClean="0"/>
+          <a:bodyPr/>
+          <a:lstStyle/>
+          <a:p>
+            <a:r>
+              <a:rPr lang="en-US" dirty="0" smtClean="0"/>
               <a:t>Debug and Trace</a:t>
             </a:r>
-            <a:endParaRPr lang="en-US" sz="4000" dirty="0"/>
-          </a:p>
-        </p:txBody>
-      </p:sp>
-      <p:sp>
-        <p:nvSpPr>
-          <p:cNvPr id="3" name="Content Placeholder 2"/>
+            <a:endParaRPr lang="en-US" dirty="0"/>
+          </a:p>
+        </p:txBody>
+      </p:sp>
+      <p:sp>
+        <p:nvSpPr>
+          <p:cNvPr id="3" name="Subtitle 2"/>
           <p:cNvSpPr>
             <a:spLocks noGrp="1"/>
           </p:cNvSpPr>
           <p:nvPr>
-            <p:ph idx="1"/>
+            <p:ph type="subTitle" idx="1"/>
           </p:nvPr>
         </p:nvSpPr>
         <p:spPr/>
         <p:txBody>
-          <a:bodyPr>
-            <a:normAutofit/>
-          </a:bodyPr>
+          <a:bodyPr/>
           <a:lstStyle/>
           <a:p>
             <a:r>
               <a:rPr lang="en-US" dirty="0" smtClean="0"/>
-              <a:t>ARM CorePac in KeyStone II</a:t>
-            </a:r>
-          </a:p>
-          <a:p>
-            <a:r>
-              <a:rPr lang="en-US" dirty="0" smtClean="0"/>
-              <a:t>ARM Cortex A-15 Features</a:t>
-            </a:r>
-          </a:p>
-          <a:p>
-            <a:r>
-              <a:rPr lang="en-US" dirty="0" smtClean="0"/>
-              <a:t>Interface to the SOC and Coherency Issues</a:t>
-            </a:r>
-          </a:p>
-          <a:p>
-            <a:r>
-              <a:rPr lang="en-US" dirty="0" smtClean="0"/>
-              <a:t>Benchmark</a:t>
-            </a:r>
-          </a:p>
-          <a:p>
-            <a:r>
-              <a:rPr lang="en-US" dirty="0" smtClean="0"/>
-              <a:t>Interrupt Controller</a:t>
-            </a:r>
-          </a:p>
-          <a:p>
-            <a:r>
-              <a:rPr lang="en-US" dirty="0" smtClean="0"/>
-              <a:t>Power Management</a:t>
-            </a:r>
-          </a:p>
-          <a:p>
-            <a:r>
-              <a:rPr lang="en-US" b="1" dirty="0" smtClean="0"/>
-              <a:t>Debug and Trace</a:t>
+              <a:t>ARM Cortex A-15 CorePac Overview</a:t>
             </a:r>
           </a:p>
           <a:p>
@@ -17254,6 +18259,9 @@
   <p:clrMapOvr>
     <a:masterClrMapping/>
   </p:clrMapOvr>
+  <p:transition spd="med">
+    <p:fade/>
+  </p:transition>
 </p:sld>
 </file>
 
@@ -17381,6 +18389,30 @@
               <a:rPr lang="en-US" sz="2400" dirty="0" smtClean="0"/>
               <a:t> </a:t>
             </a:r>
+          </a:p>
+        </p:txBody>
+      </p:sp>
+      <p:sp>
+        <p:nvSpPr>
+          <p:cNvPr id="4" name="Slide Number Placeholder 3"/>
+          <p:cNvSpPr>
+            <a:spLocks noGrp="1"/>
+          </p:cNvSpPr>
+          <p:nvPr>
+            <p:ph type="sldNum" sz="quarter" idx="10"/>
+          </p:nvPr>
+        </p:nvSpPr>
+        <p:spPr/>
+        <p:txBody>
+          <a:bodyPr/>
+          <a:lstStyle/>
+          <a:p>
+            <a:fld id="{F2394529-A9B3-4A54-83EC-E61379E8334E}" type="slidenum">
+              <a:rPr lang="en-US" smtClean="0"/>
+              <a:pPr/>
+              <a:t>54</a:t>
+            </a:fld>
+            <a:endParaRPr lang="en-US" dirty="0"/>
           </a:p>
         </p:txBody>
       </p:sp>
@@ -17490,6 +18522,30 @@
           </a:p>
         </p:txBody>
       </p:sp>
+      <p:sp>
+        <p:nvSpPr>
+          <p:cNvPr id="4" name="Slide Number Placeholder 3"/>
+          <p:cNvSpPr>
+            <a:spLocks noGrp="1"/>
+          </p:cNvSpPr>
+          <p:nvPr>
+            <p:ph type="sldNum" sz="quarter" idx="10"/>
+          </p:nvPr>
+        </p:nvSpPr>
+        <p:spPr/>
+        <p:txBody>
+          <a:bodyPr/>
+          <a:lstStyle/>
+          <a:p>
+            <a:fld id="{F2394529-A9B3-4A54-83EC-E61379E8334E}" type="slidenum">
+              <a:rPr lang="en-US" smtClean="0"/>
+              <a:pPr/>
+              <a:t>55</a:t>
+            </a:fld>
+            <a:endParaRPr lang="en-US" dirty="0"/>
+          </a:p>
+        </p:txBody>
+      </p:sp>
     </p:spTree>
     <p:custDataLst>
       <p:tags r:id="rId1"/>
@@ -17565,7 +18621,7 @@
         </p:blipFill>
         <p:spPr bwMode="auto">
           <a:xfrm>
-            <a:off x="744100" y="942215"/>
+            <a:off x="744100" y="861101"/>
             <a:ext cx="7606080" cy="5448539"/>
           </a:xfrm>
           <a:prstGeom prst="rect">
@@ -17580,6 +18636,30 @@
           </a:ln>
         </p:spPr>
       </p:pic>
+      <p:sp>
+        <p:nvSpPr>
+          <p:cNvPr id="4" name="Slide Number Placeholder 3"/>
+          <p:cNvSpPr>
+            <a:spLocks noGrp="1"/>
+          </p:cNvSpPr>
+          <p:nvPr>
+            <p:ph type="sldNum" sz="quarter" idx="10"/>
+          </p:nvPr>
+        </p:nvSpPr>
+        <p:spPr/>
+        <p:txBody>
+          <a:bodyPr/>
+          <a:lstStyle/>
+          <a:p>
+            <a:fld id="{F2394529-A9B3-4A54-83EC-E61379E8334E}" type="slidenum">
+              <a:rPr lang="en-US" smtClean="0"/>
+              <a:pPr/>
+              <a:t>56</a:t>
+            </a:fld>
+            <a:endParaRPr lang="en-US" dirty="0"/>
+          </a:p>
+        </p:txBody>
+      </p:sp>
     </p:spTree>
   </p:cSld>
   <p:clrMapOvr>
@@ -17690,7 +18770,7 @@
         </p:blipFill>
         <p:spPr bwMode="auto">
           <a:xfrm>
-            <a:off x="914400" y="3566160"/>
+            <a:off x="914400" y="3389184"/>
             <a:ext cx="7086600" cy="2831249"/>
           </a:xfrm>
           <a:prstGeom prst="rect">
@@ -17705,6 +18785,30 @@
           </a:ln>
         </p:spPr>
       </p:pic>
+      <p:sp>
+        <p:nvSpPr>
+          <p:cNvPr id="5" name="Slide Number Placeholder 4"/>
+          <p:cNvSpPr>
+            <a:spLocks noGrp="1"/>
+          </p:cNvSpPr>
+          <p:nvPr>
+            <p:ph type="sldNum" sz="quarter" idx="10"/>
+          </p:nvPr>
+        </p:nvSpPr>
+        <p:spPr/>
+        <p:txBody>
+          <a:bodyPr/>
+          <a:lstStyle/>
+          <a:p>
+            <a:fld id="{F2394529-A9B3-4A54-83EC-E61379E8334E}" type="slidenum">
+              <a:rPr lang="en-US" smtClean="0"/>
+              <a:pPr/>
+              <a:t>57</a:t>
+            </a:fld>
+            <a:endParaRPr lang="en-US" dirty="0"/>
+          </a:p>
+        </p:txBody>
+      </p:sp>
     </p:spTree>
     <p:custDataLst>
       <p:tags r:id="rId1"/>
@@ -17823,6 +18927,30 @@
           </a:p>
         </p:txBody>
       </p:sp>
+      <p:sp>
+        <p:nvSpPr>
+          <p:cNvPr id="4" name="Slide Number Placeholder 3"/>
+          <p:cNvSpPr>
+            <a:spLocks noGrp="1"/>
+          </p:cNvSpPr>
+          <p:nvPr>
+            <p:ph type="sldNum" sz="quarter" idx="10"/>
+          </p:nvPr>
+        </p:nvSpPr>
+        <p:spPr/>
+        <p:txBody>
+          <a:bodyPr/>
+          <a:lstStyle/>
+          <a:p>
+            <a:fld id="{F2394529-A9B3-4A54-83EC-E61379E8334E}" type="slidenum">
+              <a:rPr lang="en-US" smtClean="0"/>
+              <a:pPr/>
+              <a:t>58</a:t>
+            </a:fld>
+            <a:endParaRPr lang="en-US" dirty="0"/>
+          </a:p>
+        </p:txBody>
+      </p:sp>
     </p:spTree>
     <p:custDataLst>
       <p:tags r:id="rId1"/>
@@ -17922,6 +19050,30 @@
           </a:ln>
         </p:spPr>
       </p:pic>
+      <p:sp>
+        <p:nvSpPr>
+          <p:cNvPr id="4" name="Slide Number Placeholder 3"/>
+          <p:cNvSpPr>
+            <a:spLocks noGrp="1"/>
+          </p:cNvSpPr>
+          <p:nvPr>
+            <p:ph type="sldNum" sz="quarter" idx="10"/>
+          </p:nvPr>
+        </p:nvSpPr>
+        <p:spPr/>
+        <p:txBody>
+          <a:bodyPr/>
+          <a:lstStyle/>
+          <a:p>
+            <a:fld id="{F2394529-A9B3-4A54-83EC-E61379E8334E}" type="slidenum">
+              <a:rPr lang="en-US" smtClean="0"/>
+              <a:pPr/>
+              <a:t>59</a:t>
+            </a:fld>
+            <a:endParaRPr lang="en-US" dirty="0"/>
+          </a:p>
+        </p:txBody>
+      </p:sp>
     </p:spTree>
   </p:cSld>
   <p:clrMapOvr>
@@ -17978,6 +19130,9 @@
             <a:pPr algn="ctr" eaLnBrk="0" hangingPunct="0"/>
             <a:r>
               <a:rPr lang="en-US" altLang="ko-KR" sz="4000" b="1" dirty="0" smtClean="0">
+                <a:solidFill>
+                  <a:srgbClr val="DE0000"/>
+                </a:solidFill>
                 <a:latin typeface="+mj-lt"/>
                 <a:ea typeface="+mj-ea"/>
                 <a:cs typeface="+mj-cs"/>
@@ -17986,6 +19141,9 @@
             </a:r>
             <a:r>
               <a:rPr lang="en-US" altLang="ko-KR" sz="4000" b="1" dirty="0">
+                <a:solidFill>
+                  <a:srgbClr val="DE0000"/>
+                </a:solidFill>
                 <a:latin typeface="+mj-lt"/>
                 <a:ea typeface="+mj-ea"/>
                 <a:cs typeface="+mj-cs"/>
@@ -17994,6 +19152,9 @@
             </a:r>
             <a:r>
               <a:rPr lang="en-US" altLang="ko-KR" sz="4000" b="1" dirty="0" smtClean="0">
+                <a:solidFill>
+                  <a:srgbClr val="DE0000"/>
+                </a:solidFill>
                 <a:latin typeface="+mj-lt"/>
                 <a:ea typeface="+mj-ea"/>
                 <a:cs typeface="+mj-cs"/>
@@ -18001,6 +19162,9 @@
               <a:t>iagram</a:t>
             </a:r>
             <a:endParaRPr lang="en-US" altLang="ko-KR" sz="4000" b="1" dirty="0">
+              <a:solidFill>
+                <a:srgbClr val="DE0000"/>
+              </a:solidFill>
               <a:latin typeface="+mj-lt"/>
               <a:ea typeface="+mj-ea"/>
               <a:cs typeface="+mj-cs"/>
@@ -18040,6 +19204,30 @@
           </a:ln>
         </p:spPr>
       </p:pic>
+      <p:sp>
+        <p:nvSpPr>
+          <p:cNvPr id="4" name="Slide Number Placeholder 3"/>
+          <p:cNvSpPr>
+            <a:spLocks noGrp="1"/>
+          </p:cNvSpPr>
+          <p:nvPr>
+            <p:ph type="sldNum" sz="quarter" idx="10"/>
+          </p:nvPr>
+        </p:nvSpPr>
+        <p:spPr/>
+        <p:txBody>
+          <a:bodyPr/>
+          <a:lstStyle/>
+          <a:p>
+            <a:fld id="{F2394529-A9B3-4A54-83EC-E61379E8334E}" type="slidenum">
+              <a:rPr lang="en-US" smtClean="0"/>
+              <a:pPr/>
+              <a:t>6</a:t>
+            </a:fld>
+            <a:endParaRPr lang="en-US" dirty="0"/>
+          </a:p>
+        </p:txBody>
+      </p:sp>
     </p:spTree>
   </p:cSld>
   <p:clrMapOvr>
@@ -18178,6 +19366,30 @@
               <a:rPr lang="en-US" sz="2400" dirty="0" smtClean="0"/>
               <a:t> Trace Funnel (CTF) combines multiple trace streams</a:t>
             </a:r>
+          </a:p>
+        </p:txBody>
+      </p:sp>
+      <p:sp>
+        <p:nvSpPr>
+          <p:cNvPr id="4" name="Slide Number Placeholder 3"/>
+          <p:cNvSpPr>
+            <a:spLocks noGrp="1"/>
+          </p:cNvSpPr>
+          <p:nvPr>
+            <p:ph type="sldNum" sz="quarter" idx="10"/>
+          </p:nvPr>
+        </p:nvSpPr>
+        <p:spPr/>
+        <p:txBody>
+          <a:bodyPr/>
+          <a:lstStyle/>
+          <a:p>
+            <a:fld id="{F2394529-A9B3-4A54-83EC-E61379E8334E}" type="slidenum">
+              <a:rPr lang="en-US" smtClean="0"/>
+              <a:pPr/>
+              <a:t>60</a:t>
+            </a:fld>
+            <a:endParaRPr lang="en-US" dirty="0"/>
           </a:p>
         </p:txBody>
       </p:sp>
@@ -18332,6 +19544,30 @@
           </a:p>
         </p:txBody>
       </p:sp>
+      <p:sp>
+        <p:nvSpPr>
+          <p:cNvPr id="4" name="Slide Number Placeholder 3"/>
+          <p:cNvSpPr>
+            <a:spLocks noGrp="1"/>
+          </p:cNvSpPr>
+          <p:nvPr>
+            <p:ph type="sldNum" sz="quarter" idx="10"/>
+          </p:nvPr>
+        </p:nvSpPr>
+        <p:spPr/>
+        <p:txBody>
+          <a:bodyPr/>
+          <a:lstStyle/>
+          <a:p>
+            <a:fld id="{F2394529-A9B3-4A54-83EC-E61379E8334E}" type="slidenum">
+              <a:rPr lang="en-US" smtClean="0"/>
+              <a:pPr/>
+              <a:t>61</a:t>
+            </a:fld>
+            <a:endParaRPr lang="en-US" dirty="0"/>
+          </a:p>
+        </p:txBody>
+      </p:sp>
     </p:spTree>
     <p:custDataLst>
       <p:tags r:id="rId1"/>
@@ -18386,7 +19622,7 @@
           <a:p>
             <a:r>
               <a:rPr lang="en-US" sz="4000" dirty="0" smtClean="0"/>
-              <a:t>Cross Triggering – 2 CTIs &amp; the CTM</a:t>
+              <a:t>Cross Triggering: Two CTIs &amp; the CTM</a:t>
             </a:r>
             <a:endParaRPr lang="en-US" sz="4000" dirty="0"/>
           </a:p>
@@ -18426,6 +19662,30 @@
           </a:ln>
         </p:spPr>
       </p:pic>
+      <p:sp>
+        <p:nvSpPr>
+          <p:cNvPr id="4" name="Slide Number Placeholder 3"/>
+          <p:cNvSpPr>
+            <a:spLocks noGrp="1"/>
+          </p:cNvSpPr>
+          <p:nvPr>
+            <p:ph type="sldNum" sz="quarter" idx="10"/>
+          </p:nvPr>
+        </p:nvSpPr>
+        <p:spPr/>
+        <p:txBody>
+          <a:bodyPr/>
+          <a:lstStyle/>
+          <a:p>
+            <a:fld id="{F2394529-A9B3-4A54-83EC-E61379E8334E}" type="slidenum">
+              <a:rPr lang="en-US" smtClean="0"/>
+              <a:pPr/>
+              <a:t>62</a:t>
+            </a:fld>
+            <a:endParaRPr lang="en-US" dirty="0"/>
+          </a:p>
+        </p:txBody>
+      </p:sp>
     </p:spTree>
     <p:custDataLst>
       <p:tags r:id="rId1"/>
@@ -18519,6 +19779,30 @@
           </a:ln>
         </p:spPr>
       </p:pic>
+      <p:sp>
+        <p:nvSpPr>
+          <p:cNvPr id="4" name="Slide Number Placeholder 3"/>
+          <p:cNvSpPr>
+            <a:spLocks noGrp="1"/>
+          </p:cNvSpPr>
+          <p:nvPr>
+            <p:ph type="sldNum" sz="quarter" idx="10"/>
+          </p:nvPr>
+        </p:nvSpPr>
+        <p:spPr/>
+        <p:txBody>
+          <a:bodyPr/>
+          <a:lstStyle/>
+          <a:p>
+            <a:fld id="{F2394529-A9B3-4A54-83EC-E61379E8334E}" type="slidenum">
+              <a:rPr lang="en-US" smtClean="0"/>
+              <a:pPr/>
+              <a:t>63</a:t>
+            </a:fld>
+            <a:endParaRPr lang="en-US" dirty="0"/>
+          </a:p>
+        </p:txBody>
+      </p:sp>
     </p:spTree>
     <p:custDataLst>
       <p:tags r:id="rId1"/>
@@ -18752,8 +20036,8 @@
         </p:nvCxnSpPr>
         <p:spPr>
           <a:xfrm flipH="1" flipV="1">
-            <a:off x="6391175" y="5091764"/>
-            <a:ext cx="1443757" cy="606723"/>
+            <a:off x="6371303" y="5102942"/>
+            <a:ext cx="1271905" cy="595545"/>
           </a:xfrm>
           <a:prstGeom prst="straightConnector1">
             <a:avLst/>
@@ -18785,7 +20069,7 @@
         </p:nvSpPr>
         <p:spPr>
           <a:xfrm>
-            <a:off x="7834932" y="5036767"/>
+            <a:off x="7643208" y="5036767"/>
             <a:ext cx="1155068" cy="1323439"/>
           </a:xfrm>
           <a:prstGeom prst="rect">
@@ -18805,6 +20089,30 @@
               <a:t>Access to and from the SoC</a:t>
             </a:r>
             <a:endParaRPr lang="en-US" sz="2000" dirty="0"/>
+          </a:p>
+        </p:txBody>
+      </p:sp>
+      <p:sp>
+        <p:nvSpPr>
+          <p:cNvPr id="10" name="Slide Number Placeholder 9"/>
+          <p:cNvSpPr>
+            <a:spLocks noGrp="1"/>
+          </p:cNvSpPr>
+          <p:nvPr>
+            <p:ph type="sldNum" sz="quarter" idx="10"/>
+          </p:nvPr>
+        </p:nvSpPr>
+        <p:spPr/>
+        <p:txBody>
+          <a:bodyPr/>
+          <a:lstStyle/>
+          <a:p>
+            <a:fld id="{F2394529-A9B3-4A54-83EC-E61379E8334E}" type="slidenum">
+              <a:rPr lang="en-US" smtClean="0"/>
+              <a:pPr/>
+              <a:t>64</a:t>
+            </a:fld>
+            <a:endParaRPr lang="en-US" dirty="0"/>
           </a:p>
         </p:txBody>
       </p:sp>
@@ -18943,6 +20251,30 @@
           </a:p>
         </p:txBody>
       </p:sp>
+      <p:sp>
+        <p:nvSpPr>
+          <p:cNvPr id="4" name="Slide Number Placeholder 3"/>
+          <p:cNvSpPr>
+            <a:spLocks noGrp="1"/>
+          </p:cNvSpPr>
+          <p:nvPr>
+            <p:ph type="sldNum" sz="quarter" idx="10"/>
+          </p:nvPr>
+        </p:nvSpPr>
+        <p:spPr/>
+        <p:txBody>
+          <a:bodyPr/>
+          <a:lstStyle/>
+          <a:p>
+            <a:fld id="{F2394529-A9B3-4A54-83EC-E61379E8334E}" type="slidenum">
+              <a:rPr lang="en-US" smtClean="0"/>
+              <a:pPr/>
+              <a:t>65</a:t>
+            </a:fld>
+            <a:endParaRPr lang="en-US" dirty="0"/>
+          </a:p>
+        </p:txBody>
+      </p:sp>
     </p:spTree>
     <p:custDataLst>
       <p:tags r:id="rId1"/>
@@ -18985,112 +20317,47 @@
             <a:spLocks noGrp="1"/>
           </p:cNvSpPr>
           <p:nvPr>
-            <p:ph type="title"/>
+            <p:ph type="ctrTitle"/>
           </p:nvPr>
         </p:nvSpPr>
         <p:spPr/>
         <p:txBody>
-          <a:bodyPr>
-            <a:normAutofit/>
-          </a:bodyPr>
-          <a:lstStyle/>
-          <a:p>
-            <a:r>
-              <a:rPr lang="en-US" sz="4000" dirty="0" smtClean="0"/>
-              <a:t>ARM Cortex A-15 Features: ARM Core</a:t>
-            </a:r>
-          </a:p>
-        </p:txBody>
-      </p:sp>
-      <p:sp>
-        <p:nvSpPr>
-          <p:cNvPr id="3" name="Content Placeholder 2"/>
+          <a:bodyPr/>
+          <a:lstStyle/>
+          <a:p>
+            <a:r>
+              <a:rPr lang="en-US" dirty="0" smtClean="0"/>
+              <a:t>ARM Cortex A-15 Features:</a:t>
+            </a:r>
+            <a:br>
+              <a:rPr lang="en-US" dirty="0" smtClean="0"/>
+            </a:br>
+            <a:r>
+              <a:rPr lang="en-US" dirty="0" smtClean="0"/>
+              <a:t>ARM Core</a:t>
+            </a:r>
+            <a:endParaRPr lang="en-US" dirty="0"/>
+          </a:p>
+        </p:txBody>
+      </p:sp>
+      <p:sp>
+        <p:nvSpPr>
+          <p:cNvPr id="3" name="Subtitle 2"/>
           <p:cNvSpPr>
             <a:spLocks noGrp="1"/>
           </p:cNvSpPr>
           <p:nvPr>
-            <p:ph idx="1"/>
-          </p:nvPr>
-        </p:nvSpPr>
-        <p:spPr>
-          <a:xfrm>
-            <a:off x="457200" y="883920"/>
-            <a:ext cx="8229600" cy="5585460"/>
-          </a:xfrm>
-        </p:spPr>
-        <p:txBody>
-          <a:bodyPr>
-            <a:normAutofit fontScale="92500" lnSpcReduction="10000"/>
-          </a:bodyPr>
+            <p:ph type="subTitle" idx="1"/>
+          </p:nvPr>
+        </p:nvSpPr>
+        <p:spPr/>
+        <p:txBody>
+          <a:bodyPr/>
           <a:lstStyle/>
           <a:p>
             <a:r>
               <a:rPr lang="en-US" dirty="0" smtClean="0"/>
-              <a:t>ARM CorePac in KeyStone II</a:t>
-            </a:r>
-          </a:p>
-          <a:p>
-            <a:r>
-              <a:rPr lang="en-US" b="1" dirty="0" smtClean="0"/>
-              <a:t>ARM Cortex A-15 Features</a:t>
-            </a:r>
-          </a:p>
-          <a:p>
-            <a:pPr lvl="1"/>
-            <a:r>
-              <a:rPr lang="en-US" b="1" dirty="0" smtClean="0"/>
-              <a:t>ARM Core</a:t>
-            </a:r>
-          </a:p>
-          <a:p>
-            <a:pPr lvl="1"/>
-            <a:r>
-              <a:rPr lang="en-US" dirty="0" smtClean="0"/>
-              <a:t>NEON</a:t>
-            </a:r>
-          </a:p>
-          <a:p>
-            <a:pPr lvl="1"/>
-            <a:r>
-              <a:rPr lang="en-US" dirty="0" smtClean="0"/>
-              <a:t>VFP</a:t>
-            </a:r>
-          </a:p>
-          <a:p>
-            <a:pPr lvl="1"/>
-            <a:r>
-              <a:rPr lang="en-US" dirty="0" smtClean="0"/>
-              <a:t>MMU</a:t>
-            </a:r>
-          </a:p>
-          <a:p>
-            <a:r>
-              <a:rPr lang="en-US" dirty="0" smtClean="0"/>
-              <a:t>Interface to the SOC and Coherency Issues</a:t>
-            </a:r>
-          </a:p>
-          <a:p>
-            <a:r>
-              <a:rPr lang="en-US" dirty="0" smtClean="0"/>
-              <a:t>Benchmarks</a:t>
-            </a:r>
-          </a:p>
-          <a:p>
-            <a:r>
-              <a:rPr lang="en-US" dirty="0" smtClean="0"/>
-              <a:t>Interrupt Controller</a:t>
-            </a:r>
-          </a:p>
-          <a:p>
-            <a:r>
-              <a:rPr lang="en-US" dirty="0" smtClean="0"/>
-              <a:t>Power Management</a:t>
-            </a:r>
-          </a:p>
-          <a:p>
-            <a:r>
-              <a:rPr lang="en-US" dirty="0" smtClean="0"/>
-              <a:t>Debug and Trace</a:t>
+              <a:t>ARM Cortex A-15 CorePac Overview</a:t>
             </a:r>
           </a:p>
           <a:p>
@@ -19103,6 +20370,9 @@
   <p:clrMapOvr>
     <a:masterClrMapping/>
   </p:clrMapOvr>
+  <p:transition spd="med">
+    <p:fade/>
+  </p:transition>
 </p:sld>
 </file>
 
@@ -19147,7 +20417,7 @@
           <a:p>
             <a:r>
               <a:rPr lang="en-US" sz="4000" dirty="0" smtClean="0"/>
-              <a:t>Cortex A-15 Features: The Core (1/2)</a:t>
+              <a:t>Cortex A-15 Features: ARM Core (1/2)</a:t>
             </a:r>
           </a:p>
         </p:txBody>
@@ -19243,6 +20513,30 @@
           </a:p>
           <a:p>
             <a:endParaRPr lang="en-US" sz="2800" dirty="0" smtClean="0"/>
+          </a:p>
+        </p:txBody>
+      </p:sp>
+      <p:sp>
+        <p:nvSpPr>
+          <p:cNvPr id="4" name="Slide Number Placeholder 3"/>
+          <p:cNvSpPr>
+            <a:spLocks noGrp="1"/>
+          </p:cNvSpPr>
+          <p:nvPr>
+            <p:ph type="sldNum" sz="quarter" idx="10"/>
+          </p:nvPr>
+        </p:nvSpPr>
+        <p:spPr/>
+        <p:txBody>
+          <a:bodyPr/>
+          <a:lstStyle/>
+          <a:p>
+            <a:fld id="{F2394529-A9B3-4A54-83EC-E61379E8334E}" type="slidenum">
+              <a:rPr lang="en-US" smtClean="0"/>
+              <a:pPr/>
+              <a:t>8</a:t>
+            </a:fld>
+            <a:endParaRPr lang="en-US" dirty="0"/>
           </a:p>
         </p:txBody>
       </p:sp>
@@ -19295,7 +20589,7 @@
           <a:p>
             <a:r>
               <a:rPr lang="en-US" sz="4000" dirty="0" smtClean="0"/>
-              <a:t>Cortex A-15 Features: The Core (2/2)</a:t>
+              <a:t>Cortex A-15 Features: ARM Core (2/2)</a:t>
             </a:r>
             <a:endParaRPr lang="en-US" sz="4000" dirty="0"/>
           </a:p>
@@ -19373,6 +20667,30 @@
           </a:p>
           <a:p>
             <a:endParaRPr lang="en-US" sz="2800" dirty="0" smtClean="0"/>
+          </a:p>
+        </p:txBody>
+      </p:sp>
+      <p:sp>
+        <p:nvSpPr>
+          <p:cNvPr id="4" name="Slide Number Placeholder 3"/>
+          <p:cNvSpPr>
+            <a:spLocks noGrp="1"/>
+          </p:cNvSpPr>
+          <p:nvPr>
+            <p:ph type="sldNum" sz="quarter" idx="10"/>
+          </p:nvPr>
+        </p:nvSpPr>
+        <p:spPr/>
+        <p:txBody>
+          <a:bodyPr/>
+          <a:lstStyle/>
+          <a:p>
+            <a:fld id="{F2394529-A9B3-4A54-83EC-E61379E8334E}" type="slidenum">
+              <a:rPr lang="en-US" smtClean="0"/>
+              <a:pPr/>
+              <a:t>9</a:t>
+            </a:fld>
+            <a:endParaRPr lang="en-US" dirty="0"/>
           </a:p>
         </p:txBody>
       </p:sp>
@@ -19420,7 +20738,13 @@
 
 <file path=ppt/tags/tag10.xml><?xml version="1.0" encoding="utf-8"?>
 <p:tagLst xmlns:a="http://schemas.openxmlformats.org/drawingml/2006/main" xmlns:r="http://schemas.openxmlformats.org/officeDocument/2006/relationships" xmlns:p="http://schemas.openxmlformats.org/presentationml/2006/main">
-  <p:tag name="ARTICULATE_PUBLISH_MODE" val="2"/>
+  <p:tag name="ELAPSEDTIME" val="117.208"/>
+  <p:tag name="ARTICULATE_SLIDE_PAUSE" val="0"/>
+  <p:tag name="ARTICULATE_NAV_LEVEL" val="1"/>
+  <p:tag name="ARTICULATE_PLAYLIST_ID" val="-1"/>
+  <p:tag name="ARTICULATE_LOCK_SLIDE" val="0"/>
+  <p:tag name="ARTICULATE_SLIDE_GUID" val="ff69a2a7-2730-4d0c-838b-da3bd68a56ca"/>
+  <p:tag name="ARTICULATE_SLIDE_NAV" val="5"/>
 </p:tagLst>
 </file>
 
@@ -19450,25 +20774,25 @@
 
 <file path=ppt/tags/tag13.xml><?xml version="1.0" encoding="utf-8"?>
 <p:tagLst xmlns:a="http://schemas.openxmlformats.org/drawingml/2006/main" xmlns:r="http://schemas.openxmlformats.org/officeDocument/2006/relationships" xmlns:p="http://schemas.openxmlformats.org/presentationml/2006/main">
-  <p:tag name="ELAPSEDTIME" val="117.208"/>
+  <p:tag name="ELAPSEDTIME" val="80.322"/>
   <p:tag name="ARTICULATE_SLIDE_PAUSE" val="0"/>
   <p:tag name="ARTICULATE_NAV_LEVEL" val="1"/>
   <p:tag name="ARTICULATE_PLAYLIST_ID" val="-1"/>
   <p:tag name="ARTICULATE_LOCK_SLIDE" val="0"/>
-  <p:tag name="ARTICULATE_SLIDE_GUID" val="ff69a2a7-2730-4d0c-838b-da3bd68a56ca"/>
-  <p:tag name="ARTICULATE_SLIDE_NAV" val="5"/>
+  <p:tag name="ARTICULATE_SLIDE_GUID" val="6d983b37-ed36-4d89-91eb-86a0ebbb8b1c"/>
+  <p:tag name="ARTICULATE_SLIDE_NAV" val="11"/>
 </p:tagLst>
 </file>
 
 <file path=ppt/tags/tag14.xml><?xml version="1.0" encoding="utf-8"?>
 <p:tagLst xmlns:a="http://schemas.openxmlformats.org/drawingml/2006/main" xmlns:r="http://schemas.openxmlformats.org/officeDocument/2006/relationships" xmlns:p="http://schemas.openxmlformats.org/presentationml/2006/main">
-  <p:tag name="ELAPSEDTIME" val="117.208"/>
+  <p:tag name="ELAPSEDTIME" val="80.322"/>
   <p:tag name="ARTICULATE_SLIDE_PAUSE" val="0"/>
   <p:tag name="ARTICULATE_NAV_LEVEL" val="1"/>
   <p:tag name="ARTICULATE_PLAYLIST_ID" val="-1"/>
   <p:tag name="ARTICULATE_LOCK_SLIDE" val="0"/>
-  <p:tag name="ARTICULATE_SLIDE_GUID" val="ff69a2a7-2730-4d0c-838b-da3bd68a56ca"/>
-  <p:tag name="ARTICULATE_SLIDE_NAV" val="5"/>
+  <p:tag name="ARTICULATE_SLIDE_GUID" val="6d983b37-ed36-4d89-91eb-86a0ebbb8b1c"/>
+  <p:tag name="ARTICULATE_SLIDE_NAV" val="11"/>
 </p:tagLst>
 </file>
 
@@ -19534,8 +20858,13 @@
 
 <file path=ppt/tags/tag2.xml><?xml version="1.0" encoding="utf-8"?>
 <p:tagLst xmlns:a="http://schemas.openxmlformats.org/drawingml/2006/main" xmlns:r="http://schemas.openxmlformats.org/officeDocument/2006/relationships" xmlns:p="http://schemas.openxmlformats.org/presentationml/2006/main">
-  <p:tag name="ARTICULATE_PUBLISH_MODE" val="2"/>
-  <p:tag name="ARTICULATE_SOURCE_IMAGE" val="C:\DOCUME~1\a0850458\LOCALS~1\Temp\articulate\presenter\imgtemp\7iMJDz4n_files\slide0001_image001.jpg"/>
+  <p:tag name="ELAPSEDTIME" val="114.937"/>
+  <p:tag name="ARTICULATE_SLIDE_PAUSE" val="0"/>
+  <p:tag name="ARTICULATE_NAV_LEVEL" val="2"/>
+  <p:tag name="ARTICULATE_PLAYLIST_ID" val="-1"/>
+  <p:tag name="ARTICULATE_LOCK_SLIDE" val="0"/>
+  <p:tag name="ARTICULATE_SLIDE_NAV" val="7"/>
+  <p:tag name="ARTICULATE_SLIDE_GUID" val="0b93dcc8-d2cf-47d6-ab77-8f0eb20e0983"/>
 </p:tagLst>
 </file>
 
@@ -19577,30 +20906,6 @@
 
 <file path=ppt/tags/tag23.xml><?xml version="1.0" encoding="utf-8"?>
 <p:tagLst xmlns:a="http://schemas.openxmlformats.org/drawingml/2006/main" xmlns:r="http://schemas.openxmlformats.org/officeDocument/2006/relationships" xmlns:p="http://schemas.openxmlformats.org/presentationml/2006/main">
-  <p:tag name="ELAPSEDTIME" val="80.322"/>
-  <p:tag name="ARTICULATE_SLIDE_PAUSE" val="0"/>
-  <p:tag name="ARTICULATE_NAV_LEVEL" val="1"/>
-  <p:tag name="ARTICULATE_PLAYLIST_ID" val="-1"/>
-  <p:tag name="ARTICULATE_LOCK_SLIDE" val="0"/>
-  <p:tag name="ARTICULATE_SLIDE_GUID" val="6d983b37-ed36-4d89-91eb-86a0ebbb8b1c"/>
-  <p:tag name="ARTICULATE_SLIDE_NAV" val="11"/>
-</p:tagLst>
-</file>
-
-<file path=ppt/tags/tag24.xml><?xml version="1.0" encoding="utf-8"?>
-<p:tagLst xmlns:a="http://schemas.openxmlformats.org/drawingml/2006/main" xmlns:r="http://schemas.openxmlformats.org/officeDocument/2006/relationships" xmlns:p="http://schemas.openxmlformats.org/presentationml/2006/main">
-  <p:tag name="ELAPSEDTIME" val="80.322"/>
-  <p:tag name="ARTICULATE_SLIDE_PAUSE" val="0"/>
-  <p:tag name="ARTICULATE_NAV_LEVEL" val="1"/>
-  <p:tag name="ARTICULATE_PLAYLIST_ID" val="-1"/>
-  <p:tag name="ARTICULATE_LOCK_SLIDE" val="0"/>
-  <p:tag name="ARTICULATE_SLIDE_GUID" val="6d983b37-ed36-4d89-91eb-86a0ebbb8b1c"/>
-  <p:tag name="ARTICULATE_SLIDE_NAV" val="11"/>
-</p:tagLst>
-</file>
-
-<file path=ppt/tags/tag25.xml><?xml version="1.0" encoding="utf-8"?>
-<p:tagLst xmlns:a="http://schemas.openxmlformats.org/drawingml/2006/main" xmlns:r="http://schemas.openxmlformats.org/officeDocument/2006/relationships" xmlns:p="http://schemas.openxmlformats.org/presentationml/2006/main">
   <p:tag name="ELAPSEDTIME" val="85.416"/>
   <p:tag name="ARTICULATE_SLIDE_PAUSE" val="0"/>
   <p:tag name="ARTICULATE_NAV_LEVEL" val="1"/>
@@ -19611,14 +20916,14 @@
 </p:tagLst>
 </file>
 
-<file path=ppt/tags/tag26.xml><?xml version="1.0" encoding="utf-8"?>
+<file path=ppt/tags/tag24.xml><?xml version="1.0" encoding="utf-8"?>
 <p:tagLst xmlns:a="http://schemas.openxmlformats.org/drawingml/2006/main" xmlns:r="http://schemas.openxmlformats.org/officeDocument/2006/relationships" xmlns:p="http://schemas.openxmlformats.org/presentationml/2006/main">
   <p:tag name="ARTICULATE_PUBLISH_MODE" val="2"/>
   <p:tag name="ARTICULATE_SOURCE_IMAGE" val="C:\Users\a0850458\AppData\Local\Temp\articulate\presenter\imgtemp\IJc0dKkU_files\slide0001_image001.gif"/>
 </p:tagLst>
 </file>
 
-<file path=ppt/tags/tag27.xml><?xml version="1.0" encoding="utf-8"?>
+<file path=ppt/tags/tag25.xml><?xml version="1.0" encoding="utf-8"?>
 <p:tagLst xmlns:a="http://schemas.openxmlformats.org/drawingml/2006/main" xmlns:r="http://schemas.openxmlformats.org/officeDocument/2006/relationships" xmlns:p="http://schemas.openxmlformats.org/presentationml/2006/main">
   <p:tag name="ELAPSEDTIME" val="34.635"/>
   <p:tag name="ARTICULATE_SLIDE_PAUSE" val="0"/>
@@ -19633,7 +20938,7 @@
 <file path=ppt/tags/tag3.xml><?xml version="1.0" encoding="utf-8"?>
 <p:tagLst xmlns:a="http://schemas.openxmlformats.org/drawingml/2006/main" xmlns:r="http://schemas.openxmlformats.org/officeDocument/2006/relationships" xmlns:p="http://schemas.openxmlformats.org/presentationml/2006/main">
   <p:tag name="ARTICULATE_PUBLISH_MODE" val="2"/>
-  <p:tag name="ARTICULATE_SOURCE_IMAGE" val="C:\DOCUME~1\a0850458\LOCALS~1\Temp\articulate\presenter\imgtemp\nnsZ4USz_files\slide0001_image001.png"/>
+  <p:tag name="ARTICULATE_SOURCE_IMAGE" val="C:\Users\a0850458\AppData\Local\Temp\articulate\presenter\imgtemp\QJVlARKz_files\slide0001_image001.gif"/>
 </p:tagLst>
 </file>
 
@@ -19658,31 +20963,12 @@
 
 <file path=ppt/tags/tag6.xml><?xml version="1.0" encoding="utf-8"?>
 <p:tagLst xmlns:a="http://schemas.openxmlformats.org/drawingml/2006/main" xmlns:r="http://schemas.openxmlformats.org/officeDocument/2006/relationships" xmlns:p="http://schemas.openxmlformats.org/presentationml/2006/main">
-  <p:tag name="ELAPSEDTIME" val="114.937"/>
-  <p:tag name="ARTICULATE_SLIDE_PAUSE" val="0"/>
-  <p:tag name="ARTICULATE_NAV_LEVEL" val="2"/>
-  <p:tag name="ARTICULATE_PLAYLIST_ID" val="-1"/>
-  <p:tag name="ARTICULATE_LOCK_SLIDE" val="0"/>
-  <p:tag name="ARTICULATE_SLIDE_NAV" val="7"/>
-  <p:tag name="ARTICULATE_SLIDE_GUID" val="0b93dcc8-d2cf-47d6-ab77-8f0eb20e0983"/>
-</p:tagLst>
-</file>
-
-<file path=ppt/tags/tag7.xml><?xml version="1.0" encoding="utf-8"?>
-<p:tagLst xmlns:a="http://schemas.openxmlformats.org/drawingml/2006/main" xmlns:r="http://schemas.openxmlformats.org/officeDocument/2006/relationships" xmlns:p="http://schemas.openxmlformats.org/presentationml/2006/main">
-  <p:tag name="ARTICULATE_PUBLISH_MODE" val="2"/>
-  <p:tag name="ARTICULATE_SOURCE_IMAGE" val="C:\Users\a0850458\AppData\Local\Temp\articulate\presenter\imgtemp\QJVlARKz_files\slide0001_image001.gif"/>
-</p:tagLst>
-</file>
-
-<file path=ppt/tags/tag8.xml><?xml version="1.0" encoding="utf-8"?>
-<p:tagLst xmlns:a="http://schemas.openxmlformats.org/drawingml/2006/main" xmlns:r="http://schemas.openxmlformats.org/officeDocument/2006/relationships" xmlns:p="http://schemas.openxmlformats.org/presentationml/2006/main">
   <p:tag name="ARTICULATE_PUBLISH_MODE" val="2"/>
   <p:tag name="ARTICULATE_SOURCE_IMAGE" val="C:\Users\a0850458\AppData\Local\Temp\articulate\presenter\imgtemp\mQ43EVnH_files\slide0001_image001.jpg"/>
 </p:tagLst>
 </file>
 
-<file path=ppt/tags/tag9.xml><?xml version="1.0" encoding="utf-8"?>
+<file path=ppt/tags/tag7.xml><?xml version="1.0" encoding="utf-8"?>
 <p:tagLst xmlns:a="http://schemas.openxmlformats.org/drawingml/2006/main" xmlns:r="http://schemas.openxmlformats.org/officeDocument/2006/relationships" xmlns:p="http://schemas.openxmlformats.org/presentationml/2006/main">
   <p:tag name="ELAPSEDTIME" val="47.385"/>
   <p:tag name="ARTICULATE_SLIDE_PAUSE" val="0"/>
@@ -19691,6 +20977,24 @@
   <p:tag name="ARTICULATE_LOCK_SLIDE" val="0"/>
   <p:tag name="ARTICULATE_SLIDE_GUID" val="9206a393-e105-4c3b-bac6-f63db3aada8f"/>
   <p:tag name="ARTICULATE_SLIDE_NAV" val="6"/>
+</p:tagLst>
+</file>
+
+<file path=ppt/tags/tag8.xml><?xml version="1.0" encoding="utf-8"?>
+<p:tagLst xmlns:a="http://schemas.openxmlformats.org/drawingml/2006/main" xmlns:r="http://schemas.openxmlformats.org/officeDocument/2006/relationships" xmlns:p="http://schemas.openxmlformats.org/presentationml/2006/main">
+  <p:tag name="ARTICULATE_PUBLISH_MODE" val="2"/>
+</p:tagLst>
+</file>
+
+<file path=ppt/tags/tag9.xml><?xml version="1.0" encoding="utf-8"?>
+<p:tagLst xmlns:a="http://schemas.openxmlformats.org/drawingml/2006/main" xmlns:r="http://schemas.openxmlformats.org/officeDocument/2006/relationships" xmlns:p="http://schemas.openxmlformats.org/presentationml/2006/main">
+  <p:tag name="ELAPSEDTIME" val="117.208"/>
+  <p:tag name="ARTICULATE_SLIDE_PAUSE" val="0"/>
+  <p:tag name="ARTICULATE_NAV_LEVEL" val="1"/>
+  <p:tag name="ARTICULATE_PLAYLIST_ID" val="-1"/>
+  <p:tag name="ARTICULATE_LOCK_SLIDE" val="0"/>
+  <p:tag name="ARTICULATE_SLIDE_GUID" val="ff69a2a7-2730-4d0c-838b-da3bd68a56ca"/>
+  <p:tag name="ARTICULATE_SLIDE_NAV" val="5"/>
 </p:tagLst>
 </file>
 
@@ -20652,7 +21956,54 @@
 </a:theme>
 </file>
 
+<file path=ppt/theme/themeOverride1.xml><?xml version="1.0" encoding="utf-8"?>
+<a:themeOverride xmlns:a="http://schemas.openxmlformats.org/drawingml/2006/main">
+  <a:clrScheme name="KeyStoneOLT 1">
+    <a:dk1>
+      <a:srgbClr val="000000"/>
+    </a:dk1>
+    <a:lt1>
+      <a:srgbClr val="FFFFFF"/>
+    </a:lt1>
+    <a:dk2>
+      <a:srgbClr val="1F497D"/>
+    </a:dk2>
+    <a:lt2>
+      <a:srgbClr val="EEECE1"/>
+    </a:lt2>
+    <a:accent1>
+      <a:srgbClr val="4F81BD"/>
+    </a:accent1>
+    <a:accent2>
+      <a:srgbClr val="C0504D"/>
+    </a:accent2>
+    <a:accent3>
+      <a:srgbClr val="FFFFFF"/>
+    </a:accent3>
+    <a:accent4>
+      <a:srgbClr val="000000"/>
+    </a:accent4>
+    <a:accent5>
+      <a:srgbClr val="B2C1DB"/>
+    </a:accent5>
+    <a:accent6>
+      <a:srgbClr val="AE4845"/>
+    </a:accent6>
+    <a:hlink>
+      <a:srgbClr val="0000FF"/>
+    </a:hlink>
+    <a:folHlink>
+      <a:srgbClr val="800080"/>
+    </a:folHlink>
+  </a:clrScheme>
+</a:themeOverride>
+</file>
+
 <file path=customXml/item1.xml><?xml version="1.0" encoding="utf-8"?>
+<LongProperties xmlns="http://schemas.microsoft.com/office/2006/metadata/longProperties"/>
+</file>
+
+<file path=customXml/item2.xml><?xml version="1.0" encoding="utf-8"?>
 <ct:contentTypeSchema xmlns:ct="http://schemas.microsoft.com/office/2006/metadata/contentType" xmlns:ma="http://schemas.microsoft.com/office/2006/metadata/properties/metaAttributes" ct:_="" ma:_="" ma:contentTypeName="Document" ma:contentTypeID="0x0101006BF34EDD2AB14F49969AD5B68D65D28C" ma:contentTypeVersion="1" ma:contentTypeDescription="Create a new document." ma:contentTypeScope="" ma:versionID="aec3fda75a9471671297bbb4606d1d91">
   <xsd:schema xmlns:xsd="http://www.w3.org/2001/XMLSchema" xmlns:p="http://schemas.microsoft.com/office/2006/metadata/properties" xmlns:ns2="99c847d8-566e-43ce-87b7-3c417d164c47" targetNamespace="http://schemas.microsoft.com/office/2006/metadata/properties" ma:root="true" ma:fieldsID="6b49c4b1e87cfd71c9528e3cb8636bc2" ns2:_="">
     <xsd:import namespace="99c847d8-566e-43ce-87b7-3c417d164c47"/>
@@ -20714,14 +22065,6 @@
 </ct:contentTypeSchema>
 </file>
 
-<file path=customXml/item2.xml><?xml version="1.0" encoding="utf-8"?>
-<p:properties xmlns:p="http://schemas.microsoft.com/office/2006/metadata/properties" xmlns:xsi="http://www.w3.org/2001/XMLSchema-instance">
-  <documentManagement>
-    <Content_x0020_Owner xmlns="99c847d8-566e-43ce-87b7-3c417d164c47">Ramroop, Saffie</Content_x0020_Owner>
-  </documentManagement>
-</p:properties>
-</file>
-
 <file path=customXml/item3.xml><?xml version="1.0" encoding="utf-8"?>
 <?mso-contentType ?>
 <FormTemplates xmlns="http://schemas.microsoft.com/sharepoint/v3/contenttype/forms">
@@ -20732,10 +22075,22 @@
 </file>
 
 <file path=customXml/item4.xml><?xml version="1.0" encoding="utf-8"?>
-<LongProperties xmlns="http://schemas.microsoft.com/office/2006/metadata/longProperties"/>
+<p:properties xmlns:p="http://schemas.microsoft.com/office/2006/metadata/properties" xmlns:xsi="http://www.w3.org/2001/XMLSchema-instance">
+  <documentManagement>
+    <Content_x0020_Owner xmlns="99c847d8-566e-43ce-87b7-3c417d164c47">Ramroop, Saffie</Content_x0020_Owner>
+  </documentManagement>
+</p:properties>
 </file>
 
 <file path=customXml/itemProps1.xml><?xml version="1.0" encoding="utf-8"?>
+<ds:datastoreItem xmlns:ds="http://schemas.openxmlformats.org/officeDocument/2006/customXml" ds:itemID="{08087394-933C-48A1-8AD9-030539CA3EF7}">
+  <ds:schemaRefs>
+    <ds:schemaRef ds:uri="http://schemas.microsoft.com/office/2006/metadata/longProperties"/>
+  </ds:schemaRefs>
+</ds:datastoreItem>
+</file>
+
+<file path=customXml/itemProps2.xml><?xml version="1.0" encoding="utf-8"?>
 <ds:datastoreItem xmlns:ds="http://schemas.openxmlformats.org/officeDocument/2006/customXml" ds:itemID="{83529300-F1B4-4E63-A67B-9E50D1598C67}">
   <ds:schemaRefs>
     <ds:schemaRef ds:uri="http://schemas.microsoft.com/office/2006/metadata/contentType"/>
@@ -20752,15 +22107,6 @@
 </ds:datastoreItem>
 </file>
 
-<file path=customXml/itemProps2.xml><?xml version="1.0" encoding="utf-8"?>
-<ds:datastoreItem xmlns:ds="http://schemas.openxmlformats.org/officeDocument/2006/customXml" ds:itemID="{7CBBC1DF-22C6-4C0C-A1CC-096D390C1463}">
-  <ds:schemaRefs>
-    <ds:schemaRef ds:uri="http://schemas.microsoft.com/office/2006/metadata/properties"/>
-    <ds:schemaRef ds:uri="99c847d8-566e-43ce-87b7-3c417d164c47"/>
-  </ds:schemaRefs>
-</ds:datastoreItem>
-</file>
-
 <file path=customXml/itemProps3.xml><?xml version="1.0" encoding="utf-8"?>
 <ds:datastoreItem xmlns:ds="http://schemas.openxmlformats.org/officeDocument/2006/customXml" ds:itemID="{9247FEFF-82D0-4BBE-AA2E-6E8C28F7BBE5}">
   <ds:schemaRefs>
@@ -20770,9 +22116,10 @@
 </file>
 
 <file path=customXml/itemProps4.xml><?xml version="1.0" encoding="utf-8"?>
-<ds:datastoreItem xmlns:ds="http://schemas.openxmlformats.org/officeDocument/2006/customXml" ds:itemID="{08087394-933C-48A1-8AD9-030539CA3EF7}">
+<ds:datastoreItem xmlns:ds="http://schemas.openxmlformats.org/officeDocument/2006/customXml" ds:itemID="{7CBBC1DF-22C6-4C0C-A1CC-096D390C1463}">
   <ds:schemaRefs>
-    <ds:schemaRef ds:uri="http://schemas.microsoft.com/office/2006/metadata/longProperties"/>
+    <ds:schemaRef ds:uri="http://schemas.microsoft.com/office/2006/metadata/properties"/>
+    <ds:schemaRef ds:uri="99c847d8-566e-43ce-87b7-3c417d164c47"/>
   </ds:schemaRefs>
 </ds:datastoreItem>
 </file>
--- a/trunk/slides/KeyStone ARM A15 CorePac.pptx
+++ b/trunk/slides/KeyStone ARM A15 CorePac.pptx
@@ -327,7 +327,7 @@
               <a:pPr>
                 <a:defRPr/>
               </a:pPr>
-              <a:t>9/25/2013</a:t>
+              <a:t>11/12/2013</a:t>
             </a:fld>
             <a:endParaRPr lang="en-US" dirty="0"/>
           </a:p>
@@ -14268,85 +14268,6 @@
           <a:chExt cx="0" cy="0"/>
         </a:xfrm>
       </p:grpSpPr>
-      <p:sp>
-        <p:nvSpPr>
-          <p:cNvPr id="2" name="Title 1"/>
-          <p:cNvSpPr>
-            <a:spLocks noGrp="1"/>
-          </p:cNvSpPr>
-          <p:nvPr>
-            <p:ph type="title"/>
-          </p:nvPr>
-        </p:nvSpPr>
-        <p:spPr>
-          <a:xfrm>
-            <a:off x="457200" y="274638"/>
-            <a:ext cx="8229600" cy="715962"/>
-          </a:xfrm>
-        </p:spPr>
-        <p:txBody>
-          <a:bodyPr>
-            <a:normAutofit/>
-          </a:bodyPr>
-          <a:lstStyle/>
-          <a:p>
-            <a:r>
-              <a:rPr lang="en-US" sz="4000" dirty="0" smtClean="0"/>
-              <a:t>KeyStone II: IO Cache Coherency</a:t>
-            </a:r>
-            <a:endParaRPr lang="en-US" sz="4000" dirty="0"/>
-          </a:p>
-        </p:txBody>
-      </p:sp>
-      <p:sp>
-        <p:nvSpPr>
-          <p:cNvPr id="3" name="Content Placeholder 2"/>
-          <p:cNvSpPr>
-            <a:spLocks noGrp="1"/>
-          </p:cNvSpPr>
-          <p:nvPr>
-            <p:ph idx="1"/>
-          </p:nvPr>
-        </p:nvSpPr>
-        <p:spPr>
-          <a:xfrm>
-            <a:off x="381000" y="4443769"/>
-            <a:ext cx="8382000" cy="1645902"/>
-          </a:xfrm>
-        </p:spPr>
-        <p:txBody>
-          <a:bodyPr>
-            <a:normAutofit lnSpcReduction="10000"/>
-          </a:bodyPr>
-          <a:lstStyle/>
-          <a:p>
-            <a:r>
-              <a:rPr lang="en-US" sz="2400" dirty="0" smtClean="0"/>
-              <a:t>IO coherency for the ARM, SMP for the quad cluster:</a:t>
-            </a:r>
-          </a:p>
-          <a:p>
-            <a:pPr lvl="1"/>
-            <a:r>
-              <a:rPr lang="en-US" sz="2400" dirty="0" smtClean="0"/>
-              <a:t>DDR3A from 0x08_0000_0000 to 0x09_FFFF_FFFF (8 G)</a:t>
-            </a:r>
-          </a:p>
-          <a:p>
-            <a:pPr lvl="1"/>
-            <a:r>
-              <a:rPr lang="en-US" sz="2400" dirty="0" smtClean="0"/>
-              <a:t>MSMC SRAM</a:t>
-            </a:r>
-          </a:p>
-          <a:p>
-            <a:r>
-              <a:rPr lang="en-US" sz="2400" dirty="0" smtClean="0"/>
-              <a:t>Coherency for ease of use and performance</a:t>
-            </a:r>
-          </a:p>
-        </p:txBody>
-      </p:sp>
       <p:grpSp>
         <p:nvGrpSpPr>
           <p:cNvPr id="17" name="Group 16"/>
@@ -14789,6 +14710,85 @@
       </p:grpSp>
       <p:sp>
         <p:nvSpPr>
+          <p:cNvPr id="2" name="Title 1"/>
+          <p:cNvSpPr>
+            <a:spLocks noGrp="1"/>
+          </p:cNvSpPr>
+          <p:nvPr>
+            <p:ph type="title"/>
+          </p:nvPr>
+        </p:nvSpPr>
+        <p:spPr>
+          <a:xfrm>
+            <a:off x="457200" y="274638"/>
+            <a:ext cx="8229600" cy="715962"/>
+          </a:xfrm>
+        </p:spPr>
+        <p:txBody>
+          <a:bodyPr>
+            <a:normAutofit/>
+          </a:bodyPr>
+          <a:lstStyle/>
+          <a:p>
+            <a:r>
+              <a:rPr lang="en-US" sz="4000" dirty="0" smtClean="0"/>
+              <a:t>KeyStone II: IO Cache Coherency</a:t>
+            </a:r>
+            <a:endParaRPr lang="en-US" sz="4000" dirty="0"/>
+          </a:p>
+        </p:txBody>
+      </p:sp>
+      <p:sp>
+        <p:nvSpPr>
+          <p:cNvPr id="3" name="Content Placeholder 2"/>
+          <p:cNvSpPr>
+            <a:spLocks noGrp="1"/>
+          </p:cNvSpPr>
+          <p:nvPr>
+            <p:ph idx="1"/>
+          </p:nvPr>
+        </p:nvSpPr>
+        <p:spPr>
+          <a:xfrm>
+            <a:off x="381000" y="4443769"/>
+            <a:ext cx="8382000" cy="1645902"/>
+          </a:xfrm>
+        </p:spPr>
+        <p:txBody>
+          <a:bodyPr>
+            <a:normAutofit lnSpcReduction="10000"/>
+          </a:bodyPr>
+          <a:lstStyle/>
+          <a:p>
+            <a:r>
+              <a:rPr lang="en-US" sz="2400" dirty="0" smtClean="0"/>
+              <a:t>IO coherency for the ARM, SMP for the quad cluster:</a:t>
+            </a:r>
+          </a:p>
+          <a:p>
+            <a:pPr lvl="1"/>
+            <a:r>
+              <a:rPr lang="en-US" sz="2400" dirty="0" smtClean="0"/>
+              <a:t>DDR3A from 0x08_0000_0000 to 0x09_FFFF_FFFF (8 G)</a:t>
+            </a:r>
+          </a:p>
+          <a:p>
+            <a:pPr lvl="1"/>
+            <a:r>
+              <a:rPr lang="en-US" sz="2400" dirty="0" smtClean="0"/>
+              <a:t>MSMC SRAM</a:t>
+            </a:r>
+          </a:p>
+          <a:p>
+            <a:r>
+              <a:rPr lang="en-US" sz="2400" dirty="0" smtClean="0"/>
+              <a:t>Coherency for ease of use and performance</a:t>
+            </a:r>
+          </a:p>
+        </p:txBody>
+      </p:sp>
+      <p:sp>
+        <p:nvSpPr>
           <p:cNvPr id="19" name="Slide Number Placeholder 18"/>
           <p:cNvSpPr>
             <a:spLocks noGrp="1"/>
@@ -15456,7 +15456,7 @@
     </p:custDataLst>
     <p:extLst>
       <p:ext uri="{BB962C8B-B14F-4D97-AF65-F5344CB8AC3E}">
-        <p14:creationId xmlns:p14="http://schemas.microsoft.com/office/powerpoint/2010/main" xmlns="" val="3469200570"/>
+        <p14:creationId xmlns="" xmlns:p14="http://schemas.microsoft.com/office/powerpoint/2010/main" val="3469200570"/>
       </p:ext>
     </p:extLst>
   </p:cSld>
@@ -15908,7 +15908,7 @@
             <p:ph idx="1"/>
             <p:extLst>
               <p:ext uri="{D42A27DB-BD31-4B8C-83A1-F6EECF244321}">
-                <p14:modId xmlns="" xmlns:p14="http://schemas.microsoft.com/office/powerpoint/2010/main" val="1659503329"/>
+                <p14:modId xmlns:p14="http://schemas.microsoft.com/office/powerpoint/2010/main" xmlns="" val="1659503329"/>
               </p:ext>
             </p:extLst>
           </p:nvPr>
@@ -17802,7 +17802,7 @@
     </p:custDataLst>
     <p:extLst>
       <p:ext uri="{BB962C8B-B14F-4D97-AF65-F5344CB8AC3E}">
-        <p14:creationId xmlns:p14="http://schemas.microsoft.com/office/powerpoint/2010/main" xmlns="" val="3469200570"/>
+        <p14:creationId xmlns="" xmlns:p14="http://schemas.microsoft.com/office/powerpoint/2010/main" val="3469200570"/>
       </p:ext>
     </p:extLst>
   </p:cSld>
@@ -18337,7 +18337,23 @@
           <a:p>
             <a:r>
               <a:rPr lang="en-US" sz="2400" dirty="0" smtClean="0"/>
-              <a:t>PMU (Performance Monitoring Unit) is a set of counters that can gathers statistics various processor and memory events.</a:t>
+              <a:t>PMU (Performance Monitoring Unit) is a set of counters that </a:t>
+            </a:r>
+            <a:r>
+              <a:rPr lang="en-US" sz="2400" dirty="0" smtClean="0"/>
+              <a:t>gathers </a:t>
+            </a:r>
+            <a:r>
+              <a:rPr lang="en-US" sz="2400" dirty="0" smtClean="0"/>
+              <a:t>statistics </a:t>
+            </a:r>
+            <a:r>
+              <a:rPr lang="en-US" sz="2400" dirty="0" smtClean="0"/>
+              <a:t>from various </a:t>
+            </a:r>
+            <a:r>
+              <a:rPr lang="en-US" sz="2400" dirty="0" smtClean="0"/>
+              <a:t>processor and memory events.</a:t>
             </a:r>
           </a:p>
           <a:p>
@@ -22000,10 +22016,6 @@
 </file>
 
 <file path=customXml/item1.xml><?xml version="1.0" encoding="utf-8"?>
-<LongProperties xmlns="http://schemas.microsoft.com/office/2006/metadata/longProperties"/>
-</file>
-
-<file path=customXml/item2.xml><?xml version="1.0" encoding="utf-8"?>
 <ct:contentTypeSchema xmlns:ct="http://schemas.microsoft.com/office/2006/metadata/contentType" xmlns:ma="http://schemas.microsoft.com/office/2006/metadata/properties/metaAttributes" ct:_="" ma:_="" ma:contentTypeName="Document" ma:contentTypeID="0x0101006BF34EDD2AB14F49969AD5B68D65D28C" ma:contentTypeVersion="1" ma:contentTypeDescription="Create a new document." ma:contentTypeScope="" ma:versionID="aec3fda75a9471671297bbb4606d1d91">
   <xsd:schema xmlns:xsd="http://www.w3.org/2001/XMLSchema" xmlns:p="http://schemas.microsoft.com/office/2006/metadata/properties" xmlns:ns2="99c847d8-566e-43ce-87b7-3c417d164c47" targetNamespace="http://schemas.microsoft.com/office/2006/metadata/properties" ma:root="true" ma:fieldsID="6b49c4b1e87cfd71c9528e3cb8636bc2" ns2:_="">
     <xsd:import namespace="99c847d8-566e-43ce-87b7-3c417d164c47"/>
@@ -22065,6 +22077,14 @@
 </ct:contentTypeSchema>
 </file>
 
+<file path=customXml/item2.xml><?xml version="1.0" encoding="utf-8"?>
+<p:properties xmlns:p="http://schemas.microsoft.com/office/2006/metadata/properties" xmlns:xsi="http://www.w3.org/2001/XMLSchema-instance">
+  <documentManagement>
+    <Content_x0020_Owner xmlns="99c847d8-566e-43ce-87b7-3c417d164c47">Ramroop, Saffie</Content_x0020_Owner>
+  </documentManagement>
+</p:properties>
+</file>
+
 <file path=customXml/item3.xml><?xml version="1.0" encoding="utf-8"?>
 <?mso-contentType ?>
 <FormTemplates xmlns="http://schemas.microsoft.com/sharepoint/v3/contenttype/forms">
@@ -22075,22 +22095,10 @@
 </file>
 
 <file path=customXml/item4.xml><?xml version="1.0" encoding="utf-8"?>
-<p:properties xmlns:p="http://schemas.microsoft.com/office/2006/metadata/properties" xmlns:xsi="http://www.w3.org/2001/XMLSchema-instance">
-  <documentManagement>
-    <Content_x0020_Owner xmlns="99c847d8-566e-43ce-87b7-3c417d164c47">Ramroop, Saffie</Content_x0020_Owner>
-  </documentManagement>
-</p:properties>
+<LongProperties xmlns="http://schemas.microsoft.com/office/2006/metadata/longProperties"/>
 </file>
 
 <file path=customXml/itemProps1.xml><?xml version="1.0" encoding="utf-8"?>
-<ds:datastoreItem xmlns:ds="http://schemas.openxmlformats.org/officeDocument/2006/customXml" ds:itemID="{08087394-933C-48A1-8AD9-030539CA3EF7}">
-  <ds:schemaRefs>
-    <ds:schemaRef ds:uri="http://schemas.microsoft.com/office/2006/metadata/longProperties"/>
-  </ds:schemaRefs>
-</ds:datastoreItem>
-</file>
-
-<file path=customXml/itemProps2.xml><?xml version="1.0" encoding="utf-8"?>
 <ds:datastoreItem xmlns:ds="http://schemas.openxmlformats.org/officeDocument/2006/customXml" ds:itemID="{83529300-F1B4-4E63-A67B-9E50D1598C67}">
   <ds:schemaRefs>
     <ds:schemaRef ds:uri="http://schemas.microsoft.com/office/2006/metadata/contentType"/>
@@ -22107,6 +22115,15 @@
 </ds:datastoreItem>
 </file>
 
+<file path=customXml/itemProps2.xml><?xml version="1.0" encoding="utf-8"?>
+<ds:datastoreItem xmlns:ds="http://schemas.openxmlformats.org/officeDocument/2006/customXml" ds:itemID="{7CBBC1DF-22C6-4C0C-A1CC-096D390C1463}">
+  <ds:schemaRefs>
+    <ds:schemaRef ds:uri="http://schemas.microsoft.com/office/2006/metadata/properties"/>
+    <ds:schemaRef ds:uri="99c847d8-566e-43ce-87b7-3c417d164c47"/>
+  </ds:schemaRefs>
+</ds:datastoreItem>
+</file>
+
 <file path=customXml/itemProps3.xml><?xml version="1.0" encoding="utf-8"?>
 <ds:datastoreItem xmlns:ds="http://schemas.openxmlformats.org/officeDocument/2006/customXml" ds:itemID="{9247FEFF-82D0-4BBE-AA2E-6E8C28F7BBE5}">
   <ds:schemaRefs>
@@ -22116,10 +22133,9 @@
 </file>
 
 <file path=customXml/itemProps4.xml><?xml version="1.0" encoding="utf-8"?>
-<ds:datastoreItem xmlns:ds="http://schemas.openxmlformats.org/officeDocument/2006/customXml" ds:itemID="{7CBBC1DF-22C6-4C0C-A1CC-096D390C1463}">
+<ds:datastoreItem xmlns:ds="http://schemas.openxmlformats.org/officeDocument/2006/customXml" ds:itemID="{08087394-933C-48A1-8AD9-030539CA3EF7}">
   <ds:schemaRefs>
-    <ds:schemaRef ds:uri="http://schemas.microsoft.com/office/2006/metadata/properties"/>
-    <ds:schemaRef ds:uri="99c847d8-566e-43ce-87b7-3c417d164c47"/>
+    <ds:schemaRef ds:uri="http://schemas.microsoft.com/office/2006/metadata/longProperties"/>
   </ds:schemaRefs>
 </ds:datastoreItem>
 </file>
--- a/trunk/slides/KeyStone ARM A15 CorePac.pptx
+++ b/trunk/slides/KeyStone ARM A15 CorePac.pptx
@@ -5,10 +5,10 @@
     <p:sldMasterId id="2147484452" r:id="rId5"/>
   </p:sldMasterIdLst>
   <p:notesMasterIdLst>
-    <p:notesMasterId r:id="rId71"/>
+    <p:notesMasterId r:id="rId68"/>
   </p:notesMasterIdLst>
   <p:handoutMasterIdLst>
-    <p:handoutMasterId r:id="rId72"/>
+    <p:handoutMasterId r:id="rId69"/>
   </p:handoutMasterIdLst>
   <p:sldIdLst>
     <p:sldId id="940" r:id="rId6"/>
@@ -31,56 +31,53 @@
     <p:sldId id="934" r:id="rId23"/>
     <p:sldId id="914" r:id="rId24"/>
     <p:sldId id="880" r:id="rId25"/>
-    <p:sldId id="881" r:id="rId26"/>
-    <p:sldId id="917" r:id="rId27"/>
-    <p:sldId id="918" r:id="rId28"/>
-    <p:sldId id="946" r:id="rId29"/>
-    <p:sldId id="883" r:id="rId30"/>
-    <p:sldId id="884" r:id="rId31"/>
-    <p:sldId id="915" r:id="rId32"/>
-    <p:sldId id="930" r:id="rId33"/>
-    <p:sldId id="931" r:id="rId34"/>
-    <p:sldId id="932" r:id="rId35"/>
-    <p:sldId id="935" r:id="rId36"/>
-    <p:sldId id="925" r:id="rId37"/>
-    <p:sldId id="926" r:id="rId38"/>
-    <p:sldId id="936" r:id="rId39"/>
-    <p:sldId id="937" r:id="rId40"/>
-    <p:sldId id="938" r:id="rId41"/>
-    <p:sldId id="885" r:id="rId42"/>
-    <p:sldId id="886" r:id="rId43"/>
-    <p:sldId id="887" r:id="rId44"/>
-    <p:sldId id="888" r:id="rId45"/>
-    <p:sldId id="947" r:id="rId46"/>
-    <p:sldId id="890" r:id="rId47"/>
-    <p:sldId id="939" r:id="rId48"/>
-    <p:sldId id="948" r:id="rId49"/>
-    <p:sldId id="920" r:id="rId50"/>
-    <p:sldId id="916" r:id="rId51"/>
-    <p:sldId id="921" r:id="rId52"/>
-    <p:sldId id="922" r:id="rId53"/>
-    <p:sldId id="894" r:id="rId54"/>
-    <p:sldId id="949" r:id="rId55"/>
-    <p:sldId id="896" r:id="rId56"/>
-    <p:sldId id="897" r:id="rId57"/>
-    <p:sldId id="950" r:id="rId58"/>
-    <p:sldId id="899" r:id="rId59"/>
-    <p:sldId id="900" r:id="rId60"/>
-    <p:sldId id="923" r:id="rId61"/>
-    <p:sldId id="901" r:id="rId62"/>
-    <p:sldId id="902" r:id="rId63"/>
-    <p:sldId id="903" r:id="rId64"/>
-    <p:sldId id="904" r:id="rId65"/>
-    <p:sldId id="905" r:id="rId66"/>
-    <p:sldId id="906" r:id="rId67"/>
-    <p:sldId id="924" r:id="rId68"/>
-    <p:sldId id="907" r:id="rId69"/>
-    <p:sldId id="908" r:id="rId70"/>
+    <p:sldId id="917" r:id="rId26"/>
+    <p:sldId id="918" r:id="rId27"/>
+    <p:sldId id="946" r:id="rId28"/>
+    <p:sldId id="883" r:id="rId29"/>
+    <p:sldId id="884" r:id="rId30"/>
+    <p:sldId id="915" r:id="rId31"/>
+    <p:sldId id="930" r:id="rId32"/>
+    <p:sldId id="931" r:id="rId33"/>
+    <p:sldId id="932" r:id="rId34"/>
+    <p:sldId id="935" r:id="rId35"/>
+    <p:sldId id="925" r:id="rId36"/>
+    <p:sldId id="926" r:id="rId37"/>
+    <p:sldId id="936" r:id="rId38"/>
+    <p:sldId id="937" r:id="rId39"/>
+    <p:sldId id="938" r:id="rId40"/>
+    <p:sldId id="885" r:id="rId41"/>
+    <p:sldId id="886" r:id="rId42"/>
+    <p:sldId id="887" r:id="rId43"/>
+    <p:sldId id="888" r:id="rId44"/>
+    <p:sldId id="947" r:id="rId45"/>
+    <p:sldId id="890" r:id="rId46"/>
+    <p:sldId id="939" r:id="rId47"/>
+    <p:sldId id="948" r:id="rId48"/>
+    <p:sldId id="920" r:id="rId49"/>
+    <p:sldId id="916" r:id="rId50"/>
+    <p:sldId id="921" r:id="rId51"/>
+    <p:sldId id="922" r:id="rId52"/>
+    <p:sldId id="894" r:id="rId53"/>
+    <p:sldId id="949" r:id="rId54"/>
+    <p:sldId id="896" r:id="rId55"/>
+    <p:sldId id="897" r:id="rId56"/>
+    <p:sldId id="950" r:id="rId57"/>
+    <p:sldId id="899" r:id="rId58"/>
+    <p:sldId id="900" r:id="rId59"/>
+    <p:sldId id="923" r:id="rId60"/>
+    <p:sldId id="901" r:id="rId61"/>
+    <p:sldId id="902" r:id="rId62"/>
+    <p:sldId id="903" r:id="rId63"/>
+    <p:sldId id="904" r:id="rId64"/>
+    <p:sldId id="905" r:id="rId65"/>
+    <p:sldId id="906" r:id="rId66"/>
+    <p:sldId id="908" r:id="rId67"/>
   </p:sldIdLst>
   <p:sldSz cx="9144000" cy="6858000" type="screen4x3"/>
   <p:notesSz cx="7010400" cy="9296400"/>
   <p:custDataLst>
-    <p:tags r:id="rId73"/>
+    <p:tags r:id="rId70"/>
   </p:custDataLst>
   <p:defaultTextStyle>
     <a:defPPr>
@@ -327,7 +324,7 @@
               <a:pPr>
                 <a:defRPr/>
               </a:pPr>
-              <a:t>11/12/2013</a:t>
+              <a:t>1/21/2014</a:t>
             </a:fld>
             <a:endParaRPr lang="en-US" dirty="0"/>
           </a:p>
@@ -1161,7 +1158,7 @@
               <a:pPr>
                 <a:defRPr/>
               </a:pPr>
-              <a:t>42</a:t>
+              <a:t>41</a:t>
             </a:fld>
             <a:endParaRPr lang="en-US" dirty="0"/>
           </a:p>
@@ -1252,7 +1249,7 @@
               <a:pPr>
                 <a:defRPr/>
               </a:pPr>
-              <a:t>45</a:t>
+              <a:t>44</a:t>
             </a:fld>
             <a:endParaRPr lang="en-US" dirty="0"/>
           </a:p>
@@ -1343,7 +1340,7 @@
               <a:pPr>
                 <a:defRPr/>
               </a:pPr>
-              <a:t>46</a:t>
+              <a:t>45</a:t>
             </a:fld>
             <a:endParaRPr lang="en-US" dirty="0"/>
           </a:p>
@@ -1430,7 +1427,7 @@
               <a:pPr>
                 <a:defRPr/>
               </a:pPr>
-              <a:t>47</a:t>
+              <a:t>46</a:t>
             </a:fld>
             <a:endParaRPr lang="en-US" dirty="0"/>
           </a:p>
@@ -1517,7 +1514,7 @@
               <a:pPr>
                 <a:defRPr/>
               </a:pPr>
-              <a:t>48</a:t>
+              <a:t>47</a:t>
             </a:fld>
             <a:endParaRPr lang="en-US" dirty="0"/>
           </a:p>
@@ -1599,7 +1596,7 @@
             <a:fld id="{9295E5E2-942B-4086-8EFE-9DF4A2A8CF3E}" type="slidenum">
               <a:rPr lang="en-US" smtClean="0"/>
               <a:pPr/>
-              <a:t>51</a:t>
+              <a:t>50</a:t>
             </a:fld>
             <a:endParaRPr lang="en-US" dirty="0"/>
           </a:p>
@@ -1689,7 +1686,7 @@
             <a:fld id="{9295E5E2-942B-4086-8EFE-9DF4A2A8CF3E}" type="slidenum">
               <a:rPr lang="en-US" smtClean="0"/>
               <a:pPr/>
-              <a:t>52</a:t>
+              <a:t>51</a:t>
             </a:fld>
             <a:endParaRPr lang="en-US" dirty="0"/>
           </a:p>
@@ -1771,7 +1768,7 @@
             <a:fld id="{9295E5E2-942B-4086-8EFE-9DF4A2A8CF3E}" type="slidenum">
               <a:rPr lang="en-US" smtClean="0"/>
               <a:pPr/>
-              <a:t>54</a:t>
+              <a:t>53</a:t>
             </a:fld>
             <a:endParaRPr lang="en-US" dirty="0"/>
           </a:p>
@@ -1853,7 +1850,7 @@
             <a:fld id="{9295E5E2-942B-4086-8EFE-9DF4A2A8CF3E}" type="slidenum">
               <a:rPr lang="en-US" smtClean="0"/>
               <a:pPr/>
-              <a:t>55</a:t>
+              <a:t>54</a:t>
             </a:fld>
             <a:endParaRPr lang="en-US" dirty="0"/>
           </a:p>
@@ -1935,7 +1932,7 @@
             <a:fld id="{9295E5E2-942B-4086-8EFE-9DF4A2A8CF3E}" type="slidenum">
               <a:rPr lang="en-US" smtClean="0"/>
               <a:pPr/>
-              <a:t>57</a:t>
+              <a:t>56</a:t>
             </a:fld>
             <a:endParaRPr lang="en-US" dirty="0"/>
           </a:p>
@@ -2198,7 +2195,7 @@
             <a:fld id="{9295E5E2-942B-4086-8EFE-9DF4A2A8CF3E}" type="slidenum">
               <a:rPr lang="en-US" smtClean="0"/>
               <a:pPr/>
-              <a:t>58</a:t>
+              <a:t>57</a:t>
             </a:fld>
             <a:endParaRPr lang="en-US" dirty="0"/>
           </a:p>
@@ -2280,7 +2277,7 @@
             <a:fld id="{9295E5E2-942B-4086-8EFE-9DF4A2A8CF3E}" type="slidenum">
               <a:rPr lang="en-US" smtClean="0"/>
               <a:pPr/>
-              <a:t>60</a:t>
+              <a:t>59</a:t>
             </a:fld>
             <a:endParaRPr lang="en-US" dirty="0"/>
           </a:p>
@@ -2366,7 +2363,7 @@
             <a:fld id="{9295E5E2-942B-4086-8EFE-9DF4A2A8CF3E}" type="slidenum">
               <a:rPr lang="en-US" smtClean="0"/>
               <a:pPr/>
-              <a:t>61</a:t>
+              <a:t>60</a:t>
             </a:fld>
             <a:endParaRPr lang="en-US" dirty="0"/>
           </a:p>
@@ -2448,7 +2445,7 @@
             <a:fld id="{9295E5E2-942B-4086-8EFE-9DF4A2A8CF3E}" type="slidenum">
               <a:rPr lang="en-US" smtClean="0"/>
               <a:pPr/>
-              <a:t>62</a:t>
+              <a:t>61</a:t>
             </a:fld>
             <a:endParaRPr lang="en-US" dirty="0"/>
           </a:p>
@@ -2527,201 +2524,6 @@
           <a:bodyPr/>
           <a:lstStyle/>
           <a:p>
-            <a:fld id="{9295E5E2-942B-4086-8EFE-9DF4A2A8CF3E}" type="slidenum">
-              <a:rPr lang="en-US" smtClean="0"/>
-              <a:pPr/>
-              <a:t>63</a:t>
-            </a:fld>
-            <a:endParaRPr lang="en-US" dirty="0"/>
-          </a:p>
-        </p:txBody>
-      </p:sp>
-    </p:spTree>
-  </p:cSld>
-  <p:clrMapOvr>
-    <a:masterClrMapping/>
-  </p:clrMapOvr>
-</p:notes>
-</file>
-
-<file path=ppt/notesSlides/notesSlide25.xml><?xml version="1.0" encoding="utf-8"?>
-<p:notes xmlns:a="http://schemas.openxmlformats.org/drawingml/2006/main" xmlns:r="http://schemas.openxmlformats.org/officeDocument/2006/relationships" xmlns:p="http://schemas.openxmlformats.org/presentationml/2006/main">
-  <p:cSld>
-    <p:spTree>
-      <p:nvGrpSpPr>
-        <p:cNvPr id="1" name=""/>
-        <p:cNvGrpSpPr/>
-        <p:nvPr/>
-      </p:nvGrpSpPr>
-      <p:grpSpPr>
-        <a:xfrm>
-          <a:off x="0" y="0"/>
-          <a:ext cx="0" cy="0"/>
-          <a:chOff x="0" y="0"/>
-          <a:chExt cx="0" cy="0"/>
-        </a:xfrm>
-      </p:grpSpPr>
-      <p:sp>
-        <p:nvSpPr>
-          <p:cNvPr id="2" name="Slide Image Placeholder 1"/>
-          <p:cNvSpPr>
-            <a:spLocks noGrp="1" noRot="1" noChangeAspect="1"/>
-          </p:cNvSpPr>
-          <p:nvPr>
-            <p:ph type="sldImg"/>
-          </p:nvPr>
-        </p:nvSpPr>
-        <p:spPr/>
-      </p:sp>
-      <p:sp>
-        <p:nvSpPr>
-          <p:cNvPr id="3" name="Notes Placeholder 2"/>
-          <p:cNvSpPr>
-            <a:spLocks noGrp="1"/>
-          </p:cNvSpPr>
-          <p:nvPr>
-            <p:ph type="body" idx="1"/>
-          </p:nvPr>
-        </p:nvSpPr>
-        <p:spPr/>
-        <p:txBody>
-          <a:bodyPr>
-            <a:normAutofit/>
-          </a:bodyPr>
-          <a:lstStyle/>
-          <a:p>
-            <a:r>
-              <a:rPr lang="en-US" dirty="0" smtClean="0"/>
-              <a:t>Yellow area is the standard quad A15 MPCore with 4MB of shared coherent cache, each core is</a:t>
-            </a:r>
-            <a:r>
-              <a:rPr lang="en-US" baseline="0" dirty="0" smtClean="0"/>
-              <a:t> in its own power switched domain and the MPCore with L2 cache is in a further power switched domain</a:t>
-            </a:r>
-            <a:endParaRPr lang="en-US" dirty="0" smtClean="0"/>
-          </a:p>
-          <a:p>
-            <a:r>
-              <a:rPr lang="en-US" dirty="0" smtClean="0"/>
-              <a:t>GIC-400 is the standard interrupt controller from ARM</a:t>
-            </a:r>
-          </a:p>
-          <a:p>
-            <a:r>
-              <a:rPr lang="en-US" dirty="0" smtClean="0"/>
-              <a:t>The</a:t>
-            </a:r>
-            <a:r>
-              <a:rPr lang="en-US" baseline="0" dirty="0" smtClean="0"/>
-              <a:t> path the cores and caches do memory reads and writes goes through Eagles Nest to MSMC. Snooping by MSMC use this path as well</a:t>
-            </a:r>
-          </a:p>
-          <a:p>
-            <a:r>
-              <a:rPr lang="en-US" baseline="0" dirty="0" smtClean="0"/>
-              <a:t>The rest of the interfaces are related to clocking, debugging, tracing, and production testing.</a:t>
-            </a:r>
-            <a:endParaRPr lang="en-US" dirty="0"/>
-          </a:p>
-        </p:txBody>
-      </p:sp>
-      <p:sp>
-        <p:nvSpPr>
-          <p:cNvPr id="4" name="Slide Number Placeholder 3"/>
-          <p:cNvSpPr>
-            <a:spLocks noGrp="1"/>
-          </p:cNvSpPr>
-          <p:nvPr>
-            <p:ph type="sldNum" sz="quarter" idx="10"/>
-          </p:nvPr>
-        </p:nvSpPr>
-        <p:spPr/>
-        <p:txBody>
-          <a:bodyPr/>
-          <a:lstStyle/>
-          <a:p>
-            <a:fld id="{9295E5E2-942B-4086-8EFE-9DF4A2A8CF3E}" type="slidenum">
-              <a:rPr lang="en-US" smtClean="0"/>
-              <a:pPr/>
-              <a:t>64</a:t>
-            </a:fld>
-            <a:endParaRPr lang="en-US" dirty="0"/>
-          </a:p>
-        </p:txBody>
-      </p:sp>
-    </p:spTree>
-  </p:cSld>
-  <p:clrMapOvr>
-    <a:masterClrMapping/>
-  </p:clrMapOvr>
-</p:notes>
-</file>
-
-<file path=ppt/notesSlides/notesSlide26.xml><?xml version="1.0" encoding="utf-8"?>
-<p:notes xmlns:a="http://schemas.openxmlformats.org/drawingml/2006/main" xmlns:r="http://schemas.openxmlformats.org/officeDocument/2006/relationships" xmlns:p="http://schemas.openxmlformats.org/presentationml/2006/main">
-  <p:cSld>
-    <p:spTree>
-      <p:nvGrpSpPr>
-        <p:cNvPr id="1" name=""/>
-        <p:cNvGrpSpPr/>
-        <p:nvPr/>
-      </p:nvGrpSpPr>
-      <p:grpSpPr>
-        <a:xfrm>
-          <a:off x="0" y="0"/>
-          <a:ext cx="0" cy="0"/>
-          <a:chOff x="0" y="0"/>
-          <a:chExt cx="0" cy="0"/>
-        </a:xfrm>
-      </p:grpSpPr>
-      <p:sp>
-        <p:nvSpPr>
-          <p:cNvPr id="2" name="Slide Image Placeholder 1"/>
-          <p:cNvSpPr>
-            <a:spLocks noGrp="1" noRot="1" noChangeAspect="1"/>
-          </p:cNvSpPr>
-          <p:nvPr>
-            <p:ph type="sldImg"/>
-          </p:nvPr>
-        </p:nvSpPr>
-        <p:spPr/>
-      </p:sp>
-      <p:sp>
-        <p:nvSpPr>
-          <p:cNvPr id="3" name="Notes Placeholder 2"/>
-          <p:cNvSpPr>
-            <a:spLocks noGrp="1"/>
-          </p:cNvSpPr>
-          <p:nvPr>
-            <p:ph type="body" idx="1"/>
-          </p:nvPr>
-        </p:nvSpPr>
-        <p:spPr/>
-        <p:txBody>
-          <a:bodyPr>
-            <a:normAutofit/>
-          </a:bodyPr>
-          <a:lstStyle/>
-          <a:p>
-            <a:endParaRPr lang="en-US" dirty="0"/>
-          </a:p>
-        </p:txBody>
-      </p:sp>
-      <p:sp>
-        <p:nvSpPr>
-          <p:cNvPr id="4" name="Slide Number Placeholder 3"/>
-          <p:cNvSpPr>
-            <a:spLocks noGrp="1"/>
-          </p:cNvSpPr>
-          <p:nvPr>
-            <p:ph type="sldNum" sz="quarter" idx="10"/>
-          </p:nvPr>
-        </p:nvSpPr>
-        <p:spPr/>
-        <p:txBody>
-          <a:bodyPr/>
-          <a:lstStyle/>
-          <a:p>
             <a:pPr>
               <a:defRPr/>
             </a:pPr>
@@ -2730,7 +2532,7 @@
               <a:pPr>
                 <a:defRPr/>
               </a:pPr>
-              <a:t>65</a:t>
+              <a:t>62</a:t>
             </a:fld>
             <a:endParaRPr lang="en-US" dirty="0"/>
           </a:p>
@@ -3170,7 +2972,7 @@
             <a:fld id="{9295E5E2-942B-4086-8EFE-9DF4A2A8CF3E}" type="slidenum">
               <a:rPr lang="en-US" smtClean="0"/>
               <a:pPr/>
-              <a:t>37</a:t>
+              <a:t>36</a:t>
             </a:fld>
             <a:endParaRPr lang="en-US" dirty="0"/>
           </a:p>
@@ -3261,7 +3063,7 @@
               <a:pPr>
                 <a:defRPr/>
               </a:pPr>
-              <a:t>38</a:t>
+              <a:t>37</a:t>
             </a:fld>
             <a:endParaRPr lang="en-US" dirty="0"/>
           </a:p>
@@ -3348,7 +3150,7 @@
               <a:pPr>
                 <a:defRPr/>
               </a:pPr>
-              <a:t>39</a:t>
+              <a:t>38</a:t>
             </a:fld>
             <a:endParaRPr lang="en-US" dirty="0"/>
           </a:p>
@@ -3435,7 +3237,7 @@
               <a:pPr>
                 <a:defRPr/>
               </a:pPr>
-              <a:t>40</a:t>
+              <a:t>39</a:t>
             </a:fld>
             <a:endParaRPr lang="en-US" dirty="0"/>
           </a:p>
@@ -8021,113 +7823,6 @@
 </file>
 
 <file path=ppt/slides/slide21.xml><?xml version="1.0" encoding="utf-8"?>
-<p:sld xmlns:a="http://schemas.openxmlformats.org/drawingml/2006/main" xmlns:r="http://schemas.openxmlformats.org/officeDocument/2006/relationships" xmlns:p="http://schemas.openxmlformats.org/presentationml/2006/main" show="0">
-  <p:cSld>
-    <p:spTree>
-      <p:nvGrpSpPr>
-        <p:cNvPr id="1" name=""/>
-        <p:cNvGrpSpPr/>
-        <p:nvPr/>
-      </p:nvGrpSpPr>
-      <p:grpSpPr>
-        <a:xfrm>
-          <a:off x="0" y="0"/>
-          <a:ext cx="0" cy="0"/>
-          <a:chOff x="0" y="0"/>
-          <a:chExt cx="0" cy="0"/>
-        </a:xfrm>
-      </p:grpSpPr>
-      <p:sp>
-        <p:nvSpPr>
-          <p:cNvPr id="2" name="Title 1"/>
-          <p:cNvSpPr>
-            <a:spLocks noGrp="1"/>
-          </p:cNvSpPr>
-          <p:nvPr>
-            <p:ph type="title"/>
-          </p:nvPr>
-        </p:nvSpPr>
-        <p:spPr>
-          <a:xfrm>
-            <a:off x="457200" y="46038"/>
-            <a:ext cx="8229600" cy="1020762"/>
-          </a:xfrm>
-        </p:spPr>
-        <p:txBody>
-          <a:bodyPr>
-            <a:noAutofit/>
-          </a:bodyPr>
-          <a:lstStyle/>
-          <a:p>
-            <a:r>
-              <a:rPr lang="en-US" sz="3600" dirty="0" smtClean="0"/>
-              <a:t>Two-Stage MMU:</a:t>
-            </a:r>
-            <a:br>
-              <a:rPr lang="en-US" sz="3600" dirty="0" smtClean="0"/>
-            </a:br>
-            <a:r>
-              <a:rPr lang="en-US" sz="3200" dirty="0" smtClean="0"/>
-              <a:t>Guest to Supervisor, Supervisor to Hypervisor </a:t>
-            </a:r>
-            <a:endParaRPr lang="en-US" sz="3200" dirty="0"/>
-          </a:p>
-        </p:txBody>
-      </p:sp>
-      <p:graphicFrame>
-        <p:nvGraphicFramePr>
-          <p:cNvPr id="72705" name="Object 1"/>
-          <p:cNvGraphicFramePr>
-            <a:graphicFrameLocks noChangeAspect="1"/>
-          </p:cNvGraphicFramePr>
-          <p:nvPr/>
-        </p:nvGraphicFramePr>
-        <p:xfrm>
-          <a:off x="937260" y="1074420"/>
-          <a:ext cx="7315200" cy="5432425"/>
-        </p:xfrm>
-        <a:graphic>
-          <a:graphicData uri="http://schemas.openxmlformats.org/presentationml/2006/ole">
-            <p:oleObj spid="_x0000_s72705" name="Visio" r:id="rId3" imgW="9173985" imgH="6813955" progId="Visio.Drawing.11">
-              <p:embed/>
-            </p:oleObj>
-          </a:graphicData>
-        </a:graphic>
-      </p:graphicFrame>
-      <p:sp>
-        <p:nvSpPr>
-          <p:cNvPr id="4" name="Slide Number Placeholder 3"/>
-          <p:cNvSpPr>
-            <a:spLocks noGrp="1"/>
-          </p:cNvSpPr>
-          <p:nvPr>
-            <p:ph type="sldNum" sz="quarter" idx="10"/>
-          </p:nvPr>
-        </p:nvSpPr>
-        <p:spPr/>
-        <p:txBody>
-          <a:bodyPr/>
-          <a:lstStyle/>
-          <a:p>
-            <a:fld id="{F2394529-A9B3-4A54-83EC-E61379E8334E}" type="slidenum">
-              <a:rPr lang="en-US" smtClean="0"/>
-              <a:pPr/>
-              <a:t>21</a:t>
-            </a:fld>
-            <a:endParaRPr lang="en-US" dirty="0"/>
-          </a:p>
-        </p:txBody>
-      </p:sp>
-    </p:spTree>
-  </p:cSld>
-  <p:clrMapOvr>
-    <a:masterClrMapping/>
-  </p:clrMapOvr>
-  <p:transition/>
-</p:sld>
-</file>
-
-<file path=ppt/slides/slide22.xml><?xml version="1.0" encoding="utf-8"?>
 <p:sld xmlns:a="http://schemas.openxmlformats.org/drawingml/2006/main" xmlns:r="http://schemas.openxmlformats.org/officeDocument/2006/relationships" xmlns:p="http://schemas.openxmlformats.org/presentationml/2006/main">
   <p:cSld>
     <p:spTree>
@@ -8319,7 +8014,7 @@
             <a:fld id="{F2394529-A9B3-4A54-83EC-E61379E8334E}" type="slidenum">
               <a:rPr lang="en-US" smtClean="0"/>
               <a:pPr/>
-              <a:t>22</a:t>
+              <a:t>21</a:t>
             </a:fld>
             <a:endParaRPr lang="en-US" dirty="0"/>
           </a:p>
@@ -8333,7 +8028,7 @@
 </p:sld>
 </file>
 
-<file path=ppt/slides/slide23.xml><?xml version="1.0" encoding="utf-8"?>
+<file path=ppt/slides/slide22.xml><?xml version="1.0" encoding="utf-8"?>
 <p:sld xmlns:a="http://schemas.openxmlformats.org/drawingml/2006/main" xmlns:r="http://schemas.openxmlformats.org/officeDocument/2006/relationships" xmlns:p="http://schemas.openxmlformats.org/presentationml/2006/main">
   <p:cSld>
     <p:spTree>
@@ -8462,7 +8157,7 @@
             <a:fld id="{F2394529-A9B3-4A54-83EC-E61379E8334E}" type="slidenum">
               <a:rPr lang="en-US" smtClean="0"/>
               <a:pPr/>
-              <a:t>23</a:t>
+              <a:t>22</a:t>
             </a:fld>
             <a:endParaRPr lang="en-US" dirty="0"/>
           </a:p>
@@ -8473,6 +8168,89 @@
   <p:clrMapOvr>
     <a:masterClrMapping/>
   </p:clrMapOvr>
+</p:sld>
+</file>
+
+<file path=ppt/slides/slide23.xml><?xml version="1.0" encoding="utf-8"?>
+<p:sld xmlns:a="http://schemas.openxmlformats.org/drawingml/2006/main" xmlns:r="http://schemas.openxmlformats.org/officeDocument/2006/relationships" xmlns:p="http://schemas.openxmlformats.org/presentationml/2006/main">
+  <p:cSld>
+    <p:spTree>
+      <p:nvGrpSpPr>
+        <p:cNvPr id="1" name=""/>
+        <p:cNvGrpSpPr/>
+        <p:nvPr/>
+      </p:nvGrpSpPr>
+      <p:grpSpPr>
+        <a:xfrm>
+          <a:off x="0" y="0"/>
+          <a:ext cx="0" cy="0"/>
+          <a:chOff x="0" y="0"/>
+          <a:chExt cx="0" cy="0"/>
+        </a:xfrm>
+      </p:grpSpPr>
+      <p:sp>
+        <p:nvSpPr>
+          <p:cNvPr id="2" name="Title 1"/>
+          <p:cNvSpPr>
+            <a:spLocks noGrp="1"/>
+          </p:cNvSpPr>
+          <p:nvPr>
+            <p:ph type="ctrTitle"/>
+          </p:nvPr>
+        </p:nvSpPr>
+        <p:spPr/>
+        <p:txBody>
+          <a:bodyPr/>
+          <a:lstStyle/>
+          <a:p>
+            <a:r>
+              <a:rPr lang="en-US" dirty="0" smtClean="0"/>
+              <a:t>Interface to the SOC and</a:t>
+            </a:r>
+            <a:br>
+              <a:rPr lang="en-US" dirty="0" smtClean="0"/>
+            </a:br>
+            <a:r>
+              <a:rPr lang="en-US" dirty="0" smtClean="0"/>
+              <a:t>Coherency Issues</a:t>
+            </a:r>
+            <a:endParaRPr lang="en-US" dirty="0"/>
+          </a:p>
+        </p:txBody>
+      </p:sp>
+      <p:sp>
+        <p:nvSpPr>
+          <p:cNvPr id="3" name="Subtitle 2"/>
+          <p:cNvSpPr>
+            <a:spLocks noGrp="1"/>
+          </p:cNvSpPr>
+          <p:nvPr>
+            <p:ph type="subTitle" idx="1"/>
+          </p:nvPr>
+        </p:nvSpPr>
+        <p:spPr/>
+        <p:txBody>
+          <a:bodyPr/>
+          <a:lstStyle/>
+          <a:p>
+            <a:r>
+              <a:rPr lang="en-US" dirty="0" smtClean="0"/>
+              <a:t>ARM Cortex A-15 CorePac Overview</a:t>
+            </a:r>
+          </a:p>
+          <a:p>
+            <a:endParaRPr lang="en-US" dirty="0"/>
+          </a:p>
+        </p:txBody>
+      </p:sp>
+    </p:spTree>
+  </p:cSld>
+  <p:clrMapOvr>
+    <a:masterClrMapping/>
+  </p:clrMapOvr>
+  <p:transition spd="med">
+    <p:fade/>
+  </p:transition>
 </p:sld>
 </file>
 
@@ -8500,89 +8278,6 @@
             <a:spLocks noGrp="1"/>
           </p:cNvSpPr>
           <p:nvPr>
-            <p:ph type="ctrTitle"/>
-          </p:nvPr>
-        </p:nvSpPr>
-        <p:spPr/>
-        <p:txBody>
-          <a:bodyPr/>
-          <a:lstStyle/>
-          <a:p>
-            <a:r>
-              <a:rPr lang="en-US" dirty="0" smtClean="0"/>
-              <a:t>Interface to the SOC and</a:t>
-            </a:r>
-            <a:br>
-              <a:rPr lang="en-US" dirty="0" smtClean="0"/>
-            </a:br>
-            <a:r>
-              <a:rPr lang="en-US" dirty="0" smtClean="0"/>
-              <a:t>Coherency Issues</a:t>
-            </a:r>
-            <a:endParaRPr lang="en-US" dirty="0"/>
-          </a:p>
-        </p:txBody>
-      </p:sp>
-      <p:sp>
-        <p:nvSpPr>
-          <p:cNvPr id="3" name="Subtitle 2"/>
-          <p:cNvSpPr>
-            <a:spLocks noGrp="1"/>
-          </p:cNvSpPr>
-          <p:nvPr>
-            <p:ph type="subTitle" idx="1"/>
-          </p:nvPr>
-        </p:nvSpPr>
-        <p:spPr/>
-        <p:txBody>
-          <a:bodyPr/>
-          <a:lstStyle/>
-          <a:p>
-            <a:r>
-              <a:rPr lang="en-US" dirty="0" smtClean="0"/>
-              <a:t>ARM Cortex A-15 CorePac Overview</a:t>
-            </a:r>
-          </a:p>
-          <a:p>
-            <a:endParaRPr lang="en-US" dirty="0"/>
-          </a:p>
-        </p:txBody>
-      </p:sp>
-    </p:spTree>
-  </p:cSld>
-  <p:clrMapOvr>
-    <a:masterClrMapping/>
-  </p:clrMapOvr>
-  <p:transition spd="med">
-    <p:fade/>
-  </p:transition>
-</p:sld>
-</file>
-
-<file path=ppt/slides/slide25.xml><?xml version="1.0" encoding="utf-8"?>
-<p:sld xmlns:a="http://schemas.openxmlformats.org/drawingml/2006/main" xmlns:r="http://schemas.openxmlformats.org/officeDocument/2006/relationships" xmlns:p="http://schemas.openxmlformats.org/presentationml/2006/main">
-  <p:cSld>
-    <p:spTree>
-      <p:nvGrpSpPr>
-        <p:cNvPr id="1" name=""/>
-        <p:cNvGrpSpPr/>
-        <p:nvPr/>
-      </p:nvGrpSpPr>
-      <p:grpSpPr>
-        <a:xfrm>
-          <a:off x="0" y="0"/>
-          <a:ext cx="0" cy="0"/>
-          <a:chOff x="0" y="0"/>
-          <a:chExt cx="0" cy="0"/>
-        </a:xfrm>
-      </p:grpSpPr>
-      <p:sp>
-        <p:nvSpPr>
-          <p:cNvPr id="2" name="Title 1"/>
-          <p:cNvSpPr>
-            <a:spLocks noGrp="1"/>
-          </p:cNvSpPr>
-          <p:nvPr>
             <p:ph type="title"/>
           </p:nvPr>
         </p:nvSpPr>
@@ -8688,7 +8383,7 @@
             <a:fld id="{F2394529-A9B3-4A54-83EC-E61379E8334E}" type="slidenum">
               <a:rPr lang="en-US" smtClean="0"/>
               <a:pPr/>
-              <a:t>25</a:t>
+              <a:t>24</a:t>
             </a:fld>
             <a:endParaRPr lang="en-US" dirty="0"/>
           </a:p>
@@ -8702,7 +8397,7 @@
 </p:sld>
 </file>
 
-<file path=ppt/slides/slide26.xml><?xml version="1.0" encoding="utf-8"?>
+<file path=ppt/slides/slide25.xml><?xml version="1.0" encoding="utf-8"?>
 <p:sld xmlns:a="http://schemas.openxmlformats.org/drawingml/2006/main" xmlns:r="http://schemas.openxmlformats.org/officeDocument/2006/relationships" xmlns:p="http://schemas.openxmlformats.org/presentationml/2006/main" show="0">
   <p:cSld>
     <p:spTree>
@@ -8799,7 +8494,7 @@
             <a:fld id="{F2394529-A9B3-4A54-83EC-E61379E8334E}" type="slidenum">
               <a:rPr lang="en-US" smtClean="0"/>
               <a:pPr/>
-              <a:t>26</a:t>
+              <a:t>25</a:t>
             </a:fld>
             <a:endParaRPr lang="en-US" dirty="0"/>
           </a:p>
@@ -8814,7 +8509,7 @@
 </p:sld>
 </file>
 
-<file path=ppt/slides/slide27.xml><?xml version="1.0" encoding="utf-8"?>
+<file path=ppt/slides/slide26.xml><?xml version="1.0" encoding="utf-8"?>
 <p:sld xmlns:a="http://schemas.openxmlformats.org/drawingml/2006/main" xmlns:r="http://schemas.openxmlformats.org/officeDocument/2006/relationships" xmlns:p="http://schemas.openxmlformats.org/presentationml/2006/main">
   <p:cSld>
     <p:spTree>
@@ -8985,7 +8680,7 @@
             <a:fld id="{F2394529-A9B3-4A54-83EC-E61379E8334E}" type="slidenum">
               <a:rPr lang="en-US" smtClean="0"/>
               <a:pPr/>
-              <a:t>27</a:t>
+              <a:t>26</a:t>
             </a:fld>
             <a:endParaRPr lang="en-US" dirty="0"/>
           </a:p>
@@ -9000,7 +8695,7 @@
 </p:sld>
 </file>
 
-<file path=ppt/slides/slide28.xml><?xml version="1.0" encoding="utf-8"?>
+<file path=ppt/slides/slide27.xml><?xml version="1.0" encoding="utf-8"?>
 <p:sld xmlns:a="http://schemas.openxmlformats.org/drawingml/2006/main" xmlns:r="http://schemas.openxmlformats.org/officeDocument/2006/relationships" xmlns:p="http://schemas.openxmlformats.org/presentationml/2006/main">
   <p:cSld>
     <p:spTree>
@@ -9317,7 +9012,7 @@
             <a:fld id="{F2394529-A9B3-4A54-83EC-E61379E8334E}" type="slidenum">
               <a:rPr lang="en-US" smtClean="0"/>
               <a:pPr/>
-              <a:t>28</a:t>
+              <a:t>27</a:t>
             </a:fld>
             <a:endParaRPr lang="en-US" dirty="0"/>
           </a:p>
@@ -9338,7 +9033,7 @@
 </p:sld>
 </file>
 
-<file path=ppt/slides/slide29.xml><?xml version="1.0" encoding="utf-8"?>
+<file path=ppt/slides/slide28.xml><?xml version="1.0" encoding="utf-8"?>
 <p:sld xmlns:a="http://schemas.openxmlformats.org/drawingml/2006/main" xmlns:r="http://schemas.openxmlformats.org/officeDocument/2006/relationships" xmlns:p="http://schemas.openxmlformats.org/presentationml/2006/main">
   <p:cSld>
     <p:spTree>
@@ -9858,7 +9553,7 @@
             <a:fld id="{F2394529-A9B3-4A54-83EC-E61379E8334E}" type="slidenum">
               <a:rPr lang="en-US" smtClean="0"/>
               <a:pPr/>
-              <a:t>29</a:t>
+              <a:t>28</a:t>
             </a:fld>
             <a:endParaRPr lang="en-US" dirty="0"/>
           </a:p>
@@ -9879,81 +9574,7 @@
 </p:sld>
 </file>
 
-<file path=ppt/slides/slide3.xml><?xml version="1.0" encoding="utf-8"?>
-<p:sld xmlns:a="http://schemas.openxmlformats.org/drawingml/2006/main" xmlns:r="http://schemas.openxmlformats.org/officeDocument/2006/relationships" xmlns:p="http://schemas.openxmlformats.org/presentationml/2006/main">
-  <p:cSld>
-    <p:spTree>
-      <p:nvGrpSpPr>
-        <p:cNvPr id="1" name=""/>
-        <p:cNvGrpSpPr/>
-        <p:nvPr/>
-      </p:nvGrpSpPr>
-      <p:grpSpPr>
-        <a:xfrm>
-          <a:off x="0" y="0"/>
-          <a:ext cx="0" cy="0"/>
-          <a:chOff x="0" y="0"/>
-          <a:chExt cx="0" cy="0"/>
-        </a:xfrm>
-      </p:grpSpPr>
-      <p:sp>
-        <p:nvSpPr>
-          <p:cNvPr id="2" name="Title 1"/>
-          <p:cNvSpPr>
-            <a:spLocks noGrp="1"/>
-          </p:cNvSpPr>
-          <p:nvPr>
-            <p:ph type="ctrTitle"/>
-          </p:nvPr>
-        </p:nvSpPr>
-        <p:spPr/>
-        <p:txBody>
-          <a:bodyPr/>
-          <a:lstStyle/>
-          <a:p>
-            <a:r>
-              <a:rPr lang="en-US" dirty="0" smtClean="0"/>
-              <a:t>ARM CorePac in KeyStone II</a:t>
-            </a:r>
-            <a:endParaRPr lang="en-US" dirty="0"/>
-          </a:p>
-        </p:txBody>
-      </p:sp>
-      <p:sp>
-        <p:nvSpPr>
-          <p:cNvPr id="3" name="Subtitle 2"/>
-          <p:cNvSpPr>
-            <a:spLocks noGrp="1"/>
-          </p:cNvSpPr>
-          <p:nvPr>
-            <p:ph type="subTitle" idx="1"/>
-          </p:nvPr>
-        </p:nvSpPr>
-        <p:spPr/>
-        <p:txBody>
-          <a:bodyPr/>
-          <a:lstStyle/>
-          <a:p>
-            <a:r>
-              <a:rPr lang="en-US" dirty="0" smtClean="0"/>
-              <a:t>ARM Cortex A-15 CorePac Overview</a:t>
-            </a:r>
-            <a:endParaRPr lang="en-US" dirty="0"/>
-          </a:p>
-        </p:txBody>
-      </p:sp>
-    </p:spTree>
-  </p:cSld>
-  <p:clrMapOvr>
-    <a:masterClrMapping/>
-  </p:clrMapOvr>
-  <p:transition spd="med">
-    <p:fade/>
-  </p:transition>
-</p:sld>
-</file>
-
-<file path=ppt/slides/slide30.xml><?xml version="1.0" encoding="utf-8"?>
+<file path=ppt/slides/slide29.xml><?xml version="1.0" encoding="utf-8"?>
 <p:sld xmlns:a="http://schemas.openxmlformats.org/drawingml/2006/main" xmlns:r="http://schemas.openxmlformats.org/officeDocument/2006/relationships" xmlns:p="http://schemas.openxmlformats.org/presentationml/2006/main">
   <p:cSld>
     <p:spTree>
@@ -10668,7 +10289,7 @@
             <a:fld id="{F2394529-A9B3-4A54-83EC-E61379E8334E}" type="slidenum">
               <a:rPr lang="en-US" smtClean="0"/>
               <a:pPr/>
-              <a:t>30</a:t>
+              <a:t>29</a:t>
             </a:fld>
             <a:endParaRPr lang="en-US" dirty="0"/>
           </a:p>
@@ -10689,7 +10310,81 @@
 </p:sld>
 </file>
 
-<file path=ppt/slides/slide31.xml><?xml version="1.0" encoding="utf-8"?>
+<file path=ppt/slides/slide3.xml><?xml version="1.0" encoding="utf-8"?>
+<p:sld xmlns:a="http://schemas.openxmlformats.org/drawingml/2006/main" xmlns:r="http://schemas.openxmlformats.org/officeDocument/2006/relationships" xmlns:p="http://schemas.openxmlformats.org/presentationml/2006/main">
+  <p:cSld>
+    <p:spTree>
+      <p:nvGrpSpPr>
+        <p:cNvPr id="1" name=""/>
+        <p:cNvGrpSpPr/>
+        <p:nvPr/>
+      </p:nvGrpSpPr>
+      <p:grpSpPr>
+        <a:xfrm>
+          <a:off x="0" y="0"/>
+          <a:ext cx="0" cy="0"/>
+          <a:chOff x="0" y="0"/>
+          <a:chExt cx="0" cy="0"/>
+        </a:xfrm>
+      </p:grpSpPr>
+      <p:sp>
+        <p:nvSpPr>
+          <p:cNvPr id="2" name="Title 1"/>
+          <p:cNvSpPr>
+            <a:spLocks noGrp="1"/>
+          </p:cNvSpPr>
+          <p:nvPr>
+            <p:ph type="ctrTitle"/>
+          </p:nvPr>
+        </p:nvSpPr>
+        <p:spPr/>
+        <p:txBody>
+          <a:bodyPr/>
+          <a:lstStyle/>
+          <a:p>
+            <a:r>
+              <a:rPr lang="en-US" dirty="0" smtClean="0"/>
+              <a:t>ARM CorePac in KeyStone II</a:t>
+            </a:r>
+            <a:endParaRPr lang="en-US" dirty="0"/>
+          </a:p>
+        </p:txBody>
+      </p:sp>
+      <p:sp>
+        <p:nvSpPr>
+          <p:cNvPr id="3" name="Subtitle 2"/>
+          <p:cNvSpPr>
+            <a:spLocks noGrp="1"/>
+          </p:cNvSpPr>
+          <p:nvPr>
+            <p:ph type="subTitle" idx="1"/>
+          </p:nvPr>
+        </p:nvSpPr>
+        <p:spPr/>
+        <p:txBody>
+          <a:bodyPr/>
+          <a:lstStyle/>
+          <a:p>
+            <a:r>
+              <a:rPr lang="en-US" dirty="0" smtClean="0"/>
+              <a:t>ARM Cortex A-15 CorePac Overview</a:t>
+            </a:r>
+            <a:endParaRPr lang="en-US" dirty="0"/>
+          </a:p>
+        </p:txBody>
+      </p:sp>
+    </p:spTree>
+  </p:cSld>
+  <p:clrMapOvr>
+    <a:masterClrMapping/>
+  </p:clrMapOvr>
+  <p:transition spd="med">
+    <p:fade/>
+  </p:transition>
+</p:sld>
+</file>
+
+<file path=ppt/slides/slide30.xml><?xml version="1.0" encoding="utf-8"?>
 <p:sld xmlns:a="http://schemas.openxmlformats.org/drawingml/2006/main" xmlns:r="http://schemas.openxmlformats.org/officeDocument/2006/relationships" xmlns:p="http://schemas.openxmlformats.org/presentationml/2006/main">
   <p:cSld>
     <p:spTree>
@@ -11601,7 +11296,7 @@
 </p:sld>
 </file>
 
-<file path=ppt/slides/slide32.xml><?xml version="1.0" encoding="utf-8"?>
+<file path=ppt/slides/slide31.xml><?xml version="1.0" encoding="utf-8"?>
 <p:sld xmlns:a="http://schemas.openxmlformats.org/drawingml/2006/main" xmlns:r="http://schemas.openxmlformats.org/officeDocument/2006/relationships" xmlns:p="http://schemas.openxmlformats.org/presentationml/2006/main">
   <p:cSld>
     <p:spTree>
@@ -11712,7 +11407,7 @@
             <a:fld id="{F2394529-A9B3-4A54-83EC-E61379E8334E}" type="slidenum">
               <a:rPr lang="en-US" smtClean="0"/>
               <a:pPr/>
-              <a:t>32</a:t>
+              <a:t>31</a:t>
             </a:fld>
             <a:endParaRPr lang="en-US" dirty="0"/>
           </a:p>
@@ -11733,7 +11428,7 @@
 </p:sld>
 </file>
 
-<file path=ppt/slides/slide33.xml><?xml version="1.0" encoding="utf-8"?>
+<file path=ppt/slides/slide32.xml><?xml version="1.0" encoding="utf-8"?>
 <p:sld xmlns:a="http://schemas.openxmlformats.org/drawingml/2006/main" xmlns:r="http://schemas.openxmlformats.org/officeDocument/2006/relationships" xmlns:p="http://schemas.openxmlformats.org/presentationml/2006/main">
   <p:cSld>
     <p:spTree>
@@ -12065,7 +11760,7 @@
             <a:fld id="{F2394529-A9B3-4A54-83EC-E61379E8334E}" type="slidenum">
               <a:rPr lang="en-US" smtClean="0"/>
               <a:pPr/>
-              <a:t>33</a:t>
+              <a:t>32</a:t>
             </a:fld>
             <a:endParaRPr lang="en-US" dirty="0"/>
           </a:p>
@@ -12086,7 +11781,7 @@
 </p:sld>
 </file>
 
-<file path=ppt/slides/slide34.xml><?xml version="1.0" encoding="utf-8"?>
+<file path=ppt/slides/slide33.xml><?xml version="1.0" encoding="utf-8"?>
 <p:sld xmlns:a="http://schemas.openxmlformats.org/drawingml/2006/main" xmlns:r="http://schemas.openxmlformats.org/officeDocument/2006/relationships" xmlns:p="http://schemas.openxmlformats.org/presentationml/2006/main">
   <p:cSld>
     <p:spTree>
@@ -12613,7 +12308,7 @@
             <a:fld id="{F2394529-A9B3-4A54-83EC-E61379E8334E}" type="slidenum">
               <a:rPr lang="en-US" smtClean="0"/>
               <a:pPr/>
-              <a:t>34</a:t>
+              <a:t>33</a:t>
             </a:fld>
             <a:endParaRPr lang="en-US" dirty="0"/>
           </a:p>
@@ -12634,7 +12329,7 @@
 </p:sld>
 </file>
 
-<file path=ppt/slides/slide35.xml><?xml version="1.0" encoding="utf-8"?>
+<file path=ppt/slides/slide34.xml><?xml version="1.0" encoding="utf-8"?>
 <p:sld xmlns:a="http://schemas.openxmlformats.org/drawingml/2006/main" xmlns:r="http://schemas.openxmlformats.org/officeDocument/2006/relationships" xmlns:p="http://schemas.openxmlformats.org/presentationml/2006/main">
   <p:cSld>
     <p:spTree>
@@ -13341,7 +13036,7 @@
             <a:fld id="{F2394529-A9B3-4A54-83EC-E61379E8334E}" type="slidenum">
               <a:rPr lang="en-US" smtClean="0"/>
               <a:pPr/>
-              <a:t>35</a:t>
+              <a:t>34</a:t>
             </a:fld>
             <a:endParaRPr lang="en-US" dirty="0"/>
           </a:p>
@@ -13362,7 +13057,7 @@
 </p:sld>
 </file>
 
-<file path=ppt/slides/slide36.xml><?xml version="1.0" encoding="utf-8"?>
+<file path=ppt/slides/slide35.xml><?xml version="1.0" encoding="utf-8"?>
 <p:sld xmlns:a="http://schemas.openxmlformats.org/drawingml/2006/main" xmlns:r="http://schemas.openxmlformats.org/officeDocument/2006/relationships" xmlns:p="http://schemas.openxmlformats.org/presentationml/2006/main">
   <p:cSld>
     <p:spTree>
@@ -14251,7 +13946,7 @@
 </p:sld>
 </file>
 
-<file path=ppt/slides/slide37.xml><?xml version="1.0" encoding="utf-8"?>
+<file path=ppt/slides/slide36.xml><?xml version="1.0" encoding="utf-8"?>
 <p:sld xmlns:a="http://schemas.openxmlformats.org/drawingml/2006/main" xmlns:r="http://schemas.openxmlformats.org/officeDocument/2006/relationships" xmlns:p="http://schemas.openxmlformats.org/presentationml/2006/main">
   <p:cSld>
     <p:spTree>
@@ -14268,6 +13963,85 @@
           <a:chExt cx="0" cy="0"/>
         </a:xfrm>
       </p:grpSpPr>
+      <p:sp>
+        <p:nvSpPr>
+          <p:cNvPr id="2" name="Title 1"/>
+          <p:cNvSpPr>
+            <a:spLocks noGrp="1"/>
+          </p:cNvSpPr>
+          <p:nvPr>
+            <p:ph type="title"/>
+          </p:nvPr>
+        </p:nvSpPr>
+        <p:spPr>
+          <a:xfrm>
+            <a:off x="457200" y="274638"/>
+            <a:ext cx="8229600" cy="715962"/>
+          </a:xfrm>
+        </p:spPr>
+        <p:txBody>
+          <a:bodyPr>
+            <a:normAutofit/>
+          </a:bodyPr>
+          <a:lstStyle/>
+          <a:p>
+            <a:r>
+              <a:rPr lang="en-US" sz="4000" dirty="0" smtClean="0"/>
+              <a:t>KeyStone II: IO Cache Coherency</a:t>
+            </a:r>
+            <a:endParaRPr lang="en-US" sz="4000" dirty="0"/>
+          </a:p>
+        </p:txBody>
+      </p:sp>
+      <p:sp>
+        <p:nvSpPr>
+          <p:cNvPr id="3" name="Content Placeholder 2"/>
+          <p:cNvSpPr>
+            <a:spLocks noGrp="1"/>
+          </p:cNvSpPr>
+          <p:nvPr>
+            <p:ph idx="1"/>
+          </p:nvPr>
+        </p:nvSpPr>
+        <p:spPr>
+          <a:xfrm>
+            <a:off x="381000" y="4443769"/>
+            <a:ext cx="8382000" cy="1645902"/>
+          </a:xfrm>
+        </p:spPr>
+        <p:txBody>
+          <a:bodyPr>
+            <a:normAutofit lnSpcReduction="10000"/>
+          </a:bodyPr>
+          <a:lstStyle/>
+          <a:p>
+            <a:r>
+              <a:rPr lang="en-US" sz="2400" dirty="0" smtClean="0"/>
+              <a:t>IO coherency for the ARM, SMP for the quad cluster:</a:t>
+            </a:r>
+          </a:p>
+          <a:p>
+            <a:pPr lvl="1"/>
+            <a:r>
+              <a:rPr lang="en-US" sz="2400" dirty="0" smtClean="0"/>
+              <a:t>DDR3A from 0x08_0000_0000 to 0x09_FFFF_FFFF (8 G)</a:t>
+            </a:r>
+          </a:p>
+          <a:p>
+            <a:pPr lvl="1"/>
+            <a:r>
+              <a:rPr lang="en-US" sz="2400" dirty="0" smtClean="0"/>
+              <a:t>MSMC SRAM</a:t>
+            </a:r>
+          </a:p>
+          <a:p>
+            <a:r>
+              <a:rPr lang="en-US" sz="2400" dirty="0" smtClean="0"/>
+              <a:t>Coherency for ease of use and performance</a:t>
+            </a:r>
+          </a:p>
+        </p:txBody>
+      </p:sp>
       <p:grpSp>
         <p:nvGrpSpPr>
           <p:cNvPr id="17" name="Group 16"/>
@@ -14710,85 +14484,6 @@
       </p:grpSp>
       <p:sp>
         <p:nvSpPr>
-          <p:cNvPr id="2" name="Title 1"/>
-          <p:cNvSpPr>
-            <a:spLocks noGrp="1"/>
-          </p:cNvSpPr>
-          <p:nvPr>
-            <p:ph type="title"/>
-          </p:nvPr>
-        </p:nvSpPr>
-        <p:spPr>
-          <a:xfrm>
-            <a:off x="457200" y="274638"/>
-            <a:ext cx="8229600" cy="715962"/>
-          </a:xfrm>
-        </p:spPr>
-        <p:txBody>
-          <a:bodyPr>
-            <a:normAutofit/>
-          </a:bodyPr>
-          <a:lstStyle/>
-          <a:p>
-            <a:r>
-              <a:rPr lang="en-US" sz="4000" dirty="0" smtClean="0"/>
-              <a:t>KeyStone II: IO Cache Coherency</a:t>
-            </a:r>
-            <a:endParaRPr lang="en-US" sz="4000" dirty="0"/>
-          </a:p>
-        </p:txBody>
-      </p:sp>
-      <p:sp>
-        <p:nvSpPr>
-          <p:cNvPr id="3" name="Content Placeholder 2"/>
-          <p:cNvSpPr>
-            <a:spLocks noGrp="1"/>
-          </p:cNvSpPr>
-          <p:nvPr>
-            <p:ph idx="1"/>
-          </p:nvPr>
-        </p:nvSpPr>
-        <p:spPr>
-          <a:xfrm>
-            <a:off x="381000" y="4443769"/>
-            <a:ext cx="8382000" cy="1645902"/>
-          </a:xfrm>
-        </p:spPr>
-        <p:txBody>
-          <a:bodyPr>
-            <a:normAutofit lnSpcReduction="10000"/>
-          </a:bodyPr>
-          <a:lstStyle/>
-          <a:p>
-            <a:r>
-              <a:rPr lang="en-US" sz="2400" dirty="0" smtClean="0"/>
-              <a:t>IO coherency for the ARM, SMP for the quad cluster:</a:t>
-            </a:r>
-          </a:p>
-          <a:p>
-            <a:pPr lvl="1"/>
-            <a:r>
-              <a:rPr lang="en-US" sz="2400" dirty="0" smtClean="0"/>
-              <a:t>DDR3A from 0x08_0000_0000 to 0x09_FFFF_FFFF (8 G)</a:t>
-            </a:r>
-          </a:p>
-          <a:p>
-            <a:pPr lvl="1"/>
-            <a:r>
-              <a:rPr lang="en-US" sz="2400" dirty="0" smtClean="0"/>
-              <a:t>MSMC SRAM</a:t>
-            </a:r>
-          </a:p>
-          <a:p>
-            <a:r>
-              <a:rPr lang="en-US" sz="2400" dirty="0" smtClean="0"/>
-              <a:t>Coherency for ease of use and performance</a:t>
-            </a:r>
-          </a:p>
-        </p:txBody>
-      </p:sp>
-      <p:sp>
-        <p:nvSpPr>
           <p:cNvPr id="19" name="Slide Number Placeholder 18"/>
           <p:cNvSpPr>
             <a:spLocks noGrp="1"/>
@@ -14805,7 +14500,7 @@
             <a:fld id="{F2394529-A9B3-4A54-83EC-E61379E8334E}" type="slidenum">
               <a:rPr lang="en-US" smtClean="0"/>
               <a:pPr/>
-              <a:t>37</a:t>
+              <a:t>36</a:t>
             </a:fld>
             <a:endParaRPr lang="en-US" dirty="0"/>
           </a:p>
@@ -14829,7 +14524,7 @@
 </p:sld>
 </file>
 
-<file path=ppt/slides/slide38.xml><?xml version="1.0" encoding="utf-8"?>
+<file path=ppt/slides/slide37.xml><?xml version="1.0" encoding="utf-8"?>
 <p:sld xmlns:a="http://schemas.openxmlformats.org/drawingml/2006/main" xmlns:r="http://schemas.openxmlformats.org/officeDocument/2006/relationships" xmlns:p="http://schemas.openxmlformats.org/presentationml/2006/main" show="0">
   <p:cSld>
     <p:spTree>
@@ -14950,7 +14645,7 @@
             <a:fld id="{F2394529-A9B3-4A54-83EC-E61379E8334E}" type="slidenum">
               <a:rPr lang="en-US" smtClean="0"/>
               <a:pPr/>
-              <a:t>38</a:t>
+              <a:t>37</a:t>
             </a:fld>
             <a:endParaRPr lang="en-US" dirty="0"/>
           </a:p>
@@ -14975,7 +14670,7 @@
 </p:sld>
 </file>
 
-<file path=ppt/slides/slide39.xml><?xml version="1.0" encoding="utf-8"?>
+<file path=ppt/slides/slide38.xml><?xml version="1.0" encoding="utf-8"?>
 <p:sld xmlns:a="http://schemas.openxmlformats.org/drawingml/2006/main" xmlns:r="http://schemas.openxmlformats.org/officeDocument/2006/relationships" xmlns:p="http://schemas.openxmlformats.org/presentationml/2006/main">
   <p:cSld>
     <p:spTree>
@@ -15127,7 +14822,7 @@
             <a:fld id="{F2394529-A9B3-4A54-83EC-E61379E8334E}" type="slidenum">
               <a:rPr lang="en-US" smtClean="0"/>
               <a:pPr/>
-              <a:t>39</a:t>
+              <a:t>38</a:t>
             </a:fld>
             <a:endParaRPr lang="en-US" dirty="0"/>
           </a:p>
@@ -15141,6 +14836,140 @@
   <p:clrMapOvr>
     <a:masterClrMapping/>
   </p:clrMapOvr>
+  <p:timing>
+    <p:tnLst>
+      <p:par>
+        <p:cTn id="1" dur="indefinite" restart="never" nodeType="tmRoot"/>
+      </p:par>
+    </p:tnLst>
+  </p:timing>
+</p:sld>
+</file>
+
+<file path=ppt/slides/slide39.xml><?xml version="1.0" encoding="utf-8"?>
+<p:sld xmlns:a="http://schemas.openxmlformats.org/drawingml/2006/main" xmlns:r="http://schemas.openxmlformats.org/officeDocument/2006/relationships" xmlns:p="http://schemas.openxmlformats.org/presentationml/2006/main" show="0">
+  <p:cSld>
+    <p:spTree>
+      <p:nvGrpSpPr>
+        <p:cNvPr id="1" name=""/>
+        <p:cNvGrpSpPr/>
+        <p:nvPr/>
+      </p:nvGrpSpPr>
+      <p:grpSpPr>
+        <a:xfrm>
+          <a:off x="0" y="0"/>
+          <a:ext cx="0" cy="0"/>
+          <a:chOff x="0" y="0"/>
+          <a:chExt cx="0" cy="0"/>
+        </a:xfrm>
+      </p:grpSpPr>
+      <p:sp>
+        <p:nvSpPr>
+          <p:cNvPr id="2" name="Title 1"/>
+          <p:cNvSpPr>
+            <a:spLocks noGrp="1"/>
+          </p:cNvSpPr>
+          <p:nvPr>
+            <p:ph type="title"/>
+          </p:nvPr>
+        </p:nvSpPr>
+        <p:spPr>
+          <a:xfrm>
+            <a:off x="457200" y="381000"/>
+            <a:ext cx="8229600" cy="762000"/>
+          </a:xfrm>
+        </p:spPr>
+        <p:txBody>
+          <a:bodyPr>
+            <a:normAutofit/>
+          </a:bodyPr>
+          <a:lstStyle/>
+          <a:p>
+            <a:r>
+              <a:rPr lang="en-US" sz="4000" dirty="0" smtClean="0"/>
+              <a:t>Reliability</a:t>
+            </a:r>
+            <a:endParaRPr lang="en-US" sz="4000" dirty="0"/>
+          </a:p>
+        </p:txBody>
+      </p:sp>
+      <p:sp>
+        <p:nvSpPr>
+          <p:cNvPr id="3" name="Content Placeholder 2"/>
+          <p:cNvSpPr>
+            <a:spLocks noGrp="1"/>
+          </p:cNvSpPr>
+          <p:nvPr>
+            <p:ph idx="1"/>
+          </p:nvPr>
+        </p:nvSpPr>
+        <p:spPr>
+          <a:xfrm>
+            <a:off x="381000" y="1676400"/>
+            <a:ext cx="8402855" cy="2667000"/>
+          </a:xfrm>
+        </p:spPr>
+        <p:txBody>
+          <a:bodyPr>
+            <a:normAutofit/>
+          </a:bodyPr>
+          <a:lstStyle/>
+          <a:p>
+            <a:pPr marL="0" indent="0">
+              <a:buNone/>
+            </a:pPr>
+            <a:r>
+              <a:rPr lang="en-US" dirty="0" smtClean="0"/>
+              <a:t>The KeyStone II ARM A15 CorePac is designed for high-reliability embedded applications;</a:t>
+            </a:r>
+            <a:br>
+              <a:rPr lang="en-US" dirty="0" smtClean="0"/>
+            </a:br>
+            <a:r>
+              <a:rPr lang="en-US" dirty="0" smtClean="0"/>
+              <a:t>100k power-on hours at 105C</a:t>
+            </a:r>
+            <a:r>
+              <a:rPr lang="en-US" sz="1800" dirty="0" smtClean="0"/>
+              <a:t>.</a:t>
+            </a:r>
+            <a:endParaRPr lang="en-US" dirty="0" smtClean="0"/>
+          </a:p>
+        </p:txBody>
+      </p:sp>
+      <p:sp>
+        <p:nvSpPr>
+          <p:cNvPr id="4" name="Slide Number Placeholder 3"/>
+          <p:cNvSpPr>
+            <a:spLocks noGrp="1"/>
+          </p:cNvSpPr>
+          <p:nvPr>
+            <p:ph type="sldNum" sz="quarter" idx="10"/>
+          </p:nvPr>
+        </p:nvSpPr>
+        <p:spPr/>
+        <p:txBody>
+          <a:bodyPr/>
+          <a:lstStyle/>
+          <a:p>
+            <a:fld id="{F2394529-A9B3-4A54-83EC-E61379E8334E}" type="slidenum">
+              <a:rPr lang="en-US" smtClean="0"/>
+              <a:pPr/>
+              <a:t>39</a:t>
+            </a:fld>
+            <a:endParaRPr lang="en-US" dirty="0"/>
+          </a:p>
+        </p:txBody>
+      </p:sp>
+    </p:spTree>
+    <p:custDataLst>
+      <p:tags r:id="rId1"/>
+    </p:custDataLst>
+  </p:cSld>
+  <p:clrMapOvr>
+    <a:masterClrMapping/>
+  </p:clrMapOvr>
+  <p:transition/>
   <p:timing>
     <p:tnLst>
       <p:par>
@@ -15474,7 +15303,7 @@
 </file>
 
 <file path=ppt/slides/slide40.xml><?xml version="1.0" encoding="utf-8"?>
-<p:sld xmlns:a="http://schemas.openxmlformats.org/drawingml/2006/main" xmlns:r="http://schemas.openxmlformats.org/officeDocument/2006/relationships" xmlns:p="http://schemas.openxmlformats.org/presentationml/2006/main" show="0">
+<p:sld xmlns:a="http://schemas.openxmlformats.org/drawingml/2006/main" xmlns:r="http://schemas.openxmlformats.org/officeDocument/2006/relationships" xmlns:p="http://schemas.openxmlformats.org/presentationml/2006/main">
   <p:cSld>
     <p:spTree>
       <p:nvGrpSpPr>
@@ -15497,113 +15326,55 @@
             <a:spLocks noGrp="1"/>
           </p:cNvSpPr>
           <p:nvPr>
-            <p:ph type="title"/>
-          </p:nvPr>
-        </p:nvSpPr>
-        <p:spPr>
-          <a:xfrm>
-            <a:off x="457200" y="381000"/>
-            <a:ext cx="8229600" cy="762000"/>
-          </a:xfrm>
-        </p:spPr>
-        <p:txBody>
-          <a:bodyPr>
-            <a:normAutofit/>
-          </a:bodyPr>
-          <a:lstStyle/>
-          <a:p>
-            <a:r>
-              <a:rPr lang="en-US" sz="4000" dirty="0" smtClean="0"/>
-              <a:t>Reliability</a:t>
-            </a:r>
-            <a:endParaRPr lang="en-US" sz="4000" dirty="0"/>
-          </a:p>
-        </p:txBody>
-      </p:sp>
-      <p:sp>
-        <p:nvSpPr>
-          <p:cNvPr id="3" name="Content Placeholder 2"/>
+            <p:ph type="ctrTitle"/>
+          </p:nvPr>
+        </p:nvSpPr>
+        <p:spPr/>
+        <p:txBody>
+          <a:bodyPr/>
+          <a:lstStyle/>
+          <a:p>
+            <a:r>
+              <a:rPr lang="en-US" dirty="0" smtClean="0"/>
+              <a:t>Benchmarks</a:t>
+            </a:r>
+            <a:endParaRPr lang="en-US" dirty="0"/>
+          </a:p>
+        </p:txBody>
+      </p:sp>
+      <p:sp>
+        <p:nvSpPr>
+          <p:cNvPr id="3" name="Subtitle 2"/>
           <p:cNvSpPr>
             <a:spLocks noGrp="1"/>
           </p:cNvSpPr>
           <p:nvPr>
-            <p:ph idx="1"/>
-          </p:nvPr>
-        </p:nvSpPr>
-        <p:spPr>
-          <a:xfrm>
-            <a:off x="381000" y="1676400"/>
-            <a:ext cx="8402855" cy="2667000"/>
-          </a:xfrm>
-        </p:spPr>
-        <p:txBody>
-          <a:bodyPr>
-            <a:normAutofit/>
-          </a:bodyPr>
-          <a:lstStyle/>
-          <a:p>
-            <a:pPr marL="0" indent="0">
-              <a:buNone/>
-            </a:pPr>
+            <p:ph type="subTitle" idx="1"/>
+          </p:nvPr>
+        </p:nvSpPr>
+        <p:spPr/>
+        <p:txBody>
+          <a:bodyPr/>
+          <a:lstStyle/>
+          <a:p>
             <a:r>
               <a:rPr lang="en-US" dirty="0" smtClean="0"/>
-              <a:t>The KeyStone II ARM A15 CorePac is designed for high-reliability embedded applications;</a:t>
-            </a:r>
-            <a:br>
-              <a:rPr lang="en-US" dirty="0" smtClean="0"/>
-            </a:br>
-            <a:r>
-              <a:rPr lang="en-US" dirty="0" smtClean="0"/>
-              <a:t>100k power-on hours at 105C</a:t>
-            </a:r>
-            <a:r>
-              <a:rPr lang="en-US" sz="1800" dirty="0" smtClean="0"/>
-              <a:t>.</a:t>
-            </a:r>
-            <a:endParaRPr lang="en-US" dirty="0" smtClean="0"/>
-          </a:p>
-        </p:txBody>
-      </p:sp>
-      <p:sp>
-        <p:nvSpPr>
-          <p:cNvPr id="4" name="Slide Number Placeholder 3"/>
-          <p:cNvSpPr>
-            <a:spLocks noGrp="1"/>
-          </p:cNvSpPr>
-          <p:nvPr>
-            <p:ph type="sldNum" sz="quarter" idx="10"/>
-          </p:nvPr>
-        </p:nvSpPr>
-        <p:spPr/>
-        <p:txBody>
-          <a:bodyPr/>
-          <a:lstStyle/>
-          <a:p>
-            <a:fld id="{F2394529-A9B3-4A54-83EC-E61379E8334E}" type="slidenum">
-              <a:rPr lang="en-US" smtClean="0"/>
-              <a:pPr/>
-              <a:t>40</a:t>
-            </a:fld>
+              <a:t>ARM Cortex A-15 CorePac Overview</a:t>
+            </a:r>
+          </a:p>
+          <a:p>
             <a:endParaRPr lang="en-US" dirty="0"/>
           </a:p>
         </p:txBody>
       </p:sp>
     </p:spTree>
-    <p:custDataLst>
-      <p:tags r:id="rId1"/>
-    </p:custDataLst>
   </p:cSld>
   <p:clrMapOvr>
     <a:masterClrMapping/>
   </p:clrMapOvr>
-  <p:transition/>
-  <p:timing>
-    <p:tnLst>
-      <p:par>
-        <p:cTn id="1" dur="indefinite" restart="never" nodeType="tmRoot"/>
-      </p:par>
-    </p:tnLst>
-  </p:timing>
+  <p:transition spd="med">
+    <p:fade/>
+  </p:transition>
 </p:sld>
 </file>
 
@@ -15631,7 +15402,96 @@
             <a:spLocks noGrp="1"/>
           </p:cNvSpPr>
           <p:nvPr>
-            <p:ph type="ctrTitle"/>
+            <p:ph type="title"/>
+          </p:nvPr>
+        </p:nvSpPr>
+        <p:spPr>
+          <a:xfrm>
+            <a:off x="411480" y="190500"/>
+            <a:ext cx="8229600" cy="762000"/>
+          </a:xfrm>
+        </p:spPr>
+        <p:txBody>
+          <a:bodyPr>
+            <a:normAutofit/>
+          </a:bodyPr>
+          <a:lstStyle/>
+          <a:p>
+            <a:r>
+              <a:rPr lang="en-US" sz="4000" dirty="0" smtClean="0"/>
+              <a:t>Benchmarks Overview</a:t>
+            </a:r>
+            <a:endParaRPr lang="en-US" sz="4000" dirty="0"/>
+          </a:p>
+        </p:txBody>
+      </p:sp>
+      <p:sp>
+        <p:nvSpPr>
+          <p:cNvPr id="3" name="Content Placeholder 2"/>
+          <p:cNvSpPr>
+            <a:spLocks noGrp="1"/>
+          </p:cNvSpPr>
+          <p:nvPr>
+            <p:ph idx="1"/>
+          </p:nvPr>
+        </p:nvSpPr>
+        <p:spPr>
+          <a:xfrm>
+            <a:off x="375385" y="1264920"/>
+            <a:ext cx="8402855" cy="4572000"/>
+          </a:xfrm>
+        </p:spPr>
+        <p:txBody>
+          <a:bodyPr>
+            <a:normAutofit/>
+          </a:bodyPr>
+          <a:lstStyle/>
+          <a:p>
+            <a:r>
+              <a:rPr lang="en-US" sz="2400" dirty="0" smtClean="0"/>
+              <a:t>Dhrystone, DMIPS/MHz, CPU core and L1 only:</a:t>
+            </a:r>
+          </a:p>
+          <a:p>
+            <a:pPr lvl="1"/>
+            <a:r>
+              <a:rPr lang="en-US" sz="2400" dirty="0" smtClean="0"/>
+              <a:t>3.5 DMIPS/MHz (highly dependant on compiler)</a:t>
+            </a:r>
+          </a:p>
+          <a:p>
+            <a:pPr lvl="1"/>
+            <a:r>
+              <a:rPr lang="en-US" sz="2400" dirty="0" smtClean="0"/>
+              <a:t>19600 DMIPS with KeyStone II Quad-ARM CorePac at 1.4GHz</a:t>
+            </a:r>
+          </a:p>
+          <a:p>
+            <a:r>
+              <a:rPr lang="en-US" sz="2400" dirty="0" smtClean="0"/>
+              <a:t>Floating point:</a:t>
+            </a:r>
+          </a:p>
+          <a:p>
+            <a:pPr lvl="1"/>
+            <a:r>
+              <a:rPr lang="en-US" sz="2400" dirty="0" smtClean="0"/>
+              <a:t>Quad single-precision IEEE-754 FMAC per cycle</a:t>
+            </a:r>
+          </a:p>
+          <a:p>
+            <a:endParaRPr lang="en-US" sz="1800" dirty="0" smtClean="0"/>
+          </a:p>
+        </p:txBody>
+      </p:sp>
+      <p:sp>
+        <p:nvSpPr>
+          <p:cNvPr id="4" name="Slide Number Placeholder 3"/>
+          <p:cNvSpPr>
+            <a:spLocks noGrp="1"/>
+          </p:cNvSpPr>
+          <p:nvPr>
+            <p:ph type="sldNum" sz="quarter" idx="10"/>
           </p:nvPr>
         </p:nvSpPr>
         <p:spPr/>
@@ -15639,47 +15499,30 @@
           <a:bodyPr/>
           <a:lstStyle/>
           <a:p>
-            <a:r>
-              <a:rPr lang="en-US" dirty="0" smtClean="0"/>
-              <a:t>Benchmarks</a:t>
-            </a:r>
+            <a:fld id="{F2394529-A9B3-4A54-83EC-E61379E8334E}" type="slidenum">
+              <a:rPr lang="en-US" smtClean="0"/>
+              <a:pPr/>
+              <a:t>41</a:t>
+            </a:fld>
             <a:endParaRPr lang="en-US" dirty="0"/>
           </a:p>
         </p:txBody>
       </p:sp>
-      <p:sp>
-        <p:nvSpPr>
-          <p:cNvPr id="3" name="Subtitle 2"/>
-          <p:cNvSpPr>
-            <a:spLocks noGrp="1"/>
-          </p:cNvSpPr>
-          <p:nvPr>
-            <p:ph type="subTitle" idx="1"/>
-          </p:nvPr>
-        </p:nvSpPr>
-        <p:spPr/>
-        <p:txBody>
-          <a:bodyPr/>
-          <a:lstStyle/>
-          <a:p>
-            <a:r>
-              <a:rPr lang="en-US" dirty="0" smtClean="0"/>
-              <a:t>ARM Cortex A-15 CorePac Overview</a:t>
-            </a:r>
-          </a:p>
-          <a:p>
-            <a:endParaRPr lang="en-US" dirty="0"/>
-          </a:p>
-        </p:txBody>
-      </p:sp>
     </p:spTree>
+    <p:custDataLst>
+      <p:tags r:id="rId1"/>
+    </p:custDataLst>
   </p:cSld>
   <p:clrMapOvr>
     <a:masterClrMapping/>
   </p:clrMapOvr>
-  <p:transition spd="med">
-    <p:fade/>
-  </p:transition>
+  <p:timing>
+    <p:tnLst>
+      <p:par>
+        <p:cTn id="1" dur="indefinite" restart="never" nodeType="tmRoot"/>
+      </p:par>
+    </p:tnLst>
+  </p:timing>
 </p:sld>
 </file>
 
@@ -15702,96 +15545,722 @@
       </p:grpSpPr>
       <p:sp>
         <p:nvSpPr>
-          <p:cNvPr id="2" name="Title 1"/>
-          <p:cNvSpPr>
-            <a:spLocks noGrp="1"/>
-          </p:cNvSpPr>
-          <p:nvPr>
-            <p:ph type="title"/>
-          </p:nvPr>
+          <p:cNvPr id="7" name="TextBox 6"/>
+          <p:cNvSpPr txBox="1"/>
+          <p:nvPr/>
         </p:nvSpPr>
         <p:spPr>
           <a:xfrm>
-            <a:off x="411480" y="190500"/>
-            <a:ext cx="8229600" cy="762000"/>
+            <a:off x="0" y="6223820"/>
+            <a:ext cx="9029698" cy="594680"/>
           </a:xfrm>
+          <a:prstGeom prst="rect">
+            <a:avLst/>
+          </a:prstGeom>
+          <a:solidFill>
+            <a:schemeClr val="bg1"/>
+          </a:solidFill>
         </p:spPr>
         <p:txBody>
-          <a:bodyPr>
-            <a:normAutofit/>
+          <a:bodyPr wrap="square" rtlCol="0">
+            <a:noAutofit/>
           </a:bodyPr>
           <a:lstStyle/>
           <a:p>
-            <a:r>
-              <a:rPr lang="en-US" sz="4000" dirty="0" smtClean="0"/>
-              <a:t>Benchmarks Overview</a:t>
-            </a:r>
-            <a:endParaRPr lang="en-US" sz="4000" dirty="0"/>
-          </a:p>
-        </p:txBody>
-      </p:sp>
-      <p:sp>
-        <p:nvSpPr>
-          <p:cNvPr id="3" name="Content Placeholder 2"/>
-          <p:cNvSpPr>
-            <a:spLocks noGrp="1"/>
-          </p:cNvSpPr>
+            <a:endParaRPr lang="en-US" dirty="0"/>
+          </a:p>
+        </p:txBody>
+      </p:sp>
+      <p:sp>
+        <p:nvSpPr>
+          <p:cNvPr id="1173" name="Rectangle 2"/>
+          <p:cNvSpPr>
+            <a:spLocks noGrp="1" noChangeArrowheads="1"/>
+          </p:cNvSpPr>
+          <p:nvPr>
+            <p:ph type="title"/>
+          </p:nvPr>
+        </p:nvSpPr>
+        <p:spPr/>
+        <p:txBody>
+          <a:bodyPr/>
+          <a:lstStyle/>
+          <a:p>
+            <a:r>
+              <a:rPr lang="en-US" dirty="0" smtClean="0"/>
+              <a:t>Memory Bandwidth Benchmarks</a:t>
+            </a:r>
+          </a:p>
+        </p:txBody>
+      </p:sp>
+      <p:graphicFrame>
+        <p:nvGraphicFramePr>
+          <p:cNvPr id="1171" name="Object 147"/>
+          <p:cNvGraphicFramePr>
+            <a:graphicFrameLocks noGrp="1" noChangeAspect="1"/>
+          </p:cNvGraphicFramePr>
           <p:nvPr>
             <p:ph idx="1"/>
-          </p:nvPr>
+            <p:extLst>
+              <p:ext uri="{D42A27DB-BD31-4B8C-83A1-F6EECF244321}">
+                <p14:modId xmlns:p14="http://schemas.microsoft.com/office/powerpoint/2010/main" xmlns="" val="1659503329"/>
+              </p:ext>
+            </p:extLst>
+          </p:nvPr>
+        </p:nvGraphicFramePr>
+        <p:xfrm>
+          <a:off x="11113" y="904875"/>
+          <a:ext cx="6070600" cy="3905250"/>
+        </p:xfrm>
+        <a:graphic>
+          <a:graphicData uri="http://schemas.openxmlformats.org/presentationml/2006/ole">
+            <p:oleObj spid="_x0000_s145410" name="Worksheet" r:id="rId3" imgW="5981644" imgH="3848040" progId="Excel.Sheet.8">
+              <p:embed/>
+            </p:oleObj>
+          </a:graphicData>
+        </a:graphic>
+      </p:graphicFrame>
+      <p:sp>
+        <p:nvSpPr>
+          <p:cNvPr id="5" name="Content Placeholder 2"/>
+          <p:cNvSpPr txBox="1">
+            <a:spLocks/>
+          </p:cNvSpPr>
+          <p:nvPr/>
+        </p:nvSpPr>
+        <p:spPr bwMode="auto">
+          <a:xfrm>
+            <a:off x="99855" y="4818008"/>
+            <a:ext cx="8935770" cy="1946495"/>
+          </a:xfrm>
+          <a:prstGeom prst="rect">
+            <a:avLst/>
+          </a:prstGeom>
+          <a:noFill/>
+          <a:ln w="9525">
+            <a:noFill/>
+            <a:miter lim="800000"/>
+            <a:headEnd/>
+            <a:tailEnd/>
+          </a:ln>
+        </p:spPr>
+        <p:txBody>
+          <a:bodyPr vert="horz" wrap="square" lIns="91440" tIns="45720" rIns="91440" bIns="45720" numCol="1" anchor="t" anchorCtr="0" compatLnSpc="1">
+            <a:prstTxWarp prst="textNoShape">
+              <a:avLst/>
+            </a:prstTxWarp>
+            <a:normAutofit fontScale="92500"/>
+          </a:bodyPr>
+          <a:lstStyle/>
+          <a:p>
+            <a:pPr marL="342900" marR="0" lvl="0" indent="-342900" algn="l" defTabSz="914400" rtl="0" eaLnBrk="0" fontAlgn="base" latinLnBrk="0" hangingPunct="0">
+              <a:lnSpc>
+                <a:spcPct val="100000"/>
+              </a:lnSpc>
+              <a:spcBef>
+                <a:spcPct val="20000"/>
+              </a:spcBef>
+              <a:spcAft>
+                <a:spcPct val="0"/>
+              </a:spcAft>
+              <a:buClrTx/>
+              <a:buSzTx/>
+              <a:buFont typeface="Arial" pitchFamily="34" charset="0"/>
+              <a:buNone/>
+              <a:tabLst/>
+              <a:defRPr/>
+            </a:pPr>
+            <a:r>
+              <a:rPr kumimoji="0" lang="en-US" sz="1800" b="0" i="0" u="none" strike="noStrike" kern="0" cap="none" spc="0" normalizeH="0" baseline="0" noProof="0" dirty="0" smtClean="0">
+                <a:ln>
+                  <a:noFill/>
+                </a:ln>
+                <a:solidFill>
+                  <a:schemeClr val="tx1"/>
+                </a:solidFill>
+                <a:effectLst/>
+                <a:uLnTx/>
+                <a:uFillTx/>
+                <a:latin typeface="+mn-lt"/>
+                <a:ea typeface="+mn-ea"/>
+                <a:cs typeface="+mn-cs"/>
+              </a:rPr>
+              <a:t>Memory bandwidth, external memory only:</a:t>
+            </a:r>
+          </a:p>
+          <a:p>
+            <a:pPr marL="639763" marR="0" lvl="1" indent="-285750" algn="l" defTabSz="914400" rtl="0" eaLnBrk="0" fontAlgn="base" latinLnBrk="0" hangingPunct="0">
+              <a:lnSpc>
+                <a:spcPct val="100000"/>
+              </a:lnSpc>
+              <a:spcBef>
+                <a:spcPct val="20000"/>
+              </a:spcBef>
+              <a:spcAft>
+                <a:spcPct val="0"/>
+              </a:spcAft>
+              <a:buClrTx/>
+              <a:buSzTx/>
+              <a:buFont typeface="Arial" pitchFamily="34" charset="0"/>
+              <a:buChar char="–"/>
+              <a:tabLst/>
+              <a:defRPr/>
+            </a:pPr>
+            <a:r>
+              <a:rPr kumimoji="0" lang="en-US" sz="1800" b="0" i="0" u="none" strike="noStrike" kern="0" cap="none" spc="0" normalizeH="0" baseline="0" noProof="0" dirty="0" smtClean="0">
+                <a:ln>
+                  <a:noFill/>
+                </a:ln>
+                <a:solidFill>
+                  <a:schemeClr val="tx1"/>
+                </a:solidFill>
+                <a:effectLst/>
+                <a:uLnTx/>
+                <a:uFillTx/>
+                <a:latin typeface="+mn-lt"/>
+              </a:rPr>
+              <a:t>Stream Copy a(</a:t>
+            </a:r>
+            <a:r>
+              <a:rPr kumimoji="0" lang="en-US" sz="1800" b="0" i="0" u="none" strike="noStrike" kern="0" cap="none" spc="0" normalizeH="0" baseline="0" noProof="0" dirty="0" err="1" smtClean="0">
+                <a:ln>
+                  <a:noFill/>
+                </a:ln>
+                <a:solidFill>
+                  <a:schemeClr val="tx1"/>
+                </a:solidFill>
+                <a:effectLst/>
+                <a:uLnTx/>
+                <a:uFillTx/>
+                <a:latin typeface="+mn-lt"/>
+              </a:rPr>
+              <a:t>i</a:t>
+            </a:r>
+            <a:r>
+              <a:rPr kumimoji="0" lang="en-US" sz="1800" b="0" i="0" u="none" strike="noStrike" kern="0" cap="none" spc="0" normalizeH="0" baseline="0" noProof="0" dirty="0" smtClean="0">
+                <a:ln>
+                  <a:noFill/>
+                </a:ln>
+                <a:solidFill>
+                  <a:schemeClr val="tx1"/>
+                </a:solidFill>
+                <a:effectLst/>
+                <a:uLnTx/>
+                <a:uFillTx/>
+                <a:latin typeface="+mn-lt"/>
+              </a:rPr>
+              <a:t>) = b(</a:t>
+            </a:r>
+            <a:r>
+              <a:rPr kumimoji="0" lang="en-US" sz="1800" b="0" i="0" u="none" strike="noStrike" kern="0" cap="none" spc="0" normalizeH="0" baseline="0" noProof="0" dirty="0" err="1" smtClean="0">
+                <a:ln>
+                  <a:noFill/>
+                </a:ln>
+                <a:solidFill>
+                  <a:schemeClr val="tx1"/>
+                </a:solidFill>
+                <a:effectLst/>
+                <a:uLnTx/>
+                <a:uFillTx/>
+                <a:latin typeface="+mn-lt"/>
+              </a:rPr>
+              <a:t>i</a:t>
+            </a:r>
+            <a:r>
+              <a:rPr kumimoji="0" lang="en-US" sz="1800" b="0" i="0" u="none" strike="noStrike" kern="0" cap="none" spc="0" normalizeH="0" baseline="0" noProof="0" dirty="0" smtClean="0">
+                <a:ln>
+                  <a:noFill/>
+                </a:ln>
+                <a:solidFill>
+                  <a:schemeClr val="tx1"/>
+                </a:solidFill>
+                <a:effectLst/>
+                <a:uLnTx/>
+                <a:uFillTx/>
+                <a:latin typeface="+mn-lt"/>
+              </a:rPr>
+              <a:t>), where a and a b are arrays.</a:t>
+            </a:r>
+          </a:p>
+          <a:p>
+            <a:pPr marL="639763" marR="0" lvl="1" indent="-285750" algn="l" defTabSz="914400" rtl="0" eaLnBrk="0" fontAlgn="base" latinLnBrk="0" hangingPunct="0">
+              <a:lnSpc>
+                <a:spcPct val="100000"/>
+              </a:lnSpc>
+              <a:spcBef>
+                <a:spcPct val="20000"/>
+              </a:spcBef>
+              <a:spcAft>
+                <a:spcPct val="0"/>
+              </a:spcAft>
+              <a:buClrTx/>
+              <a:buSzTx/>
+              <a:buFont typeface="Arial" pitchFamily="34" charset="0"/>
+              <a:buChar char="–"/>
+              <a:tabLst/>
+              <a:defRPr/>
+            </a:pPr>
+            <a:r>
+              <a:rPr kumimoji="0" lang="en-US" sz="1800" b="0" i="0" u="none" strike="noStrike" kern="0" cap="none" spc="0" normalizeH="0" baseline="0" noProof="0" dirty="0" smtClean="0">
+                <a:ln>
+                  <a:noFill/>
+                </a:ln>
+                <a:solidFill>
+                  <a:schemeClr val="tx1"/>
+                </a:solidFill>
+                <a:effectLst/>
+                <a:uLnTx/>
+                <a:uFillTx/>
+                <a:latin typeface="+mn-lt"/>
+              </a:rPr>
+              <a:t>Stream Scale a(</a:t>
+            </a:r>
+            <a:r>
+              <a:rPr kumimoji="0" lang="en-US" sz="1800" b="0" i="0" u="none" strike="noStrike" kern="0" cap="none" spc="0" normalizeH="0" baseline="0" noProof="0" dirty="0" err="1" smtClean="0">
+                <a:ln>
+                  <a:noFill/>
+                </a:ln>
+                <a:solidFill>
+                  <a:schemeClr val="tx1"/>
+                </a:solidFill>
+                <a:effectLst/>
+                <a:uLnTx/>
+                <a:uFillTx/>
+                <a:latin typeface="+mn-lt"/>
+              </a:rPr>
+              <a:t>i</a:t>
+            </a:r>
+            <a:r>
+              <a:rPr kumimoji="0" lang="en-US" sz="1800" b="0" i="0" u="none" strike="noStrike" kern="0" cap="none" spc="0" normalizeH="0" baseline="0" noProof="0" dirty="0" smtClean="0">
+                <a:ln>
+                  <a:noFill/>
+                </a:ln>
+                <a:solidFill>
+                  <a:schemeClr val="tx1"/>
+                </a:solidFill>
+                <a:effectLst/>
+                <a:uLnTx/>
+                <a:uFillTx/>
+                <a:latin typeface="+mn-lt"/>
+              </a:rPr>
+              <a:t>) = q * b(</a:t>
+            </a:r>
+            <a:r>
+              <a:rPr kumimoji="0" lang="en-US" sz="1800" b="0" i="0" u="none" strike="noStrike" kern="0" cap="none" spc="0" normalizeH="0" baseline="0" noProof="0" dirty="0" err="1" smtClean="0">
+                <a:ln>
+                  <a:noFill/>
+                </a:ln>
+                <a:solidFill>
+                  <a:schemeClr val="tx1"/>
+                </a:solidFill>
+                <a:effectLst/>
+                <a:uLnTx/>
+                <a:uFillTx/>
+                <a:latin typeface="+mn-lt"/>
+              </a:rPr>
+              <a:t>i</a:t>
+            </a:r>
+            <a:r>
+              <a:rPr kumimoji="0" lang="en-US" sz="1800" b="0" i="0" u="none" strike="noStrike" kern="0" cap="none" spc="0" normalizeH="0" baseline="0" noProof="0" dirty="0" smtClean="0">
+                <a:ln>
+                  <a:noFill/>
+                </a:ln>
+                <a:solidFill>
+                  <a:schemeClr val="tx1"/>
+                </a:solidFill>
+                <a:effectLst/>
+                <a:uLnTx/>
+                <a:uFillTx/>
+                <a:latin typeface="+mn-lt"/>
+              </a:rPr>
+              <a:t>), where a and b are arrays, and q is a constant.</a:t>
+            </a:r>
+          </a:p>
+          <a:p>
+            <a:pPr marL="639763" marR="0" lvl="1" indent="-285750" algn="l" defTabSz="914400" rtl="0" eaLnBrk="0" fontAlgn="base" latinLnBrk="0" hangingPunct="0">
+              <a:lnSpc>
+                <a:spcPct val="100000"/>
+              </a:lnSpc>
+              <a:spcBef>
+                <a:spcPct val="20000"/>
+              </a:spcBef>
+              <a:spcAft>
+                <a:spcPct val="0"/>
+              </a:spcAft>
+              <a:buClrTx/>
+              <a:buSzTx/>
+              <a:buFont typeface="Arial" pitchFamily="34" charset="0"/>
+              <a:buChar char="–"/>
+              <a:tabLst/>
+              <a:defRPr/>
+            </a:pPr>
+            <a:r>
+              <a:rPr kumimoji="0" lang="en-US" sz="1800" b="0" i="0" u="none" strike="noStrike" kern="0" cap="none" spc="0" normalizeH="0" baseline="0" noProof="0" dirty="0" smtClean="0">
+                <a:ln>
+                  <a:noFill/>
+                </a:ln>
+                <a:solidFill>
+                  <a:schemeClr val="tx1"/>
+                </a:solidFill>
+                <a:effectLst/>
+                <a:uLnTx/>
+                <a:uFillTx/>
+                <a:latin typeface="+mn-lt"/>
+              </a:rPr>
+              <a:t>Stream Add computes a(</a:t>
+            </a:r>
+            <a:r>
+              <a:rPr kumimoji="0" lang="en-US" sz="1800" b="0" i="0" u="none" strike="noStrike" kern="0" cap="none" spc="0" normalizeH="0" baseline="0" noProof="0" dirty="0" err="1" smtClean="0">
+                <a:ln>
+                  <a:noFill/>
+                </a:ln>
+                <a:solidFill>
+                  <a:schemeClr val="tx1"/>
+                </a:solidFill>
+                <a:effectLst/>
+                <a:uLnTx/>
+                <a:uFillTx/>
+                <a:latin typeface="+mn-lt"/>
+              </a:rPr>
+              <a:t>i</a:t>
+            </a:r>
+            <a:r>
+              <a:rPr kumimoji="0" lang="en-US" sz="1800" b="0" i="0" u="none" strike="noStrike" kern="0" cap="none" spc="0" normalizeH="0" baseline="0" noProof="0" dirty="0" smtClean="0">
+                <a:ln>
+                  <a:noFill/>
+                </a:ln>
+                <a:solidFill>
+                  <a:schemeClr val="tx1"/>
+                </a:solidFill>
+                <a:effectLst/>
+                <a:uLnTx/>
+                <a:uFillTx/>
+                <a:latin typeface="+mn-lt"/>
+              </a:rPr>
+              <a:t>) = b(</a:t>
+            </a:r>
+            <a:r>
+              <a:rPr kumimoji="0" lang="en-US" sz="1800" b="0" i="0" u="none" strike="noStrike" kern="0" cap="none" spc="0" normalizeH="0" baseline="0" noProof="0" dirty="0" err="1" smtClean="0">
+                <a:ln>
+                  <a:noFill/>
+                </a:ln>
+                <a:solidFill>
+                  <a:schemeClr val="tx1"/>
+                </a:solidFill>
+                <a:effectLst/>
+                <a:uLnTx/>
+                <a:uFillTx/>
+                <a:latin typeface="+mn-lt"/>
+              </a:rPr>
+              <a:t>i</a:t>
+            </a:r>
+            <a:r>
+              <a:rPr kumimoji="0" lang="en-US" sz="1800" b="0" i="0" u="none" strike="noStrike" kern="0" cap="none" spc="0" normalizeH="0" baseline="0" noProof="0" dirty="0" smtClean="0">
+                <a:ln>
+                  <a:noFill/>
+                </a:ln>
+                <a:solidFill>
+                  <a:schemeClr val="tx1"/>
+                </a:solidFill>
+                <a:effectLst/>
+                <a:uLnTx/>
+                <a:uFillTx/>
+                <a:latin typeface="+mn-lt"/>
+              </a:rPr>
+              <a:t>) + c(</a:t>
+            </a:r>
+            <a:r>
+              <a:rPr kumimoji="0" lang="en-US" sz="1800" b="0" i="0" u="none" strike="noStrike" kern="0" cap="none" spc="0" normalizeH="0" baseline="0" noProof="0" dirty="0" err="1" smtClean="0">
+                <a:ln>
+                  <a:noFill/>
+                </a:ln>
+                <a:solidFill>
+                  <a:schemeClr val="tx1"/>
+                </a:solidFill>
+                <a:effectLst/>
+                <a:uLnTx/>
+                <a:uFillTx/>
+                <a:latin typeface="+mn-lt"/>
+              </a:rPr>
+              <a:t>i</a:t>
+            </a:r>
+            <a:r>
+              <a:rPr kumimoji="0" lang="en-US" sz="1800" b="0" i="0" u="none" strike="noStrike" kern="0" cap="none" spc="0" normalizeH="0" baseline="0" noProof="0" dirty="0" smtClean="0">
+                <a:ln>
+                  <a:noFill/>
+                </a:ln>
+                <a:solidFill>
+                  <a:schemeClr val="tx1"/>
+                </a:solidFill>
+                <a:effectLst/>
+                <a:uLnTx/>
+                <a:uFillTx/>
+                <a:latin typeface="+mn-lt"/>
+              </a:rPr>
+              <a:t>), where a, b, and c are arrays.</a:t>
+            </a:r>
+          </a:p>
+          <a:p>
+            <a:pPr marL="639763" marR="0" lvl="1" indent="-285750" algn="l" defTabSz="914400" rtl="0" eaLnBrk="0" fontAlgn="base" latinLnBrk="0" hangingPunct="0">
+              <a:lnSpc>
+                <a:spcPct val="100000"/>
+              </a:lnSpc>
+              <a:spcBef>
+                <a:spcPct val="20000"/>
+              </a:spcBef>
+              <a:spcAft>
+                <a:spcPct val="0"/>
+              </a:spcAft>
+              <a:buClrTx/>
+              <a:buSzTx/>
+              <a:buFont typeface="Arial" pitchFamily="34" charset="0"/>
+              <a:buChar char="–"/>
+              <a:tabLst/>
+              <a:defRPr/>
+            </a:pPr>
+            <a:r>
+              <a:rPr kumimoji="0" lang="en-US" sz="1800" b="0" i="0" u="none" strike="noStrike" kern="0" cap="none" spc="0" normalizeH="0" baseline="0" noProof="0" dirty="0" smtClean="0">
+                <a:ln>
+                  <a:noFill/>
+                </a:ln>
+                <a:solidFill>
+                  <a:schemeClr val="tx1"/>
+                </a:solidFill>
+                <a:effectLst/>
+                <a:uLnTx/>
+                <a:uFillTx/>
+                <a:latin typeface="+mn-lt"/>
+              </a:rPr>
+              <a:t>Stream Triad computes a(</a:t>
+            </a:r>
+            <a:r>
+              <a:rPr kumimoji="0" lang="en-US" sz="1800" b="0" i="0" u="none" strike="noStrike" kern="0" cap="none" spc="0" normalizeH="0" baseline="0" noProof="0" dirty="0" err="1" smtClean="0">
+                <a:ln>
+                  <a:noFill/>
+                </a:ln>
+                <a:solidFill>
+                  <a:schemeClr val="tx1"/>
+                </a:solidFill>
+                <a:effectLst/>
+                <a:uLnTx/>
+                <a:uFillTx/>
+                <a:latin typeface="+mn-lt"/>
+              </a:rPr>
+              <a:t>i</a:t>
+            </a:r>
+            <a:r>
+              <a:rPr kumimoji="0" lang="en-US" sz="1800" b="0" i="0" u="none" strike="noStrike" kern="0" cap="none" spc="0" normalizeH="0" baseline="0" noProof="0" dirty="0" smtClean="0">
+                <a:ln>
+                  <a:noFill/>
+                </a:ln>
+                <a:solidFill>
+                  <a:schemeClr val="tx1"/>
+                </a:solidFill>
+                <a:effectLst/>
+                <a:uLnTx/>
+                <a:uFillTx/>
+                <a:latin typeface="+mn-lt"/>
+              </a:rPr>
+              <a:t>) = b(</a:t>
+            </a:r>
+            <a:r>
+              <a:rPr kumimoji="0" lang="en-US" sz="1800" b="0" i="0" u="none" strike="noStrike" kern="0" cap="none" spc="0" normalizeH="0" baseline="0" noProof="0" dirty="0" err="1" smtClean="0">
+                <a:ln>
+                  <a:noFill/>
+                </a:ln>
+                <a:solidFill>
+                  <a:schemeClr val="tx1"/>
+                </a:solidFill>
+                <a:effectLst/>
+                <a:uLnTx/>
+                <a:uFillTx/>
+                <a:latin typeface="+mn-lt"/>
+              </a:rPr>
+              <a:t>i</a:t>
+            </a:r>
+            <a:r>
+              <a:rPr kumimoji="0" lang="en-US" sz="1800" b="0" i="0" u="none" strike="noStrike" kern="0" cap="none" spc="0" normalizeH="0" baseline="0" noProof="0" dirty="0" smtClean="0">
+                <a:ln>
+                  <a:noFill/>
+                </a:ln>
+                <a:solidFill>
+                  <a:schemeClr val="tx1"/>
+                </a:solidFill>
+                <a:effectLst/>
+                <a:uLnTx/>
+                <a:uFillTx/>
+                <a:latin typeface="+mn-lt"/>
+              </a:rPr>
+              <a:t>) + q * c(</a:t>
+            </a:r>
+            <a:r>
+              <a:rPr kumimoji="0" lang="en-US" sz="1800" b="0" i="0" u="none" strike="noStrike" kern="0" cap="none" spc="0" normalizeH="0" baseline="0" noProof="0" dirty="0" err="1" smtClean="0">
+                <a:ln>
+                  <a:noFill/>
+                </a:ln>
+                <a:solidFill>
+                  <a:schemeClr val="tx1"/>
+                </a:solidFill>
+                <a:effectLst/>
+                <a:uLnTx/>
+                <a:uFillTx/>
+                <a:latin typeface="+mn-lt"/>
+              </a:rPr>
+              <a:t>i</a:t>
+            </a:r>
+            <a:r>
+              <a:rPr kumimoji="0" lang="en-US" sz="1800" b="0" i="0" u="none" strike="noStrike" kern="0" cap="none" spc="0" normalizeH="0" baseline="0" noProof="0" dirty="0" smtClean="0">
+                <a:ln>
+                  <a:noFill/>
+                </a:ln>
+                <a:solidFill>
+                  <a:schemeClr val="tx1"/>
+                </a:solidFill>
+                <a:effectLst/>
+                <a:uLnTx/>
+                <a:uFillTx/>
+                <a:latin typeface="+mn-lt"/>
+              </a:rPr>
+              <a:t>), where a, b, and c are arrays, and q is a constant.</a:t>
+            </a:r>
+          </a:p>
+          <a:p>
+            <a:pPr marL="639763" marR="0" lvl="1" indent="-285750" algn="l" defTabSz="914400" rtl="0" eaLnBrk="0" fontAlgn="base" latinLnBrk="0" hangingPunct="0">
+              <a:lnSpc>
+                <a:spcPct val="100000"/>
+              </a:lnSpc>
+              <a:spcBef>
+                <a:spcPct val="20000"/>
+              </a:spcBef>
+              <a:spcAft>
+                <a:spcPct val="0"/>
+              </a:spcAft>
+              <a:buClrTx/>
+              <a:buSzTx/>
+              <a:buFont typeface="Arial" pitchFamily="34" charset="0"/>
+              <a:buChar char="–"/>
+              <a:tabLst/>
+              <a:defRPr/>
+            </a:pPr>
+            <a:r>
+              <a:rPr kumimoji="0" lang="en-US" sz="1800" b="0" i="0" u="none" strike="noStrike" kern="0" cap="none" spc="0" normalizeH="0" baseline="0" noProof="0" dirty="0" smtClean="0">
+                <a:ln>
+                  <a:noFill/>
+                </a:ln>
+                <a:solidFill>
+                  <a:schemeClr val="tx1"/>
+                </a:solidFill>
+                <a:effectLst/>
+                <a:uLnTx/>
+                <a:uFillTx/>
+                <a:latin typeface="+mn-lt"/>
+              </a:rPr>
+              <a:t>Array sizes are defined to force missing on cache regardless of size</a:t>
+            </a:r>
+          </a:p>
+        </p:txBody>
+      </p:sp>
+      <p:sp>
+        <p:nvSpPr>
+          <p:cNvPr id="6" name="TextBox 5"/>
+          <p:cNvSpPr txBox="1"/>
+          <p:nvPr/>
         </p:nvSpPr>
         <p:spPr>
           <a:xfrm>
-            <a:off x="375385" y="1264920"/>
-            <a:ext cx="8402855" cy="4572000"/>
+            <a:off x="5993388" y="955343"/>
+            <a:ext cx="3132499" cy="3647152"/>
           </a:xfrm>
+          <a:prstGeom prst="rect">
+            <a:avLst/>
+          </a:prstGeom>
+          <a:noFill/>
         </p:spPr>
         <p:txBody>
-          <a:bodyPr>
-            <a:normAutofit/>
+          <a:bodyPr wrap="square" rtlCol="0">
+            <a:spAutoFit/>
           </a:bodyPr>
           <a:lstStyle/>
           <a:p>
-            <a:r>
-              <a:rPr lang="en-US" sz="2400" dirty="0" smtClean="0"/>
-              <a:t>Dhrystone, DMIPS/MHz, CPU core and L1 only:</a:t>
-            </a:r>
-          </a:p>
-          <a:p>
-            <a:pPr lvl="1"/>
-            <a:r>
-              <a:rPr lang="en-US" sz="2400" dirty="0" smtClean="0"/>
-              <a:t>3.5 DMIPS/MHz (highly dependant on compiler)</a:t>
-            </a:r>
-          </a:p>
-          <a:p>
-            <a:pPr lvl="1"/>
-            <a:r>
-              <a:rPr lang="en-US" sz="2400" dirty="0" smtClean="0"/>
-              <a:t>19600 DMIPS with KeyStone II Quad-ARM CorePac at 1.4GHz</a:t>
-            </a:r>
-          </a:p>
-          <a:p>
-            <a:r>
-              <a:rPr lang="en-US" sz="2400" dirty="0" smtClean="0"/>
-              <a:t>Floating point:</a:t>
-            </a:r>
-          </a:p>
-          <a:p>
-            <a:pPr lvl="1"/>
-            <a:r>
-              <a:rPr lang="en-US" sz="2400" dirty="0" smtClean="0"/>
-              <a:t>Quad single-precision IEEE-754 FMAC per cycle</a:t>
-            </a:r>
-          </a:p>
-          <a:p>
-            <a:endParaRPr lang="en-US" sz="1800" dirty="0" smtClean="0"/>
-          </a:p>
-        </p:txBody>
-      </p:sp>
-      <p:sp>
-        <p:nvSpPr>
-          <p:cNvPr id="4" name="Slide Number Placeholder 3"/>
+            <a:pPr marL="274320" indent="-274320" algn="l">
+              <a:spcBef>
+                <a:spcPts val="600"/>
+              </a:spcBef>
+              <a:buFont typeface="Arial" pitchFamily="34" charset="0"/>
+              <a:buChar char="•"/>
+            </a:pPr>
+            <a:r>
+              <a:rPr lang="en-US" sz="1800" dirty="0" smtClean="0">
+                <a:latin typeface="+mn-lt"/>
+              </a:rPr>
+              <a:t>The STREAM benchmark is the </a:t>
+            </a:r>
+            <a:r>
+              <a:rPr lang="en-US" sz="1800" i="1" dirty="0" smtClean="0">
+                <a:latin typeface="+mn-lt"/>
+              </a:rPr>
+              <a:t>de facto</a:t>
+            </a:r>
+            <a:r>
+              <a:rPr lang="en-US" sz="1800" dirty="0" smtClean="0">
+                <a:latin typeface="+mn-lt"/>
+              </a:rPr>
+              <a:t> industry standard benchmark for measurements of computer memory bandwidth.</a:t>
+            </a:r>
+          </a:p>
+          <a:p>
+            <a:pPr marL="274320" indent="-274320" algn="l">
+              <a:spcBef>
+                <a:spcPts val="600"/>
+              </a:spcBef>
+              <a:buFont typeface="Arial" pitchFamily="34" charset="0"/>
+              <a:buChar char="•"/>
+            </a:pPr>
+            <a:r>
+              <a:rPr lang="en-US" sz="1800" dirty="0" smtClean="0">
+                <a:latin typeface="+mn-lt"/>
+              </a:rPr>
+              <a:t>DDR3-1600 theoretical throughput is 12.8 GB/s</a:t>
+            </a:r>
+          </a:p>
+          <a:p>
+            <a:pPr marL="274320" indent="-274320" algn="l">
+              <a:spcBef>
+                <a:spcPts val="600"/>
+              </a:spcBef>
+              <a:buFont typeface="Arial" pitchFamily="34" charset="0"/>
+              <a:buChar char="•"/>
+            </a:pPr>
+            <a:r>
+              <a:rPr lang="en-US" sz="1800" dirty="0" smtClean="0">
+                <a:latin typeface="+mn-lt"/>
+              </a:rPr>
+              <a:t>~30% to ~50% achieved</a:t>
+            </a:r>
+          </a:p>
+          <a:p>
+            <a:pPr marL="274320" indent="-274320" algn="l">
+              <a:spcBef>
+                <a:spcPts val="600"/>
+              </a:spcBef>
+              <a:buFont typeface="Arial" pitchFamily="34" charset="0"/>
+              <a:buChar char="•"/>
+            </a:pPr>
+            <a:r>
+              <a:rPr lang="en-US" sz="1800" dirty="0" smtClean="0">
+                <a:latin typeface="+mn-lt"/>
+              </a:rPr>
+              <a:t>Physical placement of arrays is critical; Linux virtual memory with 4kB pages is good.</a:t>
+            </a:r>
+            <a:endParaRPr lang="en-US" sz="1800" dirty="0">
+              <a:latin typeface="+mn-lt"/>
+            </a:endParaRPr>
+          </a:p>
+        </p:txBody>
+      </p:sp>
+      <p:sp>
+        <p:nvSpPr>
+          <p:cNvPr id="8" name="Slide Number Placeholder 7"/>
           <p:cNvSpPr>
             <a:spLocks noGrp="1"/>
           </p:cNvSpPr>
@@ -15814,9 +16283,6 @@
         </p:txBody>
       </p:sp>
     </p:spTree>
-    <p:custDataLst>
-      <p:tags r:id="rId1"/>
-    </p:custDataLst>
   </p:cSld>
   <p:clrMapOvr>
     <a:masterClrMapping/>
@@ -15850,777 +16316,6 @@
       </p:grpSpPr>
       <p:sp>
         <p:nvSpPr>
-          <p:cNvPr id="7" name="TextBox 6"/>
-          <p:cNvSpPr txBox="1"/>
-          <p:nvPr/>
-        </p:nvSpPr>
-        <p:spPr>
-          <a:xfrm>
-            <a:off x="0" y="6223820"/>
-            <a:ext cx="9029698" cy="594680"/>
-          </a:xfrm>
-          <a:prstGeom prst="rect">
-            <a:avLst/>
-          </a:prstGeom>
-          <a:solidFill>
-            <a:schemeClr val="bg1"/>
-          </a:solidFill>
-        </p:spPr>
-        <p:txBody>
-          <a:bodyPr wrap="square" rtlCol="0">
-            <a:noAutofit/>
-          </a:bodyPr>
-          <a:lstStyle/>
-          <a:p>
-            <a:endParaRPr lang="en-US" dirty="0"/>
-          </a:p>
-        </p:txBody>
-      </p:sp>
-      <p:sp>
-        <p:nvSpPr>
-          <p:cNvPr id="1173" name="Rectangle 2"/>
-          <p:cNvSpPr>
-            <a:spLocks noGrp="1" noChangeArrowheads="1"/>
-          </p:cNvSpPr>
-          <p:nvPr>
-            <p:ph type="title"/>
-          </p:nvPr>
-        </p:nvSpPr>
-        <p:spPr/>
-        <p:txBody>
-          <a:bodyPr/>
-          <a:lstStyle/>
-          <a:p>
-            <a:r>
-              <a:rPr lang="en-US" dirty="0" smtClean="0"/>
-              <a:t>Memory Bandwidth Benchmarks</a:t>
-            </a:r>
-          </a:p>
-        </p:txBody>
-      </p:sp>
-      <p:graphicFrame>
-        <p:nvGraphicFramePr>
-          <p:cNvPr id="1171" name="Object 147"/>
-          <p:cNvGraphicFramePr>
-            <a:graphicFrameLocks noGrp="1" noChangeAspect="1"/>
-          </p:cNvGraphicFramePr>
-          <p:nvPr>
-            <p:ph idx="1"/>
-            <p:extLst>
-              <p:ext uri="{D42A27DB-BD31-4B8C-83A1-F6EECF244321}">
-                <p14:modId xmlns:p14="http://schemas.microsoft.com/office/powerpoint/2010/main" xmlns="" val="1659503329"/>
-              </p:ext>
-            </p:extLst>
-          </p:nvPr>
-        </p:nvGraphicFramePr>
-        <p:xfrm>
-          <a:off x="11113" y="904875"/>
-          <a:ext cx="6070600" cy="3905250"/>
-        </p:xfrm>
-        <a:graphic>
-          <a:graphicData uri="http://schemas.openxmlformats.org/presentationml/2006/ole">
-            <p:oleObj spid="_x0000_s145410" name="Worksheet" r:id="rId3" imgW="5981644" imgH="3848040" progId="Excel.Sheet.8">
-              <p:embed/>
-            </p:oleObj>
-          </a:graphicData>
-        </a:graphic>
-      </p:graphicFrame>
-      <p:sp>
-        <p:nvSpPr>
-          <p:cNvPr id="5" name="Content Placeholder 2"/>
-          <p:cNvSpPr txBox="1">
-            <a:spLocks/>
-          </p:cNvSpPr>
-          <p:nvPr/>
-        </p:nvSpPr>
-        <p:spPr bwMode="auto">
-          <a:xfrm>
-            <a:off x="99855" y="4818008"/>
-            <a:ext cx="8935770" cy="1946495"/>
-          </a:xfrm>
-          <a:prstGeom prst="rect">
-            <a:avLst/>
-          </a:prstGeom>
-          <a:noFill/>
-          <a:ln w="9525">
-            <a:noFill/>
-            <a:miter lim="800000"/>
-            <a:headEnd/>
-            <a:tailEnd/>
-          </a:ln>
-        </p:spPr>
-        <p:txBody>
-          <a:bodyPr vert="horz" wrap="square" lIns="91440" tIns="45720" rIns="91440" bIns="45720" numCol="1" anchor="t" anchorCtr="0" compatLnSpc="1">
-            <a:prstTxWarp prst="textNoShape">
-              <a:avLst/>
-            </a:prstTxWarp>
-            <a:normAutofit fontScale="92500"/>
-          </a:bodyPr>
-          <a:lstStyle/>
-          <a:p>
-            <a:pPr marL="342900" marR="0" lvl="0" indent="-342900" algn="l" defTabSz="914400" rtl="0" eaLnBrk="0" fontAlgn="base" latinLnBrk="0" hangingPunct="0">
-              <a:lnSpc>
-                <a:spcPct val="100000"/>
-              </a:lnSpc>
-              <a:spcBef>
-                <a:spcPct val="20000"/>
-              </a:spcBef>
-              <a:spcAft>
-                <a:spcPct val="0"/>
-              </a:spcAft>
-              <a:buClrTx/>
-              <a:buSzTx/>
-              <a:buFont typeface="Arial" pitchFamily="34" charset="0"/>
-              <a:buNone/>
-              <a:tabLst/>
-              <a:defRPr/>
-            </a:pPr>
-            <a:r>
-              <a:rPr kumimoji="0" lang="en-US" sz="1800" b="0" i="0" u="none" strike="noStrike" kern="0" cap="none" spc="0" normalizeH="0" baseline="0" noProof="0" dirty="0" smtClean="0">
-                <a:ln>
-                  <a:noFill/>
-                </a:ln>
-                <a:solidFill>
-                  <a:schemeClr val="tx1"/>
-                </a:solidFill>
-                <a:effectLst/>
-                <a:uLnTx/>
-                <a:uFillTx/>
-                <a:latin typeface="+mn-lt"/>
-                <a:ea typeface="+mn-ea"/>
-                <a:cs typeface="+mn-cs"/>
-              </a:rPr>
-              <a:t>Memory bandwidth, external memory only:</a:t>
-            </a:r>
-          </a:p>
-          <a:p>
-            <a:pPr marL="639763" marR="0" lvl="1" indent="-285750" algn="l" defTabSz="914400" rtl="0" eaLnBrk="0" fontAlgn="base" latinLnBrk="0" hangingPunct="0">
-              <a:lnSpc>
-                <a:spcPct val="100000"/>
-              </a:lnSpc>
-              <a:spcBef>
-                <a:spcPct val="20000"/>
-              </a:spcBef>
-              <a:spcAft>
-                <a:spcPct val="0"/>
-              </a:spcAft>
-              <a:buClrTx/>
-              <a:buSzTx/>
-              <a:buFont typeface="Arial" pitchFamily="34" charset="0"/>
-              <a:buChar char="–"/>
-              <a:tabLst/>
-              <a:defRPr/>
-            </a:pPr>
-            <a:r>
-              <a:rPr kumimoji="0" lang="en-US" sz="1800" b="0" i="0" u="none" strike="noStrike" kern="0" cap="none" spc="0" normalizeH="0" baseline="0" noProof="0" dirty="0" smtClean="0">
-                <a:ln>
-                  <a:noFill/>
-                </a:ln>
-                <a:solidFill>
-                  <a:schemeClr val="tx1"/>
-                </a:solidFill>
-                <a:effectLst/>
-                <a:uLnTx/>
-                <a:uFillTx/>
-                <a:latin typeface="+mn-lt"/>
-              </a:rPr>
-              <a:t>Stream Copy a(</a:t>
-            </a:r>
-            <a:r>
-              <a:rPr kumimoji="0" lang="en-US" sz="1800" b="0" i="0" u="none" strike="noStrike" kern="0" cap="none" spc="0" normalizeH="0" baseline="0" noProof="0" dirty="0" err="1" smtClean="0">
-                <a:ln>
-                  <a:noFill/>
-                </a:ln>
-                <a:solidFill>
-                  <a:schemeClr val="tx1"/>
-                </a:solidFill>
-                <a:effectLst/>
-                <a:uLnTx/>
-                <a:uFillTx/>
-                <a:latin typeface="+mn-lt"/>
-              </a:rPr>
-              <a:t>i</a:t>
-            </a:r>
-            <a:r>
-              <a:rPr kumimoji="0" lang="en-US" sz="1800" b="0" i="0" u="none" strike="noStrike" kern="0" cap="none" spc="0" normalizeH="0" baseline="0" noProof="0" dirty="0" smtClean="0">
-                <a:ln>
-                  <a:noFill/>
-                </a:ln>
-                <a:solidFill>
-                  <a:schemeClr val="tx1"/>
-                </a:solidFill>
-                <a:effectLst/>
-                <a:uLnTx/>
-                <a:uFillTx/>
-                <a:latin typeface="+mn-lt"/>
-              </a:rPr>
-              <a:t>) = b(</a:t>
-            </a:r>
-            <a:r>
-              <a:rPr kumimoji="0" lang="en-US" sz="1800" b="0" i="0" u="none" strike="noStrike" kern="0" cap="none" spc="0" normalizeH="0" baseline="0" noProof="0" dirty="0" err="1" smtClean="0">
-                <a:ln>
-                  <a:noFill/>
-                </a:ln>
-                <a:solidFill>
-                  <a:schemeClr val="tx1"/>
-                </a:solidFill>
-                <a:effectLst/>
-                <a:uLnTx/>
-                <a:uFillTx/>
-                <a:latin typeface="+mn-lt"/>
-              </a:rPr>
-              <a:t>i</a:t>
-            </a:r>
-            <a:r>
-              <a:rPr kumimoji="0" lang="en-US" sz="1800" b="0" i="0" u="none" strike="noStrike" kern="0" cap="none" spc="0" normalizeH="0" baseline="0" noProof="0" dirty="0" smtClean="0">
-                <a:ln>
-                  <a:noFill/>
-                </a:ln>
-                <a:solidFill>
-                  <a:schemeClr val="tx1"/>
-                </a:solidFill>
-                <a:effectLst/>
-                <a:uLnTx/>
-                <a:uFillTx/>
-                <a:latin typeface="+mn-lt"/>
-              </a:rPr>
-              <a:t>), where a and a b are arrays.</a:t>
-            </a:r>
-          </a:p>
-          <a:p>
-            <a:pPr marL="639763" marR="0" lvl="1" indent="-285750" algn="l" defTabSz="914400" rtl="0" eaLnBrk="0" fontAlgn="base" latinLnBrk="0" hangingPunct="0">
-              <a:lnSpc>
-                <a:spcPct val="100000"/>
-              </a:lnSpc>
-              <a:spcBef>
-                <a:spcPct val="20000"/>
-              </a:spcBef>
-              <a:spcAft>
-                <a:spcPct val="0"/>
-              </a:spcAft>
-              <a:buClrTx/>
-              <a:buSzTx/>
-              <a:buFont typeface="Arial" pitchFamily="34" charset="0"/>
-              <a:buChar char="–"/>
-              <a:tabLst/>
-              <a:defRPr/>
-            </a:pPr>
-            <a:r>
-              <a:rPr kumimoji="0" lang="en-US" sz="1800" b="0" i="0" u="none" strike="noStrike" kern="0" cap="none" spc="0" normalizeH="0" baseline="0" noProof="0" dirty="0" smtClean="0">
-                <a:ln>
-                  <a:noFill/>
-                </a:ln>
-                <a:solidFill>
-                  <a:schemeClr val="tx1"/>
-                </a:solidFill>
-                <a:effectLst/>
-                <a:uLnTx/>
-                <a:uFillTx/>
-                <a:latin typeface="+mn-lt"/>
-              </a:rPr>
-              <a:t>Stream Scale a(</a:t>
-            </a:r>
-            <a:r>
-              <a:rPr kumimoji="0" lang="en-US" sz="1800" b="0" i="0" u="none" strike="noStrike" kern="0" cap="none" spc="0" normalizeH="0" baseline="0" noProof="0" dirty="0" err="1" smtClean="0">
-                <a:ln>
-                  <a:noFill/>
-                </a:ln>
-                <a:solidFill>
-                  <a:schemeClr val="tx1"/>
-                </a:solidFill>
-                <a:effectLst/>
-                <a:uLnTx/>
-                <a:uFillTx/>
-                <a:latin typeface="+mn-lt"/>
-              </a:rPr>
-              <a:t>i</a:t>
-            </a:r>
-            <a:r>
-              <a:rPr kumimoji="0" lang="en-US" sz="1800" b="0" i="0" u="none" strike="noStrike" kern="0" cap="none" spc="0" normalizeH="0" baseline="0" noProof="0" dirty="0" smtClean="0">
-                <a:ln>
-                  <a:noFill/>
-                </a:ln>
-                <a:solidFill>
-                  <a:schemeClr val="tx1"/>
-                </a:solidFill>
-                <a:effectLst/>
-                <a:uLnTx/>
-                <a:uFillTx/>
-                <a:latin typeface="+mn-lt"/>
-              </a:rPr>
-              <a:t>) = q * b(</a:t>
-            </a:r>
-            <a:r>
-              <a:rPr kumimoji="0" lang="en-US" sz="1800" b="0" i="0" u="none" strike="noStrike" kern="0" cap="none" spc="0" normalizeH="0" baseline="0" noProof="0" dirty="0" err="1" smtClean="0">
-                <a:ln>
-                  <a:noFill/>
-                </a:ln>
-                <a:solidFill>
-                  <a:schemeClr val="tx1"/>
-                </a:solidFill>
-                <a:effectLst/>
-                <a:uLnTx/>
-                <a:uFillTx/>
-                <a:latin typeface="+mn-lt"/>
-              </a:rPr>
-              <a:t>i</a:t>
-            </a:r>
-            <a:r>
-              <a:rPr kumimoji="0" lang="en-US" sz="1800" b="0" i="0" u="none" strike="noStrike" kern="0" cap="none" spc="0" normalizeH="0" baseline="0" noProof="0" dirty="0" smtClean="0">
-                <a:ln>
-                  <a:noFill/>
-                </a:ln>
-                <a:solidFill>
-                  <a:schemeClr val="tx1"/>
-                </a:solidFill>
-                <a:effectLst/>
-                <a:uLnTx/>
-                <a:uFillTx/>
-                <a:latin typeface="+mn-lt"/>
-              </a:rPr>
-              <a:t>), where a and b are arrays, and q is a constant.</a:t>
-            </a:r>
-          </a:p>
-          <a:p>
-            <a:pPr marL="639763" marR="0" lvl="1" indent="-285750" algn="l" defTabSz="914400" rtl="0" eaLnBrk="0" fontAlgn="base" latinLnBrk="0" hangingPunct="0">
-              <a:lnSpc>
-                <a:spcPct val="100000"/>
-              </a:lnSpc>
-              <a:spcBef>
-                <a:spcPct val="20000"/>
-              </a:spcBef>
-              <a:spcAft>
-                <a:spcPct val="0"/>
-              </a:spcAft>
-              <a:buClrTx/>
-              <a:buSzTx/>
-              <a:buFont typeface="Arial" pitchFamily="34" charset="0"/>
-              <a:buChar char="–"/>
-              <a:tabLst/>
-              <a:defRPr/>
-            </a:pPr>
-            <a:r>
-              <a:rPr kumimoji="0" lang="en-US" sz="1800" b="0" i="0" u="none" strike="noStrike" kern="0" cap="none" spc="0" normalizeH="0" baseline="0" noProof="0" dirty="0" smtClean="0">
-                <a:ln>
-                  <a:noFill/>
-                </a:ln>
-                <a:solidFill>
-                  <a:schemeClr val="tx1"/>
-                </a:solidFill>
-                <a:effectLst/>
-                <a:uLnTx/>
-                <a:uFillTx/>
-                <a:latin typeface="+mn-lt"/>
-              </a:rPr>
-              <a:t>Stream Add computes a(</a:t>
-            </a:r>
-            <a:r>
-              <a:rPr kumimoji="0" lang="en-US" sz="1800" b="0" i="0" u="none" strike="noStrike" kern="0" cap="none" spc="0" normalizeH="0" baseline="0" noProof="0" dirty="0" err="1" smtClean="0">
-                <a:ln>
-                  <a:noFill/>
-                </a:ln>
-                <a:solidFill>
-                  <a:schemeClr val="tx1"/>
-                </a:solidFill>
-                <a:effectLst/>
-                <a:uLnTx/>
-                <a:uFillTx/>
-                <a:latin typeface="+mn-lt"/>
-              </a:rPr>
-              <a:t>i</a:t>
-            </a:r>
-            <a:r>
-              <a:rPr kumimoji="0" lang="en-US" sz="1800" b="0" i="0" u="none" strike="noStrike" kern="0" cap="none" spc="0" normalizeH="0" baseline="0" noProof="0" dirty="0" smtClean="0">
-                <a:ln>
-                  <a:noFill/>
-                </a:ln>
-                <a:solidFill>
-                  <a:schemeClr val="tx1"/>
-                </a:solidFill>
-                <a:effectLst/>
-                <a:uLnTx/>
-                <a:uFillTx/>
-                <a:latin typeface="+mn-lt"/>
-              </a:rPr>
-              <a:t>) = b(</a:t>
-            </a:r>
-            <a:r>
-              <a:rPr kumimoji="0" lang="en-US" sz="1800" b="0" i="0" u="none" strike="noStrike" kern="0" cap="none" spc="0" normalizeH="0" baseline="0" noProof="0" dirty="0" err="1" smtClean="0">
-                <a:ln>
-                  <a:noFill/>
-                </a:ln>
-                <a:solidFill>
-                  <a:schemeClr val="tx1"/>
-                </a:solidFill>
-                <a:effectLst/>
-                <a:uLnTx/>
-                <a:uFillTx/>
-                <a:latin typeface="+mn-lt"/>
-              </a:rPr>
-              <a:t>i</a:t>
-            </a:r>
-            <a:r>
-              <a:rPr kumimoji="0" lang="en-US" sz="1800" b="0" i="0" u="none" strike="noStrike" kern="0" cap="none" spc="0" normalizeH="0" baseline="0" noProof="0" dirty="0" smtClean="0">
-                <a:ln>
-                  <a:noFill/>
-                </a:ln>
-                <a:solidFill>
-                  <a:schemeClr val="tx1"/>
-                </a:solidFill>
-                <a:effectLst/>
-                <a:uLnTx/>
-                <a:uFillTx/>
-                <a:latin typeface="+mn-lt"/>
-              </a:rPr>
-              <a:t>) + c(</a:t>
-            </a:r>
-            <a:r>
-              <a:rPr kumimoji="0" lang="en-US" sz="1800" b="0" i="0" u="none" strike="noStrike" kern="0" cap="none" spc="0" normalizeH="0" baseline="0" noProof="0" dirty="0" err="1" smtClean="0">
-                <a:ln>
-                  <a:noFill/>
-                </a:ln>
-                <a:solidFill>
-                  <a:schemeClr val="tx1"/>
-                </a:solidFill>
-                <a:effectLst/>
-                <a:uLnTx/>
-                <a:uFillTx/>
-                <a:latin typeface="+mn-lt"/>
-              </a:rPr>
-              <a:t>i</a:t>
-            </a:r>
-            <a:r>
-              <a:rPr kumimoji="0" lang="en-US" sz="1800" b="0" i="0" u="none" strike="noStrike" kern="0" cap="none" spc="0" normalizeH="0" baseline="0" noProof="0" dirty="0" smtClean="0">
-                <a:ln>
-                  <a:noFill/>
-                </a:ln>
-                <a:solidFill>
-                  <a:schemeClr val="tx1"/>
-                </a:solidFill>
-                <a:effectLst/>
-                <a:uLnTx/>
-                <a:uFillTx/>
-                <a:latin typeface="+mn-lt"/>
-              </a:rPr>
-              <a:t>), where a, b, and c are arrays.</a:t>
-            </a:r>
-          </a:p>
-          <a:p>
-            <a:pPr marL="639763" marR="0" lvl="1" indent="-285750" algn="l" defTabSz="914400" rtl="0" eaLnBrk="0" fontAlgn="base" latinLnBrk="0" hangingPunct="0">
-              <a:lnSpc>
-                <a:spcPct val="100000"/>
-              </a:lnSpc>
-              <a:spcBef>
-                <a:spcPct val="20000"/>
-              </a:spcBef>
-              <a:spcAft>
-                <a:spcPct val="0"/>
-              </a:spcAft>
-              <a:buClrTx/>
-              <a:buSzTx/>
-              <a:buFont typeface="Arial" pitchFamily="34" charset="0"/>
-              <a:buChar char="–"/>
-              <a:tabLst/>
-              <a:defRPr/>
-            </a:pPr>
-            <a:r>
-              <a:rPr kumimoji="0" lang="en-US" sz="1800" b="0" i="0" u="none" strike="noStrike" kern="0" cap="none" spc="0" normalizeH="0" baseline="0" noProof="0" dirty="0" smtClean="0">
-                <a:ln>
-                  <a:noFill/>
-                </a:ln>
-                <a:solidFill>
-                  <a:schemeClr val="tx1"/>
-                </a:solidFill>
-                <a:effectLst/>
-                <a:uLnTx/>
-                <a:uFillTx/>
-                <a:latin typeface="+mn-lt"/>
-              </a:rPr>
-              <a:t>Stream Triad computes a(</a:t>
-            </a:r>
-            <a:r>
-              <a:rPr kumimoji="0" lang="en-US" sz="1800" b="0" i="0" u="none" strike="noStrike" kern="0" cap="none" spc="0" normalizeH="0" baseline="0" noProof="0" dirty="0" err="1" smtClean="0">
-                <a:ln>
-                  <a:noFill/>
-                </a:ln>
-                <a:solidFill>
-                  <a:schemeClr val="tx1"/>
-                </a:solidFill>
-                <a:effectLst/>
-                <a:uLnTx/>
-                <a:uFillTx/>
-                <a:latin typeface="+mn-lt"/>
-              </a:rPr>
-              <a:t>i</a:t>
-            </a:r>
-            <a:r>
-              <a:rPr kumimoji="0" lang="en-US" sz="1800" b="0" i="0" u="none" strike="noStrike" kern="0" cap="none" spc="0" normalizeH="0" baseline="0" noProof="0" dirty="0" smtClean="0">
-                <a:ln>
-                  <a:noFill/>
-                </a:ln>
-                <a:solidFill>
-                  <a:schemeClr val="tx1"/>
-                </a:solidFill>
-                <a:effectLst/>
-                <a:uLnTx/>
-                <a:uFillTx/>
-                <a:latin typeface="+mn-lt"/>
-              </a:rPr>
-              <a:t>) = b(</a:t>
-            </a:r>
-            <a:r>
-              <a:rPr kumimoji="0" lang="en-US" sz="1800" b="0" i="0" u="none" strike="noStrike" kern="0" cap="none" spc="0" normalizeH="0" baseline="0" noProof="0" dirty="0" err="1" smtClean="0">
-                <a:ln>
-                  <a:noFill/>
-                </a:ln>
-                <a:solidFill>
-                  <a:schemeClr val="tx1"/>
-                </a:solidFill>
-                <a:effectLst/>
-                <a:uLnTx/>
-                <a:uFillTx/>
-                <a:latin typeface="+mn-lt"/>
-              </a:rPr>
-              <a:t>i</a:t>
-            </a:r>
-            <a:r>
-              <a:rPr kumimoji="0" lang="en-US" sz="1800" b="0" i="0" u="none" strike="noStrike" kern="0" cap="none" spc="0" normalizeH="0" baseline="0" noProof="0" dirty="0" smtClean="0">
-                <a:ln>
-                  <a:noFill/>
-                </a:ln>
-                <a:solidFill>
-                  <a:schemeClr val="tx1"/>
-                </a:solidFill>
-                <a:effectLst/>
-                <a:uLnTx/>
-                <a:uFillTx/>
-                <a:latin typeface="+mn-lt"/>
-              </a:rPr>
-              <a:t>) + q * c(</a:t>
-            </a:r>
-            <a:r>
-              <a:rPr kumimoji="0" lang="en-US" sz="1800" b="0" i="0" u="none" strike="noStrike" kern="0" cap="none" spc="0" normalizeH="0" baseline="0" noProof="0" dirty="0" err="1" smtClean="0">
-                <a:ln>
-                  <a:noFill/>
-                </a:ln>
-                <a:solidFill>
-                  <a:schemeClr val="tx1"/>
-                </a:solidFill>
-                <a:effectLst/>
-                <a:uLnTx/>
-                <a:uFillTx/>
-                <a:latin typeface="+mn-lt"/>
-              </a:rPr>
-              <a:t>i</a:t>
-            </a:r>
-            <a:r>
-              <a:rPr kumimoji="0" lang="en-US" sz="1800" b="0" i="0" u="none" strike="noStrike" kern="0" cap="none" spc="0" normalizeH="0" baseline="0" noProof="0" dirty="0" smtClean="0">
-                <a:ln>
-                  <a:noFill/>
-                </a:ln>
-                <a:solidFill>
-                  <a:schemeClr val="tx1"/>
-                </a:solidFill>
-                <a:effectLst/>
-                <a:uLnTx/>
-                <a:uFillTx/>
-                <a:latin typeface="+mn-lt"/>
-              </a:rPr>
-              <a:t>), where a, b, and c are arrays, and q is a constant.</a:t>
-            </a:r>
-          </a:p>
-          <a:p>
-            <a:pPr marL="639763" marR="0" lvl="1" indent="-285750" algn="l" defTabSz="914400" rtl="0" eaLnBrk="0" fontAlgn="base" latinLnBrk="0" hangingPunct="0">
-              <a:lnSpc>
-                <a:spcPct val="100000"/>
-              </a:lnSpc>
-              <a:spcBef>
-                <a:spcPct val="20000"/>
-              </a:spcBef>
-              <a:spcAft>
-                <a:spcPct val="0"/>
-              </a:spcAft>
-              <a:buClrTx/>
-              <a:buSzTx/>
-              <a:buFont typeface="Arial" pitchFamily="34" charset="0"/>
-              <a:buChar char="–"/>
-              <a:tabLst/>
-              <a:defRPr/>
-            </a:pPr>
-            <a:r>
-              <a:rPr kumimoji="0" lang="en-US" sz="1800" b="0" i="0" u="none" strike="noStrike" kern="0" cap="none" spc="0" normalizeH="0" baseline="0" noProof="0" dirty="0" smtClean="0">
-                <a:ln>
-                  <a:noFill/>
-                </a:ln>
-                <a:solidFill>
-                  <a:schemeClr val="tx1"/>
-                </a:solidFill>
-                <a:effectLst/>
-                <a:uLnTx/>
-                <a:uFillTx/>
-                <a:latin typeface="+mn-lt"/>
-              </a:rPr>
-              <a:t>Array sizes are defined to force missing on cache regardless of size</a:t>
-            </a:r>
-          </a:p>
-        </p:txBody>
-      </p:sp>
-      <p:sp>
-        <p:nvSpPr>
-          <p:cNvPr id="6" name="TextBox 5"/>
-          <p:cNvSpPr txBox="1"/>
-          <p:nvPr/>
-        </p:nvSpPr>
-        <p:spPr>
-          <a:xfrm>
-            <a:off x="5993388" y="955343"/>
-            <a:ext cx="3132499" cy="3647152"/>
-          </a:xfrm>
-          <a:prstGeom prst="rect">
-            <a:avLst/>
-          </a:prstGeom>
-          <a:noFill/>
-        </p:spPr>
-        <p:txBody>
-          <a:bodyPr wrap="square" rtlCol="0">
-            <a:spAutoFit/>
-          </a:bodyPr>
-          <a:lstStyle/>
-          <a:p>
-            <a:pPr marL="274320" indent="-274320" algn="l">
-              <a:spcBef>
-                <a:spcPts val="600"/>
-              </a:spcBef>
-              <a:buFont typeface="Arial" pitchFamily="34" charset="0"/>
-              <a:buChar char="•"/>
-            </a:pPr>
-            <a:r>
-              <a:rPr lang="en-US" sz="1800" dirty="0" smtClean="0">
-                <a:latin typeface="+mn-lt"/>
-              </a:rPr>
-              <a:t>The STREAM benchmark is the </a:t>
-            </a:r>
-            <a:r>
-              <a:rPr lang="en-US" sz="1800" i="1" dirty="0" smtClean="0">
-                <a:latin typeface="+mn-lt"/>
-              </a:rPr>
-              <a:t>de facto</a:t>
-            </a:r>
-            <a:r>
-              <a:rPr lang="en-US" sz="1800" dirty="0" smtClean="0">
-                <a:latin typeface="+mn-lt"/>
-              </a:rPr>
-              <a:t> industry standard benchmark for measurements of computer memory bandwidth.</a:t>
-            </a:r>
-          </a:p>
-          <a:p>
-            <a:pPr marL="274320" indent="-274320" algn="l">
-              <a:spcBef>
-                <a:spcPts val="600"/>
-              </a:spcBef>
-              <a:buFont typeface="Arial" pitchFamily="34" charset="0"/>
-              <a:buChar char="•"/>
-            </a:pPr>
-            <a:r>
-              <a:rPr lang="en-US" sz="1800" dirty="0" smtClean="0">
-                <a:latin typeface="+mn-lt"/>
-              </a:rPr>
-              <a:t>DDR3-1600 theoretical throughput is 12.8 GB/s</a:t>
-            </a:r>
-          </a:p>
-          <a:p>
-            <a:pPr marL="274320" indent="-274320" algn="l">
-              <a:spcBef>
-                <a:spcPts val="600"/>
-              </a:spcBef>
-              <a:buFont typeface="Arial" pitchFamily="34" charset="0"/>
-              <a:buChar char="•"/>
-            </a:pPr>
-            <a:r>
-              <a:rPr lang="en-US" sz="1800" dirty="0" smtClean="0">
-                <a:latin typeface="+mn-lt"/>
-              </a:rPr>
-              <a:t>~30% to ~50% achieved</a:t>
-            </a:r>
-          </a:p>
-          <a:p>
-            <a:pPr marL="274320" indent="-274320" algn="l">
-              <a:spcBef>
-                <a:spcPts val="600"/>
-              </a:spcBef>
-              <a:buFont typeface="Arial" pitchFamily="34" charset="0"/>
-              <a:buChar char="•"/>
-            </a:pPr>
-            <a:r>
-              <a:rPr lang="en-US" sz="1800" dirty="0" smtClean="0">
-                <a:latin typeface="+mn-lt"/>
-              </a:rPr>
-              <a:t>Physical placement of arrays is critical; Linux virtual memory with 4kB pages is good.</a:t>
-            </a:r>
-            <a:endParaRPr lang="en-US" sz="1800" dirty="0">
-              <a:latin typeface="+mn-lt"/>
-            </a:endParaRPr>
-          </a:p>
-        </p:txBody>
-      </p:sp>
-      <p:sp>
-        <p:nvSpPr>
-          <p:cNvPr id="8" name="Slide Number Placeholder 7"/>
-          <p:cNvSpPr>
-            <a:spLocks noGrp="1"/>
-          </p:cNvSpPr>
-          <p:nvPr>
-            <p:ph type="sldNum" sz="quarter" idx="10"/>
-          </p:nvPr>
-        </p:nvSpPr>
-        <p:spPr/>
-        <p:txBody>
-          <a:bodyPr/>
-          <a:lstStyle/>
-          <a:p>
-            <a:fld id="{F2394529-A9B3-4A54-83EC-E61379E8334E}" type="slidenum">
-              <a:rPr lang="en-US" smtClean="0"/>
-              <a:pPr/>
-              <a:t>43</a:t>
-            </a:fld>
-            <a:endParaRPr lang="en-US" dirty="0"/>
-          </a:p>
-        </p:txBody>
-      </p:sp>
-    </p:spTree>
-  </p:cSld>
-  <p:clrMapOvr>
-    <a:masterClrMapping/>
-  </p:clrMapOvr>
-  <p:timing>
-    <p:tnLst>
-      <p:par>
-        <p:cTn id="1" dur="indefinite" restart="never" nodeType="tmRoot"/>
-      </p:par>
-    </p:tnLst>
-  </p:timing>
-</p:sld>
-</file>
-
-<file path=ppt/slides/slide44.xml><?xml version="1.0" encoding="utf-8"?>
-<p:sld xmlns:a="http://schemas.openxmlformats.org/drawingml/2006/main" xmlns:r="http://schemas.openxmlformats.org/officeDocument/2006/relationships" xmlns:p="http://schemas.openxmlformats.org/presentationml/2006/main">
-  <p:cSld>
-    <p:spTree>
-      <p:nvGrpSpPr>
-        <p:cNvPr id="1" name=""/>
-        <p:cNvGrpSpPr/>
-        <p:nvPr/>
-      </p:nvGrpSpPr>
-      <p:grpSpPr>
-        <a:xfrm>
-          <a:off x="0" y="0"/>
-          <a:ext cx="0" cy="0"/>
-          <a:chOff x="0" y="0"/>
-          <a:chExt cx="0" cy="0"/>
-        </a:xfrm>
-      </p:grpSpPr>
-      <p:sp>
-        <p:nvSpPr>
           <p:cNvPr id="2" name="Title 1"/>
           <p:cNvSpPr>
             <a:spLocks noGrp="1"/>
@@ -16678,7 +16373,7 @@
 </p:sld>
 </file>
 
-<file path=ppt/slides/slide45.xml><?xml version="1.0" encoding="utf-8"?>
+<file path=ppt/slides/slide44.xml><?xml version="1.0" encoding="utf-8"?>
 <p:sld xmlns:a="http://schemas.openxmlformats.org/drawingml/2006/main" xmlns:r="http://schemas.openxmlformats.org/officeDocument/2006/relationships" xmlns:p="http://schemas.openxmlformats.org/presentationml/2006/main" show="0">
   <p:cSld>
     <p:spTree>
@@ -16800,7 +16495,7 @@
             <a:fld id="{F2394529-A9B3-4A54-83EC-E61379E8334E}" type="slidenum">
               <a:rPr lang="en-US" smtClean="0"/>
               <a:pPr/>
-              <a:t>45</a:t>
+              <a:t>44</a:t>
             </a:fld>
             <a:endParaRPr lang="en-US" dirty="0"/>
           </a:p>
@@ -16822,7 +16517,7 @@
 </p:sld>
 </file>
 
-<file path=ppt/slides/slide46.xml><?xml version="1.0" encoding="utf-8"?>
+<file path=ppt/slides/slide45.xml><?xml version="1.0" encoding="utf-8"?>
 <p:sld xmlns:a="http://schemas.openxmlformats.org/drawingml/2006/main" xmlns:r="http://schemas.openxmlformats.org/officeDocument/2006/relationships" xmlns:p="http://schemas.openxmlformats.org/presentationml/2006/main">
   <p:cSld>
     <p:spTree>
@@ -17013,7 +16708,7 @@
             <a:fld id="{F2394529-A9B3-4A54-83EC-E61379E8334E}" type="slidenum">
               <a:rPr lang="en-US" smtClean="0"/>
               <a:pPr/>
-              <a:t>46</a:t>
+              <a:t>45</a:t>
             </a:fld>
             <a:endParaRPr lang="en-US" dirty="0"/>
           </a:p>
@@ -17034,7 +16729,7 @@
 </p:sld>
 </file>
 
-<file path=ppt/slides/slide47.xml><?xml version="1.0" encoding="utf-8"?>
+<file path=ppt/slides/slide46.xml><?xml version="1.0" encoding="utf-8"?>
 <p:sld xmlns:a="http://schemas.openxmlformats.org/drawingml/2006/main" xmlns:r="http://schemas.openxmlformats.org/officeDocument/2006/relationships" xmlns:p="http://schemas.openxmlformats.org/presentationml/2006/main" show="0">
   <p:cSld>
     <p:spTree>
@@ -17170,6 +16865,179 @@
             <a:r>
               <a:rPr lang="en-US" altLang="ko-KR" sz="2200" dirty="0" smtClean="0"/>
               <a:t>Note – These are banked ID, meaning, same ID for different interrupts (for different CPU)</a:t>
+            </a:r>
+          </a:p>
+        </p:txBody>
+      </p:sp>
+      <p:sp>
+        <p:nvSpPr>
+          <p:cNvPr id="4" name="Slide Number Placeholder 3"/>
+          <p:cNvSpPr>
+            <a:spLocks noGrp="1"/>
+          </p:cNvSpPr>
+          <p:nvPr>
+            <p:ph type="sldNum" sz="quarter" idx="10"/>
+          </p:nvPr>
+        </p:nvSpPr>
+        <p:spPr/>
+        <p:txBody>
+          <a:bodyPr/>
+          <a:lstStyle/>
+          <a:p>
+            <a:fld id="{F2394529-A9B3-4A54-83EC-E61379E8334E}" type="slidenum">
+              <a:rPr lang="en-US" smtClean="0"/>
+              <a:pPr/>
+              <a:t>46</a:t>
+            </a:fld>
+            <a:endParaRPr lang="en-US" dirty="0"/>
+          </a:p>
+        </p:txBody>
+      </p:sp>
+    </p:spTree>
+  </p:cSld>
+  <p:clrMapOvr>
+    <a:masterClrMapping/>
+  </p:clrMapOvr>
+  <p:transition/>
+  <p:timing>
+    <p:tnLst>
+      <p:par>
+        <p:cTn id="1" dur="indefinite" restart="never" nodeType="tmRoot"/>
+      </p:par>
+    </p:tnLst>
+  </p:timing>
+</p:sld>
+</file>
+
+<file path=ppt/slides/slide47.xml><?xml version="1.0" encoding="utf-8"?>
+<p:sld xmlns:a="http://schemas.openxmlformats.org/drawingml/2006/main" xmlns:r="http://schemas.openxmlformats.org/officeDocument/2006/relationships" xmlns:p="http://schemas.openxmlformats.org/presentationml/2006/main">
+  <p:cSld>
+    <p:spTree>
+      <p:nvGrpSpPr>
+        <p:cNvPr id="1" name=""/>
+        <p:cNvGrpSpPr/>
+        <p:nvPr/>
+      </p:nvGrpSpPr>
+      <p:grpSpPr>
+        <a:xfrm>
+          <a:off x="0" y="0"/>
+          <a:ext cx="0" cy="0"/>
+          <a:chOff x="0" y="0"/>
+          <a:chExt cx="0" cy="0"/>
+        </a:xfrm>
+      </p:grpSpPr>
+      <p:sp>
+        <p:nvSpPr>
+          <p:cNvPr id="75777" name="Rectangle 2"/>
+          <p:cNvSpPr>
+            <a:spLocks noGrp="1" noChangeArrowheads="1"/>
+          </p:cNvSpPr>
+          <p:nvPr>
+            <p:ph type="title" idx="4294967295"/>
+          </p:nvPr>
+        </p:nvSpPr>
+        <p:spPr>
+          <a:xfrm>
+            <a:off x="0" y="254643"/>
+            <a:ext cx="9144000" cy="1157468"/>
+          </a:xfrm>
+        </p:spPr>
+        <p:txBody>
+          <a:bodyPr/>
+          <a:lstStyle/>
+          <a:p>
+            <a:r>
+              <a:rPr lang="en-US" altLang="ko-KR" sz="3600" dirty="0" smtClean="0">
+                <a:solidFill>
+                  <a:srgbClr val="DE0000"/>
+                </a:solidFill>
+              </a:rPr>
+              <a:t>GIC-400 Interrupt Controller</a:t>
+            </a:r>
+            <a:br>
+              <a:rPr lang="en-US" altLang="ko-KR" sz="3600" dirty="0" smtClean="0">
+                <a:solidFill>
+                  <a:srgbClr val="DE0000"/>
+                </a:solidFill>
+              </a:rPr>
+            </a:br>
+            <a:r>
+              <a:rPr lang="en-US" altLang="ko-KR" sz="3600" dirty="0" smtClean="0">
+                <a:solidFill>
+                  <a:srgbClr val="DE0000"/>
+                </a:solidFill>
+              </a:rPr>
+              <a:t>CPU Interface</a:t>
+            </a:r>
+          </a:p>
+        </p:txBody>
+      </p:sp>
+      <p:sp>
+        <p:nvSpPr>
+          <p:cNvPr id="75778" name="Rectangle 3"/>
+          <p:cNvSpPr>
+            <a:spLocks noGrp="1" noChangeArrowheads="1"/>
+          </p:cNvSpPr>
+          <p:nvPr>
+            <p:ph type="body" idx="4294967295"/>
+          </p:nvPr>
+        </p:nvSpPr>
+        <p:spPr>
+          <a:xfrm>
+            <a:off x="152400" y="2083443"/>
+            <a:ext cx="8831579" cy="4363077"/>
+          </a:xfrm>
+        </p:spPr>
+        <p:txBody>
+          <a:bodyPr/>
+          <a:lstStyle/>
+          <a:p>
+            <a:pPr marL="347472" indent="-347472"/>
+            <a:r>
+              <a:rPr lang="en-US" altLang="ko-KR" sz="2400" dirty="0" smtClean="0"/>
+              <a:t>Signal to the CPU is FIQ or IRQ</a:t>
+            </a:r>
+          </a:p>
+          <a:p>
+            <a:pPr marL="347472" indent="-347472"/>
+            <a:r>
+              <a:rPr lang="en-US" altLang="ko-KR" sz="2400" dirty="0" smtClean="0"/>
+              <a:t>Grouping</a:t>
+            </a:r>
+          </a:p>
+          <a:p>
+            <a:pPr marL="644335" lvl="1" indent="-347472"/>
+            <a:r>
+              <a:rPr lang="en-US" altLang="ko-KR" sz="2400" dirty="0" smtClean="0"/>
+              <a:t>Group 0 interrupts can be sent to processors using IRQ or FIQ</a:t>
+            </a:r>
+          </a:p>
+          <a:p>
+            <a:pPr marL="644335" lvl="1" indent="-347472"/>
+            <a:r>
+              <a:rPr lang="en-US" altLang="ko-KR" sz="2400" dirty="0" smtClean="0"/>
+              <a:t>Group 1 interrupts can be sent only via IRQ</a:t>
+            </a:r>
+          </a:p>
+          <a:p>
+            <a:pPr marL="347472" indent="-347472"/>
+            <a:r>
+              <a:rPr lang="en-US" altLang="ko-KR" sz="2400" dirty="0" smtClean="0"/>
+              <a:t>Interrupt state – pending, active,  active pending</a:t>
+            </a:r>
+          </a:p>
+          <a:p>
+            <a:pPr marL="347472" indent="-347472"/>
+            <a:r>
+              <a:rPr lang="en-US" altLang="ko-KR" sz="2400" dirty="0" smtClean="0"/>
+              <a:t>CPU acknowledge the interrupt </a:t>
+            </a:r>
+          </a:p>
+          <a:p>
+            <a:pPr marL="644335" lvl="1" indent="-347472"/>
+            <a:r>
+              <a:rPr lang="en-US" altLang="ko-KR" sz="2400" dirty="0" smtClean="0"/>
+              <a:t>Status of interrupt is changing from pending to active or active pending, enable other interrupts </a:t>
             </a:r>
           </a:p>
         </p:txBody>
@@ -17215,179 +17083,6 @@
 </file>
 
 <file path=ppt/slides/slide48.xml><?xml version="1.0" encoding="utf-8"?>
-<p:sld xmlns:a="http://schemas.openxmlformats.org/drawingml/2006/main" xmlns:r="http://schemas.openxmlformats.org/officeDocument/2006/relationships" xmlns:p="http://schemas.openxmlformats.org/presentationml/2006/main">
-  <p:cSld>
-    <p:spTree>
-      <p:nvGrpSpPr>
-        <p:cNvPr id="1" name=""/>
-        <p:cNvGrpSpPr/>
-        <p:nvPr/>
-      </p:nvGrpSpPr>
-      <p:grpSpPr>
-        <a:xfrm>
-          <a:off x="0" y="0"/>
-          <a:ext cx="0" cy="0"/>
-          <a:chOff x="0" y="0"/>
-          <a:chExt cx="0" cy="0"/>
-        </a:xfrm>
-      </p:grpSpPr>
-      <p:sp>
-        <p:nvSpPr>
-          <p:cNvPr id="75777" name="Rectangle 2"/>
-          <p:cNvSpPr>
-            <a:spLocks noGrp="1" noChangeArrowheads="1"/>
-          </p:cNvSpPr>
-          <p:nvPr>
-            <p:ph type="title" idx="4294967295"/>
-          </p:nvPr>
-        </p:nvSpPr>
-        <p:spPr>
-          <a:xfrm>
-            <a:off x="0" y="254643"/>
-            <a:ext cx="9144000" cy="1157468"/>
-          </a:xfrm>
-        </p:spPr>
-        <p:txBody>
-          <a:bodyPr/>
-          <a:lstStyle/>
-          <a:p>
-            <a:r>
-              <a:rPr lang="en-US" altLang="ko-KR" sz="3600" dirty="0" smtClean="0">
-                <a:solidFill>
-                  <a:srgbClr val="DE0000"/>
-                </a:solidFill>
-              </a:rPr>
-              <a:t>GIC-400 Interrupt Controller</a:t>
-            </a:r>
-            <a:br>
-              <a:rPr lang="en-US" altLang="ko-KR" sz="3600" dirty="0" smtClean="0">
-                <a:solidFill>
-                  <a:srgbClr val="DE0000"/>
-                </a:solidFill>
-              </a:rPr>
-            </a:br>
-            <a:r>
-              <a:rPr lang="en-US" altLang="ko-KR" sz="3600" dirty="0" smtClean="0">
-                <a:solidFill>
-                  <a:srgbClr val="DE0000"/>
-                </a:solidFill>
-              </a:rPr>
-              <a:t>CPU Interface</a:t>
-            </a:r>
-          </a:p>
-        </p:txBody>
-      </p:sp>
-      <p:sp>
-        <p:nvSpPr>
-          <p:cNvPr id="75778" name="Rectangle 3"/>
-          <p:cNvSpPr>
-            <a:spLocks noGrp="1" noChangeArrowheads="1"/>
-          </p:cNvSpPr>
-          <p:nvPr>
-            <p:ph type="body" idx="4294967295"/>
-          </p:nvPr>
-        </p:nvSpPr>
-        <p:spPr>
-          <a:xfrm>
-            <a:off x="152400" y="2083443"/>
-            <a:ext cx="8831579" cy="4363077"/>
-          </a:xfrm>
-        </p:spPr>
-        <p:txBody>
-          <a:bodyPr/>
-          <a:lstStyle/>
-          <a:p>
-            <a:pPr marL="347472" indent="-347472"/>
-            <a:r>
-              <a:rPr lang="en-US" altLang="ko-KR" sz="2400" dirty="0" smtClean="0"/>
-              <a:t>Signal to the CPU is FIQ or IRQ</a:t>
-            </a:r>
-          </a:p>
-          <a:p>
-            <a:pPr marL="347472" indent="-347472"/>
-            <a:r>
-              <a:rPr lang="en-US" altLang="ko-KR" sz="2400" dirty="0" smtClean="0"/>
-              <a:t>Grouping</a:t>
-            </a:r>
-          </a:p>
-          <a:p>
-            <a:pPr marL="644335" lvl="1" indent="-347472"/>
-            <a:r>
-              <a:rPr lang="en-US" altLang="ko-KR" sz="2400" dirty="0" smtClean="0"/>
-              <a:t>Group 0 interrupts can be sent to processors using IRQ or FIQ</a:t>
-            </a:r>
-          </a:p>
-          <a:p>
-            <a:pPr marL="644335" lvl="1" indent="-347472"/>
-            <a:r>
-              <a:rPr lang="en-US" altLang="ko-KR" sz="2400" dirty="0" smtClean="0"/>
-              <a:t>Group 1 interrupts can be sent only via IRQ</a:t>
-            </a:r>
-          </a:p>
-          <a:p>
-            <a:pPr marL="347472" indent="-347472"/>
-            <a:r>
-              <a:rPr lang="en-US" altLang="ko-KR" sz="2400" dirty="0" smtClean="0"/>
-              <a:t>Interrupt state – pending, active,  active pending</a:t>
-            </a:r>
-          </a:p>
-          <a:p>
-            <a:pPr marL="347472" indent="-347472"/>
-            <a:r>
-              <a:rPr lang="en-US" altLang="ko-KR" sz="2400" dirty="0" smtClean="0"/>
-              <a:t>CPU acknowledge the interrupt </a:t>
-            </a:r>
-          </a:p>
-          <a:p>
-            <a:pPr marL="644335" lvl="1" indent="-347472"/>
-            <a:r>
-              <a:rPr lang="en-US" altLang="ko-KR" sz="2400" dirty="0" smtClean="0"/>
-              <a:t>Status of interrupt is changing from pending to active or active pending, enable other interrupts </a:t>
-            </a:r>
-          </a:p>
-        </p:txBody>
-      </p:sp>
-      <p:sp>
-        <p:nvSpPr>
-          <p:cNvPr id="4" name="Slide Number Placeholder 3"/>
-          <p:cNvSpPr>
-            <a:spLocks noGrp="1"/>
-          </p:cNvSpPr>
-          <p:nvPr>
-            <p:ph type="sldNum" sz="quarter" idx="10"/>
-          </p:nvPr>
-        </p:nvSpPr>
-        <p:spPr/>
-        <p:txBody>
-          <a:bodyPr/>
-          <a:lstStyle/>
-          <a:p>
-            <a:fld id="{F2394529-A9B3-4A54-83EC-E61379E8334E}" type="slidenum">
-              <a:rPr lang="en-US" smtClean="0"/>
-              <a:pPr/>
-              <a:t>48</a:t>
-            </a:fld>
-            <a:endParaRPr lang="en-US" dirty="0"/>
-          </a:p>
-        </p:txBody>
-      </p:sp>
-    </p:spTree>
-  </p:cSld>
-  <p:clrMapOvr>
-    <a:masterClrMapping/>
-  </p:clrMapOvr>
-  <p:transition/>
-  <p:timing>
-    <p:tnLst>
-      <p:par>
-        <p:cTn id="1" dur="indefinite" restart="never" nodeType="tmRoot"/>
-      </p:par>
-    </p:tnLst>
-  </p:timing>
-</p:sld>
-</file>
-
-<file path=ppt/slides/slide49.xml><?xml version="1.0" encoding="utf-8"?>
 <p:sld xmlns:a="http://schemas.openxmlformats.org/drawingml/2006/main" xmlns:r="http://schemas.openxmlformats.org/officeDocument/2006/relationships" xmlns:p="http://schemas.openxmlformats.org/presentationml/2006/main" show="0">
   <p:cSld>
     <p:spTree>
@@ -17503,7 +17198,7 @@
             <a:fld id="{F2394529-A9B3-4A54-83EC-E61379E8334E}" type="slidenum">
               <a:rPr lang="en-US" smtClean="0"/>
               <a:pPr/>
-              <a:t>49</a:t>
+              <a:t>48</a:t>
             </a:fld>
             <a:endParaRPr lang="en-US" dirty="0"/>
           </a:p>
@@ -17522,6 +17217,82 @@
       </p:par>
     </p:tnLst>
   </p:timing>
+</p:sld>
+</file>
+
+<file path=ppt/slides/slide49.xml><?xml version="1.0" encoding="utf-8"?>
+<p:sld xmlns:a="http://schemas.openxmlformats.org/drawingml/2006/main" xmlns:r="http://schemas.openxmlformats.org/officeDocument/2006/relationships" xmlns:p="http://schemas.openxmlformats.org/presentationml/2006/main">
+  <p:cSld>
+    <p:spTree>
+      <p:nvGrpSpPr>
+        <p:cNvPr id="1" name=""/>
+        <p:cNvGrpSpPr/>
+        <p:nvPr/>
+      </p:nvGrpSpPr>
+      <p:grpSpPr>
+        <a:xfrm>
+          <a:off x="0" y="0"/>
+          <a:ext cx="0" cy="0"/>
+          <a:chOff x="0" y="0"/>
+          <a:chExt cx="0" cy="0"/>
+        </a:xfrm>
+      </p:grpSpPr>
+      <p:sp>
+        <p:nvSpPr>
+          <p:cNvPr id="2" name="Title 1"/>
+          <p:cNvSpPr>
+            <a:spLocks noGrp="1"/>
+          </p:cNvSpPr>
+          <p:nvPr>
+            <p:ph type="ctrTitle"/>
+          </p:nvPr>
+        </p:nvSpPr>
+        <p:spPr/>
+        <p:txBody>
+          <a:bodyPr/>
+          <a:lstStyle/>
+          <a:p>
+            <a:r>
+              <a:rPr lang="en-US" dirty="0" smtClean="0"/>
+              <a:t>Power Management</a:t>
+            </a:r>
+            <a:endParaRPr lang="en-US" dirty="0"/>
+          </a:p>
+        </p:txBody>
+      </p:sp>
+      <p:sp>
+        <p:nvSpPr>
+          <p:cNvPr id="3" name="Subtitle 2"/>
+          <p:cNvSpPr>
+            <a:spLocks noGrp="1"/>
+          </p:cNvSpPr>
+          <p:nvPr>
+            <p:ph type="subTitle" idx="1"/>
+          </p:nvPr>
+        </p:nvSpPr>
+        <p:spPr/>
+        <p:txBody>
+          <a:bodyPr/>
+          <a:lstStyle/>
+          <a:p>
+            <a:r>
+              <a:rPr lang="en-US" dirty="0" smtClean="0"/>
+              <a:t>ARM Cortex A-15 CorePac Overview</a:t>
+            </a:r>
+          </a:p>
+          <a:p>
+            <a:endParaRPr lang="en-US" dirty="0"/>
+          </a:p>
+        </p:txBody>
+      </p:sp>
+    </p:spTree>
+  </p:cSld>
+  <p:clrMapOvr>
+    <a:masterClrMapping/>
+  </p:clrMapOvr>
+  <p:transition spd="med">
+    <p:fade/>
+  </p:transition>
 </p:sld>
 </file>
 
@@ -17843,55 +17614,120 @@
             <a:spLocks noGrp="1"/>
           </p:cNvSpPr>
           <p:nvPr>
-            <p:ph type="ctrTitle"/>
+            <p:ph type="title"/>
+          </p:nvPr>
+        </p:nvSpPr>
+        <p:spPr>
+          <a:xfrm>
+            <a:off x="457200" y="114618"/>
+            <a:ext cx="8229600" cy="792162"/>
+          </a:xfrm>
+        </p:spPr>
+        <p:txBody>
+          <a:bodyPr>
+            <a:normAutofit/>
+          </a:bodyPr>
+          <a:lstStyle/>
+          <a:p>
+            <a:r>
+              <a:rPr lang="en-US" sz="4000" dirty="0" smtClean="0"/>
+              <a:t>Advanced Power Management</a:t>
+            </a:r>
+            <a:endParaRPr lang="en-US" sz="4000" dirty="0"/>
+          </a:p>
+        </p:txBody>
+      </p:sp>
+      <p:sp>
+        <p:nvSpPr>
+          <p:cNvPr id="3" name="Content Placeholder 2"/>
+          <p:cNvSpPr>
+            <a:spLocks noGrp="1"/>
+          </p:cNvSpPr>
+          <p:nvPr>
+            <p:ph idx="1"/>
           </p:nvPr>
         </p:nvSpPr>
         <p:spPr/>
         <p:txBody>
+          <a:bodyPr>
+            <a:normAutofit/>
+          </a:bodyPr>
+          <a:lstStyle/>
+          <a:p>
+            <a:r>
+              <a:rPr lang="en-US" sz="2800" dirty="0" smtClean="0"/>
+              <a:t>Multiple power domains inside the ARM CorePac</a:t>
+            </a:r>
+          </a:p>
+          <a:p>
+            <a:r>
+              <a:rPr lang="en-US" sz="2800" dirty="0" smtClean="0"/>
+              <a:t>Extremely fast </a:t>
+            </a:r>
+            <a:r>
+              <a:rPr lang="en-US" sz="2800" i="1" dirty="0" smtClean="0"/>
+              <a:t>state save </a:t>
+            </a:r>
+            <a:r>
+              <a:rPr lang="en-US" sz="2800" dirty="0" smtClean="0"/>
+              <a:t>and </a:t>
+            </a:r>
+            <a:r>
+              <a:rPr lang="en-US" sz="2800" i="1" dirty="0" smtClean="0"/>
+              <a:t>restore</a:t>
+            </a:r>
+            <a:r>
+              <a:rPr lang="en-US" sz="2800" dirty="0" smtClean="0"/>
+              <a:t> speeds up hibernation</a:t>
+            </a:r>
+          </a:p>
+          <a:p>
+            <a:r>
+              <a:rPr lang="en-US" sz="2800" dirty="0" smtClean="0"/>
+              <a:t>Fine-grain pipeline shutdown using 32-entry loop buffer disables fetch and some decode pipeline stages.</a:t>
+            </a:r>
+          </a:p>
+        </p:txBody>
+      </p:sp>
+      <p:sp>
+        <p:nvSpPr>
+          <p:cNvPr id="4" name="Slide Number Placeholder 3"/>
+          <p:cNvSpPr>
+            <a:spLocks noGrp="1"/>
+          </p:cNvSpPr>
+          <p:nvPr>
+            <p:ph type="sldNum" sz="quarter" idx="10"/>
+          </p:nvPr>
+        </p:nvSpPr>
+        <p:spPr/>
+        <p:txBody>
           <a:bodyPr/>
           <a:lstStyle/>
           <a:p>
-            <a:r>
-              <a:rPr lang="en-US" dirty="0" smtClean="0"/>
-              <a:t>Power Management</a:t>
-            </a:r>
+            <a:fld id="{F2394529-A9B3-4A54-83EC-E61379E8334E}" type="slidenum">
+              <a:rPr lang="en-US" smtClean="0"/>
+              <a:pPr/>
+              <a:t>50</a:t>
+            </a:fld>
             <a:endParaRPr lang="en-US" dirty="0"/>
           </a:p>
         </p:txBody>
       </p:sp>
-      <p:sp>
-        <p:nvSpPr>
-          <p:cNvPr id="3" name="Subtitle 2"/>
-          <p:cNvSpPr>
-            <a:spLocks noGrp="1"/>
-          </p:cNvSpPr>
-          <p:nvPr>
-            <p:ph type="subTitle" idx="1"/>
-          </p:nvPr>
-        </p:nvSpPr>
-        <p:spPr/>
-        <p:txBody>
-          <a:bodyPr/>
-          <a:lstStyle/>
-          <a:p>
-            <a:r>
-              <a:rPr lang="en-US" dirty="0" smtClean="0"/>
-              <a:t>ARM Cortex A-15 CorePac Overview</a:t>
-            </a:r>
-          </a:p>
-          <a:p>
-            <a:endParaRPr lang="en-US" dirty="0"/>
-          </a:p>
-        </p:txBody>
-      </p:sp>
     </p:spTree>
+    <p:custDataLst>
+      <p:tags r:id="rId1"/>
+    </p:custDataLst>
   </p:cSld>
   <p:clrMapOvr>
     <a:masterClrMapping/>
   </p:clrMapOvr>
-  <p:transition spd="med">
-    <p:fade/>
-  </p:transition>
+  <p:timing>
+    <p:tnLst>
+      <p:par>
+        <p:cTn id="1" dur="indefinite" restart="never" nodeType="tmRoot"/>
+      </p:par>
+    </p:tnLst>
+  </p:timing>
 </p:sld>
 </file>
 
@@ -17922,10 +17758,33 @@
             <p:ph type="title"/>
           </p:nvPr>
         </p:nvSpPr>
+        <p:spPr/>
+        <p:txBody>
+          <a:bodyPr/>
+          <a:lstStyle/>
+          <a:p>
+            <a:r>
+              <a:rPr lang="en-US" sz="4000" dirty="0" smtClean="0"/>
+              <a:t>Energy Efficiency</a:t>
+            </a:r>
+            <a:endParaRPr lang="en-US" sz="4000" dirty="0"/>
+          </a:p>
+        </p:txBody>
+      </p:sp>
+      <p:sp>
+        <p:nvSpPr>
+          <p:cNvPr id="3" name="Content Placeholder 2"/>
+          <p:cNvSpPr>
+            <a:spLocks noGrp="1"/>
+          </p:cNvSpPr>
+          <p:nvPr>
+            <p:ph idx="1"/>
+          </p:nvPr>
+        </p:nvSpPr>
         <p:spPr>
           <a:xfrm>
-            <a:off x="457200" y="114618"/>
-            <a:ext cx="8229600" cy="792162"/>
+            <a:off x="344031" y="990600"/>
+            <a:ext cx="8437829" cy="5334000"/>
           </a:xfrm>
         </p:spPr>
         <p:txBody>
@@ -17935,62 +17794,51 @@
           <a:lstStyle/>
           <a:p>
             <a:r>
-              <a:rPr lang="en-US" sz="4000" dirty="0" smtClean="0"/>
-              <a:t>Advanced Power Management</a:t>
-            </a:r>
-            <a:endParaRPr lang="en-US" sz="4000" dirty="0"/>
-          </a:p>
-        </p:txBody>
-      </p:sp>
-      <p:sp>
-        <p:nvSpPr>
-          <p:cNvPr id="3" name="Content Placeholder 2"/>
-          <p:cNvSpPr>
-            <a:spLocks noGrp="1"/>
-          </p:cNvSpPr>
-          <p:nvPr>
-            <p:ph idx="1"/>
-          </p:nvPr>
-        </p:nvSpPr>
-        <p:spPr/>
-        <p:txBody>
-          <a:bodyPr>
-            <a:normAutofit/>
-          </a:bodyPr>
-          <a:lstStyle/>
-          <a:p>
-            <a:r>
               <a:rPr lang="en-US" sz="2800" dirty="0" smtClean="0"/>
-              <a:t>Multiple power domains inside the ARM CorePac</a:t>
+              <a:t>Clock gating inside the ARM CorePac:</a:t>
+            </a:r>
+          </a:p>
+          <a:p>
+            <a:pPr lvl="1"/>
+            <a:r>
+              <a:rPr lang="en-US" sz="2400" dirty="0" smtClean="0"/>
+              <a:t>Total dynamic power consumption for a fully-loaded 1.4GHz core will range from 1.2W to 0.35W depending on the type of instructions it runs.</a:t>
+            </a:r>
+          </a:p>
+          <a:p>
+            <a:pPr lvl="1"/>
+            <a:r>
+              <a:rPr lang="en-US" sz="2400" dirty="0" smtClean="0"/>
+              <a:t>Wait for interrupt and event (WFI, WFE) instructions bring the dynamic power down to &lt;0.1W per core.</a:t>
             </a:r>
           </a:p>
           <a:p>
             <a:r>
               <a:rPr lang="en-US" sz="2800" dirty="0" smtClean="0"/>
-              <a:t>Extremely fast </a:t>
-            </a:r>
-            <a:r>
-              <a:rPr lang="en-US" sz="2800" i="1" dirty="0" smtClean="0"/>
-              <a:t>state save </a:t>
-            </a:r>
-            <a:r>
-              <a:rPr lang="en-US" sz="2800" dirty="0" smtClean="0"/>
-              <a:t>and </a:t>
-            </a:r>
-            <a:r>
-              <a:rPr lang="en-US" sz="2800" i="1" dirty="0" smtClean="0"/>
-              <a:t>restore</a:t>
-            </a:r>
-            <a:r>
-              <a:rPr lang="en-US" sz="2800" dirty="0" smtClean="0"/>
-              <a:t> speeds up hibernation</a:t>
-            </a:r>
-          </a:p>
-          <a:p>
-            <a:r>
-              <a:rPr lang="en-US" sz="2800" dirty="0" smtClean="0"/>
-              <a:t>Fine-grain pipeline shutdown using 32-entry loop buffer disables fetch and some decode pipeline stages.</a:t>
-            </a:r>
+              <a:t>Power switches per core and per CorePac including L2:</a:t>
+            </a:r>
+          </a:p>
+          <a:p>
+            <a:pPr lvl="1"/>
+            <a:r>
+              <a:rPr lang="en-US" sz="2400" dirty="0" smtClean="0"/>
+              <a:t>Each ARM A15 core can be shut down independently.</a:t>
+            </a:r>
+          </a:p>
+          <a:p>
+            <a:pPr lvl="1"/>
+            <a:r>
+              <a:rPr lang="en-US" sz="2400" dirty="0" smtClean="0"/>
+              <a:t>The entire ARM A15 CorePac, including the 4MB/1MB L2 cache, can also be shut down.</a:t>
+            </a:r>
+          </a:p>
+          <a:p>
+            <a:pPr lvl="1"/>
+            <a:r>
+              <a:rPr lang="en-US" sz="2400" dirty="0" smtClean="0"/>
+              <a:t>Reduces static power to &lt;5%</a:t>
+            </a:r>
+            <a:endParaRPr lang="en-US" sz="2400" dirty="0"/>
           </a:p>
         </p:txBody>
       </p:sp>
@@ -18060,7 +17908,7 @@
             <a:spLocks noGrp="1"/>
           </p:cNvSpPr>
           <p:nvPr>
-            <p:ph type="title"/>
+            <p:ph type="ctrTitle"/>
           </p:nvPr>
         </p:nvSpPr>
         <p:spPr/>
@@ -18069,92 +17917,21 @@
           <a:lstStyle/>
           <a:p>
             <a:r>
-              <a:rPr lang="en-US" sz="4000" dirty="0" smtClean="0"/>
-              <a:t>Energy Efficiency</a:t>
-            </a:r>
-            <a:endParaRPr lang="en-US" sz="4000" dirty="0"/>
-          </a:p>
-        </p:txBody>
-      </p:sp>
-      <p:sp>
-        <p:nvSpPr>
-          <p:cNvPr id="3" name="Content Placeholder 2"/>
+              <a:rPr lang="en-US" dirty="0" smtClean="0"/>
+              <a:t>Debug and Trace</a:t>
+            </a:r>
+            <a:endParaRPr lang="en-US" dirty="0"/>
+          </a:p>
+        </p:txBody>
+      </p:sp>
+      <p:sp>
+        <p:nvSpPr>
+          <p:cNvPr id="3" name="Subtitle 2"/>
           <p:cNvSpPr>
             <a:spLocks noGrp="1"/>
           </p:cNvSpPr>
           <p:nvPr>
-            <p:ph idx="1"/>
-          </p:nvPr>
-        </p:nvSpPr>
-        <p:spPr>
-          <a:xfrm>
-            <a:off x="344031" y="990600"/>
-            <a:ext cx="8437829" cy="5334000"/>
-          </a:xfrm>
-        </p:spPr>
-        <p:txBody>
-          <a:bodyPr>
-            <a:normAutofit/>
-          </a:bodyPr>
-          <a:lstStyle/>
-          <a:p>
-            <a:r>
-              <a:rPr lang="en-US" sz="2800" dirty="0" smtClean="0"/>
-              <a:t>Clock gating inside the ARM CorePac:</a:t>
-            </a:r>
-          </a:p>
-          <a:p>
-            <a:pPr lvl="1"/>
-            <a:r>
-              <a:rPr lang="en-US" sz="2400" dirty="0" smtClean="0"/>
-              <a:t>Total dynamic power consumption for a fully-loaded 1.4GHz core will range from 1.2W to 0.35W depending on the type of instructions it runs.</a:t>
-            </a:r>
-          </a:p>
-          <a:p>
-            <a:pPr lvl="1"/>
-            <a:r>
-              <a:rPr lang="en-US" sz="2400" dirty="0" smtClean="0"/>
-              <a:t>Wait for interrupt and event (WFI, WFE) instructions bring the dynamic power down to &lt;0.1W per core.</a:t>
-            </a:r>
-          </a:p>
-          <a:p>
-            <a:r>
-              <a:rPr lang="en-US" sz="2800" dirty="0" smtClean="0"/>
-              <a:t>Power switches per core and per CorePac including L2:</a:t>
-            </a:r>
-          </a:p>
-          <a:p>
-            <a:pPr lvl="1"/>
-            <a:r>
-              <a:rPr lang="en-US" sz="2400" dirty="0" smtClean="0"/>
-              <a:t>Each ARM A15 core can be shut down independently.</a:t>
-            </a:r>
-          </a:p>
-          <a:p>
-            <a:pPr lvl="1"/>
-            <a:r>
-              <a:rPr lang="en-US" sz="2400" dirty="0" smtClean="0"/>
-              <a:t>The entire ARM A15 CorePac, including the 4MB/1MB L2 cache, can also be shut down.</a:t>
-            </a:r>
-          </a:p>
-          <a:p>
-            <a:pPr lvl="1"/>
-            <a:r>
-              <a:rPr lang="en-US" sz="2400" dirty="0" smtClean="0"/>
-              <a:t>Reduces static power to &lt;5%</a:t>
-            </a:r>
-            <a:endParaRPr lang="en-US" sz="2400" dirty="0"/>
-          </a:p>
-        </p:txBody>
-      </p:sp>
-      <p:sp>
-        <p:nvSpPr>
-          <p:cNvPr id="4" name="Slide Number Placeholder 3"/>
-          <p:cNvSpPr>
-            <a:spLocks noGrp="1"/>
-          </p:cNvSpPr>
-          <p:nvPr>
-            <p:ph type="sldNum" sz="quarter" idx="10"/>
+            <p:ph type="subTitle" idx="1"/>
           </p:nvPr>
         </p:nvSpPr>
         <p:spPr/>
@@ -18162,30 +17939,24 @@
           <a:bodyPr/>
           <a:lstStyle/>
           <a:p>
-            <a:fld id="{F2394529-A9B3-4A54-83EC-E61379E8334E}" type="slidenum">
-              <a:rPr lang="en-US" smtClean="0"/>
-              <a:pPr/>
-              <a:t>52</a:t>
-            </a:fld>
+            <a:r>
+              <a:rPr lang="en-US" dirty="0" smtClean="0"/>
+              <a:t>ARM Cortex A-15 CorePac Overview</a:t>
+            </a:r>
+          </a:p>
+          <a:p>
             <a:endParaRPr lang="en-US" dirty="0"/>
           </a:p>
         </p:txBody>
       </p:sp>
     </p:spTree>
-    <p:custDataLst>
-      <p:tags r:id="rId1"/>
-    </p:custDataLst>
   </p:cSld>
   <p:clrMapOvr>
     <a:masterClrMapping/>
   </p:clrMapOvr>
-  <p:timing>
-    <p:tnLst>
-      <p:par>
-        <p:cTn id="1" dur="indefinite" restart="never" nodeType="tmRoot"/>
-      </p:par>
-    </p:tnLst>
-  </p:timing>
+  <p:transition spd="med">
+    <p:fade/>
+  </p:transition>
 </p:sld>
 </file>
 
@@ -18213,7 +17984,7 @@
             <a:spLocks noGrp="1"/>
           </p:cNvSpPr>
           <p:nvPr>
-            <p:ph type="ctrTitle"/>
+            <p:ph type="title"/>
           </p:nvPr>
         </p:nvSpPr>
         <p:spPr/>
@@ -18222,46 +17993,139 @@
           <a:lstStyle/>
           <a:p>
             <a:r>
-              <a:rPr lang="en-US" dirty="0" smtClean="0"/>
-              <a:t>Debug and Trace</a:t>
-            </a:r>
+              <a:rPr lang="en-US" sz="4000" dirty="0" smtClean="0"/>
+              <a:t>Debug and Trace Options</a:t>
+            </a:r>
+            <a:endParaRPr lang="en-US" sz="4000" dirty="0"/>
+          </a:p>
+        </p:txBody>
+      </p:sp>
+      <p:sp>
+        <p:nvSpPr>
+          <p:cNvPr id="3" name="Content Placeholder 2"/>
+          <p:cNvSpPr>
+            <a:spLocks noGrp="1"/>
+          </p:cNvSpPr>
+          <p:nvPr>
+            <p:ph idx="1"/>
+          </p:nvPr>
+        </p:nvSpPr>
+        <p:spPr/>
+        <p:txBody>
+          <a:bodyPr>
+            <a:normAutofit/>
+          </a:bodyPr>
+          <a:lstStyle/>
+          <a:p>
+            <a:r>
+              <a:rPr lang="en-US" sz="2400" dirty="0" smtClean="0"/>
+              <a:t>Lab-based debug; CCSv5 gives full support</a:t>
+            </a:r>
+          </a:p>
+          <a:p>
+            <a:pPr lvl="1"/>
+            <a:r>
+              <a:rPr lang="en-US" sz="2400" dirty="0" smtClean="0"/>
+              <a:t>Run-Time debug module</a:t>
+            </a:r>
+          </a:p>
+          <a:p>
+            <a:r>
+              <a:rPr lang="en-US" sz="2400" dirty="0" smtClean="0"/>
+              <a:t>PMU (Performance Monitoring Unit) is a set of counters that can gathers statistics various processor and memory events.</a:t>
+            </a:r>
+          </a:p>
+          <a:p>
+            <a:r>
+              <a:rPr lang="en-US" sz="2400" dirty="0" smtClean="0"/>
+              <a:t>System Trace </a:t>
+            </a:r>
+            <a:r>
+              <a:rPr lang="en-US" sz="2400" dirty="0" err="1" smtClean="0"/>
+              <a:t>Macrocell</a:t>
+            </a:r>
+            <a:r>
+              <a:rPr lang="en-US" sz="2400" dirty="0" smtClean="0"/>
+              <a:t> (STM) provides:</a:t>
+            </a:r>
+          </a:p>
+          <a:p>
+            <a:pPr lvl="1"/>
+            <a:r>
+              <a:rPr lang="en-US" sz="2400" dirty="0" smtClean="0"/>
+              <a:t>Logic to control the trace</a:t>
+            </a:r>
+          </a:p>
+          <a:p>
+            <a:pPr lvl="1"/>
+            <a:r>
+              <a:rPr lang="en-US" sz="2400" dirty="0" smtClean="0"/>
+              <a:t>Path to move the trace data outside</a:t>
+            </a:r>
+          </a:p>
+          <a:p>
+            <a:r>
+              <a:rPr lang="en-US" sz="2400" dirty="0" smtClean="0"/>
+              <a:t>Embedded Cross Trigger (ECT) unit enables an event from one </a:t>
+            </a:r>
+            <a:r>
+              <a:rPr lang="en-US" sz="2400" dirty="0" err="1" smtClean="0"/>
+              <a:t>CorePac</a:t>
+            </a:r>
+            <a:r>
+              <a:rPr lang="en-US" sz="2400" dirty="0" smtClean="0"/>
+              <a:t> to trigger a trace at another </a:t>
+            </a:r>
+            <a:r>
+              <a:rPr lang="en-US" sz="2400" dirty="0" err="1" smtClean="0"/>
+              <a:t>CorePac</a:t>
+            </a:r>
+            <a:r>
+              <a:rPr lang="en-US" sz="2400" dirty="0" smtClean="0"/>
+              <a:t> </a:t>
+            </a:r>
+          </a:p>
+        </p:txBody>
+      </p:sp>
+      <p:sp>
+        <p:nvSpPr>
+          <p:cNvPr id="4" name="Slide Number Placeholder 3"/>
+          <p:cNvSpPr>
+            <a:spLocks noGrp="1"/>
+          </p:cNvSpPr>
+          <p:nvPr>
+            <p:ph type="sldNum" sz="quarter" idx="10"/>
+          </p:nvPr>
+        </p:nvSpPr>
+        <p:spPr/>
+        <p:txBody>
+          <a:bodyPr/>
+          <a:lstStyle/>
+          <a:p>
+            <a:fld id="{F2394529-A9B3-4A54-83EC-E61379E8334E}" type="slidenum">
+              <a:rPr lang="en-US" smtClean="0"/>
+              <a:pPr/>
+              <a:t>53</a:t>
+            </a:fld>
             <a:endParaRPr lang="en-US" dirty="0"/>
           </a:p>
         </p:txBody>
       </p:sp>
-      <p:sp>
-        <p:nvSpPr>
-          <p:cNvPr id="3" name="Subtitle 2"/>
-          <p:cNvSpPr>
-            <a:spLocks noGrp="1"/>
-          </p:cNvSpPr>
-          <p:nvPr>
-            <p:ph type="subTitle" idx="1"/>
-          </p:nvPr>
-        </p:nvSpPr>
-        <p:spPr/>
-        <p:txBody>
-          <a:bodyPr/>
-          <a:lstStyle/>
-          <a:p>
-            <a:r>
-              <a:rPr lang="en-US" dirty="0" smtClean="0"/>
-              <a:t>ARM Cortex A-15 CorePac Overview</a:t>
-            </a:r>
-          </a:p>
-          <a:p>
-            <a:endParaRPr lang="en-US" dirty="0"/>
-          </a:p>
-        </p:txBody>
-      </p:sp>
     </p:spTree>
+    <p:custDataLst>
+      <p:tags r:id="rId1"/>
+    </p:custDataLst>
   </p:cSld>
   <p:clrMapOvr>
     <a:masterClrMapping/>
   </p:clrMapOvr>
-  <p:transition spd="med">
-    <p:fade/>
-  </p:transition>
+  <p:timing>
+    <p:tnLst>
+      <p:par>
+        <p:cTn id="1" dur="indefinite" restart="never" nodeType="tmRoot"/>
+      </p:par>
+    </p:tnLst>
+  </p:timing>
 </p:sld>
 </file>
 
@@ -18299,7 +18163,7 @@
           <a:p>
             <a:r>
               <a:rPr lang="en-US" sz="4000" dirty="0" smtClean="0"/>
-              <a:t>Debug and Trace Options</a:t>
+              <a:t>Lab-Based Debug</a:t>
             </a:r>
             <a:endParaRPr lang="en-US" sz="4000" dirty="0"/>
           </a:p>
@@ -18315,96 +18179,41 @@
             <p:ph idx="1"/>
           </p:nvPr>
         </p:nvSpPr>
-        <p:spPr/>
+        <p:spPr>
+          <a:xfrm>
+            <a:off x="381000" y="1665837"/>
+            <a:ext cx="8229600" cy="3398531"/>
+          </a:xfrm>
+        </p:spPr>
         <p:txBody>
           <a:bodyPr>
-            <a:normAutofit/>
+            <a:noAutofit/>
           </a:bodyPr>
           <a:lstStyle/>
           <a:p>
             <a:r>
-              <a:rPr lang="en-US" sz="2400" dirty="0" smtClean="0"/>
-              <a:t>Lab-based debug; CCSv5 gives full support</a:t>
-            </a:r>
-          </a:p>
-          <a:p>
-            <a:pPr lvl="1"/>
-            <a:r>
-              <a:rPr lang="en-US" sz="2400" dirty="0" smtClean="0"/>
-              <a:t>Run-Time debug module</a:t>
-            </a:r>
-          </a:p>
-          <a:p>
-            <a:r>
-              <a:rPr lang="en-US" sz="2400" dirty="0" smtClean="0"/>
-              <a:t>PMU (Performance Monitoring Unit) is a set of counters that </a:t>
-            </a:r>
-            <a:r>
-              <a:rPr lang="en-US" sz="2400" dirty="0" smtClean="0"/>
-              <a:t>gathers </a:t>
-            </a:r>
-            <a:r>
-              <a:rPr lang="en-US" sz="2400" dirty="0" smtClean="0"/>
-              <a:t>statistics </a:t>
-            </a:r>
-            <a:r>
-              <a:rPr lang="en-US" sz="2400" dirty="0" smtClean="0"/>
-              <a:t>from various </a:t>
-            </a:r>
-            <a:r>
-              <a:rPr lang="en-US" sz="2400" dirty="0" smtClean="0"/>
-              <a:t>processor and memory events.</a:t>
-            </a:r>
-          </a:p>
-          <a:p>
-            <a:r>
-              <a:rPr lang="en-US" sz="2400" dirty="0" smtClean="0"/>
-              <a:t>System Trace </a:t>
-            </a:r>
-            <a:r>
-              <a:rPr lang="en-US" sz="2400" dirty="0" err="1" smtClean="0"/>
-              <a:t>Macrocell</a:t>
-            </a:r>
-            <a:r>
-              <a:rPr lang="en-US" sz="2400" dirty="0" smtClean="0"/>
-              <a:t> (STM) provides:</a:t>
-            </a:r>
-          </a:p>
-          <a:p>
-            <a:pPr lvl="1"/>
-            <a:r>
-              <a:rPr lang="en-US" sz="2400" dirty="0" smtClean="0"/>
-              <a:t>Logic to control the trace</a:t>
-            </a:r>
-          </a:p>
-          <a:p>
-            <a:pPr lvl="1"/>
-            <a:r>
-              <a:rPr lang="en-US" sz="2400" dirty="0" smtClean="0"/>
-              <a:t>Path to move the trace data outside</a:t>
-            </a:r>
-          </a:p>
-          <a:p>
-            <a:r>
-              <a:rPr lang="en-US" sz="2400" dirty="0" smtClean="0"/>
-              <a:t>Embedded Cross Trigger (ECT) unit enables an event from one </a:t>
-            </a:r>
-            <a:r>
-              <a:rPr lang="en-US" sz="2400" dirty="0" err="1" smtClean="0"/>
-              <a:t>CorePac</a:t>
-            </a:r>
-            <a:r>
-              <a:rPr lang="en-US" sz="2400" dirty="0" smtClean="0"/>
-              <a:t> to trigger a trace at another </a:t>
-            </a:r>
-            <a:r>
-              <a:rPr lang="en-US" sz="2400" dirty="0" err="1" smtClean="0"/>
-              <a:t>CorePac</a:t>
-            </a:r>
-            <a:r>
-              <a:rPr lang="en-US" sz="2400" dirty="0" smtClean="0"/>
-              <a:t> </a:t>
-            </a:r>
+              <a:rPr lang="en-US" sz="2800" dirty="0" smtClean="0"/>
+              <a:t>CCSv5 works with the ARM cores. </a:t>
+            </a:r>
+          </a:p>
+          <a:p>
+            <a:r>
+              <a:rPr lang="en-US" sz="2800" dirty="0" smtClean="0"/>
+              <a:t>The ARM integrated development environment, RealView Development Suite (RDS), provides lab-based debug facilities (breakpoint, memory view, etc.).</a:t>
+            </a:r>
+          </a:p>
+          <a:p>
+            <a:r>
+              <a:rPr lang="en-US" sz="2800" dirty="0" smtClean="0"/>
+              <a:t>GNU Debugger (GDB)</a:t>
+            </a:r>
+          </a:p>
+          <a:p>
+            <a:r>
+              <a:rPr lang="en-US" sz="2800" dirty="0" smtClean="0"/>
+              <a:t>ARM hardware debug registers facilitate debugging.</a:t>
+            </a:r>
+            <a:endParaRPr lang="en-US" sz="2800" dirty="0"/>
           </a:p>
         </p:txBody>
       </p:sp>
@@ -18451,136 +18260,6 @@
 </file>
 
 <file path=ppt/slides/slide55.xml><?xml version="1.0" encoding="utf-8"?>
-<p:sld xmlns:a="http://schemas.openxmlformats.org/drawingml/2006/main" xmlns:r="http://schemas.openxmlformats.org/officeDocument/2006/relationships" xmlns:p="http://schemas.openxmlformats.org/presentationml/2006/main">
-  <p:cSld>
-    <p:spTree>
-      <p:nvGrpSpPr>
-        <p:cNvPr id="1" name=""/>
-        <p:cNvGrpSpPr/>
-        <p:nvPr/>
-      </p:nvGrpSpPr>
-      <p:grpSpPr>
-        <a:xfrm>
-          <a:off x="0" y="0"/>
-          <a:ext cx="0" cy="0"/>
-          <a:chOff x="0" y="0"/>
-          <a:chExt cx="0" cy="0"/>
-        </a:xfrm>
-      </p:grpSpPr>
-      <p:sp>
-        <p:nvSpPr>
-          <p:cNvPr id="2" name="Title 1"/>
-          <p:cNvSpPr>
-            <a:spLocks noGrp="1"/>
-          </p:cNvSpPr>
-          <p:nvPr>
-            <p:ph type="title"/>
-          </p:nvPr>
-        </p:nvSpPr>
-        <p:spPr/>
-        <p:txBody>
-          <a:bodyPr/>
-          <a:lstStyle/>
-          <a:p>
-            <a:r>
-              <a:rPr lang="en-US" sz="4000" dirty="0" smtClean="0"/>
-              <a:t>Lab-Based Debug</a:t>
-            </a:r>
-            <a:endParaRPr lang="en-US" sz="4000" dirty="0"/>
-          </a:p>
-        </p:txBody>
-      </p:sp>
-      <p:sp>
-        <p:nvSpPr>
-          <p:cNvPr id="3" name="Content Placeholder 2"/>
-          <p:cNvSpPr>
-            <a:spLocks noGrp="1"/>
-          </p:cNvSpPr>
-          <p:nvPr>
-            <p:ph idx="1"/>
-          </p:nvPr>
-        </p:nvSpPr>
-        <p:spPr>
-          <a:xfrm>
-            <a:off x="381000" y="1665837"/>
-            <a:ext cx="8229600" cy="3398531"/>
-          </a:xfrm>
-        </p:spPr>
-        <p:txBody>
-          <a:bodyPr>
-            <a:noAutofit/>
-          </a:bodyPr>
-          <a:lstStyle/>
-          <a:p>
-            <a:r>
-              <a:rPr lang="en-US" sz="2800" dirty="0" smtClean="0"/>
-              <a:t>CCSv5 works with the ARM cores. </a:t>
-            </a:r>
-          </a:p>
-          <a:p>
-            <a:r>
-              <a:rPr lang="en-US" sz="2800" dirty="0" smtClean="0"/>
-              <a:t>The ARM integrated development environment, RealView Development Suite (RDS), provides lab-based debug facilities (breakpoint, memory view, etc.).</a:t>
-            </a:r>
-          </a:p>
-          <a:p>
-            <a:r>
-              <a:rPr lang="en-US" sz="2800" dirty="0" smtClean="0"/>
-              <a:t>GNU Debugger (GDB)</a:t>
-            </a:r>
-          </a:p>
-          <a:p>
-            <a:r>
-              <a:rPr lang="en-US" sz="2800" dirty="0" smtClean="0"/>
-              <a:t>ARM hardware debug registers facilitate debugging.</a:t>
-            </a:r>
-            <a:endParaRPr lang="en-US" sz="2800" dirty="0"/>
-          </a:p>
-        </p:txBody>
-      </p:sp>
-      <p:sp>
-        <p:nvSpPr>
-          <p:cNvPr id="4" name="Slide Number Placeholder 3"/>
-          <p:cNvSpPr>
-            <a:spLocks noGrp="1"/>
-          </p:cNvSpPr>
-          <p:nvPr>
-            <p:ph type="sldNum" sz="quarter" idx="10"/>
-          </p:nvPr>
-        </p:nvSpPr>
-        <p:spPr/>
-        <p:txBody>
-          <a:bodyPr/>
-          <a:lstStyle/>
-          <a:p>
-            <a:fld id="{F2394529-A9B3-4A54-83EC-E61379E8334E}" type="slidenum">
-              <a:rPr lang="en-US" smtClean="0"/>
-              <a:pPr/>
-              <a:t>55</a:t>
-            </a:fld>
-            <a:endParaRPr lang="en-US" dirty="0"/>
-          </a:p>
-        </p:txBody>
-      </p:sp>
-    </p:spTree>
-    <p:custDataLst>
-      <p:tags r:id="rId1"/>
-    </p:custDataLst>
-  </p:cSld>
-  <p:clrMapOvr>
-    <a:masterClrMapping/>
-  </p:clrMapOvr>
-  <p:timing>
-    <p:tnLst>
-      <p:par>
-        <p:cTn id="1" dur="indefinite" restart="never" nodeType="tmRoot"/>
-      </p:par>
-    </p:tnLst>
-  </p:timing>
-</p:sld>
-</file>
-
-<file path=ppt/slides/slide56.xml><?xml version="1.0" encoding="utf-8"?>
 <p:sld xmlns:a="http://schemas.openxmlformats.org/drawingml/2006/main" xmlns:r="http://schemas.openxmlformats.org/officeDocument/2006/relationships" xmlns:p="http://schemas.openxmlformats.org/presentationml/2006/main" show="0">
   <p:cSld>
     <p:spTree>
@@ -18670,7 +18349,7 @@
             <a:fld id="{F2394529-A9B3-4A54-83EC-E61379E8334E}" type="slidenum">
               <a:rPr lang="en-US" smtClean="0"/>
               <a:pPr/>
-              <a:t>56</a:t>
+              <a:t>55</a:t>
             </a:fld>
             <a:endParaRPr lang="en-US" dirty="0"/>
           </a:p>
@@ -18685,7 +18364,7 @@
 </p:sld>
 </file>
 
-<file path=ppt/slides/slide57.xml><?xml version="1.0" encoding="utf-8"?>
+<file path=ppt/slides/slide56.xml><?xml version="1.0" encoding="utf-8"?>
 <p:sld xmlns:a="http://schemas.openxmlformats.org/drawingml/2006/main" xmlns:r="http://schemas.openxmlformats.org/officeDocument/2006/relationships" xmlns:p="http://schemas.openxmlformats.org/presentationml/2006/main">
   <p:cSld>
     <p:spTree>
@@ -18804,6 +18483,148 @@
       <p:sp>
         <p:nvSpPr>
           <p:cNvPr id="5" name="Slide Number Placeholder 4"/>
+          <p:cNvSpPr>
+            <a:spLocks noGrp="1"/>
+          </p:cNvSpPr>
+          <p:nvPr>
+            <p:ph type="sldNum" sz="quarter" idx="10"/>
+          </p:nvPr>
+        </p:nvSpPr>
+        <p:spPr/>
+        <p:txBody>
+          <a:bodyPr/>
+          <a:lstStyle/>
+          <a:p>
+            <a:fld id="{F2394529-A9B3-4A54-83EC-E61379E8334E}" type="slidenum">
+              <a:rPr lang="en-US" smtClean="0"/>
+              <a:pPr/>
+              <a:t>56</a:t>
+            </a:fld>
+            <a:endParaRPr lang="en-US" dirty="0"/>
+          </a:p>
+        </p:txBody>
+      </p:sp>
+    </p:spTree>
+    <p:custDataLst>
+      <p:tags r:id="rId1"/>
+    </p:custDataLst>
+  </p:cSld>
+  <p:clrMapOvr>
+    <a:masterClrMapping/>
+  </p:clrMapOvr>
+  <p:timing>
+    <p:tnLst>
+      <p:par>
+        <p:cTn id="1" dur="indefinite" restart="never" nodeType="tmRoot"/>
+      </p:par>
+    </p:tnLst>
+  </p:timing>
+</p:sld>
+</file>
+
+<file path=ppt/slides/slide57.xml><?xml version="1.0" encoding="utf-8"?>
+<p:sld xmlns:a="http://schemas.openxmlformats.org/drawingml/2006/main" xmlns:r="http://schemas.openxmlformats.org/officeDocument/2006/relationships" xmlns:p="http://schemas.openxmlformats.org/presentationml/2006/main">
+  <p:cSld>
+    <p:spTree>
+      <p:nvGrpSpPr>
+        <p:cNvPr id="1" name=""/>
+        <p:cNvGrpSpPr/>
+        <p:nvPr/>
+      </p:nvGrpSpPr>
+      <p:grpSpPr>
+        <a:xfrm>
+          <a:off x="0" y="0"/>
+          <a:ext cx="0" cy="0"/>
+          <a:chOff x="0" y="0"/>
+          <a:chExt cx="0" cy="0"/>
+        </a:xfrm>
+      </p:grpSpPr>
+      <p:sp>
+        <p:nvSpPr>
+          <p:cNvPr id="2" name="Title 1"/>
+          <p:cNvSpPr>
+            <a:spLocks noGrp="1"/>
+          </p:cNvSpPr>
+          <p:nvPr>
+            <p:ph type="title"/>
+          </p:nvPr>
+        </p:nvSpPr>
+        <p:spPr/>
+        <p:txBody>
+          <a:bodyPr>
+            <a:normAutofit/>
+          </a:bodyPr>
+          <a:lstStyle/>
+          <a:p>
+            <a:r>
+              <a:rPr lang="en-US" sz="4000" dirty="0" smtClean="0"/>
+              <a:t>STM Challenges</a:t>
+            </a:r>
+            <a:endParaRPr lang="en-US" sz="4000" dirty="0"/>
+          </a:p>
+        </p:txBody>
+      </p:sp>
+      <p:sp>
+        <p:nvSpPr>
+          <p:cNvPr id="3" name="Content Placeholder 2"/>
+          <p:cNvSpPr>
+            <a:spLocks noGrp="1"/>
+          </p:cNvSpPr>
+          <p:nvPr>
+            <p:ph idx="1"/>
+          </p:nvPr>
+        </p:nvSpPr>
+        <p:spPr/>
+        <p:txBody>
+          <a:bodyPr>
+            <a:normAutofit/>
+          </a:bodyPr>
+          <a:lstStyle/>
+          <a:p>
+            <a:r>
+              <a:rPr lang="en-US" dirty="0" smtClean="0"/>
+              <a:t>Facilities for collecting trace data:</a:t>
+            </a:r>
+          </a:p>
+          <a:p>
+            <a:pPr lvl="1"/>
+            <a:r>
+              <a:rPr lang="en-US" sz="2400" dirty="0" smtClean="0"/>
+              <a:t>Triggering</a:t>
+            </a:r>
+          </a:p>
+          <a:p>
+            <a:pPr lvl="1"/>
+            <a:r>
+              <a:rPr lang="en-US" sz="2400" dirty="0" smtClean="0"/>
+              <a:t>Filtering</a:t>
+            </a:r>
+          </a:p>
+          <a:p>
+            <a:r>
+              <a:rPr lang="en-US" sz="2800" dirty="0" smtClean="0"/>
+              <a:t>Options for storing and delivering trace data to host:</a:t>
+            </a:r>
+          </a:p>
+          <a:p>
+            <a:pPr lvl="1"/>
+            <a:r>
+              <a:rPr lang="en-US" sz="2400" dirty="0" smtClean="0"/>
+              <a:t>Export using trace port and trace port analyzer (TPA) to capture the trace information</a:t>
+            </a:r>
+          </a:p>
+          <a:p>
+            <a:pPr lvl="1"/>
+            <a:r>
+              <a:rPr lang="en-US" sz="2400" dirty="0" smtClean="0"/>
+              <a:t>Write the trace to the Embedded Trace Buffer (ETB)  and read it using JTAG or post-mortem memory read </a:t>
+            </a:r>
+          </a:p>
+        </p:txBody>
+      </p:sp>
+      <p:sp>
+        <p:nvSpPr>
+          <p:cNvPr id="4" name="Slide Number Placeholder 3"/>
           <p:cNvSpPr>
             <a:spLocks noGrp="1"/>
           </p:cNvSpPr>
@@ -18870,148 +18691,6 @@
             <p:ph type="title"/>
           </p:nvPr>
         </p:nvSpPr>
-        <p:spPr/>
-        <p:txBody>
-          <a:bodyPr>
-            <a:normAutofit/>
-          </a:bodyPr>
-          <a:lstStyle/>
-          <a:p>
-            <a:r>
-              <a:rPr lang="en-US" sz="4000" dirty="0" smtClean="0"/>
-              <a:t>STM Challenges</a:t>
-            </a:r>
-            <a:endParaRPr lang="en-US" sz="4000" dirty="0"/>
-          </a:p>
-        </p:txBody>
-      </p:sp>
-      <p:sp>
-        <p:nvSpPr>
-          <p:cNvPr id="3" name="Content Placeholder 2"/>
-          <p:cNvSpPr>
-            <a:spLocks noGrp="1"/>
-          </p:cNvSpPr>
-          <p:nvPr>
-            <p:ph idx="1"/>
-          </p:nvPr>
-        </p:nvSpPr>
-        <p:spPr/>
-        <p:txBody>
-          <a:bodyPr>
-            <a:normAutofit/>
-          </a:bodyPr>
-          <a:lstStyle/>
-          <a:p>
-            <a:r>
-              <a:rPr lang="en-US" dirty="0" smtClean="0"/>
-              <a:t>Facilities for collecting trace data:</a:t>
-            </a:r>
-          </a:p>
-          <a:p>
-            <a:pPr lvl="1"/>
-            <a:r>
-              <a:rPr lang="en-US" sz="2400" dirty="0" smtClean="0"/>
-              <a:t>Triggering</a:t>
-            </a:r>
-          </a:p>
-          <a:p>
-            <a:pPr lvl="1"/>
-            <a:r>
-              <a:rPr lang="en-US" sz="2400" dirty="0" smtClean="0"/>
-              <a:t>Filtering</a:t>
-            </a:r>
-          </a:p>
-          <a:p>
-            <a:r>
-              <a:rPr lang="en-US" sz="2800" dirty="0" smtClean="0"/>
-              <a:t>Options for storing and delivering trace data to host:</a:t>
-            </a:r>
-          </a:p>
-          <a:p>
-            <a:pPr lvl="1"/>
-            <a:r>
-              <a:rPr lang="en-US" sz="2400" dirty="0" smtClean="0"/>
-              <a:t>Export using trace port and trace port analyzer (TPA) to capture the trace information</a:t>
-            </a:r>
-          </a:p>
-          <a:p>
-            <a:pPr lvl="1"/>
-            <a:r>
-              <a:rPr lang="en-US" sz="2400" dirty="0" smtClean="0"/>
-              <a:t>Write the trace to the Embedded Trace Buffer (ETB)  and read it using JTAG or post-mortem memory read </a:t>
-            </a:r>
-          </a:p>
-        </p:txBody>
-      </p:sp>
-      <p:sp>
-        <p:nvSpPr>
-          <p:cNvPr id="4" name="Slide Number Placeholder 3"/>
-          <p:cNvSpPr>
-            <a:spLocks noGrp="1"/>
-          </p:cNvSpPr>
-          <p:nvPr>
-            <p:ph type="sldNum" sz="quarter" idx="10"/>
-          </p:nvPr>
-        </p:nvSpPr>
-        <p:spPr/>
-        <p:txBody>
-          <a:bodyPr/>
-          <a:lstStyle/>
-          <a:p>
-            <a:fld id="{F2394529-A9B3-4A54-83EC-E61379E8334E}" type="slidenum">
-              <a:rPr lang="en-US" smtClean="0"/>
-              <a:pPr/>
-              <a:t>58</a:t>
-            </a:fld>
-            <a:endParaRPr lang="en-US" dirty="0"/>
-          </a:p>
-        </p:txBody>
-      </p:sp>
-    </p:spTree>
-    <p:custDataLst>
-      <p:tags r:id="rId1"/>
-    </p:custDataLst>
-  </p:cSld>
-  <p:clrMapOvr>
-    <a:masterClrMapping/>
-  </p:clrMapOvr>
-  <p:timing>
-    <p:tnLst>
-      <p:par>
-        <p:cTn id="1" dur="indefinite" restart="never" nodeType="tmRoot"/>
-      </p:par>
-    </p:tnLst>
-  </p:timing>
-</p:sld>
-</file>
-
-<file path=ppt/slides/slide59.xml><?xml version="1.0" encoding="utf-8"?>
-<p:sld xmlns:a="http://schemas.openxmlformats.org/drawingml/2006/main" xmlns:r="http://schemas.openxmlformats.org/officeDocument/2006/relationships" xmlns:p="http://schemas.openxmlformats.org/presentationml/2006/main">
-  <p:cSld>
-    <p:spTree>
-      <p:nvGrpSpPr>
-        <p:cNvPr id="1" name=""/>
-        <p:cNvGrpSpPr/>
-        <p:nvPr/>
-      </p:nvGrpSpPr>
-      <p:grpSpPr>
-        <a:xfrm>
-          <a:off x="0" y="0"/>
-          <a:ext cx="0" cy="0"/>
-          <a:chOff x="0" y="0"/>
-          <a:chExt cx="0" cy="0"/>
-        </a:xfrm>
-      </p:grpSpPr>
-      <p:sp>
-        <p:nvSpPr>
-          <p:cNvPr id="2" name="Title 1"/>
-          <p:cNvSpPr>
-            <a:spLocks noGrp="1"/>
-          </p:cNvSpPr>
-          <p:nvPr>
-            <p:ph type="title"/>
-          </p:nvPr>
-        </p:nvSpPr>
         <p:spPr>
           <a:xfrm>
             <a:off x="457200" y="106998"/>
@@ -19084,7 +18763,7 @@
             <a:fld id="{F2394529-A9B3-4A54-83EC-E61379E8334E}" type="slidenum">
               <a:rPr lang="en-US" smtClean="0"/>
               <a:pPr/>
-              <a:t>59</a:t>
+              <a:t>58</a:t>
             </a:fld>
             <a:endParaRPr lang="en-US" dirty="0"/>
           </a:p>
@@ -19095,6 +18774,174 @@
   <p:clrMapOvr>
     <a:masterClrMapping/>
   </p:clrMapOvr>
+</p:sld>
+</file>
+
+<file path=ppt/slides/slide59.xml><?xml version="1.0" encoding="utf-8"?>
+<p:sld xmlns:a="http://schemas.openxmlformats.org/drawingml/2006/main" xmlns:r="http://schemas.openxmlformats.org/officeDocument/2006/relationships" xmlns:p="http://schemas.openxmlformats.org/presentationml/2006/main">
+  <p:cSld>
+    <p:spTree>
+      <p:nvGrpSpPr>
+        <p:cNvPr id="1" name=""/>
+        <p:cNvGrpSpPr/>
+        <p:nvPr/>
+      </p:nvGrpSpPr>
+      <p:grpSpPr>
+        <a:xfrm>
+          <a:off x="0" y="0"/>
+          <a:ext cx="0" cy="0"/>
+          <a:chOff x="0" y="0"/>
+          <a:chExt cx="0" cy="0"/>
+        </a:xfrm>
+      </p:grpSpPr>
+      <p:sp>
+        <p:nvSpPr>
+          <p:cNvPr id="2" name="Title 1"/>
+          <p:cNvSpPr>
+            <a:spLocks noGrp="1"/>
+          </p:cNvSpPr>
+          <p:nvPr>
+            <p:ph type="title"/>
+          </p:nvPr>
+        </p:nvSpPr>
+        <p:spPr/>
+        <p:txBody>
+          <a:bodyPr/>
+          <a:lstStyle/>
+          <a:p>
+            <a:r>
+              <a:rPr lang="en-US" sz="4000" dirty="0" smtClean="0"/>
+              <a:t>Tracing Features</a:t>
+            </a:r>
+            <a:endParaRPr lang="en-US" sz="4000" dirty="0"/>
+          </a:p>
+        </p:txBody>
+      </p:sp>
+      <p:sp>
+        <p:nvSpPr>
+          <p:cNvPr id="3" name="Content Placeholder 2"/>
+          <p:cNvSpPr>
+            <a:spLocks noGrp="1"/>
+          </p:cNvSpPr>
+          <p:nvPr>
+            <p:ph idx="1"/>
+          </p:nvPr>
+        </p:nvSpPr>
+        <p:spPr/>
+        <p:txBody>
+          <a:bodyPr>
+            <a:normAutofit/>
+          </a:bodyPr>
+          <a:lstStyle/>
+          <a:p>
+            <a:r>
+              <a:rPr lang="en-US" dirty="0" smtClean="0"/>
+              <a:t>Packetized trace, real-time asynchronous trace export</a:t>
+            </a:r>
+          </a:p>
+          <a:p>
+            <a:r>
+              <a:rPr lang="en-US" dirty="0" smtClean="0"/>
+              <a:t>Multicore trace using single capture unit</a:t>
+            </a:r>
+          </a:p>
+          <a:p>
+            <a:r>
+              <a:rPr lang="en-US" dirty="0" err="1" smtClean="0"/>
+              <a:t>CoreSight</a:t>
+            </a:r>
+            <a:r>
+              <a:rPr lang="en-US" dirty="0" smtClean="0"/>
+              <a:t> components include:</a:t>
+            </a:r>
+          </a:p>
+          <a:p>
+            <a:pPr lvl="1"/>
+            <a:r>
+              <a:rPr lang="en-US" sz="2400" dirty="0" smtClean="0"/>
+              <a:t>PFT (Program Flow Trace)</a:t>
+            </a:r>
+          </a:p>
+          <a:p>
+            <a:pPr lvl="1"/>
+            <a:r>
+              <a:rPr lang="en-US" sz="2400" dirty="0" smtClean="0"/>
+              <a:t>ADI (Arm Debug Interface)</a:t>
+            </a:r>
+          </a:p>
+          <a:p>
+            <a:pPr lvl="1"/>
+            <a:r>
+              <a:rPr lang="en-US" sz="2400" dirty="0" smtClean="0"/>
+              <a:t>HTM (AHB Trace Macrocell) bus trace</a:t>
+            </a:r>
+          </a:p>
+          <a:p>
+            <a:pPr lvl="1"/>
+            <a:r>
+              <a:rPr lang="en-US" sz="2400" dirty="0" smtClean="0"/>
+              <a:t>ITM (Instrumentation Trace Macrocell) (printf)</a:t>
+            </a:r>
+          </a:p>
+          <a:p>
+            <a:pPr lvl="1"/>
+            <a:r>
+              <a:rPr lang="en-US" sz="2400" dirty="0" smtClean="0"/>
+              <a:t>DWT (Data Watch Trace)</a:t>
+            </a:r>
+          </a:p>
+          <a:p>
+            <a:pPr lvl="1"/>
+            <a:r>
+              <a:rPr lang="en-US" sz="2400" dirty="0" err="1" smtClean="0"/>
+              <a:t>CoreSight</a:t>
+            </a:r>
+            <a:r>
+              <a:rPr lang="en-US" sz="2400" dirty="0" smtClean="0"/>
+              <a:t> Trace Funnel (CTF) combines multiple trace streams</a:t>
+            </a:r>
+          </a:p>
+        </p:txBody>
+      </p:sp>
+      <p:sp>
+        <p:nvSpPr>
+          <p:cNvPr id="4" name="Slide Number Placeholder 3"/>
+          <p:cNvSpPr>
+            <a:spLocks noGrp="1"/>
+          </p:cNvSpPr>
+          <p:nvPr>
+            <p:ph type="sldNum" sz="quarter" idx="10"/>
+          </p:nvPr>
+        </p:nvSpPr>
+        <p:spPr/>
+        <p:txBody>
+          <a:bodyPr/>
+          <a:lstStyle/>
+          <a:p>
+            <a:fld id="{F2394529-A9B3-4A54-83EC-E61379E8334E}" type="slidenum">
+              <a:rPr lang="en-US" smtClean="0"/>
+              <a:pPr/>
+              <a:t>59</a:t>
+            </a:fld>
+            <a:endParaRPr lang="en-US" dirty="0"/>
+          </a:p>
+        </p:txBody>
+      </p:sp>
+    </p:spTree>
+    <p:custDataLst>
+      <p:tags r:id="rId1"/>
+    </p:custDataLst>
+  </p:cSld>
+  <p:clrMapOvr>
+    <a:masterClrMapping/>
+  </p:clrMapOvr>
+  <p:timing>
+    <p:tnLst>
+      <p:par>
+        <p:cTn id="1" dur="indefinite" restart="never" nodeType="tmRoot"/>
+      </p:par>
+    </p:tnLst>
+  </p:timing>
 </p:sld>
 </file>
 
@@ -19288,12 +19135,14 @@
         </p:nvSpPr>
         <p:spPr/>
         <p:txBody>
-          <a:bodyPr/>
+          <a:bodyPr>
+            <a:normAutofit fontScale="90000"/>
+          </a:bodyPr>
           <a:lstStyle/>
           <a:p>
             <a:r>
               <a:rPr lang="en-US" sz="4000" dirty="0" smtClean="0"/>
-              <a:t>Tracing Features</a:t>
+              <a:t>Embedded Cross Trigger (ECT) Module</a:t>
             </a:r>
             <a:endParaRPr lang="en-US" sz="4000" dirty="0"/>
           </a:p>
@@ -19317,70 +19166,75 @@
           <a:lstStyle/>
           <a:p>
             <a:r>
-              <a:rPr lang="en-US" dirty="0" smtClean="0"/>
-              <a:t>Packetized trace, real-time asynchronous trace export</a:t>
-            </a:r>
-          </a:p>
-          <a:p>
-            <a:r>
-              <a:rPr lang="en-US" dirty="0" smtClean="0"/>
-              <a:t>Multicore trace using single capture unit</a:t>
-            </a:r>
-          </a:p>
-          <a:p>
-            <a:r>
-              <a:rPr lang="en-US" dirty="0" err="1" smtClean="0"/>
-              <a:t>CoreSight</a:t>
-            </a:r>
-            <a:r>
-              <a:rPr lang="en-US" dirty="0" smtClean="0"/>
-              <a:t> components include:</a:t>
+              <a:rPr lang="en-US" sz="2800" dirty="0" smtClean="0"/>
+              <a:t>Cross Trigger Interface (CTI) controls the trigger interface for each </a:t>
+            </a:r>
+            <a:r>
+              <a:rPr lang="en-US" sz="2800" dirty="0" err="1" smtClean="0"/>
+              <a:t>CorePac</a:t>
+            </a:r>
+            <a:r>
+              <a:rPr lang="en-US" sz="2800" dirty="0" smtClean="0"/>
+              <a:t>.</a:t>
             </a:r>
           </a:p>
           <a:p>
             <a:pPr lvl="1"/>
             <a:r>
               <a:rPr lang="en-US" sz="2400" dirty="0" smtClean="0"/>
-              <a:t>PFT (Program Flow Trace)</a:t>
+              <a:t>Combines and maps triggering requests </a:t>
             </a:r>
           </a:p>
           <a:p>
             <a:pPr lvl="1"/>
             <a:r>
               <a:rPr lang="en-US" sz="2400" dirty="0" smtClean="0"/>
-              <a:t>ADI (Arm Debug Interface)</a:t>
-            </a:r>
-          </a:p>
-          <a:p>
-            <a:pPr lvl="1"/>
+              <a:t>Enables the debug logic, PTM (Program Trace </a:t>
+            </a:r>
+            <a:r>
+              <a:rPr lang="en-US" sz="2400" dirty="0" err="1" smtClean="0"/>
+              <a:t>Macrocell</a:t>
+            </a:r>
             <a:r>
               <a:rPr lang="en-US" sz="2400" dirty="0" smtClean="0"/>
-              <a:t>HTM (AHB Trace Macrocell) bus trace</a:t>
-            </a:r>
-          </a:p>
-          <a:p>
-            <a:pPr lvl="1"/>
-            <a:r>
-              <a:rPr lang="en-US" sz="2400" dirty="0" smtClean="0"/>
-              <a:t>ITM (Instrumentation Trace Macrocell) (printf)</a:t>
-            </a:r>
-          </a:p>
-          <a:p>
-            <a:pPr lvl="1"/>
-            <a:r>
-              <a:rPr lang="en-US" sz="2400" dirty="0" smtClean="0"/>
-              <a:t>DWT (Data Watch Trace)</a:t>
-            </a:r>
-          </a:p>
-          <a:p>
-            <a:pPr lvl="1"/>
+              <a:t>), and PMU (Performance Monitoring Unit) to interact with each other and with other </a:t>
+            </a:r>
             <a:r>
               <a:rPr lang="en-US" sz="2400" dirty="0" err="1" smtClean="0"/>
               <a:t>CoreSight</a:t>
             </a:r>
             <a:r>
               <a:rPr lang="en-US" sz="2400" dirty="0" smtClean="0"/>
-              <a:t> Trace Funnel (CTF) combines multiple trace streams</a:t>
+              <a:t> components</a:t>
+            </a:r>
+          </a:p>
+          <a:p>
+            <a:r>
+              <a:rPr lang="en-US" sz="2800" dirty="0" smtClean="0"/>
+              <a:t>Cross Trigger Matrix (CTM) controls the distribution of events across </a:t>
+            </a:r>
+            <a:r>
+              <a:rPr lang="en-US" sz="2800" dirty="0" err="1" smtClean="0"/>
+              <a:t>CorePacs</a:t>
+            </a:r>
+            <a:r>
+              <a:rPr lang="en-US" sz="2800" dirty="0" smtClean="0"/>
+              <a:t> and from external modules.</a:t>
+            </a:r>
+          </a:p>
+          <a:p>
+            <a:pPr lvl="1"/>
+            <a:r>
+              <a:rPr lang="en-US" sz="2400" dirty="0" smtClean="0"/>
+              <a:t>Matrix connections refers to the number of trigger inputs and trigger outputs that are connected between debug components in the </a:t>
+            </a:r>
+            <a:r>
+              <a:rPr lang="en-US" sz="2400" smtClean="0"/>
+              <a:t>MPCore</a:t>
+            </a:r>
+            <a:r>
+              <a:rPr lang="en-US" sz="2400" dirty="0" smtClean="0"/>
+              <a:t> and CTIs.</a:t>
             </a:r>
           </a:p>
         </p:txBody>
@@ -19457,109 +19311,52 @@
         <p:spPr/>
         <p:txBody>
           <a:bodyPr>
-            <a:normAutofit fontScale="90000"/>
-          </a:bodyPr>
-          <a:lstStyle/>
-          <a:p>
-            <a:r>
-              <a:rPr lang="en-US" sz="4000" dirty="0" smtClean="0"/>
-              <a:t>Embedded Cross Trigger (ECT) Module</a:t>
-            </a:r>
-            <a:endParaRPr lang="en-US" sz="4000" dirty="0"/>
-          </a:p>
-        </p:txBody>
-      </p:sp>
-      <p:sp>
-        <p:nvSpPr>
-          <p:cNvPr id="3" name="Content Placeholder 2"/>
-          <p:cNvSpPr>
-            <a:spLocks noGrp="1"/>
-          </p:cNvSpPr>
-          <p:nvPr>
-            <p:ph idx="1"/>
-          </p:nvPr>
-        </p:nvSpPr>
-        <p:spPr/>
-        <p:txBody>
-          <a:bodyPr>
             <a:normAutofit/>
           </a:bodyPr>
           <a:lstStyle/>
           <a:p>
             <a:r>
-              <a:rPr lang="en-US" sz="2800" dirty="0" smtClean="0"/>
-              <a:t>Cross Trigger Interface (CTI) controls the trigger interface for each </a:t>
-            </a:r>
-            <a:r>
-              <a:rPr lang="en-US" sz="2800" dirty="0" err="1" smtClean="0"/>
-              <a:t>CorePac</a:t>
-            </a:r>
-            <a:r>
-              <a:rPr lang="en-US" sz="2800" dirty="0" smtClean="0"/>
-              <a:t>.</a:t>
-            </a:r>
-          </a:p>
-          <a:p>
-            <a:pPr lvl="1"/>
-            <a:r>
-              <a:rPr lang="en-US" sz="2400" dirty="0" smtClean="0"/>
-              <a:t>Combines and maps triggering requests </a:t>
-            </a:r>
-          </a:p>
-          <a:p>
-            <a:pPr lvl="1"/>
-            <a:r>
-              <a:rPr lang="en-US" sz="2400" dirty="0" smtClean="0"/>
-              <a:t>Enables the debug logic, PTM (Program Trace </a:t>
-            </a:r>
-            <a:r>
-              <a:rPr lang="en-US" sz="2400" dirty="0" err="1" smtClean="0"/>
-              <a:t>Macrocell</a:t>
-            </a:r>
-            <a:r>
-              <a:rPr lang="en-US" sz="2400" dirty="0" smtClean="0"/>
-              <a:t>), and PMU (Performance Monitoring Unit) to interact with each other and with other </a:t>
-            </a:r>
-            <a:r>
-              <a:rPr lang="en-US" sz="2400" dirty="0" err="1" smtClean="0"/>
-              <a:t>CoreSight</a:t>
-            </a:r>
-            <a:r>
-              <a:rPr lang="en-US" sz="2400" dirty="0" smtClean="0"/>
-              <a:t> components</a:t>
-            </a:r>
-          </a:p>
-          <a:p>
-            <a:r>
-              <a:rPr lang="en-US" sz="2800" dirty="0" smtClean="0"/>
-              <a:t>Cross Trigger Matrix (CTM) controls the distribution of events across </a:t>
-            </a:r>
-            <a:r>
-              <a:rPr lang="en-US" sz="2800" dirty="0" err="1" smtClean="0"/>
-              <a:t>CorePacs</a:t>
-            </a:r>
-            <a:r>
-              <a:rPr lang="en-US" sz="2800" dirty="0" smtClean="0"/>
-              <a:t> and from external modules.</a:t>
-            </a:r>
-          </a:p>
-          <a:p>
-            <a:pPr lvl="1"/>
-            <a:r>
-              <a:rPr lang="en-US" sz="2400" dirty="0" smtClean="0"/>
-              <a:t>Matrix connections refers to the number of trigger inputs and trigger outputs that are connected between debug components in the </a:t>
-            </a:r>
-            <a:r>
-              <a:rPr lang="en-US" sz="2400" smtClean="0"/>
-              <a:t>MPCore</a:t>
-            </a:r>
-            <a:r>
-              <a:rPr lang="en-US" sz="2400" dirty="0" smtClean="0"/>
-              <a:t> and CTIs.</a:t>
-            </a:r>
-          </a:p>
-        </p:txBody>
-      </p:sp>
+              <a:rPr lang="en-US" sz="4000" dirty="0" smtClean="0"/>
+              <a:t>Cross Triggering: Two CTIs &amp; the CTM</a:t>
+            </a:r>
+            <a:endParaRPr lang="en-US" sz="4000" dirty="0"/>
+          </a:p>
+        </p:txBody>
+      </p:sp>
+      <p:pic>
+        <p:nvPicPr>
+          <p:cNvPr id="7170" name="Picture 2"/>
+          <p:cNvPicPr>
+            <a:picLocks noGrp="1" noChangeAspect="1" noChangeArrowheads="1"/>
+          </p:cNvPicPr>
+          <p:nvPr>
+            <p:ph idx="1"/>
+          </p:nvPr>
+        </p:nvPicPr>
+        <p:blipFill>
+          <a:blip r:embed="rId4" cstate="print"/>
+          <a:srcRect/>
+          <a:stretch>
+            <a:fillRect/>
+          </a:stretch>
+        </p:blipFill>
+        <p:spPr bwMode="auto">
+          <a:xfrm>
+            <a:off x="637435" y="1371600"/>
+            <a:ext cx="7508137" cy="4754563"/>
+          </a:xfrm>
+          <a:prstGeom prst="rect">
+            <a:avLst/>
+          </a:prstGeom>
+          <a:noFill/>
+          <a:ln w="9525">
+            <a:noFill/>
+            <a:miter lim="800000"/>
+            <a:headEnd/>
+            <a:tailEnd/>
+          </a:ln>
+        </p:spPr>
+      </p:pic>
       <p:sp>
         <p:nvSpPr>
           <p:cNvPr id="4" name="Slide Number Placeholder 3"/>
@@ -19592,6 +19389,7 @@
   <p:clrMapOvr>
     <a:masterClrMapping/>
   </p:clrMapOvr>
+  <p:transition/>
   <p:timing>
     <p:tnLst>
       <p:par>
@@ -19631,53 +19429,94 @@
         </p:nvSpPr>
         <p:spPr/>
         <p:txBody>
+          <a:bodyPr/>
+          <a:lstStyle/>
+          <a:p>
+            <a:r>
+              <a:rPr lang="en-US" sz="4000" dirty="0" smtClean="0"/>
+              <a:t>For More Information</a:t>
+            </a:r>
+            <a:endParaRPr lang="en-US" sz="4000" dirty="0"/>
+          </a:p>
+        </p:txBody>
+      </p:sp>
+      <p:sp>
+        <p:nvSpPr>
+          <p:cNvPr id="3" name="Content Placeholder 2"/>
+          <p:cNvSpPr>
+            <a:spLocks noGrp="1"/>
+          </p:cNvSpPr>
+          <p:nvPr>
+            <p:ph idx="1"/>
+          </p:nvPr>
+        </p:nvSpPr>
+        <p:spPr/>
+        <p:txBody>
           <a:bodyPr>
             <a:normAutofit/>
           </a:bodyPr>
           <a:lstStyle/>
           <a:p>
             <a:r>
-              <a:rPr lang="en-US" sz="4000" dirty="0" smtClean="0"/>
-              <a:t>Cross Triggering: Two CTIs &amp; the CTM</a:t>
-            </a:r>
-            <a:endParaRPr lang="en-US" sz="4000" dirty="0"/>
-          </a:p>
-        </p:txBody>
-      </p:sp>
-      <p:pic>
-        <p:nvPicPr>
-          <p:cNvPr id="7170" name="Picture 2"/>
-          <p:cNvPicPr>
-            <a:picLocks noGrp="1" noChangeAspect="1" noChangeArrowheads="1"/>
-          </p:cNvPicPr>
-          <p:nvPr>
-            <p:ph idx="1"/>
-          </p:nvPr>
-        </p:nvPicPr>
-        <p:blipFill>
-          <a:blip r:embed="rId4" cstate="print"/>
-          <a:srcRect/>
-          <a:stretch>
-            <a:fillRect/>
-          </a:stretch>
-        </p:blipFill>
-        <p:spPr bwMode="auto">
-          <a:xfrm>
-            <a:off x="637435" y="1371600"/>
-            <a:ext cx="7508137" cy="4754563"/>
-          </a:xfrm>
-          <a:prstGeom prst="rect">
-            <a:avLst/>
-          </a:prstGeom>
-          <a:noFill/>
-          <a:ln w="9525">
-            <a:noFill/>
-            <a:miter lim="800000"/>
-            <a:headEnd/>
-            <a:tailEnd/>
-          </a:ln>
-        </p:spPr>
-      </p:pic>
+              <a:rPr lang="en-US" dirty="0" smtClean="0"/>
+              <a:t>ARM Reference Manuals </a:t>
+            </a:r>
+            <a:r>
+              <a:rPr lang="en-US" dirty="0" smtClean="0">
+                <a:hlinkClick r:id="rId4"/>
+              </a:rPr>
+              <a:t>http://infocenter.arm.com/help/index.jsp</a:t>
+            </a:r>
+            <a:endParaRPr lang="en-US" dirty="0" smtClean="0"/>
+          </a:p>
+          <a:p>
+            <a:pPr lvl="1"/>
+            <a:r>
+              <a:rPr lang="en-US" dirty="0" smtClean="0"/>
+              <a:t>A15 Technical Reference Manual (TRM) r2p2</a:t>
+            </a:r>
+          </a:p>
+          <a:p>
+            <a:pPr lvl="1"/>
+            <a:r>
+              <a:rPr lang="en-US" dirty="0" smtClean="0"/>
+              <a:t>GIC-400 r0p0rel1</a:t>
+            </a:r>
+          </a:p>
+          <a:p>
+            <a:r>
+              <a:rPr lang="en-US" dirty="0" smtClean="0"/>
+              <a:t>STREAM Benchmark </a:t>
+            </a:r>
+            <a:r>
+              <a:rPr lang="en-US" dirty="0" smtClean="0">
+                <a:hlinkClick r:id="rId5"/>
+              </a:rPr>
+              <a:t>http://www.cs.virginia.edu/stream/</a:t>
+            </a:r>
+            <a:endParaRPr lang="en-US" dirty="0" smtClean="0"/>
+          </a:p>
+          <a:p>
+            <a:r>
+              <a:rPr lang="en-US" dirty="0" smtClean="0"/>
+              <a:t>For questions regarding topics covered in this training, visit the support forums at the</a:t>
+            </a:r>
+            <a:br>
+              <a:rPr lang="en-US" dirty="0" smtClean="0"/>
+            </a:br>
+            <a:r>
+              <a:rPr lang="en-US" dirty="0" smtClean="0">
+                <a:hlinkClick r:id="rId6"/>
+              </a:rPr>
+              <a:t>TI E2E Community</a:t>
+            </a:r>
+            <a:r>
+              <a:rPr lang="en-US" dirty="0" smtClean="0"/>
+              <a:t> website.</a:t>
+            </a:r>
+          </a:p>
+        </p:txBody>
+      </p:sp>
       <p:sp>
         <p:nvSpPr>
           <p:cNvPr id="4" name="Slide Number Placeholder 3"/>
@@ -19697,595 +19536,6 @@
               <a:rPr lang="en-US" smtClean="0"/>
               <a:pPr/>
               <a:t>62</a:t>
-            </a:fld>
-            <a:endParaRPr lang="en-US" dirty="0"/>
-          </a:p>
-        </p:txBody>
-      </p:sp>
-    </p:spTree>
-    <p:custDataLst>
-      <p:tags r:id="rId1"/>
-    </p:custDataLst>
-  </p:cSld>
-  <p:clrMapOvr>
-    <a:masterClrMapping/>
-  </p:clrMapOvr>
-  <p:transition/>
-  <p:timing>
-    <p:tnLst>
-      <p:par>
-        <p:cTn id="1" dur="indefinite" restart="never" nodeType="tmRoot"/>
-      </p:par>
-    </p:tnLst>
-  </p:timing>
-</p:sld>
-</file>
-
-<file path=ppt/slides/slide63.xml><?xml version="1.0" encoding="utf-8"?>
-<p:sld xmlns:a="http://schemas.openxmlformats.org/drawingml/2006/main" xmlns:r="http://schemas.openxmlformats.org/officeDocument/2006/relationships" xmlns:p="http://schemas.openxmlformats.org/presentationml/2006/main">
-  <p:cSld>
-    <p:spTree>
-      <p:nvGrpSpPr>
-        <p:cNvPr id="1" name=""/>
-        <p:cNvGrpSpPr/>
-        <p:nvPr/>
-      </p:nvGrpSpPr>
-      <p:grpSpPr>
-        <a:xfrm>
-          <a:off x="0" y="0"/>
-          <a:ext cx="0" cy="0"/>
-          <a:chOff x="0" y="0"/>
-          <a:chExt cx="0" cy="0"/>
-        </a:xfrm>
-      </p:grpSpPr>
-      <p:sp>
-        <p:nvSpPr>
-          <p:cNvPr id="2" name="Title 1"/>
-          <p:cNvSpPr>
-            <a:spLocks noGrp="1"/>
-          </p:cNvSpPr>
-          <p:nvPr>
-            <p:ph type="title"/>
-          </p:nvPr>
-        </p:nvSpPr>
-        <p:spPr/>
-        <p:txBody>
-          <a:bodyPr>
-            <a:normAutofit/>
-          </a:bodyPr>
-          <a:lstStyle/>
-          <a:p>
-            <a:r>
-              <a:rPr lang="en-US" sz="3600" dirty="0" smtClean="0"/>
-              <a:t>CTI and CTM Signals</a:t>
-            </a:r>
-            <a:endParaRPr lang="en-US" sz="3600" dirty="0"/>
-          </a:p>
-        </p:txBody>
-      </p:sp>
-      <p:pic>
-        <p:nvPicPr>
-          <p:cNvPr id="134146" name="Picture 2"/>
-          <p:cNvPicPr>
-            <a:picLocks noChangeAspect="1" noChangeArrowheads="1"/>
-          </p:cNvPicPr>
-          <p:nvPr/>
-        </p:nvPicPr>
-        <p:blipFill>
-          <a:blip r:embed="rId4" cstate="print"/>
-          <a:srcRect/>
-          <a:stretch>
-            <a:fillRect/>
-          </a:stretch>
-        </p:blipFill>
-        <p:spPr bwMode="auto">
-          <a:xfrm>
-            <a:off x="1469984" y="948437"/>
-            <a:ext cx="5611733" cy="5268918"/>
-          </a:xfrm>
-          <a:prstGeom prst="rect">
-            <a:avLst/>
-          </a:prstGeom>
-          <a:noFill/>
-          <a:ln w="9525">
-            <a:noFill/>
-            <a:miter lim="800000"/>
-            <a:headEnd/>
-            <a:tailEnd/>
-          </a:ln>
-        </p:spPr>
-      </p:pic>
-      <p:sp>
-        <p:nvSpPr>
-          <p:cNvPr id="4" name="Slide Number Placeholder 3"/>
-          <p:cNvSpPr>
-            <a:spLocks noGrp="1"/>
-          </p:cNvSpPr>
-          <p:nvPr>
-            <p:ph type="sldNum" sz="quarter" idx="10"/>
-          </p:nvPr>
-        </p:nvSpPr>
-        <p:spPr/>
-        <p:txBody>
-          <a:bodyPr/>
-          <a:lstStyle/>
-          <a:p>
-            <a:fld id="{F2394529-A9B3-4A54-83EC-E61379E8334E}" type="slidenum">
-              <a:rPr lang="en-US" smtClean="0"/>
-              <a:pPr/>
-              <a:t>63</a:t>
-            </a:fld>
-            <a:endParaRPr lang="en-US" dirty="0"/>
-          </a:p>
-        </p:txBody>
-      </p:sp>
-    </p:spTree>
-    <p:custDataLst>
-      <p:tags r:id="rId1"/>
-    </p:custDataLst>
-  </p:cSld>
-  <p:clrMapOvr>
-    <a:masterClrMapping/>
-  </p:clrMapOvr>
-  <p:transition/>
-  <p:timing>
-    <p:tnLst>
-      <p:par>
-        <p:cTn id="1" dur="indefinite" restart="never" nodeType="tmRoot"/>
-      </p:par>
-    </p:tnLst>
-  </p:timing>
-</p:sld>
-</file>
-
-<file path=ppt/slides/slide64.xml><?xml version="1.0" encoding="utf-8"?>
-<p:sld xmlns:a="http://schemas.openxmlformats.org/drawingml/2006/main" xmlns:r="http://schemas.openxmlformats.org/officeDocument/2006/relationships" xmlns:p="http://schemas.openxmlformats.org/presentationml/2006/main">
-  <p:cSld>
-    <p:spTree>
-      <p:nvGrpSpPr>
-        <p:cNvPr id="1" name=""/>
-        <p:cNvGrpSpPr/>
-        <p:nvPr/>
-      </p:nvGrpSpPr>
-      <p:grpSpPr>
-        <a:xfrm>
-          <a:off x="0" y="0"/>
-          <a:ext cx="0" cy="0"/>
-          <a:chOff x="0" y="0"/>
-          <a:chExt cx="0" cy="0"/>
-        </a:xfrm>
-      </p:grpSpPr>
-      <p:pic>
-        <p:nvPicPr>
-          <p:cNvPr id="30" name="Picture 29" descr="ARM CorePac Block Diagram 4 Cores.bmp"/>
-          <p:cNvPicPr>
-            <a:picLocks noChangeAspect="1"/>
-          </p:cNvPicPr>
-          <p:nvPr>
-            <p:custDataLst>
-              <p:tags r:id="rId2"/>
-            </p:custDataLst>
-          </p:nvPr>
-        </p:nvPicPr>
-        <p:blipFill>
-          <a:blip r:embed="rId5" cstate="print"/>
-          <a:stretch>
-            <a:fillRect/>
-          </a:stretch>
-        </p:blipFill>
-        <p:spPr>
-          <a:xfrm>
-            <a:off x="1488941" y="1657054"/>
-            <a:ext cx="6166117" cy="4294641"/>
-          </a:xfrm>
-          <a:prstGeom prst="rect">
-            <a:avLst/>
-          </a:prstGeom>
-        </p:spPr>
-      </p:pic>
-      <p:sp>
-        <p:nvSpPr>
-          <p:cNvPr id="2" name="Title 1"/>
-          <p:cNvSpPr>
-            <a:spLocks noGrp="1"/>
-          </p:cNvSpPr>
-          <p:nvPr>
-            <p:ph type="title"/>
-          </p:nvPr>
-        </p:nvSpPr>
-        <p:spPr>
-          <a:xfrm>
-            <a:off x="125128" y="76200"/>
-            <a:ext cx="8864867" cy="762000"/>
-          </a:xfrm>
-        </p:spPr>
-        <p:txBody>
-          <a:bodyPr>
-            <a:normAutofit/>
-          </a:bodyPr>
-          <a:lstStyle/>
-          <a:p>
-            <a:r>
-              <a:rPr lang="en-US" sz="4000" dirty="0" smtClean="0"/>
-              <a:t>Summary: Quad Cortex-A15</a:t>
-            </a:r>
-          </a:p>
-        </p:txBody>
-      </p:sp>
-      <p:sp>
-        <p:nvSpPr>
-          <p:cNvPr id="9" name="TextBox 8"/>
-          <p:cNvSpPr txBox="1"/>
-          <p:nvPr/>
-        </p:nvSpPr>
-        <p:spPr>
-          <a:xfrm>
-            <a:off x="356135" y="1287388"/>
-            <a:ext cx="1492703" cy="1015663"/>
-          </a:xfrm>
-          <a:prstGeom prst="rect">
-            <a:avLst/>
-          </a:prstGeom>
-          <a:noFill/>
-        </p:spPr>
-        <p:txBody>
-          <a:bodyPr wrap="square" rtlCol="0">
-            <a:spAutoFit/>
-          </a:bodyPr>
-          <a:lstStyle/>
-          <a:p>
-            <a:pPr algn="ctr"/>
-            <a:r>
-              <a:rPr lang="en-US" sz="2000" dirty="0" smtClean="0"/>
-              <a:t>ARM Cortex-A15 MPCore</a:t>
-            </a:r>
-            <a:endParaRPr lang="en-US" sz="2000" dirty="0"/>
-          </a:p>
-        </p:txBody>
-      </p:sp>
-      <p:cxnSp>
-        <p:nvCxnSpPr>
-          <p:cNvPr id="11" name="Straight Arrow Connector 10"/>
-          <p:cNvCxnSpPr/>
-          <p:nvPr/>
-        </p:nvCxnSpPr>
-        <p:spPr>
-          <a:xfrm>
-            <a:off x="1838425" y="1780663"/>
-            <a:ext cx="1713297" cy="404261"/>
-          </a:xfrm>
-          <a:prstGeom prst="straightConnector1">
-            <a:avLst/>
-          </a:prstGeom>
-          <a:ln w="38100">
-            <a:tailEnd type="arrow"/>
-          </a:ln>
-        </p:spPr>
-        <p:style>
-          <a:lnRef idx="1">
-            <a:schemeClr val="accent1"/>
-          </a:lnRef>
-          <a:fillRef idx="0">
-            <a:schemeClr val="accent1"/>
-          </a:fillRef>
-          <a:effectRef idx="0">
-            <a:schemeClr val="accent1"/>
-          </a:effectRef>
-          <a:fontRef idx="minor">
-            <a:schemeClr val="tx1"/>
-          </a:fontRef>
-        </p:style>
-      </p:cxnSp>
-      <p:sp>
-        <p:nvSpPr>
-          <p:cNvPr id="13" name="TextBox 12"/>
-          <p:cNvSpPr txBox="1"/>
-          <p:nvPr/>
-        </p:nvSpPr>
-        <p:spPr>
-          <a:xfrm>
-            <a:off x="0" y="4073861"/>
-            <a:ext cx="1973179" cy="1015663"/>
-          </a:xfrm>
-          <a:prstGeom prst="rect">
-            <a:avLst/>
-          </a:prstGeom>
-          <a:noFill/>
-        </p:spPr>
-        <p:txBody>
-          <a:bodyPr wrap="square" rtlCol="0">
-            <a:spAutoFit/>
-          </a:bodyPr>
-          <a:lstStyle/>
-          <a:p>
-            <a:pPr algn="ctr"/>
-            <a:r>
-              <a:rPr lang="en-US" sz="2000" dirty="0" smtClean="0"/>
-              <a:t>ARM GIC-400 interrupt controller</a:t>
-            </a:r>
-            <a:endParaRPr lang="en-US" sz="2000" dirty="0"/>
-          </a:p>
-        </p:txBody>
-      </p:sp>
-      <p:cxnSp>
-        <p:nvCxnSpPr>
-          <p:cNvPr id="14" name="Straight Arrow Connector 13"/>
-          <p:cNvCxnSpPr>
-            <a:stCxn id="13" idx="0"/>
-          </p:cNvCxnSpPr>
-          <p:nvPr/>
-        </p:nvCxnSpPr>
-        <p:spPr>
-          <a:xfrm flipV="1">
-            <a:off x="986590" y="3185951"/>
-            <a:ext cx="1352349" cy="887910"/>
-          </a:xfrm>
-          <a:prstGeom prst="straightConnector1">
-            <a:avLst/>
-          </a:prstGeom>
-          <a:ln w="38100">
-            <a:tailEnd type="arrow"/>
-          </a:ln>
-        </p:spPr>
-        <p:style>
-          <a:lnRef idx="1">
-            <a:schemeClr val="accent1"/>
-          </a:lnRef>
-          <a:fillRef idx="0">
-            <a:schemeClr val="accent1"/>
-          </a:fillRef>
-          <a:effectRef idx="0">
-            <a:schemeClr val="accent1"/>
-          </a:effectRef>
-          <a:fontRef idx="minor">
-            <a:schemeClr val="tx1"/>
-          </a:fontRef>
-        </p:style>
-      </p:cxnSp>
-      <p:cxnSp>
-        <p:nvCxnSpPr>
-          <p:cNvPr id="20" name="Straight Arrow Connector 19"/>
-          <p:cNvCxnSpPr>
-            <a:stCxn id="22" idx="1"/>
-          </p:cNvCxnSpPr>
-          <p:nvPr/>
-        </p:nvCxnSpPr>
-        <p:spPr>
-          <a:xfrm flipH="1" flipV="1">
-            <a:off x="6371303" y="5102942"/>
-            <a:ext cx="1271905" cy="595545"/>
-          </a:xfrm>
-          <a:prstGeom prst="straightConnector1">
-            <a:avLst/>
-          </a:prstGeom>
-          <a:ln w="38100">
-            <a:tailEnd type="arrow"/>
-          </a:ln>
-        </p:spPr>
-        <p:style>
-          <a:lnRef idx="1">
-            <a:schemeClr val="accent1"/>
-          </a:lnRef>
-          <a:fillRef idx="0">
-            <a:schemeClr val="accent1"/>
-          </a:fillRef>
-          <a:effectRef idx="0">
-            <a:schemeClr val="accent1"/>
-          </a:effectRef>
-          <a:fontRef idx="minor">
-            <a:schemeClr val="tx1"/>
-          </a:fontRef>
-        </p:style>
-      </p:cxnSp>
-      <p:sp>
-        <p:nvSpPr>
-          <p:cNvPr id="22" name="TextBox 21"/>
-          <p:cNvSpPr txBox="1"/>
-          <p:nvPr/>
-        </p:nvSpPr>
-        <p:spPr>
-          <a:xfrm>
-            <a:off x="7643208" y="5036767"/>
-            <a:ext cx="1155068" cy="1323439"/>
-          </a:xfrm>
-          <a:prstGeom prst="rect">
-            <a:avLst/>
-          </a:prstGeom>
-          <a:noFill/>
-        </p:spPr>
-        <p:txBody>
-          <a:bodyPr wrap="square" rtlCol="0">
-            <a:spAutoFit/>
-          </a:bodyPr>
-          <a:lstStyle/>
-          <a:p>
-            <a:pPr algn="ctr"/>
-            <a:r>
-              <a:rPr lang="en-US" sz="2000" dirty="0" smtClean="0"/>
-              <a:t>Access to and from the SoC</a:t>
-            </a:r>
-            <a:endParaRPr lang="en-US" sz="2000" dirty="0"/>
-          </a:p>
-        </p:txBody>
-      </p:sp>
-      <p:sp>
-        <p:nvSpPr>
-          <p:cNvPr id="10" name="Slide Number Placeholder 9"/>
-          <p:cNvSpPr>
-            <a:spLocks noGrp="1"/>
-          </p:cNvSpPr>
-          <p:nvPr>
-            <p:ph type="sldNum" sz="quarter" idx="10"/>
-          </p:nvPr>
-        </p:nvSpPr>
-        <p:spPr/>
-        <p:txBody>
-          <a:bodyPr/>
-          <a:lstStyle/>
-          <a:p>
-            <a:fld id="{F2394529-A9B3-4A54-83EC-E61379E8334E}" type="slidenum">
-              <a:rPr lang="en-US" smtClean="0"/>
-              <a:pPr/>
-              <a:t>64</a:t>
-            </a:fld>
-            <a:endParaRPr lang="en-US" dirty="0"/>
-          </a:p>
-        </p:txBody>
-      </p:sp>
-    </p:spTree>
-    <p:custDataLst>
-      <p:tags r:id="rId1"/>
-    </p:custDataLst>
-  </p:cSld>
-  <p:clrMapOvr>
-    <a:masterClrMapping/>
-  </p:clrMapOvr>
-  <p:timing>
-    <p:tnLst>
-      <p:par>
-        <p:cTn id="1" dur="indefinite" restart="never" nodeType="tmRoot"/>
-      </p:par>
-    </p:tnLst>
-  </p:timing>
-</p:sld>
-</file>
-
-<file path=ppt/slides/slide65.xml><?xml version="1.0" encoding="utf-8"?>
-<p:sld xmlns:a="http://schemas.openxmlformats.org/drawingml/2006/main" xmlns:r="http://schemas.openxmlformats.org/officeDocument/2006/relationships" xmlns:p="http://schemas.openxmlformats.org/presentationml/2006/main">
-  <p:cSld>
-    <p:spTree>
-      <p:nvGrpSpPr>
-        <p:cNvPr id="1" name=""/>
-        <p:cNvGrpSpPr/>
-        <p:nvPr/>
-      </p:nvGrpSpPr>
-      <p:grpSpPr>
-        <a:xfrm>
-          <a:off x="0" y="0"/>
-          <a:ext cx="0" cy="0"/>
-          <a:chOff x="0" y="0"/>
-          <a:chExt cx="0" cy="0"/>
-        </a:xfrm>
-      </p:grpSpPr>
-      <p:sp>
-        <p:nvSpPr>
-          <p:cNvPr id="2" name="Title 1"/>
-          <p:cNvSpPr>
-            <a:spLocks noGrp="1"/>
-          </p:cNvSpPr>
-          <p:nvPr>
-            <p:ph type="title"/>
-          </p:nvPr>
-        </p:nvSpPr>
-        <p:spPr/>
-        <p:txBody>
-          <a:bodyPr/>
-          <a:lstStyle/>
-          <a:p>
-            <a:r>
-              <a:rPr lang="en-US" sz="4000" dirty="0" smtClean="0"/>
-              <a:t>For More Information</a:t>
-            </a:r>
-            <a:endParaRPr lang="en-US" sz="4000" dirty="0"/>
-          </a:p>
-        </p:txBody>
-      </p:sp>
-      <p:sp>
-        <p:nvSpPr>
-          <p:cNvPr id="3" name="Content Placeholder 2"/>
-          <p:cNvSpPr>
-            <a:spLocks noGrp="1"/>
-          </p:cNvSpPr>
-          <p:nvPr>
-            <p:ph idx="1"/>
-          </p:nvPr>
-        </p:nvSpPr>
-        <p:spPr/>
-        <p:txBody>
-          <a:bodyPr>
-            <a:normAutofit/>
-          </a:bodyPr>
-          <a:lstStyle/>
-          <a:p>
-            <a:r>
-              <a:rPr lang="en-US" dirty="0" smtClean="0"/>
-              <a:t>ARM Reference Manuals </a:t>
-            </a:r>
-            <a:r>
-              <a:rPr lang="en-US" dirty="0" smtClean="0">
-                <a:hlinkClick r:id="rId4"/>
-              </a:rPr>
-              <a:t>http://infocenter.arm.com/help/index.jsp</a:t>
-            </a:r>
-            <a:endParaRPr lang="en-US" dirty="0" smtClean="0"/>
-          </a:p>
-          <a:p>
-            <a:pPr lvl="1"/>
-            <a:r>
-              <a:rPr lang="en-US" dirty="0" smtClean="0"/>
-              <a:t>A15 Technical Reference Manual (TRM) r2p2</a:t>
-            </a:r>
-          </a:p>
-          <a:p>
-            <a:pPr lvl="1"/>
-            <a:r>
-              <a:rPr lang="en-US" dirty="0" smtClean="0"/>
-              <a:t>GIC-400 r0p0rel1</a:t>
-            </a:r>
-          </a:p>
-          <a:p>
-            <a:r>
-              <a:rPr lang="en-US" dirty="0" smtClean="0"/>
-              <a:t>STREAM Benchmark </a:t>
-            </a:r>
-            <a:r>
-              <a:rPr lang="en-US" dirty="0" smtClean="0">
-                <a:hlinkClick r:id="rId5"/>
-              </a:rPr>
-              <a:t>http://www.cs.virginia.edu/stream/</a:t>
-            </a:r>
-            <a:endParaRPr lang="en-US" dirty="0" smtClean="0"/>
-          </a:p>
-          <a:p>
-            <a:r>
-              <a:rPr lang="en-US" dirty="0" smtClean="0"/>
-              <a:t>For questions regarding topics covered in this training, visit the support forums at the</a:t>
-            </a:r>
-            <a:br>
-              <a:rPr lang="en-US" dirty="0" smtClean="0"/>
-            </a:br>
-            <a:r>
-              <a:rPr lang="en-US" dirty="0" smtClean="0">
-                <a:hlinkClick r:id="rId6"/>
-              </a:rPr>
-              <a:t>TI E2E Community</a:t>
-            </a:r>
-            <a:r>
-              <a:rPr lang="en-US" dirty="0" smtClean="0"/>
-              <a:t> website.</a:t>
-            </a:r>
-          </a:p>
-        </p:txBody>
-      </p:sp>
-      <p:sp>
-        <p:nvSpPr>
-          <p:cNvPr id="4" name="Slide Number Placeholder 3"/>
-          <p:cNvSpPr>
-            <a:spLocks noGrp="1"/>
-          </p:cNvSpPr>
-          <p:nvPr>
-            <p:ph type="sldNum" sz="quarter" idx="10"/>
-          </p:nvPr>
-        </p:nvSpPr>
-        <p:spPr/>
-        <p:txBody>
-          <a:bodyPr/>
-          <a:lstStyle/>
-          <a:p>
-            <a:fld id="{F2394529-A9B3-4A54-83EC-E61379E8334E}" type="slidenum">
-              <a:rPr lang="en-US" smtClean="0"/>
-              <a:pPr/>
-              <a:t>65</a:t>
             </a:fld>
             <a:endParaRPr lang="en-US" dirty="0"/>
           </a:p>
@@ -20909,37 +20159,6 @@
 </file>
 
 <file path=ppt/tags/tag22.xml><?xml version="1.0" encoding="utf-8"?>
-<p:tagLst xmlns:a="http://schemas.openxmlformats.org/drawingml/2006/main" xmlns:r="http://schemas.openxmlformats.org/officeDocument/2006/relationships" xmlns:p="http://schemas.openxmlformats.org/presentationml/2006/main">
-  <p:tag name="ELAPSEDTIME" val="80.322"/>
-  <p:tag name="ARTICULATE_SLIDE_PAUSE" val="0"/>
-  <p:tag name="ARTICULATE_NAV_LEVEL" val="1"/>
-  <p:tag name="ARTICULATE_PLAYLIST_ID" val="-1"/>
-  <p:tag name="ARTICULATE_LOCK_SLIDE" val="0"/>
-  <p:tag name="ARTICULATE_SLIDE_GUID" val="6d983b37-ed36-4d89-91eb-86a0ebbb8b1c"/>
-  <p:tag name="ARTICULATE_SLIDE_NAV" val="11"/>
-</p:tagLst>
-</file>
-
-<file path=ppt/tags/tag23.xml><?xml version="1.0" encoding="utf-8"?>
-<p:tagLst xmlns:a="http://schemas.openxmlformats.org/drawingml/2006/main" xmlns:r="http://schemas.openxmlformats.org/officeDocument/2006/relationships" xmlns:p="http://schemas.openxmlformats.org/presentationml/2006/main">
-  <p:tag name="ELAPSEDTIME" val="85.416"/>
-  <p:tag name="ARTICULATE_SLIDE_PAUSE" val="0"/>
-  <p:tag name="ARTICULATE_NAV_LEVEL" val="1"/>
-  <p:tag name="ARTICULATE_PLAYLIST_ID" val="-1"/>
-  <p:tag name="ARTICULATE_LOCK_SLIDE" val="0"/>
-  <p:tag name="ARTICULATE_SLIDE_GUID" val="db7e66ca-c305-42e2-8113-1fd424090964"/>
-  <p:tag name="ARTICULATE_SLIDE_NAV" val="4"/>
-</p:tagLst>
-</file>
-
-<file path=ppt/tags/tag24.xml><?xml version="1.0" encoding="utf-8"?>
-<p:tagLst xmlns:a="http://schemas.openxmlformats.org/drawingml/2006/main" xmlns:r="http://schemas.openxmlformats.org/officeDocument/2006/relationships" xmlns:p="http://schemas.openxmlformats.org/presentationml/2006/main">
-  <p:tag name="ARTICULATE_PUBLISH_MODE" val="2"/>
-  <p:tag name="ARTICULATE_SOURCE_IMAGE" val="C:\Users\a0850458\AppData\Local\Temp\articulate\presenter\imgtemp\IJc0dKkU_files\slide0001_image001.gif"/>
-</p:tagLst>
-</file>
-
-<file path=ppt/tags/tag25.xml><?xml version="1.0" encoding="utf-8"?>
 <p:tagLst xmlns:a="http://schemas.openxmlformats.org/drawingml/2006/main" xmlns:r="http://schemas.openxmlformats.org/officeDocument/2006/relationships" xmlns:p="http://schemas.openxmlformats.org/presentationml/2006/main">
   <p:tag name="ELAPSEDTIME" val="34.635"/>
   <p:tag name="ARTICULATE_SLIDE_PAUSE" val="0"/>

--- a/trunk/slides/KeyStone ARM A15 CorePac.pptx
+++ b/trunk/slides/KeyStone ARM A15 CorePac.pptx
@@ -324,7 +324,7 @@
               <a:pPr>
                 <a:defRPr/>
               </a:pPr>
-              <a:t>1/21/2014</a:t>
+              <a:t>3/31/2014</a:t>
             </a:fld>
             <a:endParaRPr lang="en-US" dirty="0"/>
           </a:p>
@@ -15285,7 +15285,7 @@
     </p:custDataLst>
     <p:extLst>
       <p:ext uri="{BB962C8B-B14F-4D97-AF65-F5344CB8AC3E}">
-        <p14:creationId xmlns="" xmlns:p14="http://schemas.microsoft.com/office/powerpoint/2010/main" val="3469200570"/>
+        <p14:creationId xmlns:p14="http://schemas.microsoft.com/office/powerpoint/2010/main" xmlns="" val="3469200570"/>
       </p:ext>
     </p:extLst>
   </p:cSld>
@@ -15603,7 +15603,7 @@
             <p:ph idx="1"/>
             <p:extLst>
               <p:ext uri="{D42A27DB-BD31-4B8C-83A1-F6EECF244321}">
-                <p14:modId xmlns:p14="http://schemas.microsoft.com/office/powerpoint/2010/main" xmlns="" val="1659503329"/>
+                <p14:modId xmlns="" xmlns:p14="http://schemas.microsoft.com/office/powerpoint/2010/main" val="1659503329"/>
               </p:ext>
             </p:extLst>
           </p:nvPr>
@@ -17573,7 +17573,7 @@
     </p:custDataLst>
     <p:extLst>
       <p:ext uri="{BB962C8B-B14F-4D97-AF65-F5344CB8AC3E}">
-        <p14:creationId xmlns="" xmlns:p14="http://schemas.microsoft.com/office/powerpoint/2010/main" val="3469200570"/>
+        <p14:creationId xmlns:p14="http://schemas.microsoft.com/office/powerpoint/2010/main" xmlns="" val="3469200570"/>
       </p:ext>
     </p:extLst>
   </p:cSld>
@@ -19721,7 +19721,19 @@
             <a:pPr lvl="1"/>
             <a:r>
               <a:rPr lang="en-US" sz="2400" dirty="0" smtClean="0"/>
-              <a:t>3 concurrent dispatched, up to 8 concurrent issues</a:t>
+              <a:t>3 </a:t>
+            </a:r>
+            <a:r>
+              <a:rPr lang="en-US" sz="2400" smtClean="0"/>
+              <a:t>concurrent </a:t>
+            </a:r>
+            <a:r>
+              <a:rPr lang="en-US" sz="2400" smtClean="0"/>
+              <a:t>decoded, </a:t>
+            </a:r>
+            <a:r>
+              <a:rPr lang="en-US" sz="2400" dirty="0" smtClean="0"/>
+              <a:t>up to 8 concurrent issues</a:t>
             </a:r>
           </a:p>
           <a:p>
@@ -21235,6 +21247,27 @@
 </file>
 
 <file path=customXml/item1.xml><?xml version="1.0" encoding="utf-8"?>
+<p:properties xmlns:p="http://schemas.microsoft.com/office/2006/metadata/properties" xmlns:xsi="http://www.w3.org/2001/XMLSchema-instance">
+  <documentManagement>
+    <Content_x0020_Owner xmlns="99c847d8-566e-43ce-87b7-3c417d164c47">Ramroop, Saffie</Content_x0020_Owner>
+  </documentManagement>
+</p:properties>
+</file>
+
+<file path=customXml/item2.xml><?xml version="1.0" encoding="utf-8"?>
+<LongProperties xmlns="http://schemas.microsoft.com/office/2006/metadata/longProperties"/>
+</file>
+
+<file path=customXml/item3.xml><?xml version="1.0" encoding="utf-8"?>
+<?mso-contentType ?>
+<FormTemplates xmlns="http://schemas.microsoft.com/sharepoint/v3/contenttype/forms">
+  <Display>DocumentLibraryForm</Display>
+  <Edit>DocumentLibraryForm</Edit>
+  <New>DocumentLibraryForm</New>
+</FormTemplates>
+</file>
+
+<file path=customXml/item4.xml><?xml version="1.0" encoding="utf-8"?>
 <ct:contentTypeSchema xmlns:ct="http://schemas.microsoft.com/office/2006/metadata/contentType" xmlns:ma="http://schemas.microsoft.com/office/2006/metadata/properties/metaAttributes" ct:_="" ma:_="" ma:contentTypeName="Document" ma:contentTypeID="0x0101006BF34EDD2AB14F49969AD5B68D65D28C" ma:contentTypeVersion="1" ma:contentTypeDescription="Create a new document." ma:contentTypeScope="" ma:versionID="aec3fda75a9471671297bbb4606d1d91">
   <xsd:schema xmlns:xsd="http://www.w3.org/2001/XMLSchema" xmlns:p="http://schemas.microsoft.com/office/2006/metadata/properties" xmlns:ns2="99c847d8-566e-43ce-87b7-3c417d164c47" targetNamespace="http://schemas.microsoft.com/office/2006/metadata/properties" ma:root="true" ma:fieldsID="6b49c4b1e87cfd71c9528e3cb8636bc2" ns2:_="">
     <xsd:import namespace="99c847d8-566e-43ce-87b7-3c417d164c47"/>
@@ -21296,28 +21329,32 @@
 </ct:contentTypeSchema>
 </file>
 
-<file path=customXml/item2.xml><?xml version="1.0" encoding="utf-8"?>
-<p:properties xmlns:p="http://schemas.microsoft.com/office/2006/metadata/properties" xmlns:xsi="http://www.w3.org/2001/XMLSchema-instance">
-  <documentManagement>
-    <Content_x0020_Owner xmlns="99c847d8-566e-43ce-87b7-3c417d164c47">Ramroop, Saffie</Content_x0020_Owner>
-  </documentManagement>
-</p:properties>
+<file path=customXml/itemProps1.xml><?xml version="1.0" encoding="utf-8"?>
+<ds:datastoreItem xmlns:ds="http://schemas.openxmlformats.org/officeDocument/2006/customXml" ds:itemID="{7CBBC1DF-22C6-4C0C-A1CC-096D390C1463}">
+  <ds:schemaRefs>
+    <ds:schemaRef ds:uri="http://schemas.microsoft.com/office/2006/metadata/properties"/>
+    <ds:schemaRef ds:uri="99c847d8-566e-43ce-87b7-3c417d164c47"/>
+  </ds:schemaRefs>
+</ds:datastoreItem>
 </file>
 
-<file path=customXml/item3.xml><?xml version="1.0" encoding="utf-8"?>
-<?mso-contentType ?>
-<FormTemplates xmlns="http://schemas.microsoft.com/sharepoint/v3/contenttype/forms">
-  <Display>DocumentLibraryForm</Display>
-  <Edit>DocumentLibraryForm</Edit>
-  <New>DocumentLibraryForm</New>
-</FormTemplates>
+<file path=customXml/itemProps2.xml><?xml version="1.0" encoding="utf-8"?>
+<ds:datastoreItem xmlns:ds="http://schemas.openxmlformats.org/officeDocument/2006/customXml" ds:itemID="{08087394-933C-48A1-8AD9-030539CA3EF7}">
+  <ds:schemaRefs>
+    <ds:schemaRef ds:uri="http://schemas.microsoft.com/office/2006/metadata/longProperties"/>
+  </ds:schemaRefs>
+</ds:datastoreItem>
 </file>
 
-<file path=customXml/item4.xml><?xml version="1.0" encoding="utf-8"?>
-<LongProperties xmlns="http://schemas.microsoft.com/office/2006/metadata/longProperties"/>
+<file path=customXml/itemProps3.xml><?xml version="1.0" encoding="utf-8"?>
+<ds:datastoreItem xmlns:ds="http://schemas.openxmlformats.org/officeDocument/2006/customXml" ds:itemID="{9247FEFF-82D0-4BBE-AA2E-6E8C28F7BBE5}">
+  <ds:schemaRefs>
+    <ds:schemaRef ds:uri="http://schemas.microsoft.com/sharepoint/v3/contenttype/forms"/>
+  </ds:schemaRefs>
+</ds:datastoreItem>
 </file>
 
-<file path=customXml/itemProps1.xml><?xml version="1.0" encoding="utf-8"?>
+<file path=customXml/itemProps4.xml><?xml version="1.0" encoding="utf-8"?>
 <ds:datastoreItem xmlns:ds="http://schemas.openxmlformats.org/officeDocument/2006/customXml" ds:itemID="{83529300-F1B4-4E63-A67B-9E50D1598C67}">
   <ds:schemaRefs>
     <ds:schemaRef ds:uri="http://schemas.microsoft.com/office/2006/metadata/contentType"/>
@@ -21332,29 +21369,4 @@
     <ds:schemaRef ds:uri="http://schemas.microsoft.com/office/internal/2005/internalDocumentation"/>
   </ds:schemaRefs>
 </ds:datastoreItem>
-</file>
-
-<file path=customXml/itemProps2.xml><?xml version="1.0" encoding="utf-8"?>
-<ds:datastoreItem xmlns:ds="http://schemas.openxmlformats.org/officeDocument/2006/customXml" ds:itemID="{7CBBC1DF-22C6-4C0C-A1CC-096D390C1463}">
-  <ds:schemaRefs>
-    <ds:schemaRef ds:uri="http://schemas.microsoft.com/office/2006/metadata/properties"/>
-    <ds:schemaRef ds:uri="99c847d8-566e-43ce-87b7-3c417d164c47"/>
-  </ds:schemaRefs>
-</ds:datastoreItem>
-</file>
-
-<file path=customXml/itemProps3.xml><?xml version="1.0" encoding="utf-8"?>
-<ds:datastoreItem xmlns:ds="http://schemas.openxmlformats.org/officeDocument/2006/customXml" ds:itemID="{9247FEFF-82D0-4BBE-AA2E-6E8C28F7BBE5}">
-  <ds:schemaRefs>
-    <ds:schemaRef ds:uri="http://schemas.microsoft.com/sharepoint/v3/contenttype/forms"/>
-  </ds:schemaRefs>
-</ds:datastoreItem>
-</file>
-
-<file path=customXml/itemProps4.xml><?xml version="1.0" encoding="utf-8"?>
-<ds:datastoreItem xmlns:ds="http://schemas.openxmlformats.org/officeDocument/2006/customXml" ds:itemID="{08087394-933C-48A1-8AD9-030539CA3EF7}">
-  <ds:schemaRefs>
-    <ds:schemaRef ds:uri="http://schemas.microsoft.com/office/2006/metadata/longProperties"/>
-  </ds:schemaRefs>
-</ds:datastoreItem>
 </file>
--- a/trunk/slides/KeyStone ARM A15 CorePac.pptx
+++ b/trunk/slides/KeyStone ARM A15 CorePac.pptx
@@ -324,7 +324,7 @@
               <a:pPr>
                 <a:defRPr/>
               </a:pPr>
-              <a:t>3/31/2014</a:t>
+              <a:t>10/14/2014</a:t>
             </a:fld>
             <a:endParaRPr lang="en-US" dirty="0"/>
           </a:p>
@@ -432,6 +432,11 @@
         </p:txBody>
       </p:sp>
     </p:spTree>
+    <p:extLst>
+      <p:ext uri="{BB962C8B-B14F-4D97-AF65-F5344CB8AC3E}">
+        <p14:creationId xmlns:p14="http://schemas.microsoft.com/office/powerpoint/2010/main" val="641087188"/>
+      </p:ext>
+    </p:extLst>
   </p:cSld>
   <p:clrMap bg1="lt1" tx1="dk1" bg2="lt2" tx2="dk2" accent1="accent1" accent2="accent2" accent3="accent3" accent4="accent4" accent5="accent5" accent6="accent6" hlink="hlink" folHlink="folHlink"/>
 </p:handoutMaster>
@@ -757,6 +762,11 @@
         </p:txBody>
       </p:sp>
     </p:spTree>
+    <p:extLst>
+      <p:ext uri="{BB962C8B-B14F-4D97-AF65-F5344CB8AC3E}">
+        <p14:creationId xmlns:p14="http://schemas.microsoft.com/office/powerpoint/2010/main" val="2371177978"/>
+      </p:ext>
+    </p:extLst>
   </p:cSld>
   <p:clrMap bg1="lt1" tx1="dk1" bg2="lt2" tx2="dk2" accent1="accent1" accent2="accent2" accent3="accent3" accent4="accent4" accent5="accent5" accent6="accent6" hlink="hlink" folHlink="folHlink"/>
   <p:notesStyle>
@@ -7570,6 +7580,13 @@
   <p:clrMapOvr>
     <a:masterClrMapping/>
   </p:clrMapOvr>
+  <p:timing>
+    <p:tnLst>
+      <p:par>
+        <p:cTn id="1" dur="indefinite" restart="never" nodeType="tmRoot"/>
+      </p:par>
+    </p:tnLst>
+  </p:timing>
 </p:sld>
 </file>
 
@@ -7715,7 +7732,7 @@
 </file>
 
 <file path=ppt/slides/slide20.xml><?xml version="1.0" encoding="utf-8"?>
-<p:sld xmlns:a="http://schemas.openxmlformats.org/drawingml/2006/main" xmlns:r="http://schemas.openxmlformats.org/officeDocument/2006/relationships" xmlns:p="http://schemas.openxmlformats.org/presentationml/2006/main">
+<p:sld xmlns:a="http://schemas.openxmlformats.org/drawingml/2006/main" xmlns:r="http://schemas.openxmlformats.org/officeDocument/2006/relationships" xmlns:p="http://schemas.openxmlformats.org/presentationml/2006/main" show="0">
   <p:cSld>
     <p:spTree>
       <p:nvGrpSpPr>
@@ -7819,6 +7836,13 @@
     <a:masterClrMapping/>
   </p:clrMapOvr>
   <p:transition/>
+  <p:timing>
+    <p:tnLst>
+      <p:par>
+        <p:cTn id="1" dur="indefinite" restart="never" nodeType="tmRoot"/>
+      </p:par>
+    </p:tnLst>
+  </p:timing>
 </p:sld>
 </file>
 
@@ -8025,6 +8049,13 @@
   <p:clrMapOvr>
     <a:masterClrMapping/>
   </p:clrMapOvr>
+  <p:timing>
+    <p:tnLst>
+      <p:par>
+        <p:cTn id="1" dur="indefinite" restart="never" nodeType="tmRoot"/>
+      </p:par>
+    </p:tnLst>
+  </p:timing>
 </p:sld>
 </file>
 
@@ -8168,6 +8199,13 @@
   <p:clrMapOvr>
     <a:masterClrMapping/>
   </p:clrMapOvr>
+  <p:timing>
+    <p:tnLst>
+      <p:par>
+        <p:cTn id="1" dur="indefinite" restart="never" nodeType="tmRoot"/>
+      </p:par>
+    </p:tnLst>
+  </p:timing>
 </p:sld>
 </file>
 
@@ -8251,6 +8289,13 @@
   <p:transition spd="med">
     <p:fade/>
   </p:transition>
+  <p:timing>
+    <p:tnLst>
+      <p:par>
+        <p:cTn id="1" dur="indefinite" restart="never" nodeType="tmRoot"/>
+      </p:par>
+    </p:tnLst>
+  </p:timing>
 </p:sld>
 </file>
 
@@ -8394,6 +8439,13 @@
   <p:clrMapOvr>
     <a:masterClrMapping/>
   </p:clrMapOvr>
+  <p:timing>
+    <p:tnLst>
+      <p:par>
+        <p:cTn id="1" dur="indefinite" restart="never" nodeType="tmRoot"/>
+      </p:par>
+    </p:tnLst>
+  </p:timing>
 </p:sld>
 </file>
 
@@ -8506,6 +8558,13 @@
     <a:masterClrMapping/>
   </p:clrMapOvr>
   <p:transition/>
+  <p:timing>
+    <p:tnLst>
+      <p:par>
+        <p:cTn id="1" dur="indefinite" restart="never" nodeType="tmRoot"/>
+      </p:par>
+    </p:tnLst>
+  </p:timing>
 </p:sld>
 </file>
 
@@ -8656,9 +8715,59 @@
         </p:xfrm>
         <a:graphic>
           <a:graphicData uri="http://schemas.openxmlformats.org/presentationml/2006/ole">
-            <p:oleObj spid="_x0000_s100354" name="Visio" r:id="rId3" imgW="6549693" imgH="5635473" progId="Visio.Drawing.11">
-              <p:embed/>
-            </p:oleObj>
+            <mc:AlternateContent xmlns:mc="http://schemas.openxmlformats.org/markup-compatibility/2006">
+              <mc:Choice xmlns:v="urn:schemas-microsoft-com:vml" Requires="v">
+                <p:oleObj spid="_x0000_s100356" name="Visio" r:id="rId3" imgW="6549693" imgH="5635473" progId="Visio.Drawing.11">
+                  <p:embed/>
+                </p:oleObj>
+              </mc:Choice>
+              <mc:Fallback>
+                <p:oleObj name="Visio" r:id="rId3" imgW="6549693" imgH="5635473" progId="Visio.Drawing.11">
+                  <p:embed/>
+                  <p:pic>
+                    <p:nvPicPr>
+                      <p:cNvPr id="0" name="Picture 2"/>
+                      <p:cNvPicPr>
+                        <a:picLocks noChangeAspect="1" noChangeArrowheads="1"/>
+                      </p:cNvPicPr>
+                      <p:nvPr/>
+                    </p:nvPicPr>
+                    <p:blipFill>
+                      <a:blip r:embed="rId4">
+                        <a:extLst>
+                          <a:ext uri="{28A0092B-C50C-407E-A947-70E740481C1C}">
+                            <a14:useLocalDpi xmlns:a14="http://schemas.microsoft.com/office/drawing/2010/main" val="0"/>
+                          </a:ext>
+                        </a:extLst>
+                      </a:blip>
+                      <a:srcRect/>
+                      <a:stretch>
+                        <a:fillRect/>
+                      </a:stretch>
+                    </p:blipFill>
+                    <p:spPr bwMode="auto">
+                      <a:xfrm>
+                        <a:off x="3035710" y="1064100"/>
+                        <a:ext cx="6020025" cy="5179172"/>
+                      </a:xfrm>
+                      <a:prstGeom prst="rect">
+                        <a:avLst/>
+                      </a:prstGeom>
+                      <a:noFill/>
+                      <a:extLst>
+                        <a:ext uri="{909E8E84-426E-40DD-AFC4-6F175D3DCCD1}">
+                          <a14:hiddenFill xmlns:a14="http://schemas.microsoft.com/office/drawing/2010/main">
+                            <a:solidFill>
+                              <a:srgbClr val="FFFFFF"/>
+                            </a:solidFill>
+                          </a14:hiddenFill>
+                        </a:ext>
+                      </a:extLst>
+                    </p:spPr>
+                  </p:pic>
+                </p:oleObj>
+              </mc:Fallback>
+            </mc:AlternateContent>
           </a:graphicData>
         </a:graphic>
       </p:graphicFrame>
@@ -8692,6 +8801,13 @@
     <a:masterClrMapping/>
   </p:clrMapOvr>
   <p:transition/>
+  <p:timing>
+    <p:tnLst>
+      <p:par>
+        <p:cTn id="1" dur="indefinite" restart="never" nodeType="tmRoot"/>
+      </p:par>
+    </p:tnLst>
+  </p:timing>
 </p:sld>
 </file>
 
@@ -15285,7 +15401,7 @@
     </p:custDataLst>
     <p:extLst>
       <p:ext uri="{BB962C8B-B14F-4D97-AF65-F5344CB8AC3E}">
-        <p14:creationId xmlns:p14="http://schemas.microsoft.com/office/powerpoint/2010/main" xmlns="" val="3469200570"/>
+        <p14:creationId xmlns:p14="http://schemas.microsoft.com/office/powerpoint/2010/main" val="3469200570"/>
       </p:ext>
     </p:extLst>
   </p:cSld>
@@ -15375,6 +15491,13 @@
   <p:transition spd="med">
     <p:fade/>
   </p:transition>
+  <p:timing>
+    <p:tnLst>
+      <p:par>
+        <p:cTn id="1" dur="indefinite" restart="never" nodeType="tmRoot"/>
+      </p:par>
+    </p:tnLst>
+  </p:timing>
 </p:sld>
 </file>
 
@@ -15603,7 +15726,7 @@
             <p:ph idx="1"/>
             <p:extLst>
               <p:ext uri="{D42A27DB-BD31-4B8C-83A1-F6EECF244321}">
-                <p14:modId xmlns="" xmlns:p14="http://schemas.microsoft.com/office/powerpoint/2010/main" val="1659503329"/>
+                <p14:modId xmlns:p14="http://schemas.microsoft.com/office/powerpoint/2010/main" val="1659503329"/>
               </p:ext>
             </p:extLst>
           </p:nvPr>
@@ -15614,9 +15737,59 @@
         </p:xfrm>
         <a:graphic>
           <a:graphicData uri="http://schemas.openxmlformats.org/presentationml/2006/ole">
-            <p:oleObj spid="_x0000_s145410" name="Worksheet" r:id="rId3" imgW="5981644" imgH="3848040" progId="Excel.Sheet.8">
-              <p:embed/>
-            </p:oleObj>
+            <mc:AlternateContent xmlns:mc="http://schemas.openxmlformats.org/markup-compatibility/2006">
+              <mc:Choice xmlns:v="urn:schemas-microsoft-com:vml" Requires="v">
+                <p:oleObj spid="_x0000_s145412" name="Worksheet" r:id="rId4" imgW="5981644" imgH="3848040" progId="Excel.Sheet.8">
+                  <p:embed/>
+                </p:oleObj>
+              </mc:Choice>
+              <mc:Fallback>
+                <p:oleObj name="Worksheet" r:id="rId4" imgW="5981644" imgH="3848040" progId="Excel.Sheet.8">
+                  <p:embed/>
+                  <p:pic>
+                    <p:nvPicPr>
+                      <p:cNvPr id="0" name="Object 2"/>
+                      <p:cNvPicPr>
+                        <a:picLocks noGrp="1" noChangeAspect="1" noChangeArrowheads="1"/>
+                      </p:cNvPicPr>
+                      <p:nvPr/>
+                    </p:nvPicPr>
+                    <p:blipFill>
+                      <a:blip r:embed="rId5">
+                        <a:extLst>
+                          <a:ext uri="{28A0092B-C50C-407E-A947-70E740481C1C}">
+                            <a14:useLocalDpi xmlns:a14="http://schemas.microsoft.com/office/drawing/2010/main" val="0"/>
+                          </a:ext>
+                        </a:extLst>
+                      </a:blip>
+                      <a:srcRect/>
+                      <a:stretch>
+                        <a:fillRect/>
+                      </a:stretch>
+                    </p:blipFill>
+                    <p:spPr bwMode="auto">
+                      <a:xfrm>
+                        <a:off x="11113" y="904875"/>
+                        <a:ext cx="6070600" cy="3905250"/>
+                      </a:xfrm>
+                      <a:prstGeom prst="rect">
+                        <a:avLst/>
+                      </a:prstGeom>
+                      <a:noFill/>
+                      <a:extLst>
+                        <a:ext uri="{909E8E84-426E-40DD-AFC4-6F175D3DCCD1}">
+                          <a14:hiddenFill xmlns:a14="http://schemas.microsoft.com/office/drawing/2010/main">
+                            <a:solidFill>
+                              <a:srgbClr val="FFFFFF"/>
+                            </a:solidFill>
+                          </a14:hiddenFill>
+                        </a:ext>
+                      </a:extLst>
+                    </p:spPr>
+                  </p:pic>
+                </p:oleObj>
+              </mc:Fallback>
+            </mc:AlternateContent>
           </a:graphicData>
         </a:graphic>
       </p:graphicFrame>
@@ -16370,6 +16543,13 @@
   <p:transition spd="med">
     <p:fade/>
   </p:transition>
+  <p:timing>
+    <p:tnLst>
+      <p:par>
+        <p:cTn id="1" dur="indefinite" restart="never" nodeType="tmRoot"/>
+      </p:par>
+    </p:tnLst>
+  </p:timing>
 </p:sld>
 </file>
 
@@ -17174,9 +17354,82 @@
         </p:xfrm>
         <a:graphic>
           <a:graphicData uri="http://schemas.openxmlformats.org/presentationml/2006/ole">
-            <p:oleObj spid="_x0000_s52226" name="Visio" r:id="rId3" imgW="4384167" imgH="3355467" progId="Visio.Drawing.11">
-              <p:embed/>
-            </p:oleObj>
+            <mc:AlternateContent xmlns:mc="http://schemas.openxmlformats.org/markup-compatibility/2006">
+              <mc:Choice xmlns:v="urn:schemas-microsoft-com:vml" Requires="v">
+                <p:oleObj spid="_x0000_s52228" name="Visio" r:id="rId3" imgW="4384167" imgH="3355467" progId="Visio.Drawing.11">
+                  <p:embed/>
+                </p:oleObj>
+              </mc:Choice>
+              <mc:Fallback>
+                <p:oleObj name="Visio" r:id="rId3" imgW="4384167" imgH="3355467" progId="Visio.Drawing.11">
+                  <p:embed/>
+                  <p:pic>
+                    <p:nvPicPr>
+                      <p:cNvPr id="0" name="Object 2"/>
+                      <p:cNvPicPr>
+                        <a:picLocks noChangeAspect="1" noChangeArrowheads="1"/>
+                      </p:cNvPicPr>
+                      <p:nvPr/>
+                    </p:nvPicPr>
+                    <p:blipFill>
+                      <a:blip r:embed="rId4">
+                        <a:extLst>
+                          <a:ext uri="{28A0092B-C50C-407E-A947-70E740481C1C}">
+                            <a14:useLocalDpi xmlns:a14="http://schemas.microsoft.com/office/drawing/2010/main" val="0"/>
+                          </a:ext>
+                        </a:extLst>
+                      </a:blip>
+                      <a:srcRect/>
+                      <a:stretch>
+                        <a:fillRect/>
+                      </a:stretch>
+                    </p:blipFill>
+                    <p:spPr bwMode="auto">
+                      <a:xfrm>
+                        <a:off x="1797050" y="1909763"/>
+                        <a:ext cx="5608638" cy="3951287"/>
+                      </a:xfrm>
+                      <a:prstGeom prst="rect">
+                        <a:avLst/>
+                      </a:prstGeom>
+                      <a:noFill/>
+                      <a:ln>
+                        <a:noFill/>
+                      </a:ln>
+                      <a:effectLst/>
+                      <a:extLst>
+                        <a:ext uri="{909E8E84-426E-40DD-AFC4-6F175D3DCCD1}">
+                          <a14:hiddenFill xmlns:a14="http://schemas.microsoft.com/office/drawing/2010/main">
+                            <a:solidFill>
+                              <a:schemeClr val="accent1"/>
+                            </a:solidFill>
+                          </a14:hiddenFill>
+                        </a:ext>
+                        <a:ext uri="{91240B29-F687-4F45-9708-019B960494DF}">
+                          <a14:hiddenLine xmlns:a14="http://schemas.microsoft.com/office/drawing/2010/main" w="9525">
+                            <a:solidFill>
+                              <a:schemeClr val="tx1"/>
+                            </a:solidFill>
+                            <a:miter lim="800000"/>
+                            <a:headEnd/>
+                            <a:tailEnd/>
+                          </a14:hiddenLine>
+                        </a:ext>
+                        <a:ext uri="{AF507438-7753-43E0-B8FC-AC1667EBCBE1}">
+                          <a14:hiddenEffects xmlns:a14="http://schemas.microsoft.com/office/drawing/2010/main">
+                            <a:effectLst>
+                              <a:outerShdw dist="35921" dir="2700000" algn="ctr" rotWithShape="0">
+                                <a:schemeClr val="bg2"/>
+                              </a:outerShdw>
+                            </a:effectLst>
+                          </a14:hiddenEffects>
+                        </a:ext>
+                      </a:extLst>
+                    </p:spPr>
+                  </p:pic>
+                </p:oleObj>
+              </mc:Fallback>
+            </mc:AlternateContent>
           </a:graphicData>
         </a:graphic>
       </p:graphicFrame>
@@ -17293,6 +17546,13 @@
   <p:transition spd="med">
     <p:fade/>
   </p:transition>
+  <p:timing>
+    <p:tnLst>
+      <p:par>
+        <p:cTn id="1" dur="indefinite" restart="never" nodeType="tmRoot"/>
+      </p:par>
+    </p:tnLst>
+  </p:timing>
 </p:sld>
 </file>
 
@@ -17573,7 +17833,7 @@
     </p:custDataLst>
     <p:extLst>
       <p:ext uri="{BB962C8B-B14F-4D97-AF65-F5344CB8AC3E}">
-        <p14:creationId xmlns:p14="http://schemas.microsoft.com/office/powerpoint/2010/main" xmlns="" val="3469200570"/>
+        <p14:creationId xmlns:p14="http://schemas.microsoft.com/office/powerpoint/2010/main" val="3469200570"/>
       </p:ext>
     </p:extLst>
   </p:cSld>
@@ -17957,6 +18217,13 @@
   <p:transition spd="med">
     <p:fade/>
   </p:transition>
+  <p:timing>
+    <p:tnLst>
+      <p:par>
+        <p:cTn id="1" dur="indefinite" restart="never" nodeType="tmRoot"/>
+      </p:par>
+    </p:tnLst>
+  </p:timing>
 </p:sld>
 </file>
 
@@ -18130,7 +18397,7 @@
 </file>
 
 <file path=ppt/slides/slide54.xml><?xml version="1.0" encoding="utf-8"?>
-<p:sld xmlns:a="http://schemas.openxmlformats.org/drawingml/2006/main" xmlns:r="http://schemas.openxmlformats.org/officeDocument/2006/relationships" xmlns:p="http://schemas.openxmlformats.org/presentationml/2006/main">
+<p:sld xmlns:a="http://schemas.openxmlformats.org/drawingml/2006/main" xmlns:r="http://schemas.openxmlformats.org/officeDocument/2006/relationships" xmlns:p="http://schemas.openxmlformats.org/presentationml/2006/main" show="0">
   <p:cSld>
     <p:spTree>
       <p:nvGrpSpPr>
@@ -18249,6 +18516,14 @@
   <p:clrMapOvr>
     <a:masterClrMapping/>
   </p:clrMapOvr>
+  <mc:AlternateContent xmlns:mc="http://schemas.openxmlformats.org/markup-compatibility/2006">
+    <mc:Choice xmlns:p14="http://schemas.microsoft.com/office/powerpoint/2010/main" Requires="p14">
+      <p:transition spd="slow" p14:dur="2000"/>
+    </mc:Choice>
+    <mc:Fallback>
+      <p:transition spd="slow"/>
+    </mc:Fallback>
+  </mc:AlternateContent>
   <p:timing>
     <p:tnLst>
       <p:par>
@@ -18361,6 +18636,13 @@
     <a:masterClrMapping/>
   </p:clrMapOvr>
   <p:transition/>
+  <p:timing>
+    <p:tnLst>
+      <p:par>
+        <p:cTn id="1" dur="indefinite" restart="never" nodeType="tmRoot"/>
+      </p:par>
+    </p:tnLst>
+  </p:timing>
 </p:sld>
 </file>
 
@@ -18774,6 +19056,13 @@
   <p:clrMapOvr>
     <a:masterClrMapping/>
   </p:clrMapOvr>
+  <p:timing>
+    <p:tnLst>
+      <p:par>
+        <p:cTn id="1" dur="indefinite" restart="never" nodeType="tmRoot"/>
+      </p:par>
+    </p:tnLst>
+  </p:timing>
 </p:sld>
 </file>
 
@@ -19282,7 +19571,7 @@
 </file>
 
 <file path=ppt/slides/slide61.xml><?xml version="1.0" encoding="utf-8"?>
-<p:sld xmlns:a="http://schemas.openxmlformats.org/drawingml/2006/main" xmlns:r="http://schemas.openxmlformats.org/officeDocument/2006/relationships" xmlns:p="http://schemas.openxmlformats.org/presentationml/2006/main">
+<p:sld xmlns:a="http://schemas.openxmlformats.org/drawingml/2006/main" xmlns:r="http://schemas.openxmlformats.org/officeDocument/2006/relationships" xmlns:p="http://schemas.openxmlformats.org/presentationml/2006/main" show="0">
   <p:cSld>
     <p:spTree>
       <p:nvGrpSpPr>
@@ -19725,11 +20014,7 @@
             </a:r>
             <a:r>
               <a:rPr lang="en-US" sz="2400" smtClean="0"/>
-              <a:t>concurrent </a:t>
-            </a:r>
-            <a:r>
-              <a:rPr lang="en-US" sz="2400" smtClean="0"/>
-              <a:t>decoded, </a:t>
+              <a:t>concurrent decoded, </a:t>
             </a:r>
             <a:r>
               <a:rPr lang="en-US" sz="2400" dirty="0" smtClean="0"/>
@@ -21247,27 +21532,6 @@
 </file>
 
 <file path=customXml/item1.xml><?xml version="1.0" encoding="utf-8"?>
-<p:properties xmlns:p="http://schemas.microsoft.com/office/2006/metadata/properties" xmlns:xsi="http://www.w3.org/2001/XMLSchema-instance">
-  <documentManagement>
-    <Content_x0020_Owner xmlns="99c847d8-566e-43ce-87b7-3c417d164c47">Ramroop, Saffie</Content_x0020_Owner>
-  </documentManagement>
-</p:properties>
-</file>
-
-<file path=customXml/item2.xml><?xml version="1.0" encoding="utf-8"?>
-<LongProperties xmlns="http://schemas.microsoft.com/office/2006/metadata/longProperties"/>
-</file>
-
-<file path=customXml/item3.xml><?xml version="1.0" encoding="utf-8"?>
-<?mso-contentType ?>
-<FormTemplates xmlns="http://schemas.microsoft.com/sharepoint/v3/contenttype/forms">
-  <Display>DocumentLibraryForm</Display>
-  <Edit>DocumentLibraryForm</Edit>
-  <New>DocumentLibraryForm</New>
-</FormTemplates>
-</file>
-
-<file path=customXml/item4.xml><?xml version="1.0" encoding="utf-8"?>
 <ct:contentTypeSchema xmlns:ct="http://schemas.microsoft.com/office/2006/metadata/contentType" xmlns:ma="http://schemas.microsoft.com/office/2006/metadata/properties/metaAttributes" ct:_="" ma:_="" ma:contentTypeName="Document" ma:contentTypeID="0x0101006BF34EDD2AB14F49969AD5B68D65D28C" ma:contentTypeVersion="1" ma:contentTypeDescription="Create a new document." ma:contentTypeScope="" ma:versionID="aec3fda75a9471671297bbb4606d1d91">
   <xsd:schema xmlns:xsd="http://www.w3.org/2001/XMLSchema" xmlns:p="http://schemas.microsoft.com/office/2006/metadata/properties" xmlns:ns2="99c847d8-566e-43ce-87b7-3c417d164c47" targetNamespace="http://schemas.microsoft.com/office/2006/metadata/properties" ma:root="true" ma:fieldsID="6b49c4b1e87cfd71c9528e3cb8636bc2" ns2:_="">
     <xsd:import namespace="99c847d8-566e-43ce-87b7-3c417d164c47"/>
@@ -21329,32 +21593,28 @@
 </ct:contentTypeSchema>
 </file>
 
-<file path=customXml/itemProps1.xml><?xml version="1.0" encoding="utf-8"?>
-<ds:datastoreItem xmlns:ds="http://schemas.openxmlformats.org/officeDocument/2006/customXml" ds:itemID="{7CBBC1DF-22C6-4C0C-A1CC-096D390C1463}">
-  <ds:schemaRefs>
-    <ds:schemaRef ds:uri="http://schemas.microsoft.com/office/2006/metadata/properties"/>
-    <ds:schemaRef ds:uri="99c847d8-566e-43ce-87b7-3c417d164c47"/>
-  </ds:schemaRefs>
-</ds:datastoreItem>
+<file path=customXml/item2.xml><?xml version="1.0" encoding="utf-8"?>
+<p:properties xmlns:p="http://schemas.microsoft.com/office/2006/metadata/properties" xmlns:xsi="http://www.w3.org/2001/XMLSchema-instance">
+  <documentManagement>
+    <Content_x0020_Owner xmlns="99c847d8-566e-43ce-87b7-3c417d164c47">Ramroop, Saffie</Content_x0020_Owner>
+  </documentManagement>
+</p:properties>
 </file>
 
-<file path=customXml/itemProps2.xml><?xml version="1.0" encoding="utf-8"?>
-<ds:datastoreItem xmlns:ds="http://schemas.openxmlformats.org/officeDocument/2006/customXml" ds:itemID="{08087394-933C-48A1-8AD9-030539CA3EF7}">
-  <ds:schemaRefs>
-    <ds:schemaRef ds:uri="http://schemas.microsoft.com/office/2006/metadata/longProperties"/>
-  </ds:schemaRefs>
-</ds:datastoreItem>
+<file path=customXml/item3.xml><?xml version="1.0" encoding="utf-8"?>
+<?mso-contentType ?>
+<FormTemplates xmlns="http://schemas.microsoft.com/sharepoint/v3/contenttype/forms">
+  <Display>DocumentLibraryForm</Display>
+  <Edit>DocumentLibraryForm</Edit>
+  <New>DocumentLibraryForm</New>
+</FormTemplates>
 </file>
 
-<file path=customXml/itemProps3.xml><?xml version="1.0" encoding="utf-8"?>
-<ds:datastoreItem xmlns:ds="http://schemas.openxmlformats.org/officeDocument/2006/customXml" ds:itemID="{9247FEFF-82D0-4BBE-AA2E-6E8C28F7BBE5}">
-  <ds:schemaRefs>
-    <ds:schemaRef ds:uri="http://schemas.microsoft.com/sharepoint/v3/contenttype/forms"/>
-  </ds:schemaRefs>
-</ds:datastoreItem>
+<file path=customXml/item4.xml><?xml version="1.0" encoding="utf-8"?>
+<LongProperties xmlns="http://schemas.microsoft.com/office/2006/metadata/longProperties"/>
 </file>
 
-<file path=customXml/itemProps4.xml><?xml version="1.0" encoding="utf-8"?>
+<file path=customXml/itemProps1.xml><?xml version="1.0" encoding="utf-8"?>
 <ds:datastoreItem xmlns:ds="http://schemas.openxmlformats.org/officeDocument/2006/customXml" ds:itemID="{83529300-F1B4-4E63-A67B-9E50D1598C67}">
   <ds:schemaRefs>
     <ds:schemaRef ds:uri="http://schemas.microsoft.com/office/2006/metadata/contentType"/>
@@ -21369,4 +21629,29 @@
     <ds:schemaRef ds:uri="http://schemas.microsoft.com/office/internal/2005/internalDocumentation"/>
   </ds:schemaRefs>
 </ds:datastoreItem>
+</file>
+
+<file path=customXml/itemProps2.xml><?xml version="1.0" encoding="utf-8"?>
+<ds:datastoreItem xmlns:ds="http://schemas.openxmlformats.org/officeDocument/2006/customXml" ds:itemID="{7CBBC1DF-22C6-4C0C-A1CC-096D390C1463}">
+  <ds:schemaRefs>
+    <ds:schemaRef ds:uri="http://schemas.microsoft.com/office/2006/metadata/properties"/>
+    <ds:schemaRef ds:uri="99c847d8-566e-43ce-87b7-3c417d164c47"/>
+  </ds:schemaRefs>
+</ds:datastoreItem>
+</file>
+
+<file path=customXml/itemProps3.xml><?xml version="1.0" encoding="utf-8"?>
+<ds:datastoreItem xmlns:ds="http://schemas.openxmlformats.org/officeDocument/2006/customXml" ds:itemID="{9247FEFF-82D0-4BBE-AA2E-6E8C28F7BBE5}">
+  <ds:schemaRefs>
+    <ds:schemaRef ds:uri="http://schemas.microsoft.com/sharepoint/v3/contenttype/forms"/>
+  </ds:schemaRefs>
+</ds:datastoreItem>
+</file>
+
+<file path=customXml/itemProps4.xml><?xml version="1.0" encoding="utf-8"?>
+<ds:datastoreItem xmlns:ds="http://schemas.openxmlformats.org/officeDocument/2006/customXml" ds:itemID="{08087394-933C-48A1-8AD9-030539CA3EF7}">
+  <ds:schemaRefs>
+    <ds:schemaRef ds:uri="http://schemas.microsoft.com/office/2006/metadata/longProperties"/>
+  </ds:schemaRefs>
+</ds:datastoreItem>
 </file>